--- a/Путь к вершине.pptx
+++ b/Путь к вершине.pptx
@@ -2552,10 +2552,10 @@
       </p:sp>
       <p:sp>
         <p:nvSpPr>
-          <p:cNvPr id="3" name="Rectangle 1">
+          <p:cNvPr id="4" name="Rectangle 2">
             <a:extLst>
               <a:ext uri="{FF2B5EF4-FFF2-40B4-BE49-F238E27FC236}">
-                <a16:creationId xmlns:a16="http://schemas.microsoft.com/office/drawing/2014/main" id="{D7AA30FE-7881-4EC6-90FA-15A051F272CD}"/>
+                <a16:creationId xmlns:a16="http://schemas.microsoft.com/office/drawing/2014/main" id="{A1451241-5254-4A5A-B6B8-0A3338A4921A}"/>
               </a:ext>
             </a:extLst>
           </p:cNvPr>
@@ -2566,17 +2566,40 @@
         </p:nvSpPr>
         <p:spPr bwMode="auto">
           <a:xfrm>
-            <a:off x="13905" y="1259723"/>
-            <a:ext cx="3352800" cy="3808735"/>
+            <a:off x="4281105" y="1504950"/>
+            <a:ext cx="4848990" cy="3416320"/>
           </a:xfrm>
           <a:prstGeom prst="rect">
             <a:avLst/>
           </a:prstGeom>
-          <a:noFill/>
+          <a:solidFill>
+            <a:srgbClr val="2B2B2B"/>
+          </a:solidFill>
           <a:ln>
             <a:noFill/>
           </a:ln>
           <a:effectLst/>
+          <a:extLst>
+            <a:ext uri="{91240B29-F687-4F45-9708-019B960494DF}">
+              <a14:hiddenLine xmlns:a14="http://schemas.microsoft.com/office/drawing/2010/main" w="9525">
+                <a:solidFill>
+                  <a:schemeClr val="tx1"/>
+                </a:solidFill>
+                <a:miter lim="800000"/>
+                <a:headEnd/>
+                <a:tailEnd/>
+              </a14:hiddenLine>
+            </a:ext>
+            <a:ext uri="{AF507438-7753-43E0-B8FC-AC1667EBCBE1}">
+              <a14:hiddenEffects xmlns:a14="http://schemas.microsoft.com/office/drawing/2010/main">
+                <a:effectLst>
+                  <a:outerShdw dist="35921" dir="2700000" algn="ctr" rotWithShape="0">
+                    <a:schemeClr val="bg2"/>
+                  </a:outerShdw>
+                </a:effectLst>
+              </a14:hiddenEffects>
+            </a:ext>
+          </a:extLst>
         </p:spPr>
         <p:txBody>
           <a:bodyPr vert="horz" wrap="square" lIns="91440" tIns="45720" rIns="91440" bIns="45720" numCol="1" anchor="ctr" anchorCtr="0" compatLnSpc="1">
@@ -2604,1347 +2627,1809 @@
               <a:tabLst/>
             </a:pPr>
             <a:r>
-              <a:rPr kumimoji="0" lang="ru-RU" altLang="ru-RU" sz="1050" b="0" i="0" u="none" strike="noStrike" cap="none" normalizeH="0" baseline="0" dirty="0">
-                <a:ln>
-                  <a:noFill/>
-                </a:ln>
+              <a:rPr kumimoji="0" lang="ru-RU" altLang="ru-RU" sz="900" b="0" i="0" u="none" strike="noStrike" cap="none" normalizeH="0" baseline="0" dirty="0" err="1">
+                <a:ln>
+                  <a:noFill/>
+                </a:ln>
+                <a:solidFill>
+                  <a:srgbClr val="CC7832"/>
+                </a:solidFill>
+                <a:effectLst/>
+                <a:latin typeface="JetBrains Mono"/>
+              </a:rPr>
+              <a:t>public</a:t>
+            </a:r>
+            <a:r>
+              <a:rPr kumimoji="0" lang="ru-RU" altLang="ru-RU" sz="900" b="0" i="0" u="none" strike="noStrike" cap="none" normalizeH="0" baseline="0" dirty="0">
+                <a:ln>
+                  <a:noFill/>
+                </a:ln>
+                <a:solidFill>
+                  <a:srgbClr val="CC7832"/>
+                </a:solidFill>
+                <a:effectLst/>
+                <a:latin typeface="JetBrains Mono"/>
+              </a:rPr>
+              <a:t> </a:t>
+            </a:r>
+            <a:r>
+              <a:rPr kumimoji="0" lang="ru-RU" altLang="ru-RU" sz="900" b="0" i="0" u="none" strike="noStrike" cap="none" normalizeH="0" baseline="0" dirty="0" err="1">
+                <a:ln>
+                  <a:noFill/>
+                </a:ln>
+                <a:solidFill>
+                  <a:srgbClr val="CC7832"/>
+                </a:solidFill>
+                <a:effectLst/>
+                <a:latin typeface="JetBrains Mono"/>
+              </a:rPr>
+              <a:t>class</a:t>
+            </a:r>
+            <a:r>
+              <a:rPr kumimoji="0" lang="ru-RU" altLang="ru-RU" sz="900" b="0" i="0" u="none" strike="noStrike" cap="none" normalizeH="0" baseline="0" dirty="0">
+                <a:ln>
+                  <a:noFill/>
+                </a:ln>
+                <a:solidFill>
+                  <a:srgbClr val="CC7832"/>
+                </a:solidFill>
+                <a:effectLst/>
+                <a:latin typeface="JetBrains Mono"/>
+              </a:rPr>
+              <a:t> </a:t>
+            </a:r>
+            <a:r>
+              <a:rPr kumimoji="0" lang="ru-RU" altLang="ru-RU" sz="900" b="0" i="0" u="none" strike="noStrike" cap="none" normalizeH="0" baseline="0" dirty="0">
+                <a:ln>
+                  <a:noFill/>
+                </a:ln>
+                <a:solidFill>
+                  <a:srgbClr val="A9B7C6"/>
+                </a:solidFill>
+                <a:effectLst/>
+                <a:latin typeface="JetBrains Mono"/>
+              </a:rPr>
+              <a:t>Music {</a:t>
+            </a:r>
+            <a:br>
+              <a:rPr kumimoji="0" lang="ru-RU" altLang="ru-RU" sz="900" b="0" i="0" u="none" strike="noStrike" cap="none" normalizeH="0" baseline="0" dirty="0">
+                <a:ln>
+                  <a:noFill/>
+                </a:ln>
+                <a:solidFill>
+                  <a:srgbClr val="A9B7C6"/>
+                </a:solidFill>
+                <a:effectLst/>
+                <a:latin typeface="JetBrains Mono"/>
+              </a:rPr>
+            </a:br>
+            <a:r>
+              <a:rPr kumimoji="0" lang="ru-RU" altLang="ru-RU" sz="900" b="0" i="0" u="none" strike="noStrike" cap="none" normalizeH="0" baseline="0" dirty="0">
+                <a:ln>
+                  <a:noFill/>
+                </a:ln>
+                <a:solidFill>
+                  <a:srgbClr val="A9B7C6"/>
+                </a:solidFill>
+                <a:effectLst/>
+                <a:latin typeface="JetBrains Mono"/>
+              </a:rPr>
+              <a:t>    </a:t>
+            </a:r>
+            <a:r>
+              <a:rPr kumimoji="0" lang="ru-RU" altLang="ru-RU" sz="900" b="0" i="0" u="none" strike="noStrike" cap="none" normalizeH="0" baseline="0" dirty="0" err="1">
+                <a:ln>
+                  <a:noFill/>
+                </a:ln>
+                <a:solidFill>
+                  <a:srgbClr val="CC7832"/>
+                </a:solidFill>
+                <a:effectLst/>
+                <a:latin typeface="JetBrains Mono"/>
+              </a:rPr>
+              <a:t>private</a:t>
+            </a:r>
+            <a:r>
+              <a:rPr kumimoji="0" lang="ru-RU" altLang="ru-RU" sz="900" b="0" i="0" u="none" strike="noStrike" cap="none" normalizeH="0" baseline="0" dirty="0">
+                <a:ln>
+                  <a:noFill/>
+                </a:ln>
+                <a:solidFill>
+                  <a:srgbClr val="CC7832"/>
+                </a:solidFill>
+                <a:effectLst/>
+                <a:latin typeface="JetBrains Mono"/>
+              </a:rPr>
+              <a:t> </a:t>
+            </a:r>
+            <a:r>
+              <a:rPr kumimoji="0" lang="ru-RU" altLang="ru-RU" sz="900" b="0" i="0" u="none" strike="noStrike" cap="none" normalizeH="0" baseline="0" dirty="0" err="1">
+                <a:ln>
+                  <a:noFill/>
+                </a:ln>
+                <a:solidFill>
+                  <a:srgbClr val="A9B7C6"/>
+                </a:solidFill>
+                <a:effectLst/>
+                <a:latin typeface="JetBrains Mono"/>
+              </a:rPr>
+              <a:t>MediaPlayer</a:t>
+            </a:r>
+            <a:r>
+              <a:rPr kumimoji="0" lang="ru-RU" altLang="ru-RU" sz="900" b="0" i="0" u="none" strike="noStrike" cap="none" normalizeH="0" baseline="0" dirty="0">
+                <a:ln>
+                  <a:noFill/>
+                </a:ln>
+                <a:solidFill>
+                  <a:srgbClr val="A9B7C6"/>
+                </a:solidFill>
+                <a:effectLst/>
+                <a:latin typeface="JetBrains Mono"/>
+              </a:rPr>
+              <a:t> </a:t>
+            </a:r>
+            <a:r>
+              <a:rPr kumimoji="0" lang="ru-RU" altLang="ru-RU" sz="900" b="0" i="0" u="none" strike="noStrike" cap="none" normalizeH="0" baseline="0" dirty="0" err="1">
+                <a:ln>
+                  <a:noFill/>
+                </a:ln>
+                <a:solidFill>
+                  <a:srgbClr val="9876AA"/>
+                </a:solidFill>
+                <a:effectLst/>
+                <a:latin typeface="JetBrains Mono"/>
+              </a:rPr>
+              <a:t>mPlayer</a:t>
+            </a:r>
+            <a:r>
+              <a:rPr kumimoji="0" lang="ru-RU" altLang="ru-RU" sz="900" b="0" i="0" u="none" strike="noStrike" cap="none" normalizeH="0" baseline="0" dirty="0">
+                <a:ln>
+                  <a:noFill/>
+                </a:ln>
+                <a:solidFill>
+                  <a:srgbClr val="CC7832"/>
+                </a:solidFill>
+                <a:effectLst/>
+                <a:latin typeface="JetBrains Mono"/>
+              </a:rPr>
+              <a:t>;</a:t>
+            </a:r>
+            <a:br>
+              <a:rPr kumimoji="0" lang="ru-RU" altLang="ru-RU" sz="900" b="0" i="0" u="none" strike="noStrike" cap="none" normalizeH="0" baseline="0" dirty="0">
+                <a:ln>
+                  <a:noFill/>
+                </a:ln>
+                <a:solidFill>
+                  <a:srgbClr val="CC7832"/>
+                </a:solidFill>
+                <a:effectLst/>
+                <a:latin typeface="JetBrains Mono"/>
+              </a:rPr>
+            </a:br>
+            <a:br>
+              <a:rPr kumimoji="0" lang="ru-RU" altLang="ru-RU" sz="900" b="0" i="0" u="none" strike="noStrike" cap="none" normalizeH="0" baseline="0" dirty="0">
+                <a:ln>
+                  <a:noFill/>
+                </a:ln>
+                <a:solidFill>
+                  <a:srgbClr val="CC7832"/>
+                </a:solidFill>
+                <a:effectLst/>
+                <a:latin typeface="JetBrains Mono"/>
+              </a:rPr>
+            </a:br>
+            <a:r>
+              <a:rPr kumimoji="0" lang="ru-RU" altLang="ru-RU" sz="900" b="0" i="0" u="none" strike="noStrike" cap="none" normalizeH="0" baseline="0" dirty="0">
+                <a:ln>
+                  <a:noFill/>
+                </a:ln>
+                <a:solidFill>
+                  <a:srgbClr val="CC7832"/>
+                </a:solidFill>
+                <a:effectLst/>
+                <a:latin typeface="JetBrains Mono"/>
+              </a:rPr>
+              <a:t>    </a:t>
+            </a:r>
+            <a:r>
+              <a:rPr kumimoji="0" lang="ru-RU" altLang="ru-RU" sz="900" b="0" i="0" u="none" strike="noStrike" cap="none" normalizeH="0" baseline="0" dirty="0" err="1">
+                <a:ln>
+                  <a:noFill/>
+                </a:ln>
+                <a:solidFill>
+                  <a:srgbClr val="CC7832"/>
+                </a:solidFill>
+                <a:effectLst/>
+                <a:latin typeface="JetBrains Mono"/>
+              </a:rPr>
+              <a:t>public</a:t>
+            </a:r>
+            <a:r>
+              <a:rPr kumimoji="0" lang="ru-RU" altLang="ru-RU" sz="900" b="0" i="0" u="none" strike="noStrike" cap="none" normalizeH="0" baseline="0" dirty="0">
+                <a:ln>
+                  <a:noFill/>
+                </a:ln>
+                <a:solidFill>
+                  <a:srgbClr val="CC7832"/>
+                </a:solidFill>
+                <a:effectLst/>
+                <a:latin typeface="JetBrains Mono"/>
+              </a:rPr>
+              <a:t> </a:t>
+            </a:r>
+            <a:r>
+              <a:rPr kumimoji="0" lang="ru-RU" altLang="ru-RU" sz="900" b="0" i="0" u="none" strike="noStrike" cap="none" normalizeH="0" baseline="0" dirty="0">
+                <a:ln>
+                  <a:noFill/>
+                </a:ln>
+                <a:solidFill>
+                  <a:srgbClr val="FFC66D"/>
+                </a:solidFill>
+                <a:effectLst/>
+                <a:latin typeface="JetBrains Mono"/>
+              </a:rPr>
+              <a:t>Music</a:t>
+            </a:r>
+            <a:r>
+              <a:rPr kumimoji="0" lang="ru-RU" altLang="ru-RU" sz="900" b="0" i="0" u="none" strike="noStrike" cap="none" normalizeH="0" baseline="0" dirty="0">
+                <a:ln>
+                  <a:noFill/>
+                </a:ln>
+                <a:solidFill>
+                  <a:srgbClr val="A9B7C6"/>
+                </a:solidFill>
+                <a:effectLst/>
+                <a:latin typeface="JetBrains Mono"/>
+              </a:rPr>
+              <a:t>(){}</a:t>
+            </a:r>
+            <a:br>
+              <a:rPr kumimoji="0" lang="ru-RU" altLang="ru-RU" sz="900" b="0" i="0" u="none" strike="noStrike" cap="none" normalizeH="0" baseline="0" dirty="0">
+                <a:ln>
+                  <a:noFill/>
+                </a:ln>
+                <a:solidFill>
+                  <a:srgbClr val="A9B7C6"/>
+                </a:solidFill>
+                <a:effectLst/>
+                <a:latin typeface="JetBrains Mono"/>
+              </a:rPr>
+            </a:br>
+            <a:br>
+              <a:rPr kumimoji="0" lang="ru-RU" altLang="ru-RU" sz="900" b="0" i="0" u="none" strike="noStrike" cap="none" normalizeH="0" baseline="0" dirty="0">
+                <a:ln>
+                  <a:noFill/>
+                </a:ln>
+                <a:solidFill>
+                  <a:srgbClr val="A9B7C6"/>
+                </a:solidFill>
+                <a:effectLst/>
+                <a:latin typeface="JetBrains Mono"/>
+              </a:rPr>
+            </a:br>
+            <a:r>
+              <a:rPr kumimoji="0" lang="ru-RU" altLang="ru-RU" sz="900" b="0" i="0" u="none" strike="noStrike" cap="none" normalizeH="0" baseline="0" dirty="0">
+                <a:ln>
+                  <a:noFill/>
+                </a:ln>
+                <a:solidFill>
+                  <a:srgbClr val="A9B7C6"/>
+                </a:solidFill>
+                <a:effectLst/>
+                <a:latin typeface="JetBrains Mono"/>
+              </a:rPr>
+              <a:t>    </a:t>
+            </a:r>
+            <a:r>
+              <a:rPr kumimoji="0" lang="ru-RU" altLang="ru-RU" sz="900" b="0" i="0" u="none" strike="noStrike" cap="none" normalizeH="0" baseline="0" dirty="0" err="1">
+                <a:ln>
+                  <a:noFill/>
+                </a:ln>
+                <a:solidFill>
+                  <a:srgbClr val="CC7832"/>
+                </a:solidFill>
+                <a:effectLst/>
+                <a:latin typeface="JetBrains Mono"/>
+              </a:rPr>
+              <a:t>public</a:t>
+            </a:r>
+            <a:r>
+              <a:rPr kumimoji="0" lang="ru-RU" altLang="ru-RU" sz="900" b="0" i="0" u="none" strike="noStrike" cap="none" normalizeH="0" baseline="0" dirty="0">
+                <a:ln>
+                  <a:noFill/>
+                </a:ln>
+                <a:solidFill>
+                  <a:srgbClr val="CC7832"/>
+                </a:solidFill>
+                <a:effectLst/>
+                <a:latin typeface="JetBrains Mono"/>
+              </a:rPr>
+              <a:t> </a:t>
+            </a:r>
+            <a:r>
+              <a:rPr kumimoji="0" lang="ru-RU" altLang="ru-RU" sz="900" b="0" i="0" u="none" strike="noStrike" cap="none" normalizeH="0" baseline="0" dirty="0" err="1">
+                <a:ln>
+                  <a:noFill/>
+                </a:ln>
+                <a:solidFill>
+                  <a:srgbClr val="CC7832"/>
+                </a:solidFill>
+                <a:effectLst/>
+                <a:latin typeface="JetBrains Mono"/>
+              </a:rPr>
+              <a:t>void</a:t>
+            </a:r>
+            <a:r>
+              <a:rPr kumimoji="0" lang="ru-RU" altLang="ru-RU" sz="900" b="0" i="0" u="none" strike="noStrike" cap="none" normalizeH="0" baseline="0" dirty="0">
+                <a:ln>
+                  <a:noFill/>
+                </a:ln>
+                <a:solidFill>
+                  <a:srgbClr val="CC7832"/>
+                </a:solidFill>
+                <a:effectLst/>
+                <a:latin typeface="JetBrains Mono"/>
+              </a:rPr>
+              <a:t> </a:t>
+            </a:r>
+            <a:r>
+              <a:rPr kumimoji="0" lang="ru-RU" altLang="ru-RU" sz="900" b="0" i="0" u="none" strike="noStrike" cap="none" normalizeH="0" baseline="0" dirty="0" err="1">
+                <a:ln>
+                  <a:noFill/>
+                </a:ln>
+                <a:solidFill>
+                  <a:srgbClr val="FFC66D"/>
+                </a:solidFill>
+                <a:effectLst/>
+                <a:latin typeface="JetBrains Mono"/>
+              </a:rPr>
+              <a:t>stop</a:t>
+            </a:r>
+            <a:r>
+              <a:rPr kumimoji="0" lang="ru-RU" altLang="ru-RU" sz="900" b="0" i="0" u="none" strike="noStrike" cap="none" normalizeH="0" baseline="0" dirty="0">
+                <a:ln>
+                  <a:noFill/>
+                </a:ln>
+                <a:solidFill>
+                  <a:srgbClr val="A9B7C6"/>
+                </a:solidFill>
+                <a:effectLst/>
+                <a:latin typeface="JetBrains Mono"/>
+              </a:rPr>
+              <a:t>() {</a:t>
+            </a:r>
+            <a:br>
+              <a:rPr kumimoji="0" lang="ru-RU" altLang="ru-RU" sz="900" b="0" i="0" u="none" strike="noStrike" cap="none" normalizeH="0" baseline="0" dirty="0">
+                <a:ln>
+                  <a:noFill/>
+                </a:ln>
+                <a:solidFill>
+                  <a:srgbClr val="A9B7C6"/>
+                </a:solidFill>
+                <a:effectLst/>
+                <a:latin typeface="JetBrains Mono"/>
+              </a:rPr>
+            </a:br>
+            <a:r>
+              <a:rPr kumimoji="0" lang="ru-RU" altLang="ru-RU" sz="900" b="0" i="0" u="none" strike="noStrike" cap="none" normalizeH="0" baseline="0" dirty="0">
+                <a:ln>
+                  <a:noFill/>
+                </a:ln>
+                <a:solidFill>
+                  <a:srgbClr val="A9B7C6"/>
+                </a:solidFill>
+                <a:effectLst/>
+                <a:latin typeface="JetBrains Mono"/>
+              </a:rPr>
+              <a:t>        </a:t>
+            </a:r>
+            <a:r>
+              <a:rPr kumimoji="0" lang="ru-RU" altLang="ru-RU" sz="900" b="0" i="0" u="none" strike="noStrike" cap="none" normalizeH="0" baseline="0" dirty="0" err="1">
+                <a:ln>
+                  <a:noFill/>
+                </a:ln>
+                <a:solidFill>
+                  <a:srgbClr val="CC7832"/>
+                </a:solidFill>
+                <a:effectLst/>
+                <a:latin typeface="JetBrains Mono"/>
+              </a:rPr>
+              <a:t>if</a:t>
+            </a:r>
+            <a:r>
+              <a:rPr kumimoji="0" lang="ru-RU" altLang="ru-RU" sz="900" b="0" i="0" u="none" strike="noStrike" cap="none" normalizeH="0" baseline="0" dirty="0">
+                <a:ln>
+                  <a:noFill/>
+                </a:ln>
+                <a:solidFill>
+                  <a:srgbClr val="CC7832"/>
+                </a:solidFill>
+                <a:effectLst/>
+                <a:latin typeface="JetBrains Mono"/>
+              </a:rPr>
+              <a:t> </a:t>
+            </a:r>
+            <a:r>
+              <a:rPr kumimoji="0" lang="ru-RU" altLang="ru-RU" sz="900" b="0" i="0" u="none" strike="noStrike" cap="none" normalizeH="0" baseline="0" dirty="0">
+                <a:ln>
+                  <a:noFill/>
+                </a:ln>
+                <a:solidFill>
+                  <a:srgbClr val="A9B7C6"/>
+                </a:solidFill>
+                <a:effectLst/>
+                <a:latin typeface="JetBrains Mono"/>
+              </a:rPr>
+              <a:t>(</a:t>
+            </a:r>
+            <a:r>
+              <a:rPr kumimoji="0" lang="ru-RU" altLang="ru-RU" sz="900" b="0" i="0" u="none" strike="noStrike" cap="none" normalizeH="0" baseline="0" dirty="0" err="1">
+                <a:ln>
+                  <a:noFill/>
+                </a:ln>
+                <a:solidFill>
+                  <a:srgbClr val="9876AA"/>
+                </a:solidFill>
+                <a:effectLst/>
+                <a:latin typeface="JetBrains Mono"/>
+              </a:rPr>
+              <a:t>mPlayer</a:t>
+            </a:r>
+            <a:r>
+              <a:rPr kumimoji="0" lang="ru-RU" altLang="ru-RU" sz="900" b="0" i="0" u="none" strike="noStrike" cap="none" normalizeH="0" baseline="0" dirty="0">
+                <a:ln>
+                  <a:noFill/>
+                </a:ln>
+                <a:solidFill>
+                  <a:srgbClr val="9876AA"/>
+                </a:solidFill>
+                <a:effectLst/>
+                <a:latin typeface="JetBrains Mono"/>
+              </a:rPr>
+              <a:t> </a:t>
+            </a:r>
+            <a:r>
+              <a:rPr kumimoji="0" lang="ru-RU" altLang="ru-RU" sz="900" b="0" i="0" u="none" strike="noStrike" cap="none" normalizeH="0" baseline="0" dirty="0">
+                <a:ln>
+                  <a:noFill/>
+                </a:ln>
+                <a:solidFill>
+                  <a:srgbClr val="A9B7C6"/>
+                </a:solidFill>
+                <a:effectLst/>
+                <a:latin typeface="JetBrains Mono"/>
+              </a:rPr>
+              <a:t>!= </a:t>
+            </a:r>
+            <a:r>
+              <a:rPr kumimoji="0" lang="ru-RU" altLang="ru-RU" sz="900" b="0" i="0" u="none" strike="noStrike" cap="none" normalizeH="0" baseline="0" dirty="0" err="1">
+                <a:ln>
+                  <a:noFill/>
+                </a:ln>
+                <a:solidFill>
+                  <a:srgbClr val="CC7832"/>
+                </a:solidFill>
+                <a:effectLst/>
+                <a:latin typeface="JetBrains Mono"/>
+              </a:rPr>
+              <a:t>null</a:t>
+            </a:r>
+            <a:r>
+              <a:rPr kumimoji="0" lang="ru-RU" altLang="ru-RU" sz="900" b="0" i="0" u="none" strike="noStrike" cap="none" normalizeH="0" baseline="0" dirty="0">
+                <a:ln>
+                  <a:noFill/>
+                </a:ln>
+                <a:solidFill>
+                  <a:srgbClr val="A9B7C6"/>
+                </a:solidFill>
+                <a:effectLst/>
+                <a:latin typeface="JetBrains Mono"/>
+              </a:rPr>
+              <a:t>) {</a:t>
+            </a:r>
+            <a:br>
+              <a:rPr kumimoji="0" lang="ru-RU" altLang="ru-RU" sz="900" b="0" i="0" u="none" strike="noStrike" cap="none" normalizeH="0" baseline="0" dirty="0">
+                <a:ln>
+                  <a:noFill/>
+                </a:ln>
+                <a:solidFill>
+                  <a:srgbClr val="A9B7C6"/>
+                </a:solidFill>
+                <a:effectLst/>
+                <a:latin typeface="JetBrains Mono"/>
+              </a:rPr>
+            </a:br>
+            <a:r>
+              <a:rPr kumimoji="0" lang="ru-RU" altLang="ru-RU" sz="900" b="0" i="0" u="none" strike="noStrike" cap="none" normalizeH="0" baseline="0" dirty="0">
+                <a:ln>
+                  <a:noFill/>
+                </a:ln>
+                <a:solidFill>
+                  <a:srgbClr val="A9B7C6"/>
+                </a:solidFill>
+                <a:effectLst/>
+                <a:latin typeface="JetBrains Mono"/>
+              </a:rPr>
+              <a:t>            </a:t>
+            </a:r>
+            <a:r>
+              <a:rPr kumimoji="0" lang="ru-RU" altLang="ru-RU" sz="900" b="0" i="0" u="none" strike="noStrike" cap="none" normalizeH="0" baseline="0" dirty="0" err="1">
+                <a:ln>
+                  <a:noFill/>
+                </a:ln>
+                <a:solidFill>
+                  <a:srgbClr val="9876AA"/>
+                </a:solidFill>
+                <a:effectLst/>
+                <a:latin typeface="JetBrains Mono"/>
+              </a:rPr>
+              <a:t>mPlayer</a:t>
+            </a:r>
+            <a:r>
+              <a:rPr kumimoji="0" lang="ru-RU" altLang="ru-RU" sz="900" b="0" i="0" u="none" strike="noStrike" cap="none" normalizeH="0" baseline="0" dirty="0" err="1">
+                <a:ln>
+                  <a:noFill/>
+                </a:ln>
+                <a:solidFill>
+                  <a:srgbClr val="A9B7C6"/>
+                </a:solidFill>
+                <a:effectLst/>
+                <a:latin typeface="JetBrains Mono"/>
+              </a:rPr>
+              <a:t>.release</a:t>
+            </a:r>
+            <a:r>
+              <a:rPr kumimoji="0" lang="ru-RU" altLang="ru-RU" sz="900" b="0" i="0" u="none" strike="noStrike" cap="none" normalizeH="0" baseline="0" dirty="0">
+                <a:ln>
+                  <a:noFill/>
+                </a:ln>
+                <a:solidFill>
+                  <a:srgbClr val="A9B7C6"/>
+                </a:solidFill>
+                <a:effectLst/>
+                <a:latin typeface="JetBrains Mono"/>
+              </a:rPr>
+              <a:t>()</a:t>
+            </a:r>
+            <a:r>
+              <a:rPr kumimoji="0" lang="ru-RU" altLang="ru-RU" sz="900" b="0" i="0" u="none" strike="noStrike" cap="none" normalizeH="0" baseline="0" dirty="0">
+                <a:ln>
+                  <a:noFill/>
+                </a:ln>
+                <a:solidFill>
+                  <a:srgbClr val="CC7832"/>
+                </a:solidFill>
+                <a:effectLst/>
+                <a:latin typeface="JetBrains Mono"/>
+              </a:rPr>
+              <a:t>;</a:t>
+            </a:r>
+            <a:br>
+              <a:rPr kumimoji="0" lang="ru-RU" altLang="ru-RU" sz="900" b="0" i="0" u="none" strike="noStrike" cap="none" normalizeH="0" baseline="0" dirty="0">
+                <a:ln>
+                  <a:noFill/>
+                </a:ln>
+                <a:solidFill>
+                  <a:srgbClr val="CC7832"/>
+                </a:solidFill>
+                <a:effectLst/>
+                <a:latin typeface="JetBrains Mono"/>
+              </a:rPr>
+            </a:br>
+            <a:r>
+              <a:rPr kumimoji="0" lang="ru-RU" altLang="ru-RU" sz="900" b="0" i="0" u="none" strike="noStrike" cap="none" normalizeH="0" baseline="0" dirty="0">
+                <a:ln>
+                  <a:noFill/>
+                </a:ln>
+                <a:solidFill>
+                  <a:srgbClr val="CC7832"/>
+                </a:solidFill>
+                <a:effectLst/>
+                <a:latin typeface="JetBrains Mono"/>
+              </a:rPr>
+              <a:t>            </a:t>
+            </a:r>
+            <a:r>
+              <a:rPr kumimoji="0" lang="ru-RU" altLang="ru-RU" sz="900" b="0" i="0" u="none" strike="noStrike" cap="none" normalizeH="0" baseline="0" dirty="0" err="1">
+                <a:ln>
+                  <a:noFill/>
+                </a:ln>
+                <a:solidFill>
+                  <a:srgbClr val="9876AA"/>
+                </a:solidFill>
+                <a:effectLst/>
+                <a:latin typeface="JetBrains Mono"/>
+              </a:rPr>
+              <a:t>mPlayer</a:t>
+            </a:r>
+            <a:r>
+              <a:rPr kumimoji="0" lang="ru-RU" altLang="ru-RU" sz="900" b="0" i="0" u="none" strike="noStrike" cap="none" normalizeH="0" baseline="0" dirty="0">
+                <a:ln>
+                  <a:noFill/>
+                </a:ln>
+                <a:solidFill>
+                  <a:srgbClr val="9876AA"/>
+                </a:solidFill>
+                <a:effectLst/>
+                <a:latin typeface="JetBrains Mono"/>
+              </a:rPr>
+              <a:t> </a:t>
+            </a:r>
+            <a:r>
+              <a:rPr kumimoji="0" lang="ru-RU" altLang="ru-RU" sz="900" b="0" i="0" u="none" strike="noStrike" cap="none" normalizeH="0" baseline="0" dirty="0">
+                <a:ln>
+                  <a:noFill/>
+                </a:ln>
+                <a:solidFill>
+                  <a:srgbClr val="A9B7C6"/>
+                </a:solidFill>
+                <a:effectLst/>
+                <a:latin typeface="JetBrains Mono"/>
+              </a:rPr>
+              <a:t>= </a:t>
+            </a:r>
+            <a:r>
+              <a:rPr kumimoji="0" lang="ru-RU" altLang="ru-RU" sz="900" b="0" i="0" u="none" strike="noStrike" cap="none" normalizeH="0" baseline="0" dirty="0" err="1">
+                <a:ln>
+                  <a:noFill/>
+                </a:ln>
+                <a:solidFill>
+                  <a:srgbClr val="CC7832"/>
+                </a:solidFill>
+                <a:effectLst/>
+                <a:latin typeface="JetBrains Mono"/>
+              </a:rPr>
+              <a:t>null</a:t>
+            </a:r>
+            <a:r>
+              <a:rPr kumimoji="0" lang="ru-RU" altLang="ru-RU" sz="900" b="0" i="0" u="none" strike="noStrike" cap="none" normalizeH="0" baseline="0" dirty="0">
+                <a:ln>
+                  <a:noFill/>
+                </a:ln>
+                <a:solidFill>
+                  <a:srgbClr val="CC7832"/>
+                </a:solidFill>
+                <a:effectLst/>
+                <a:latin typeface="JetBrains Mono"/>
+              </a:rPr>
+              <a:t>;</a:t>
+            </a:r>
+            <a:br>
+              <a:rPr kumimoji="0" lang="ru-RU" altLang="ru-RU" sz="900" b="0" i="0" u="none" strike="noStrike" cap="none" normalizeH="0" baseline="0" dirty="0">
+                <a:ln>
+                  <a:noFill/>
+                </a:ln>
+                <a:solidFill>
+                  <a:srgbClr val="CC7832"/>
+                </a:solidFill>
+                <a:effectLst/>
+                <a:latin typeface="JetBrains Mono"/>
+              </a:rPr>
+            </a:br>
+            <a:r>
+              <a:rPr kumimoji="0" lang="ru-RU" altLang="ru-RU" sz="900" b="0" i="0" u="none" strike="noStrike" cap="none" normalizeH="0" baseline="0" dirty="0">
+                <a:ln>
+                  <a:noFill/>
+                </a:ln>
+                <a:solidFill>
+                  <a:srgbClr val="CC7832"/>
+                </a:solidFill>
+                <a:effectLst/>
+                <a:latin typeface="JetBrains Mono"/>
+              </a:rPr>
+              <a:t>        </a:t>
+            </a:r>
+            <a:r>
+              <a:rPr kumimoji="0" lang="ru-RU" altLang="ru-RU" sz="900" b="0" i="0" u="none" strike="noStrike" cap="none" normalizeH="0" baseline="0" dirty="0">
+                <a:ln>
+                  <a:noFill/>
+                </a:ln>
+                <a:solidFill>
+                  <a:srgbClr val="A9B7C6"/>
+                </a:solidFill>
+                <a:effectLst/>
+                <a:latin typeface="JetBrains Mono"/>
+              </a:rPr>
+              <a:t>}</a:t>
+            </a:r>
+            <a:br>
+              <a:rPr kumimoji="0" lang="ru-RU" altLang="ru-RU" sz="900" b="0" i="0" u="none" strike="noStrike" cap="none" normalizeH="0" baseline="0" dirty="0">
+                <a:ln>
+                  <a:noFill/>
+                </a:ln>
+                <a:solidFill>
+                  <a:srgbClr val="A9B7C6"/>
+                </a:solidFill>
+                <a:effectLst/>
+                <a:latin typeface="JetBrains Mono"/>
+              </a:rPr>
+            </a:br>
+            <a:r>
+              <a:rPr kumimoji="0" lang="ru-RU" altLang="ru-RU" sz="900" b="0" i="0" u="none" strike="noStrike" cap="none" normalizeH="0" baseline="0" dirty="0">
+                <a:ln>
+                  <a:noFill/>
+                </a:ln>
+                <a:solidFill>
+                  <a:srgbClr val="A9B7C6"/>
+                </a:solidFill>
+                <a:effectLst/>
+                <a:latin typeface="JetBrains Mono"/>
+              </a:rPr>
+              <a:t>    }</a:t>
+            </a:r>
+            <a:br>
+              <a:rPr kumimoji="0" lang="ru-RU" altLang="ru-RU" sz="900" b="0" i="0" u="none" strike="noStrike" cap="none" normalizeH="0" baseline="0" dirty="0">
+                <a:ln>
+                  <a:noFill/>
+                </a:ln>
+                <a:solidFill>
+                  <a:srgbClr val="A9B7C6"/>
+                </a:solidFill>
+                <a:effectLst/>
+                <a:latin typeface="JetBrains Mono"/>
+              </a:rPr>
+            </a:br>
+            <a:br>
+              <a:rPr kumimoji="0" lang="ru-RU" altLang="ru-RU" sz="900" b="0" i="0" u="none" strike="noStrike" cap="none" normalizeH="0" baseline="0" dirty="0">
+                <a:ln>
+                  <a:noFill/>
+                </a:ln>
+                <a:solidFill>
+                  <a:srgbClr val="A9B7C6"/>
+                </a:solidFill>
+                <a:effectLst/>
+                <a:latin typeface="JetBrains Mono"/>
+              </a:rPr>
+            </a:br>
+            <a:r>
+              <a:rPr kumimoji="0" lang="ru-RU" altLang="ru-RU" sz="900" b="0" i="0" u="none" strike="noStrike" cap="none" normalizeH="0" baseline="0" dirty="0">
+                <a:ln>
+                  <a:noFill/>
+                </a:ln>
+                <a:solidFill>
+                  <a:srgbClr val="A9B7C6"/>
+                </a:solidFill>
+                <a:effectLst/>
+                <a:latin typeface="JetBrains Mono"/>
+              </a:rPr>
+              <a:t>    </a:t>
+            </a:r>
+            <a:r>
+              <a:rPr kumimoji="0" lang="ru-RU" altLang="ru-RU" sz="900" b="0" i="0" u="none" strike="noStrike" cap="none" normalizeH="0" baseline="0" dirty="0" err="1">
+                <a:ln>
+                  <a:noFill/>
+                </a:ln>
+                <a:solidFill>
+                  <a:srgbClr val="CC7832"/>
+                </a:solidFill>
+                <a:effectLst/>
+                <a:latin typeface="JetBrains Mono"/>
+              </a:rPr>
+              <a:t>public</a:t>
+            </a:r>
+            <a:r>
+              <a:rPr kumimoji="0" lang="ru-RU" altLang="ru-RU" sz="900" b="0" i="0" u="none" strike="noStrike" cap="none" normalizeH="0" baseline="0" dirty="0">
+                <a:ln>
+                  <a:noFill/>
+                </a:ln>
+                <a:solidFill>
+                  <a:srgbClr val="CC7832"/>
+                </a:solidFill>
+                <a:effectLst/>
+                <a:latin typeface="JetBrains Mono"/>
+              </a:rPr>
+              <a:t> </a:t>
+            </a:r>
+            <a:r>
+              <a:rPr kumimoji="0" lang="ru-RU" altLang="ru-RU" sz="900" b="0" i="0" u="none" strike="noStrike" cap="none" normalizeH="0" baseline="0" dirty="0" err="1">
+                <a:ln>
+                  <a:noFill/>
+                </a:ln>
+                <a:solidFill>
+                  <a:srgbClr val="CC7832"/>
+                </a:solidFill>
+                <a:effectLst/>
+                <a:latin typeface="JetBrains Mono"/>
+              </a:rPr>
+              <a:t>void</a:t>
+            </a:r>
+            <a:r>
+              <a:rPr kumimoji="0" lang="ru-RU" altLang="ru-RU" sz="900" b="0" i="0" u="none" strike="noStrike" cap="none" normalizeH="0" baseline="0" dirty="0">
+                <a:ln>
+                  <a:noFill/>
+                </a:ln>
+                <a:solidFill>
+                  <a:srgbClr val="CC7832"/>
+                </a:solidFill>
+                <a:effectLst/>
+                <a:latin typeface="JetBrains Mono"/>
+              </a:rPr>
+              <a:t> </a:t>
+            </a:r>
+            <a:r>
+              <a:rPr kumimoji="0" lang="ru-RU" altLang="ru-RU" sz="900" b="0" i="0" u="none" strike="noStrike" cap="none" normalizeH="0" baseline="0" dirty="0" err="1">
+                <a:ln>
+                  <a:noFill/>
+                </a:ln>
+                <a:solidFill>
+                  <a:srgbClr val="FFC66D"/>
+                </a:solidFill>
+                <a:effectLst/>
+                <a:latin typeface="JetBrains Mono"/>
+              </a:rPr>
+              <a:t>start</a:t>
+            </a:r>
+            <a:r>
+              <a:rPr kumimoji="0" lang="ru-RU" altLang="ru-RU" sz="900" b="0" i="0" u="none" strike="noStrike" cap="none" normalizeH="0" baseline="0" dirty="0">
+                <a:ln>
+                  <a:noFill/>
+                </a:ln>
+                <a:solidFill>
+                  <a:srgbClr val="A9B7C6"/>
+                </a:solidFill>
+                <a:effectLst/>
+                <a:latin typeface="JetBrains Mono"/>
+              </a:rPr>
+              <a:t>(</a:t>
+            </a:r>
+            <a:r>
+              <a:rPr kumimoji="0" lang="ru-RU" altLang="ru-RU" sz="900" b="0" i="0" u="none" strike="noStrike" cap="none" normalizeH="0" baseline="0" dirty="0" err="1">
+                <a:ln>
+                  <a:noFill/>
+                </a:ln>
+                <a:solidFill>
+                  <a:srgbClr val="A9B7C6"/>
+                </a:solidFill>
+                <a:effectLst/>
+                <a:latin typeface="JetBrains Mono"/>
+              </a:rPr>
+              <a:t>Context</a:t>
+            </a:r>
+            <a:r>
+              <a:rPr kumimoji="0" lang="ru-RU" altLang="ru-RU" sz="900" b="0" i="0" u="none" strike="noStrike" cap="none" normalizeH="0" baseline="0" dirty="0">
+                <a:ln>
+                  <a:noFill/>
+                </a:ln>
+                <a:solidFill>
+                  <a:srgbClr val="A9B7C6"/>
+                </a:solidFill>
+                <a:effectLst/>
+                <a:latin typeface="JetBrains Mono"/>
+              </a:rPr>
+              <a:t> c</a:t>
+            </a:r>
+            <a:r>
+              <a:rPr kumimoji="0" lang="ru-RU" altLang="ru-RU" sz="900" b="0" i="0" u="none" strike="noStrike" cap="none" normalizeH="0" baseline="0" dirty="0">
+                <a:ln>
+                  <a:noFill/>
+                </a:ln>
+                <a:solidFill>
+                  <a:srgbClr val="CC7832"/>
+                </a:solidFill>
+                <a:effectLst/>
+                <a:latin typeface="JetBrains Mono"/>
+              </a:rPr>
+              <a:t>, </a:t>
+            </a:r>
+            <a:r>
+              <a:rPr kumimoji="0" lang="ru-RU" altLang="ru-RU" sz="900" b="0" i="0" u="none" strike="noStrike" cap="none" normalizeH="0" baseline="0" dirty="0" err="1">
+                <a:ln>
+                  <a:noFill/>
+                </a:ln>
+                <a:solidFill>
+                  <a:srgbClr val="CC7832"/>
+                </a:solidFill>
+                <a:effectLst/>
+                <a:latin typeface="JetBrains Mono"/>
+              </a:rPr>
+              <a:t>int</a:t>
+            </a:r>
+            <a:r>
+              <a:rPr kumimoji="0" lang="ru-RU" altLang="ru-RU" sz="900" b="0" i="0" u="none" strike="noStrike" cap="none" normalizeH="0" baseline="0" dirty="0">
+                <a:ln>
+                  <a:noFill/>
+                </a:ln>
+                <a:solidFill>
+                  <a:srgbClr val="CC7832"/>
+                </a:solidFill>
+                <a:effectLst/>
+                <a:latin typeface="JetBrains Mono"/>
+              </a:rPr>
+              <a:t> </a:t>
+            </a:r>
+            <a:r>
+              <a:rPr kumimoji="0" lang="ru-RU" altLang="ru-RU" sz="900" b="0" i="0" u="none" strike="noStrike" cap="none" normalizeH="0" baseline="0" dirty="0" err="1">
+                <a:ln>
+                  <a:noFill/>
+                </a:ln>
+                <a:solidFill>
+                  <a:srgbClr val="A9B7C6"/>
+                </a:solidFill>
+                <a:effectLst/>
+                <a:latin typeface="JetBrains Mono"/>
+              </a:rPr>
+              <a:t>track</a:t>
+            </a:r>
+            <a:r>
+              <a:rPr kumimoji="0" lang="ru-RU" altLang="ru-RU" sz="900" b="0" i="0" u="none" strike="noStrike" cap="none" normalizeH="0" baseline="0" dirty="0">
+                <a:ln>
+                  <a:noFill/>
+                </a:ln>
+                <a:solidFill>
+                  <a:srgbClr val="A9B7C6"/>
+                </a:solidFill>
+                <a:effectLst/>
+                <a:latin typeface="JetBrains Mono"/>
+              </a:rPr>
+              <a:t>) {</a:t>
+            </a:r>
+            <a:br>
+              <a:rPr kumimoji="0" lang="ru-RU" altLang="ru-RU" sz="900" b="0" i="0" u="none" strike="noStrike" cap="none" normalizeH="0" baseline="0" dirty="0">
+                <a:ln>
+                  <a:noFill/>
+                </a:ln>
+                <a:solidFill>
+                  <a:srgbClr val="A9B7C6"/>
+                </a:solidFill>
+                <a:effectLst/>
+                <a:latin typeface="JetBrains Mono"/>
+              </a:rPr>
+            </a:br>
+            <a:r>
+              <a:rPr kumimoji="0" lang="ru-RU" altLang="ru-RU" sz="900" b="0" i="0" u="none" strike="noStrike" cap="none" normalizeH="0" baseline="0" dirty="0">
+                <a:ln>
+                  <a:noFill/>
+                </a:ln>
+                <a:solidFill>
+                  <a:srgbClr val="A9B7C6"/>
+                </a:solidFill>
+                <a:effectLst/>
+                <a:latin typeface="JetBrains Mono"/>
+              </a:rPr>
+              <a:t>        </a:t>
+            </a:r>
+            <a:r>
+              <a:rPr kumimoji="0" lang="ru-RU" altLang="ru-RU" sz="900" b="0" i="0" u="none" strike="noStrike" cap="none" normalizeH="0" baseline="0" dirty="0" err="1">
+                <a:ln>
+                  <a:noFill/>
+                </a:ln>
+                <a:solidFill>
+                  <a:srgbClr val="A9B7C6"/>
+                </a:solidFill>
+                <a:effectLst/>
+                <a:latin typeface="JetBrains Mono"/>
+              </a:rPr>
+              <a:t>stop</a:t>
+            </a:r>
+            <a:r>
+              <a:rPr kumimoji="0" lang="ru-RU" altLang="ru-RU" sz="900" b="0" i="0" u="none" strike="noStrike" cap="none" normalizeH="0" baseline="0" dirty="0">
+                <a:ln>
+                  <a:noFill/>
+                </a:ln>
+                <a:solidFill>
+                  <a:srgbClr val="A9B7C6"/>
+                </a:solidFill>
+                <a:effectLst/>
+                <a:latin typeface="JetBrains Mono"/>
+              </a:rPr>
+              <a:t>()</a:t>
+            </a:r>
+            <a:r>
+              <a:rPr kumimoji="0" lang="ru-RU" altLang="ru-RU" sz="900" b="0" i="0" u="none" strike="noStrike" cap="none" normalizeH="0" baseline="0" dirty="0">
+                <a:ln>
+                  <a:noFill/>
+                </a:ln>
+                <a:solidFill>
+                  <a:srgbClr val="CC7832"/>
+                </a:solidFill>
+                <a:effectLst/>
+                <a:latin typeface="JetBrains Mono"/>
+              </a:rPr>
+              <a:t>;</a:t>
+            </a:r>
+            <a:br>
+              <a:rPr kumimoji="0" lang="ru-RU" altLang="ru-RU" sz="900" b="0" i="0" u="none" strike="noStrike" cap="none" normalizeH="0" baseline="0" dirty="0">
+                <a:ln>
+                  <a:noFill/>
+                </a:ln>
+                <a:solidFill>
+                  <a:srgbClr val="CC7832"/>
+                </a:solidFill>
+                <a:effectLst/>
+                <a:latin typeface="JetBrains Mono"/>
+              </a:rPr>
+            </a:br>
+            <a:r>
+              <a:rPr kumimoji="0" lang="ru-RU" altLang="ru-RU" sz="900" b="0" i="0" u="none" strike="noStrike" cap="none" normalizeH="0" baseline="0" dirty="0">
+                <a:ln>
+                  <a:noFill/>
+                </a:ln>
+                <a:solidFill>
+                  <a:srgbClr val="CC7832"/>
+                </a:solidFill>
+                <a:effectLst/>
+                <a:latin typeface="JetBrains Mono"/>
+              </a:rPr>
+              <a:t>        </a:t>
+            </a:r>
+            <a:r>
+              <a:rPr kumimoji="0" lang="ru-RU" altLang="ru-RU" sz="900" b="0" i="0" u="none" strike="noStrike" cap="none" normalizeH="0" baseline="0" dirty="0" err="1">
+                <a:ln>
+                  <a:noFill/>
+                </a:ln>
+                <a:solidFill>
+                  <a:srgbClr val="9876AA"/>
+                </a:solidFill>
+                <a:effectLst/>
+                <a:latin typeface="JetBrains Mono"/>
+              </a:rPr>
+              <a:t>mPlayer</a:t>
+            </a:r>
+            <a:r>
+              <a:rPr kumimoji="0" lang="ru-RU" altLang="ru-RU" sz="900" b="0" i="0" u="none" strike="noStrike" cap="none" normalizeH="0" baseline="0" dirty="0">
+                <a:ln>
+                  <a:noFill/>
+                </a:ln>
+                <a:solidFill>
+                  <a:srgbClr val="9876AA"/>
+                </a:solidFill>
+                <a:effectLst/>
+                <a:latin typeface="JetBrains Mono"/>
+              </a:rPr>
+              <a:t> </a:t>
+            </a:r>
+            <a:r>
+              <a:rPr kumimoji="0" lang="ru-RU" altLang="ru-RU" sz="900" b="0" i="0" u="none" strike="noStrike" cap="none" normalizeH="0" baseline="0" dirty="0">
+                <a:ln>
+                  <a:noFill/>
+                </a:ln>
+                <a:solidFill>
+                  <a:srgbClr val="A9B7C6"/>
+                </a:solidFill>
+                <a:effectLst/>
+                <a:latin typeface="JetBrains Mono"/>
+              </a:rPr>
+              <a:t>= </a:t>
+            </a:r>
+            <a:r>
+              <a:rPr kumimoji="0" lang="ru-RU" altLang="ru-RU" sz="900" b="0" i="0" u="none" strike="noStrike" cap="none" normalizeH="0" baseline="0" dirty="0" err="1">
+                <a:ln>
+                  <a:noFill/>
+                </a:ln>
+                <a:solidFill>
+                  <a:srgbClr val="A9B7C6"/>
+                </a:solidFill>
+                <a:effectLst/>
+                <a:latin typeface="JetBrains Mono"/>
+              </a:rPr>
+              <a:t>android.media.MediaPlayer.</a:t>
+            </a:r>
+            <a:r>
+              <a:rPr kumimoji="0" lang="ru-RU" altLang="ru-RU" sz="900" b="0" i="1" u="none" strike="noStrike" cap="none" normalizeH="0" baseline="0" dirty="0" err="1">
+                <a:ln>
+                  <a:noFill/>
+                </a:ln>
+                <a:solidFill>
+                  <a:srgbClr val="A9B7C6"/>
+                </a:solidFill>
+                <a:effectLst/>
+                <a:latin typeface="JetBrains Mono"/>
+              </a:rPr>
+              <a:t>create</a:t>
+            </a:r>
+            <a:r>
+              <a:rPr kumimoji="0" lang="ru-RU" altLang="ru-RU" sz="900" b="0" i="0" u="none" strike="noStrike" cap="none" normalizeH="0" baseline="0" dirty="0">
+                <a:ln>
+                  <a:noFill/>
+                </a:ln>
+                <a:solidFill>
+                  <a:srgbClr val="A9B7C6"/>
+                </a:solidFill>
+                <a:effectLst/>
+                <a:latin typeface="JetBrains Mono"/>
+              </a:rPr>
+              <a:t>(c</a:t>
+            </a:r>
+            <a:r>
+              <a:rPr kumimoji="0" lang="ru-RU" altLang="ru-RU" sz="900" b="0" i="0" u="none" strike="noStrike" cap="none" normalizeH="0" baseline="0" dirty="0">
+                <a:ln>
+                  <a:noFill/>
+                </a:ln>
+                <a:solidFill>
+                  <a:srgbClr val="CC7832"/>
+                </a:solidFill>
+                <a:effectLst/>
+                <a:latin typeface="JetBrains Mono"/>
+              </a:rPr>
+              <a:t>, </a:t>
+            </a:r>
+            <a:r>
+              <a:rPr kumimoji="0" lang="ru-RU" altLang="ru-RU" sz="900" b="0" i="0" u="none" strike="noStrike" cap="none" normalizeH="0" baseline="0" dirty="0" err="1">
+                <a:ln>
+                  <a:noFill/>
+                </a:ln>
+                <a:solidFill>
+                  <a:srgbClr val="A9B7C6"/>
+                </a:solidFill>
+                <a:effectLst/>
+                <a:latin typeface="JetBrains Mono"/>
+              </a:rPr>
+              <a:t>track</a:t>
+            </a:r>
+            <a:r>
+              <a:rPr kumimoji="0" lang="ru-RU" altLang="ru-RU" sz="900" b="0" i="0" u="none" strike="noStrike" cap="none" normalizeH="0" baseline="0" dirty="0">
+                <a:ln>
+                  <a:noFill/>
+                </a:ln>
+                <a:solidFill>
+                  <a:srgbClr val="A9B7C6"/>
+                </a:solidFill>
+                <a:effectLst/>
+                <a:latin typeface="JetBrains Mono"/>
+              </a:rPr>
+              <a:t>)</a:t>
+            </a:r>
+            <a:r>
+              <a:rPr kumimoji="0" lang="ru-RU" altLang="ru-RU" sz="900" b="0" i="0" u="none" strike="noStrike" cap="none" normalizeH="0" baseline="0" dirty="0">
+                <a:ln>
+                  <a:noFill/>
+                </a:ln>
+                <a:solidFill>
+                  <a:srgbClr val="CC7832"/>
+                </a:solidFill>
+                <a:effectLst/>
+                <a:latin typeface="JetBrains Mono"/>
+              </a:rPr>
+              <a:t>;</a:t>
+            </a:r>
+            <a:br>
+              <a:rPr kumimoji="0" lang="ru-RU" altLang="ru-RU" sz="900" b="0" i="0" u="none" strike="noStrike" cap="none" normalizeH="0" baseline="0" dirty="0">
+                <a:ln>
+                  <a:noFill/>
+                </a:ln>
+                <a:solidFill>
+                  <a:srgbClr val="CC7832"/>
+                </a:solidFill>
+                <a:effectLst/>
+                <a:latin typeface="JetBrains Mono"/>
+              </a:rPr>
+            </a:br>
+            <a:r>
+              <a:rPr kumimoji="0" lang="ru-RU" altLang="ru-RU" sz="900" b="0" i="0" u="none" strike="noStrike" cap="none" normalizeH="0" baseline="0" dirty="0">
+                <a:ln>
+                  <a:noFill/>
+                </a:ln>
+                <a:solidFill>
+                  <a:srgbClr val="CC7832"/>
+                </a:solidFill>
+                <a:effectLst/>
+                <a:latin typeface="JetBrains Mono"/>
+              </a:rPr>
+              <a:t>        </a:t>
+            </a:r>
+            <a:r>
+              <a:rPr kumimoji="0" lang="ru-RU" altLang="ru-RU" sz="900" b="0" i="0" u="none" strike="noStrike" cap="none" normalizeH="0" baseline="0" dirty="0" err="1">
+                <a:ln>
+                  <a:noFill/>
+                </a:ln>
+                <a:solidFill>
+                  <a:srgbClr val="9876AA"/>
+                </a:solidFill>
+                <a:effectLst/>
+                <a:latin typeface="JetBrains Mono"/>
+              </a:rPr>
+              <a:t>mPlayer</a:t>
+            </a:r>
+            <a:r>
+              <a:rPr kumimoji="0" lang="ru-RU" altLang="ru-RU" sz="900" b="0" i="0" u="none" strike="noStrike" cap="none" normalizeH="0" baseline="0" dirty="0" err="1">
+                <a:ln>
+                  <a:noFill/>
+                </a:ln>
+                <a:solidFill>
+                  <a:srgbClr val="A9B7C6"/>
+                </a:solidFill>
+                <a:effectLst/>
+                <a:latin typeface="JetBrains Mono"/>
+              </a:rPr>
+              <a:t>.setOnCompletionListener</a:t>
+            </a:r>
+            <a:r>
+              <a:rPr kumimoji="0" lang="ru-RU" altLang="ru-RU" sz="900" b="0" i="0" u="none" strike="noStrike" cap="none" normalizeH="0" baseline="0" dirty="0">
+                <a:ln>
+                  <a:noFill/>
+                </a:ln>
+                <a:solidFill>
+                  <a:srgbClr val="A9B7C6"/>
+                </a:solidFill>
+                <a:effectLst/>
+                <a:latin typeface="JetBrains Mono"/>
+              </a:rPr>
+              <a:t>(</a:t>
+            </a:r>
+            <a:r>
+              <a:rPr kumimoji="0" lang="ru-RU" altLang="ru-RU" sz="900" b="0" i="0" u="none" strike="noStrike" cap="none" normalizeH="0" baseline="0" dirty="0" err="1">
+                <a:ln>
+                  <a:noFill/>
+                </a:ln>
+                <a:solidFill>
+                  <a:srgbClr val="CC7832"/>
+                </a:solidFill>
+                <a:effectLst/>
+                <a:latin typeface="JetBrains Mono"/>
+              </a:rPr>
+              <a:t>new</a:t>
+            </a:r>
+            <a:r>
+              <a:rPr kumimoji="0" lang="ru-RU" altLang="ru-RU" sz="900" b="0" i="0" u="none" strike="noStrike" cap="none" normalizeH="0" baseline="0" dirty="0">
+                <a:ln>
+                  <a:noFill/>
+                </a:ln>
+                <a:solidFill>
+                  <a:srgbClr val="CC7832"/>
+                </a:solidFill>
+                <a:effectLst/>
+                <a:latin typeface="JetBrains Mono"/>
+              </a:rPr>
+              <a:t> </a:t>
+            </a:r>
+            <a:r>
+              <a:rPr kumimoji="0" lang="ru-RU" altLang="ru-RU" sz="900" b="0" i="0" u="none" strike="noStrike" cap="none" normalizeH="0" baseline="0" dirty="0" err="1">
+                <a:ln>
+                  <a:noFill/>
+                </a:ln>
+                <a:solidFill>
+                  <a:srgbClr val="A9B7C6"/>
+                </a:solidFill>
+                <a:effectLst/>
+                <a:latin typeface="JetBrains Mono"/>
+              </a:rPr>
+              <a:t>android.media.MediaPlayer.OnCompletionListener</a:t>
+            </a:r>
+            <a:r>
+              <a:rPr kumimoji="0" lang="ru-RU" altLang="ru-RU" sz="900" b="0" i="0" u="none" strike="noStrike" cap="none" normalizeH="0" baseline="0" dirty="0">
+                <a:ln>
+                  <a:noFill/>
+                </a:ln>
+                <a:solidFill>
+                  <a:srgbClr val="A9B7C6"/>
+                </a:solidFill>
+                <a:effectLst/>
+                <a:latin typeface="JetBrains Mono"/>
+              </a:rPr>
+              <a:t>() {</a:t>
+            </a:r>
+            <a:br>
+              <a:rPr kumimoji="0" lang="ru-RU" altLang="ru-RU" sz="900" b="0" i="0" u="none" strike="noStrike" cap="none" normalizeH="0" baseline="0" dirty="0">
+                <a:ln>
+                  <a:noFill/>
+                </a:ln>
+                <a:solidFill>
+                  <a:srgbClr val="A9B7C6"/>
+                </a:solidFill>
+                <a:effectLst/>
+                <a:latin typeface="JetBrains Mono"/>
+              </a:rPr>
+            </a:br>
+            <a:r>
+              <a:rPr kumimoji="0" lang="ru-RU" altLang="ru-RU" sz="900" b="0" i="0" u="none" strike="noStrike" cap="none" normalizeH="0" baseline="0" dirty="0">
+                <a:ln>
+                  <a:noFill/>
+                </a:ln>
+                <a:solidFill>
+                  <a:srgbClr val="A9B7C6"/>
+                </a:solidFill>
+                <a:effectLst/>
+                <a:latin typeface="JetBrains Mono"/>
+              </a:rPr>
+              <a:t>            </a:t>
+            </a:r>
+            <a:r>
+              <a:rPr kumimoji="0" lang="ru-RU" altLang="ru-RU" sz="900" b="0" i="0" u="none" strike="noStrike" cap="none" normalizeH="0" baseline="0" dirty="0">
+                <a:ln>
+                  <a:noFill/>
+                </a:ln>
+                <a:solidFill>
+                  <a:srgbClr val="BBB529"/>
+                </a:solidFill>
                 <a:effectLst/>
                 <a:latin typeface="JetBrains Mono"/>
               </a:rPr>
               <a:t>@Override</a:t>
             </a:r>
             <a:br>
-              <a:rPr kumimoji="0" lang="ru-RU" altLang="ru-RU" sz="1050" b="0" i="0" u="none" strike="noStrike" cap="none" normalizeH="0" baseline="0" dirty="0">
-                <a:ln>
-                  <a:noFill/>
-                </a:ln>
+              <a:rPr kumimoji="0" lang="ru-RU" altLang="ru-RU" sz="900" b="0" i="0" u="none" strike="noStrike" cap="none" normalizeH="0" baseline="0" dirty="0">
+                <a:ln>
+                  <a:noFill/>
+                </a:ln>
+                <a:solidFill>
+                  <a:srgbClr val="BBB529"/>
+                </a:solidFill>
                 <a:effectLst/>
                 <a:latin typeface="JetBrains Mono"/>
               </a:rPr>
             </a:br>
             <a:r>
-              <a:rPr kumimoji="0" lang="ru-RU" altLang="ru-RU" sz="1050" b="0" i="0" u="none" strike="noStrike" cap="none" normalizeH="0" baseline="0" dirty="0" err="1">
-                <a:ln>
-                  <a:noFill/>
-                </a:ln>
-                <a:effectLst/>
-                <a:latin typeface="JetBrains Mono"/>
-              </a:rPr>
-              <a:t>protected</a:t>
-            </a:r>
-            <a:r>
-              <a:rPr kumimoji="0" lang="ru-RU" altLang="ru-RU" sz="1050" b="0" i="0" u="none" strike="noStrike" cap="none" normalizeH="0" baseline="0" dirty="0">
-                <a:ln>
-                  <a:noFill/>
-                </a:ln>
+              <a:rPr kumimoji="0" lang="ru-RU" altLang="ru-RU" sz="900" b="0" i="0" u="none" strike="noStrike" cap="none" normalizeH="0" baseline="0" dirty="0">
+                <a:ln>
+                  <a:noFill/>
+                </a:ln>
+                <a:solidFill>
+                  <a:srgbClr val="BBB529"/>
+                </a:solidFill>
+                <a:effectLst/>
+                <a:latin typeface="JetBrains Mono"/>
+              </a:rPr>
+              <a:t>            </a:t>
+            </a:r>
+            <a:r>
+              <a:rPr kumimoji="0" lang="ru-RU" altLang="ru-RU" sz="900" b="0" i="0" u="none" strike="noStrike" cap="none" normalizeH="0" baseline="0" dirty="0" err="1">
+                <a:ln>
+                  <a:noFill/>
+                </a:ln>
+                <a:solidFill>
+                  <a:srgbClr val="CC7832"/>
+                </a:solidFill>
+                <a:effectLst/>
+                <a:latin typeface="JetBrains Mono"/>
+              </a:rPr>
+              <a:t>public</a:t>
+            </a:r>
+            <a:r>
+              <a:rPr kumimoji="0" lang="ru-RU" altLang="ru-RU" sz="900" b="0" i="0" u="none" strike="noStrike" cap="none" normalizeH="0" baseline="0" dirty="0">
+                <a:ln>
+                  <a:noFill/>
+                </a:ln>
+                <a:solidFill>
+                  <a:srgbClr val="CC7832"/>
+                </a:solidFill>
                 <a:effectLst/>
                 <a:latin typeface="JetBrains Mono"/>
               </a:rPr>
               <a:t> </a:t>
             </a:r>
             <a:r>
-              <a:rPr kumimoji="0" lang="ru-RU" altLang="ru-RU" sz="1050" b="0" i="0" u="none" strike="noStrike" cap="none" normalizeH="0" baseline="0" dirty="0" err="1">
-                <a:ln>
-                  <a:noFill/>
-                </a:ln>
+              <a:rPr kumimoji="0" lang="ru-RU" altLang="ru-RU" sz="900" b="0" i="0" u="none" strike="noStrike" cap="none" normalizeH="0" baseline="0" dirty="0" err="1">
+                <a:ln>
+                  <a:noFill/>
+                </a:ln>
+                <a:solidFill>
+                  <a:srgbClr val="CC7832"/>
+                </a:solidFill>
                 <a:effectLst/>
                 <a:latin typeface="JetBrains Mono"/>
               </a:rPr>
               <a:t>void</a:t>
             </a:r>
             <a:r>
-              <a:rPr kumimoji="0" lang="ru-RU" altLang="ru-RU" sz="1050" b="0" i="0" u="none" strike="noStrike" cap="none" normalizeH="0" baseline="0" dirty="0">
-                <a:ln>
-                  <a:noFill/>
-                </a:ln>
+              <a:rPr kumimoji="0" lang="ru-RU" altLang="ru-RU" sz="900" b="0" i="0" u="none" strike="noStrike" cap="none" normalizeH="0" baseline="0" dirty="0">
+                <a:ln>
+                  <a:noFill/>
+                </a:ln>
+                <a:solidFill>
+                  <a:srgbClr val="CC7832"/>
+                </a:solidFill>
                 <a:effectLst/>
                 <a:latin typeface="JetBrains Mono"/>
               </a:rPr>
               <a:t> </a:t>
             </a:r>
             <a:r>
-              <a:rPr kumimoji="0" lang="ru-RU" altLang="ru-RU" sz="1050" b="0" i="0" u="none" strike="noStrike" cap="none" normalizeH="0" baseline="0" dirty="0" err="1">
-                <a:ln>
-                  <a:noFill/>
-                </a:ln>
-                <a:effectLst/>
-                <a:latin typeface="JetBrains Mono"/>
-              </a:rPr>
-              <a:t>onDestroy</a:t>
-            </a:r>
-            <a:r>
-              <a:rPr kumimoji="0" lang="ru-RU" altLang="ru-RU" sz="1050" b="0" i="0" u="none" strike="noStrike" cap="none" normalizeH="0" baseline="0" dirty="0">
-                <a:ln>
-                  <a:noFill/>
-                </a:ln>
-                <a:effectLst/>
-                <a:latin typeface="JetBrains Mono"/>
-              </a:rPr>
-              <a:t>() {</a:t>
+              <a:rPr kumimoji="0" lang="ru-RU" altLang="ru-RU" sz="900" b="0" i="0" u="none" strike="noStrike" cap="none" normalizeH="0" baseline="0" dirty="0" err="1">
+                <a:ln>
+                  <a:noFill/>
+                </a:ln>
+                <a:solidFill>
+                  <a:srgbClr val="FFC66D"/>
+                </a:solidFill>
+                <a:effectLst/>
+                <a:latin typeface="JetBrains Mono"/>
+              </a:rPr>
+              <a:t>onCompletion</a:t>
+            </a:r>
+            <a:r>
+              <a:rPr kumimoji="0" lang="ru-RU" altLang="ru-RU" sz="900" b="0" i="0" u="none" strike="noStrike" cap="none" normalizeH="0" baseline="0" dirty="0">
+                <a:ln>
+                  <a:noFill/>
+                </a:ln>
+                <a:solidFill>
+                  <a:srgbClr val="A9B7C6"/>
+                </a:solidFill>
+                <a:effectLst/>
+                <a:latin typeface="JetBrains Mono"/>
+              </a:rPr>
+              <a:t>(</a:t>
+            </a:r>
+            <a:r>
+              <a:rPr kumimoji="0" lang="ru-RU" altLang="ru-RU" sz="900" b="0" i="0" u="none" strike="noStrike" cap="none" normalizeH="0" baseline="0" dirty="0" err="1">
+                <a:ln>
+                  <a:noFill/>
+                </a:ln>
+                <a:solidFill>
+                  <a:srgbClr val="A9B7C6"/>
+                </a:solidFill>
+                <a:effectLst/>
+                <a:latin typeface="JetBrains Mono"/>
+              </a:rPr>
+              <a:t>android.media.MediaPlayer</a:t>
+            </a:r>
+            <a:r>
+              <a:rPr kumimoji="0" lang="ru-RU" altLang="ru-RU" sz="900" b="0" i="0" u="none" strike="noStrike" cap="none" normalizeH="0" baseline="0" dirty="0">
+                <a:ln>
+                  <a:noFill/>
+                </a:ln>
+                <a:solidFill>
+                  <a:srgbClr val="A9B7C6"/>
+                </a:solidFill>
+                <a:effectLst/>
+                <a:latin typeface="JetBrains Mono"/>
+              </a:rPr>
+              <a:t> </a:t>
+            </a:r>
+            <a:r>
+              <a:rPr kumimoji="0" lang="ru-RU" altLang="ru-RU" sz="900" b="0" i="0" u="none" strike="noStrike" cap="none" normalizeH="0" baseline="0" dirty="0" err="1">
+                <a:ln>
+                  <a:noFill/>
+                </a:ln>
+                <a:solidFill>
+                  <a:srgbClr val="A9B7C6"/>
+                </a:solidFill>
+                <a:effectLst/>
+                <a:latin typeface="JetBrains Mono"/>
+              </a:rPr>
+              <a:t>mp</a:t>
+            </a:r>
+            <a:r>
+              <a:rPr kumimoji="0" lang="ru-RU" altLang="ru-RU" sz="900" b="0" i="0" u="none" strike="noStrike" cap="none" normalizeH="0" baseline="0" dirty="0">
+                <a:ln>
+                  <a:noFill/>
+                </a:ln>
+                <a:solidFill>
+                  <a:srgbClr val="A9B7C6"/>
+                </a:solidFill>
+                <a:effectLst/>
+                <a:latin typeface="JetBrains Mono"/>
+              </a:rPr>
+              <a:t>) {</a:t>
             </a:r>
             <a:br>
-              <a:rPr kumimoji="0" lang="ru-RU" altLang="ru-RU" sz="1050" b="0" i="0" u="none" strike="noStrike" cap="none" normalizeH="0" baseline="0" dirty="0">
-                <a:ln>
-                  <a:noFill/>
-                </a:ln>
+              <a:rPr kumimoji="0" lang="ru-RU" altLang="ru-RU" sz="900" b="0" i="0" u="none" strike="noStrike" cap="none" normalizeH="0" baseline="0" dirty="0">
+                <a:ln>
+                  <a:noFill/>
+                </a:ln>
+                <a:solidFill>
+                  <a:srgbClr val="A9B7C6"/>
+                </a:solidFill>
                 <a:effectLst/>
                 <a:latin typeface="JetBrains Mono"/>
               </a:rPr>
             </a:br>
             <a:r>
-              <a:rPr kumimoji="0" lang="ru-RU" altLang="ru-RU" sz="1050" b="0" i="0" u="none" strike="noStrike" cap="none" normalizeH="0" baseline="0" dirty="0">
-                <a:ln>
-                  <a:noFill/>
-                </a:ln>
+              <a:rPr kumimoji="0" lang="ru-RU" altLang="ru-RU" sz="900" b="0" i="0" u="none" strike="noStrike" cap="none" normalizeH="0" baseline="0" dirty="0">
+                <a:ln>
+                  <a:noFill/>
+                </a:ln>
+                <a:solidFill>
+                  <a:srgbClr val="A9B7C6"/>
+                </a:solidFill>
+                <a:effectLst/>
+                <a:latin typeface="JetBrains Mono"/>
+              </a:rPr>
+              <a:t>                </a:t>
+            </a:r>
+            <a:r>
+              <a:rPr kumimoji="0" lang="ru-RU" altLang="ru-RU" sz="900" b="0" i="0" u="none" strike="noStrike" cap="none" normalizeH="0" baseline="0" dirty="0" err="1">
+                <a:ln>
+                  <a:noFill/>
+                </a:ln>
+                <a:solidFill>
+                  <a:srgbClr val="A9B7C6"/>
+                </a:solidFill>
+                <a:effectLst/>
+                <a:latin typeface="JetBrains Mono"/>
+              </a:rPr>
+              <a:t>start</a:t>
+            </a:r>
+            <a:r>
+              <a:rPr kumimoji="0" lang="ru-RU" altLang="ru-RU" sz="900" b="0" i="0" u="none" strike="noStrike" cap="none" normalizeH="0" baseline="0" dirty="0">
+                <a:ln>
+                  <a:noFill/>
+                </a:ln>
+                <a:solidFill>
+                  <a:srgbClr val="A9B7C6"/>
+                </a:solidFill>
+                <a:effectLst/>
+                <a:latin typeface="JetBrains Mono"/>
+              </a:rPr>
+              <a:t>(</a:t>
+            </a:r>
+            <a:r>
+              <a:rPr kumimoji="0" lang="ru-RU" altLang="ru-RU" sz="900" b="0" i="0" u="none" strike="noStrike" cap="none" normalizeH="0" baseline="0" dirty="0">
+                <a:ln>
+                  <a:noFill/>
+                </a:ln>
+                <a:solidFill>
+                  <a:srgbClr val="B389C5"/>
+                </a:solidFill>
+                <a:effectLst/>
+                <a:latin typeface="JetBrains Mono"/>
+              </a:rPr>
+              <a:t>c</a:t>
+            </a:r>
+            <a:r>
+              <a:rPr kumimoji="0" lang="ru-RU" altLang="ru-RU" sz="900" b="0" i="0" u="none" strike="noStrike" cap="none" normalizeH="0" baseline="0" dirty="0">
+                <a:ln>
+                  <a:noFill/>
+                </a:ln>
+                <a:solidFill>
+                  <a:srgbClr val="CC7832"/>
+                </a:solidFill>
+                <a:effectLst/>
+                <a:latin typeface="JetBrains Mono"/>
+              </a:rPr>
+              <a:t>, </a:t>
+            </a:r>
+            <a:r>
+              <a:rPr kumimoji="0" lang="ru-RU" altLang="ru-RU" sz="900" b="0" i="0" u="none" strike="noStrike" cap="none" normalizeH="0" baseline="0" dirty="0" err="1">
+                <a:ln>
+                  <a:noFill/>
+                </a:ln>
+                <a:solidFill>
+                  <a:srgbClr val="B389C5"/>
+                </a:solidFill>
+                <a:effectLst/>
+                <a:latin typeface="JetBrains Mono"/>
+              </a:rPr>
+              <a:t>track</a:t>
+            </a:r>
+            <a:r>
+              <a:rPr kumimoji="0" lang="ru-RU" altLang="ru-RU" sz="900" b="0" i="0" u="none" strike="noStrike" cap="none" normalizeH="0" baseline="0" dirty="0">
+                <a:ln>
+                  <a:noFill/>
+                </a:ln>
+                <a:solidFill>
+                  <a:srgbClr val="A9B7C6"/>
+                </a:solidFill>
+                <a:effectLst/>
+                <a:latin typeface="JetBrains Mono"/>
+              </a:rPr>
+              <a:t>)</a:t>
+            </a:r>
+            <a:r>
+              <a:rPr kumimoji="0" lang="ru-RU" altLang="ru-RU" sz="900" b="0" i="0" u="none" strike="noStrike" cap="none" normalizeH="0" baseline="0" dirty="0">
+                <a:ln>
+                  <a:noFill/>
+                </a:ln>
+                <a:solidFill>
+                  <a:srgbClr val="CC7832"/>
+                </a:solidFill>
+                <a:effectLst/>
+                <a:latin typeface="JetBrains Mono"/>
+              </a:rPr>
+              <a:t>;</a:t>
+            </a:r>
+            <a:br>
+              <a:rPr kumimoji="0" lang="ru-RU" altLang="ru-RU" sz="900" b="0" i="0" u="none" strike="noStrike" cap="none" normalizeH="0" baseline="0" dirty="0">
+                <a:ln>
+                  <a:noFill/>
+                </a:ln>
+                <a:solidFill>
+                  <a:srgbClr val="CC7832"/>
+                </a:solidFill>
+                <a:effectLst/>
+                <a:latin typeface="JetBrains Mono"/>
+              </a:rPr>
+            </a:br>
+            <a:r>
+              <a:rPr kumimoji="0" lang="ru-RU" altLang="ru-RU" sz="900" b="0" i="0" u="none" strike="noStrike" cap="none" normalizeH="0" baseline="0" dirty="0">
+                <a:ln>
+                  <a:noFill/>
+                </a:ln>
+                <a:solidFill>
+                  <a:srgbClr val="CC7832"/>
+                </a:solidFill>
+                <a:effectLst/>
+                <a:latin typeface="JetBrains Mono"/>
+              </a:rPr>
+              <a:t>            </a:t>
+            </a:r>
+            <a:r>
+              <a:rPr kumimoji="0" lang="ru-RU" altLang="ru-RU" sz="900" b="0" i="0" u="none" strike="noStrike" cap="none" normalizeH="0" baseline="0" dirty="0">
+                <a:ln>
+                  <a:noFill/>
+                </a:ln>
+                <a:solidFill>
+                  <a:srgbClr val="A9B7C6"/>
+                </a:solidFill>
+                <a:effectLst/>
+                <a:latin typeface="JetBrains Mono"/>
+              </a:rPr>
+              <a:t>}</a:t>
+            </a:r>
+            <a:br>
+              <a:rPr kumimoji="0" lang="ru-RU" altLang="ru-RU" sz="900" b="0" i="0" u="none" strike="noStrike" cap="none" normalizeH="0" baseline="0" dirty="0">
+                <a:ln>
+                  <a:noFill/>
+                </a:ln>
+                <a:solidFill>
+                  <a:srgbClr val="A9B7C6"/>
+                </a:solidFill>
+                <a:effectLst/>
+                <a:latin typeface="JetBrains Mono"/>
+              </a:rPr>
+            </a:br>
+            <a:r>
+              <a:rPr kumimoji="0" lang="ru-RU" altLang="ru-RU" sz="900" b="0" i="0" u="none" strike="noStrike" cap="none" normalizeH="0" baseline="0" dirty="0">
+                <a:ln>
+                  <a:noFill/>
+                </a:ln>
+                <a:solidFill>
+                  <a:srgbClr val="A9B7C6"/>
+                </a:solidFill>
+                <a:effectLst/>
+                <a:latin typeface="JetBrains Mono"/>
+              </a:rPr>
+              <a:t>        })</a:t>
+            </a:r>
+            <a:r>
+              <a:rPr kumimoji="0" lang="ru-RU" altLang="ru-RU" sz="900" b="0" i="0" u="none" strike="noStrike" cap="none" normalizeH="0" baseline="0" dirty="0">
+                <a:ln>
+                  <a:noFill/>
+                </a:ln>
+                <a:solidFill>
+                  <a:srgbClr val="CC7832"/>
+                </a:solidFill>
+                <a:effectLst/>
+                <a:latin typeface="JetBrains Mono"/>
+              </a:rPr>
+              <a:t>;</a:t>
+            </a:r>
+            <a:br>
+              <a:rPr kumimoji="0" lang="ru-RU" altLang="ru-RU" sz="900" b="0" i="0" u="none" strike="noStrike" cap="none" normalizeH="0" baseline="0" dirty="0">
+                <a:ln>
+                  <a:noFill/>
+                </a:ln>
+                <a:solidFill>
+                  <a:srgbClr val="CC7832"/>
+                </a:solidFill>
+                <a:effectLst/>
+                <a:latin typeface="JetBrains Mono"/>
+              </a:rPr>
+            </a:br>
+            <a:r>
+              <a:rPr kumimoji="0" lang="ru-RU" altLang="ru-RU" sz="900" b="0" i="0" u="none" strike="noStrike" cap="none" normalizeH="0" baseline="0" dirty="0">
+                <a:ln>
+                  <a:noFill/>
+                </a:ln>
+                <a:solidFill>
+                  <a:srgbClr val="CC7832"/>
+                </a:solidFill>
+                <a:effectLst/>
+                <a:latin typeface="JetBrains Mono"/>
+              </a:rPr>
+              <a:t>        </a:t>
+            </a:r>
+            <a:r>
+              <a:rPr kumimoji="0" lang="ru-RU" altLang="ru-RU" sz="900" b="0" i="0" u="none" strike="noStrike" cap="none" normalizeH="0" baseline="0" dirty="0" err="1">
+                <a:ln>
+                  <a:noFill/>
+                </a:ln>
+                <a:solidFill>
+                  <a:srgbClr val="9876AA"/>
+                </a:solidFill>
+                <a:effectLst/>
+                <a:latin typeface="JetBrains Mono"/>
+              </a:rPr>
+              <a:t>mPlayer</a:t>
+            </a:r>
+            <a:r>
+              <a:rPr kumimoji="0" lang="ru-RU" altLang="ru-RU" sz="900" b="0" i="0" u="none" strike="noStrike" cap="none" normalizeH="0" baseline="0" dirty="0" err="1">
+                <a:ln>
+                  <a:noFill/>
+                </a:ln>
+                <a:solidFill>
+                  <a:srgbClr val="A9B7C6"/>
+                </a:solidFill>
+                <a:effectLst/>
+                <a:latin typeface="JetBrains Mono"/>
+              </a:rPr>
+              <a:t>.start</a:t>
+            </a:r>
+            <a:r>
+              <a:rPr kumimoji="0" lang="ru-RU" altLang="ru-RU" sz="900" b="0" i="0" u="none" strike="noStrike" cap="none" normalizeH="0" baseline="0" dirty="0">
+                <a:ln>
+                  <a:noFill/>
+                </a:ln>
+                <a:solidFill>
+                  <a:srgbClr val="A9B7C6"/>
+                </a:solidFill>
+                <a:effectLst/>
+                <a:latin typeface="JetBrains Mono"/>
+              </a:rPr>
+              <a:t>()</a:t>
+            </a:r>
+            <a:r>
+              <a:rPr kumimoji="0" lang="ru-RU" altLang="ru-RU" sz="900" b="0" i="0" u="none" strike="noStrike" cap="none" normalizeH="0" baseline="0" dirty="0">
+                <a:ln>
+                  <a:noFill/>
+                </a:ln>
+                <a:solidFill>
+                  <a:srgbClr val="CC7832"/>
+                </a:solidFill>
+                <a:effectLst/>
+                <a:latin typeface="JetBrains Mono"/>
+              </a:rPr>
+              <a:t>;</a:t>
+            </a:r>
+            <a:br>
+              <a:rPr kumimoji="0" lang="ru-RU" altLang="ru-RU" sz="900" b="0" i="0" u="none" strike="noStrike" cap="none" normalizeH="0" baseline="0" dirty="0">
+                <a:ln>
+                  <a:noFill/>
+                </a:ln>
+                <a:solidFill>
+                  <a:srgbClr val="CC7832"/>
+                </a:solidFill>
+                <a:effectLst/>
+                <a:latin typeface="JetBrains Mono"/>
+              </a:rPr>
+            </a:br>
+            <a:r>
+              <a:rPr kumimoji="0" lang="ru-RU" altLang="ru-RU" sz="900" b="0" i="0" u="none" strike="noStrike" cap="none" normalizeH="0" baseline="0" dirty="0">
+                <a:ln>
+                  <a:noFill/>
+                </a:ln>
+                <a:solidFill>
+                  <a:srgbClr val="CC7832"/>
+                </a:solidFill>
                 <a:effectLst/>
                 <a:latin typeface="JetBrains Mono"/>
               </a:rPr>
               <a:t>    </a:t>
             </a:r>
             <a:r>
-              <a:rPr kumimoji="0" lang="ru-RU" altLang="ru-RU" sz="1050" b="0" i="1" u="none" strike="noStrike" cap="none" normalizeH="0" baseline="0" dirty="0" err="1">
-                <a:ln>
-                  <a:noFill/>
-                </a:ln>
-                <a:effectLst/>
-                <a:latin typeface="JetBrains Mono"/>
-              </a:rPr>
-              <a:t>m</a:t>
-            </a:r>
-            <a:r>
-              <a:rPr kumimoji="0" lang="ru-RU" altLang="ru-RU" sz="1050" b="0" i="0" u="none" strike="noStrike" cap="none" normalizeH="0" baseline="0" dirty="0" err="1">
-                <a:ln>
-                  <a:noFill/>
-                </a:ln>
-                <a:effectLst/>
-                <a:latin typeface="JetBrains Mono"/>
-              </a:rPr>
-              <a:t>.stop</a:t>
-            </a:r>
-            <a:r>
-              <a:rPr kumimoji="0" lang="ru-RU" altLang="ru-RU" sz="1050" b="0" i="0" u="none" strike="noStrike" cap="none" normalizeH="0" baseline="0" dirty="0">
-                <a:ln>
-                  <a:noFill/>
-                </a:ln>
-                <a:effectLst/>
-                <a:latin typeface="JetBrains Mono"/>
-              </a:rPr>
-              <a:t>();</a:t>
+              <a:rPr kumimoji="0" lang="ru-RU" altLang="ru-RU" sz="900" b="0" i="0" u="none" strike="noStrike" cap="none" normalizeH="0" baseline="0" dirty="0">
+                <a:ln>
+                  <a:noFill/>
+                </a:ln>
+                <a:solidFill>
+                  <a:srgbClr val="A9B7C6"/>
+                </a:solidFill>
+                <a:effectLst/>
+                <a:latin typeface="JetBrains Mono"/>
+              </a:rPr>
+              <a:t>}</a:t>
             </a:r>
             <a:br>
-              <a:rPr kumimoji="0" lang="ru-RU" altLang="ru-RU" sz="1050" b="0" i="0" u="none" strike="noStrike" cap="none" normalizeH="0" baseline="0" dirty="0">
-                <a:ln>
-                  <a:noFill/>
-                </a:ln>
+              <a:rPr kumimoji="0" lang="ru-RU" altLang="ru-RU" sz="900" b="0" i="0" u="none" strike="noStrike" cap="none" normalizeH="0" baseline="0" dirty="0">
+                <a:ln>
+                  <a:noFill/>
+                </a:ln>
+                <a:solidFill>
+                  <a:srgbClr val="A9B7C6"/>
+                </a:solidFill>
                 <a:effectLst/>
                 <a:latin typeface="JetBrains Mono"/>
               </a:rPr>
             </a:br>
             <a:r>
-              <a:rPr kumimoji="0" lang="ru-RU" altLang="ru-RU" sz="1050" b="0" i="0" u="none" strike="noStrike" cap="none" normalizeH="0" baseline="0" dirty="0">
-                <a:ln>
-                  <a:noFill/>
-                </a:ln>
-                <a:effectLst/>
-                <a:latin typeface="JetBrains Mono"/>
-              </a:rPr>
-              <a:t>    </a:t>
-            </a:r>
-            <a:r>
-              <a:rPr kumimoji="0" lang="ru-RU" altLang="ru-RU" sz="1050" b="0" i="0" u="none" strike="noStrike" cap="none" normalizeH="0" baseline="0" dirty="0" err="1">
-                <a:ln>
-                  <a:noFill/>
-                </a:ln>
-                <a:effectLst/>
-                <a:latin typeface="JetBrains Mono"/>
-              </a:rPr>
-              <a:t>SharedPreferences</a:t>
-            </a:r>
-            <a:r>
-              <a:rPr kumimoji="0" lang="ru-RU" altLang="ru-RU" sz="1050" b="0" i="0" u="none" strike="noStrike" cap="none" normalizeH="0" baseline="0" dirty="0">
-                <a:ln>
-                  <a:noFill/>
-                </a:ln>
-                <a:effectLst/>
-                <a:latin typeface="JetBrains Mono"/>
-              </a:rPr>
-              <a:t> </a:t>
-            </a:r>
-            <a:r>
-              <a:rPr kumimoji="0" lang="ru-RU" altLang="ru-RU" sz="1050" b="0" i="0" u="none" strike="noStrike" cap="none" normalizeH="0" baseline="0" dirty="0" err="1">
-                <a:ln>
-                  <a:noFill/>
-                </a:ln>
-                <a:effectLst/>
-                <a:latin typeface="JetBrains Mono"/>
-              </a:rPr>
-              <a:t>sh</a:t>
-            </a:r>
-            <a:r>
-              <a:rPr kumimoji="0" lang="ru-RU" altLang="ru-RU" sz="1050" b="0" i="0" u="none" strike="noStrike" cap="none" normalizeH="0" baseline="0" dirty="0">
-                <a:ln>
-                  <a:noFill/>
-                </a:ln>
-                <a:effectLst/>
-                <a:latin typeface="JetBrains Mono"/>
-              </a:rPr>
-              <a:t> = </a:t>
-            </a:r>
-            <a:r>
-              <a:rPr kumimoji="0" lang="ru-RU" altLang="ru-RU" sz="1050" b="0" i="0" u="none" strike="noStrike" cap="none" normalizeH="0" baseline="0" dirty="0" err="1">
-                <a:ln>
-                  <a:noFill/>
-                </a:ln>
-                <a:effectLst/>
-                <a:latin typeface="JetBrains Mono"/>
-              </a:rPr>
-              <a:t>getPreferences</a:t>
-            </a:r>
-            <a:r>
-              <a:rPr kumimoji="0" lang="ru-RU" altLang="ru-RU" sz="1050" b="0" i="0" u="none" strike="noStrike" cap="none" normalizeH="0" baseline="0" dirty="0">
-                <a:ln>
-                  <a:noFill/>
-                </a:ln>
-                <a:effectLst/>
-                <a:latin typeface="JetBrains Mono"/>
-              </a:rPr>
-              <a:t>(</a:t>
-            </a:r>
-            <a:r>
-              <a:rPr kumimoji="0" lang="ru-RU" altLang="ru-RU" sz="1050" b="0" i="1" u="none" strike="noStrike" cap="none" normalizeH="0" baseline="0" dirty="0">
-                <a:ln>
-                  <a:noFill/>
-                </a:ln>
-                <a:effectLst/>
-                <a:latin typeface="JetBrains Mono"/>
-              </a:rPr>
-              <a:t>MODE_PRIVATE</a:t>
-            </a:r>
-            <a:r>
-              <a:rPr kumimoji="0" lang="ru-RU" altLang="ru-RU" sz="1050" b="0" i="0" u="none" strike="noStrike" cap="none" normalizeH="0" baseline="0" dirty="0">
-                <a:ln>
-                  <a:noFill/>
-                </a:ln>
-                <a:effectLst/>
-                <a:latin typeface="JetBrains Mono"/>
-              </a:rPr>
-              <a:t>);</a:t>
-            </a:r>
-            <a:br>
-              <a:rPr kumimoji="0" lang="ru-RU" altLang="ru-RU" sz="1050" b="0" i="0" u="none" strike="noStrike" cap="none" normalizeH="0" baseline="0" dirty="0">
-                <a:ln>
-                  <a:noFill/>
-                </a:ln>
-                <a:effectLst/>
-                <a:latin typeface="JetBrains Mono"/>
-              </a:rPr>
-            </a:br>
-            <a:r>
-              <a:rPr kumimoji="0" lang="ru-RU" altLang="ru-RU" sz="1050" b="0" i="0" u="none" strike="noStrike" cap="none" normalizeH="0" baseline="0" dirty="0">
-                <a:ln>
-                  <a:noFill/>
-                </a:ln>
-                <a:effectLst/>
-                <a:latin typeface="JetBrains Mono"/>
-              </a:rPr>
-              <a:t>    </a:t>
-            </a:r>
-            <a:r>
-              <a:rPr kumimoji="0" lang="ru-RU" altLang="ru-RU" sz="1050" b="0" i="0" u="none" strike="noStrike" cap="none" normalizeH="0" baseline="0" dirty="0" err="1">
-                <a:ln>
-                  <a:noFill/>
-                </a:ln>
-                <a:effectLst/>
-                <a:latin typeface="JetBrains Mono"/>
-              </a:rPr>
-              <a:t>SharedPreferences.Editor</a:t>
-            </a:r>
-            <a:r>
-              <a:rPr kumimoji="0" lang="ru-RU" altLang="ru-RU" sz="1050" b="0" i="0" u="none" strike="noStrike" cap="none" normalizeH="0" baseline="0" dirty="0">
-                <a:ln>
-                  <a:noFill/>
-                </a:ln>
-                <a:effectLst/>
-                <a:latin typeface="JetBrains Mono"/>
-              </a:rPr>
-              <a:t> </a:t>
-            </a:r>
-            <a:r>
-              <a:rPr kumimoji="0" lang="ru-RU" altLang="ru-RU" sz="1050" b="0" i="0" u="none" strike="noStrike" cap="none" normalizeH="0" baseline="0" dirty="0" err="1">
-                <a:ln>
-                  <a:noFill/>
-                </a:ln>
-                <a:effectLst/>
-                <a:latin typeface="JetBrains Mono"/>
-              </a:rPr>
-              <a:t>ed</a:t>
-            </a:r>
-            <a:r>
-              <a:rPr kumimoji="0" lang="ru-RU" altLang="ru-RU" sz="1050" b="0" i="0" u="none" strike="noStrike" cap="none" normalizeH="0" baseline="0" dirty="0">
-                <a:ln>
-                  <a:noFill/>
-                </a:ln>
-                <a:effectLst/>
-                <a:latin typeface="JetBrains Mono"/>
-              </a:rPr>
-              <a:t> = </a:t>
-            </a:r>
-            <a:r>
-              <a:rPr kumimoji="0" lang="ru-RU" altLang="ru-RU" sz="1050" b="0" i="0" u="none" strike="noStrike" cap="none" normalizeH="0" baseline="0" dirty="0" err="1">
-                <a:ln>
-                  <a:noFill/>
-                </a:ln>
-                <a:effectLst/>
-                <a:latin typeface="JetBrains Mono"/>
-              </a:rPr>
-              <a:t>sh.edit</a:t>
-            </a:r>
-            <a:r>
-              <a:rPr kumimoji="0" lang="ru-RU" altLang="ru-RU" sz="1050" b="0" i="0" u="none" strike="noStrike" cap="none" normalizeH="0" baseline="0" dirty="0">
-                <a:ln>
-                  <a:noFill/>
-                </a:ln>
-                <a:effectLst/>
-                <a:latin typeface="JetBrains Mono"/>
-              </a:rPr>
-              <a:t>();</a:t>
-            </a:r>
-            <a:br>
-              <a:rPr kumimoji="0" lang="ru-RU" altLang="ru-RU" sz="1050" b="0" i="0" u="none" strike="noStrike" cap="none" normalizeH="0" baseline="0" dirty="0">
-                <a:ln>
-                  <a:noFill/>
-                </a:ln>
-                <a:effectLst/>
-                <a:latin typeface="JetBrains Mono"/>
-              </a:rPr>
-            </a:br>
-            <a:r>
-              <a:rPr kumimoji="0" lang="ru-RU" altLang="ru-RU" sz="1050" b="0" i="0" u="none" strike="noStrike" cap="none" normalizeH="0" baseline="0" dirty="0">
-                <a:ln>
-                  <a:noFill/>
-                </a:ln>
-                <a:effectLst/>
-                <a:latin typeface="JetBrains Mono"/>
-              </a:rPr>
-              <a:t>    </a:t>
-            </a:r>
-            <a:r>
-              <a:rPr kumimoji="0" lang="ru-RU" altLang="ru-RU" sz="1050" b="0" i="0" u="none" strike="noStrike" cap="none" normalizeH="0" baseline="0" dirty="0" err="1">
-                <a:ln>
-                  <a:noFill/>
-                </a:ln>
-                <a:effectLst/>
-                <a:latin typeface="JetBrains Mono"/>
-              </a:rPr>
-              <a:t>ed.clear</a:t>
-            </a:r>
-            <a:r>
-              <a:rPr kumimoji="0" lang="ru-RU" altLang="ru-RU" sz="1050" b="0" i="0" u="none" strike="noStrike" cap="none" normalizeH="0" baseline="0" dirty="0">
-                <a:ln>
-                  <a:noFill/>
-                </a:ln>
-                <a:effectLst/>
-                <a:latin typeface="JetBrains Mono"/>
-              </a:rPr>
-              <a:t>();</a:t>
-            </a:r>
-            <a:br>
-              <a:rPr kumimoji="0" lang="ru-RU" altLang="ru-RU" sz="1050" b="0" i="0" u="none" strike="noStrike" cap="none" normalizeH="0" baseline="0" dirty="0">
-                <a:ln>
-                  <a:noFill/>
-                </a:ln>
-                <a:effectLst/>
-                <a:latin typeface="JetBrains Mono"/>
-              </a:rPr>
-            </a:br>
-            <a:r>
-              <a:rPr kumimoji="0" lang="ru-RU" altLang="ru-RU" sz="1050" b="0" i="0" u="none" strike="noStrike" cap="none" normalizeH="0" baseline="0" dirty="0">
-                <a:ln>
-                  <a:noFill/>
-                </a:ln>
-                <a:effectLst/>
-                <a:latin typeface="JetBrains Mono"/>
-              </a:rPr>
-              <a:t>    </a:t>
-            </a:r>
-            <a:r>
-              <a:rPr kumimoji="0" lang="ru-RU" altLang="ru-RU" sz="1050" b="0" i="0" u="none" strike="noStrike" cap="none" normalizeH="0" baseline="0" dirty="0" err="1">
-                <a:ln>
-                  <a:noFill/>
-                </a:ln>
-                <a:effectLst/>
-                <a:latin typeface="JetBrains Mono"/>
-              </a:rPr>
-              <a:t>ed.putString</a:t>
-            </a:r>
-            <a:r>
-              <a:rPr kumimoji="0" lang="ru-RU" altLang="ru-RU" sz="1050" b="0" i="0" u="none" strike="noStrike" cap="none" normalizeH="0" baseline="0" dirty="0">
-                <a:ln>
-                  <a:noFill/>
-                </a:ln>
-                <a:effectLst/>
-                <a:latin typeface="JetBrains Mono"/>
-              </a:rPr>
-              <a:t>("Player", </a:t>
-            </a:r>
-            <a:r>
-              <a:rPr kumimoji="0" lang="ru-RU" altLang="ru-RU" sz="1050" b="0" i="0" u="none" strike="noStrike" cap="none" normalizeH="0" baseline="0" dirty="0" err="1">
-                <a:ln>
-                  <a:noFill/>
-                </a:ln>
-                <a:effectLst/>
-                <a:latin typeface="JetBrains Mono"/>
-              </a:rPr>
-              <a:t>new</a:t>
-            </a:r>
-            <a:r>
-              <a:rPr kumimoji="0" lang="ru-RU" altLang="ru-RU" sz="1050" b="0" i="0" u="none" strike="noStrike" cap="none" normalizeH="0" baseline="0" dirty="0">
-                <a:ln>
-                  <a:noFill/>
-                </a:ln>
-                <a:effectLst/>
-                <a:latin typeface="JetBrains Mono"/>
-              </a:rPr>
-              <a:t> </a:t>
-            </a:r>
-            <a:r>
-              <a:rPr kumimoji="0" lang="ru-RU" altLang="ru-RU" sz="1050" b="0" i="0" u="none" strike="noStrike" cap="none" normalizeH="0" baseline="0" dirty="0" err="1">
-                <a:ln>
-                  <a:noFill/>
-                </a:ln>
-                <a:effectLst/>
-                <a:latin typeface="JetBrains Mono"/>
-              </a:rPr>
-              <a:t>Gson</a:t>
-            </a:r>
-            <a:r>
-              <a:rPr kumimoji="0" lang="ru-RU" altLang="ru-RU" sz="1050" b="0" i="0" u="none" strike="noStrike" cap="none" normalizeH="0" baseline="0" dirty="0">
-                <a:ln>
-                  <a:noFill/>
-                </a:ln>
-                <a:effectLst/>
-                <a:latin typeface="JetBrains Mono"/>
-              </a:rPr>
-              <a:t>().</a:t>
-            </a:r>
-            <a:r>
-              <a:rPr kumimoji="0" lang="ru-RU" altLang="ru-RU" sz="1050" b="0" i="0" u="none" strike="noStrike" cap="none" normalizeH="0" baseline="0" dirty="0" err="1">
-                <a:ln>
-                  <a:noFill/>
-                </a:ln>
-                <a:effectLst/>
-                <a:latin typeface="JetBrains Mono"/>
-              </a:rPr>
-              <a:t>toJson</a:t>
-            </a:r>
-            <a:r>
-              <a:rPr kumimoji="0" lang="ru-RU" altLang="ru-RU" sz="1050" b="0" i="0" u="none" strike="noStrike" cap="none" normalizeH="0" baseline="0" dirty="0">
-                <a:ln>
-                  <a:noFill/>
-                </a:ln>
-                <a:effectLst/>
-                <a:latin typeface="JetBrains Mono"/>
-              </a:rPr>
-              <a:t>(</a:t>
-            </a:r>
-            <a:r>
-              <a:rPr kumimoji="0" lang="ru-RU" altLang="ru-RU" sz="1050" b="0" i="1" u="none" strike="noStrike" cap="none" normalizeH="0" baseline="0" dirty="0" err="1">
-                <a:ln>
-                  <a:noFill/>
-                </a:ln>
-                <a:effectLst/>
-                <a:latin typeface="JetBrains Mono"/>
-              </a:rPr>
-              <a:t>player</a:t>
-            </a:r>
-            <a:r>
-              <a:rPr kumimoji="0" lang="ru-RU" altLang="ru-RU" sz="1050" b="0" i="0" u="none" strike="noStrike" cap="none" normalizeH="0" baseline="0" dirty="0">
-                <a:ln>
-                  <a:noFill/>
-                </a:ln>
-                <a:effectLst/>
-                <a:latin typeface="JetBrains Mono"/>
-              </a:rPr>
-              <a:t>));</a:t>
-            </a:r>
-            <a:br>
-              <a:rPr kumimoji="0" lang="ru-RU" altLang="ru-RU" sz="1050" b="0" i="0" u="none" strike="noStrike" cap="none" normalizeH="0" baseline="0" dirty="0">
-                <a:ln>
-                  <a:noFill/>
-                </a:ln>
-                <a:effectLst/>
-                <a:latin typeface="JetBrains Mono"/>
-              </a:rPr>
-            </a:br>
-            <a:r>
-              <a:rPr kumimoji="0" lang="ru-RU" altLang="ru-RU" sz="1050" b="0" i="0" u="none" strike="noStrike" cap="none" normalizeH="0" baseline="0" dirty="0">
-                <a:ln>
-                  <a:noFill/>
-                </a:ln>
-                <a:effectLst/>
-                <a:latin typeface="JetBrains Mono"/>
-              </a:rPr>
-              <a:t>    </a:t>
-            </a:r>
-            <a:r>
-              <a:rPr kumimoji="0" lang="ru-RU" altLang="ru-RU" sz="1050" b="0" i="0" u="none" strike="noStrike" cap="none" normalizeH="0" baseline="0" dirty="0" err="1">
-                <a:ln>
-                  <a:noFill/>
-                </a:ln>
-                <a:effectLst/>
-                <a:latin typeface="JetBrains Mono"/>
-              </a:rPr>
-              <a:t>ed.apply</a:t>
-            </a:r>
-            <a:r>
-              <a:rPr kumimoji="0" lang="ru-RU" altLang="ru-RU" sz="1050" b="0" i="0" u="none" strike="noStrike" cap="none" normalizeH="0" baseline="0" dirty="0">
-                <a:ln>
-                  <a:noFill/>
-                </a:ln>
-                <a:effectLst/>
-                <a:latin typeface="JetBrains Mono"/>
-              </a:rPr>
-              <a:t>();</a:t>
-            </a:r>
-            <a:br>
-              <a:rPr kumimoji="0" lang="ru-RU" altLang="ru-RU" sz="1050" b="0" i="0" u="none" strike="noStrike" cap="none" normalizeH="0" baseline="0" dirty="0">
-                <a:ln>
-                  <a:noFill/>
-                </a:ln>
-                <a:effectLst/>
-                <a:latin typeface="JetBrains Mono"/>
-              </a:rPr>
-            </a:br>
-            <a:r>
-              <a:rPr kumimoji="0" lang="ru-RU" altLang="ru-RU" sz="1050" b="0" i="0" u="none" strike="noStrike" cap="none" normalizeH="0" baseline="0" dirty="0">
-                <a:ln>
-                  <a:noFill/>
-                </a:ln>
-                <a:effectLst/>
-                <a:latin typeface="JetBrains Mono"/>
-              </a:rPr>
-              <a:t>    </a:t>
-            </a:r>
-            <a:r>
-              <a:rPr kumimoji="0" lang="ru-RU" altLang="ru-RU" sz="1050" b="0" i="0" u="none" strike="noStrike" cap="none" normalizeH="0" baseline="0" dirty="0" err="1">
-                <a:ln>
-                  <a:noFill/>
-                </a:ln>
-                <a:effectLst/>
-                <a:latin typeface="JetBrains Mono"/>
-              </a:rPr>
-              <a:t>Log.</a:t>
-            </a:r>
-            <a:r>
-              <a:rPr kumimoji="0" lang="ru-RU" altLang="ru-RU" sz="1050" b="0" i="1" u="none" strike="noStrike" cap="none" normalizeH="0" baseline="0" dirty="0" err="1">
-                <a:ln>
-                  <a:noFill/>
-                </a:ln>
-                <a:effectLst/>
-                <a:latin typeface="JetBrains Mono"/>
-              </a:rPr>
-              <a:t>d</a:t>
-            </a:r>
-            <a:r>
-              <a:rPr kumimoji="0" lang="ru-RU" altLang="ru-RU" sz="1050" b="0" i="0" u="none" strike="noStrike" cap="none" normalizeH="0" baseline="0" dirty="0">
-                <a:ln>
-                  <a:noFill/>
-                </a:ln>
-                <a:effectLst/>
-                <a:latin typeface="JetBrains Mono"/>
-              </a:rPr>
-              <a:t>("KKD", </a:t>
-            </a:r>
-            <a:r>
-              <a:rPr kumimoji="0" lang="ru-RU" altLang="ru-RU" sz="1050" b="0" i="1" u="none" strike="noStrike" cap="none" normalizeH="0" baseline="0" dirty="0" err="1">
-                <a:ln>
-                  <a:noFill/>
-                </a:ln>
-                <a:effectLst/>
-                <a:latin typeface="JetBrains Mono"/>
-              </a:rPr>
-              <a:t>player</a:t>
-            </a:r>
-            <a:r>
-              <a:rPr kumimoji="0" lang="ru-RU" altLang="ru-RU" sz="1050" b="0" i="0" u="none" strike="noStrike" cap="none" normalizeH="0" baseline="0" dirty="0" err="1">
-                <a:ln>
-                  <a:noFill/>
-                </a:ln>
-                <a:effectLst/>
-                <a:latin typeface="JetBrains Mono"/>
-              </a:rPr>
-              <a:t>.toString</a:t>
-            </a:r>
-            <a:r>
-              <a:rPr kumimoji="0" lang="ru-RU" altLang="ru-RU" sz="1050" b="0" i="0" u="none" strike="noStrike" cap="none" normalizeH="0" baseline="0" dirty="0">
-                <a:ln>
-                  <a:noFill/>
-                </a:ln>
-                <a:effectLst/>
-                <a:latin typeface="JetBrains Mono"/>
-              </a:rPr>
-              <a:t>());</a:t>
-            </a:r>
-            <a:br>
-              <a:rPr kumimoji="0" lang="ru-RU" altLang="ru-RU" sz="1050" b="0" i="0" u="none" strike="noStrike" cap="none" normalizeH="0" baseline="0" dirty="0">
-                <a:ln>
-                  <a:noFill/>
-                </a:ln>
-                <a:effectLst/>
-                <a:latin typeface="JetBrains Mono"/>
-              </a:rPr>
-            </a:br>
-            <a:r>
-              <a:rPr kumimoji="0" lang="ru-RU" altLang="ru-RU" sz="1050" b="0" i="0" u="none" strike="noStrike" cap="none" normalizeH="0" baseline="0" dirty="0">
-                <a:ln>
-                  <a:noFill/>
-                </a:ln>
-                <a:effectLst/>
-                <a:latin typeface="JetBrains Mono"/>
-              </a:rPr>
-              <a:t>    </a:t>
-            </a:r>
-            <a:r>
-              <a:rPr kumimoji="0" lang="ru-RU" altLang="ru-RU" sz="1050" b="0" i="0" u="none" strike="noStrike" cap="none" normalizeH="0" baseline="0" dirty="0" err="1">
-                <a:ln>
-                  <a:noFill/>
-                </a:ln>
-                <a:effectLst/>
-                <a:latin typeface="JetBrains Mono"/>
-              </a:rPr>
-              <a:t>super.onDestroy</a:t>
-            </a:r>
-            <a:r>
-              <a:rPr kumimoji="0" lang="ru-RU" altLang="ru-RU" sz="1050" b="0" i="0" u="none" strike="noStrike" cap="none" normalizeH="0" baseline="0" dirty="0">
-                <a:ln>
-                  <a:noFill/>
-                </a:ln>
-                <a:effectLst/>
-                <a:latin typeface="JetBrains Mono"/>
-              </a:rPr>
-              <a:t>();</a:t>
-            </a:r>
-            <a:br>
-              <a:rPr kumimoji="0" lang="ru-RU" altLang="ru-RU" sz="1050" b="0" i="0" u="none" strike="noStrike" cap="none" normalizeH="0" baseline="0" dirty="0">
-                <a:ln>
-                  <a:noFill/>
-                </a:ln>
-                <a:effectLst/>
-                <a:latin typeface="JetBrains Mono"/>
-              </a:rPr>
-            </a:br>
-            <a:r>
-              <a:rPr kumimoji="0" lang="ru-RU" altLang="ru-RU" sz="1050" b="0" i="0" u="none" strike="noStrike" cap="none" normalizeH="0" baseline="0" dirty="0">
-                <a:ln>
-                  <a:noFill/>
-                </a:ln>
+              <a:rPr kumimoji="0" lang="ru-RU" altLang="ru-RU" sz="900" b="0" i="0" u="none" strike="noStrike" cap="none" normalizeH="0" baseline="0" dirty="0">
+                <a:ln>
+                  <a:noFill/>
+                </a:ln>
+                <a:solidFill>
+                  <a:srgbClr val="A9B7C6"/>
+                </a:solidFill>
                 <a:effectLst/>
                 <a:latin typeface="JetBrains Mono"/>
               </a:rPr>
               <a:t>}</a:t>
             </a:r>
-          </a:p>
-          <a:p>
-            <a:pPr marL="0" marR="0" lvl="0" indent="0" algn="l" defTabSz="914400" rtl="0" eaLnBrk="0" fontAlgn="base" latinLnBrk="0" hangingPunct="0">
-              <a:lnSpc>
-                <a:spcPct val="100000"/>
-              </a:lnSpc>
-              <a:spcBef>
-                <a:spcPct val="0"/>
-              </a:spcBef>
-              <a:spcAft>
-                <a:spcPct val="0"/>
-              </a:spcAft>
-              <a:buClrTx/>
-              <a:buSzTx/>
-              <a:buFontTx/>
-              <a:buNone/>
-              <a:tabLst/>
-            </a:pPr>
-            <a:endParaRPr kumimoji="0" lang="ru-RU" altLang="ru-RU" sz="1050" b="0" i="0" u="none" strike="noStrike" cap="none" normalizeH="0" baseline="0" dirty="0">
+            <a:endParaRPr kumimoji="0" lang="ru-RU" altLang="ru-RU" sz="1600" b="0" i="0" u="none" strike="noStrike" cap="none" normalizeH="0" baseline="0" dirty="0">
               <a:ln>
                 <a:noFill/>
               </a:ln>
-              <a:effectLst/>
-              <a:latin typeface="JetBrains Mono"/>
-            </a:endParaRPr>
-          </a:p>
-          <a:p>
-            <a:pPr eaLnBrk="0" fontAlgn="base" hangingPunct="0">
-              <a:spcBef>
-                <a:spcPct val="0"/>
-              </a:spcBef>
-              <a:spcAft>
-                <a:spcPct val="0"/>
-              </a:spcAft>
-            </a:pPr>
-            <a:r>
-              <a:rPr kumimoji="0" lang="ru-RU" altLang="ru-RU" sz="1050" b="0" i="0" u="none" strike="noStrike" cap="none" normalizeH="0" baseline="0" dirty="0">
-                <a:ln>
-                  <a:noFill/>
-                </a:ln>
-                <a:effectLst/>
-                <a:latin typeface="JetBrains Mono"/>
-              </a:rPr>
-              <a:t>@Override</a:t>
-            </a:r>
-            <a:br>
-              <a:rPr kumimoji="0" lang="ru-RU" altLang="ru-RU" sz="1050" b="0" i="0" u="none" strike="noStrike" cap="none" normalizeH="0" baseline="0" dirty="0">
-                <a:ln>
-                  <a:noFill/>
-                </a:ln>
-                <a:effectLst/>
-                <a:latin typeface="JetBrains Mono"/>
-              </a:rPr>
-            </a:br>
-            <a:r>
-              <a:rPr kumimoji="0" lang="ru-RU" altLang="ru-RU" sz="1050" b="0" i="0" u="none" strike="noStrike" cap="none" normalizeH="0" baseline="0" dirty="0" err="1">
-                <a:ln>
-                  <a:noFill/>
-                </a:ln>
-                <a:effectLst/>
-                <a:latin typeface="JetBrains Mono"/>
-              </a:rPr>
-              <a:t>protected</a:t>
-            </a:r>
-            <a:r>
-              <a:rPr kumimoji="0" lang="ru-RU" altLang="ru-RU" sz="1050" b="0" i="0" u="none" strike="noStrike" cap="none" normalizeH="0" baseline="0" dirty="0">
-                <a:ln>
-                  <a:noFill/>
-                </a:ln>
-                <a:effectLst/>
-                <a:latin typeface="JetBrains Mono"/>
-              </a:rPr>
-              <a:t> </a:t>
-            </a:r>
-            <a:r>
-              <a:rPr kumimoji="0" lang="ru-RU" altLang="ru-RU" sz="1050" b="0" i="0" u="none" strike="noStrike" cap="none" normalizeH="0" baseline="0" dirty="0" err="1">
-                <a:ln>
-                  <a:noFill/>
-                </a:ln>
-                <a:effectLst/>
-                <a:latin typeface="JetBrains Mono"/>
-              </a:rPr>
-              <a:t>void</a:t>
-            </a:r>
-            <a:r>
-              <a:rPr kumimoji="0" lang="ru-RU" altLang="ru-RU" sz="1050" b="0" i="0" u="none" strike="noStrike" cap="none" normalizeH="0" baseline="0" dirty="0">
-                <a:ln>
-                  <a:noFill/>
-                </a:ln>
-                <a:effectLst/>
-                <a:latin typeface="JetBrains Mono"/>
-              </a:rPr>
-              <a:t> </a:t>
-            </a:r>
-            <a:r>
-              <a:rPr kumimoji="0" lang="ru-RU" altLang="ru-RU" sz="1050" b="0" i="0" u="none" strike="noStrike" cap="none" normalizeH="0" baseline="0" dirty="0" err="1">
-                <a:ln>
-                  <a:noFill/>
-                </a:ln>
-                <a:effectLst/>
-                <a:latin typeface="JetBrains Mono"/>
-              </a:rPr>
-              <a:t>onRestart</a:t>
-            </a:r>
-            <a:r>
-              <a:rPr kumimoji="0" lang="ru-RU" altLang="ru-RU" sz="1050" b="0" i="0" u="none" strike="noStrike" cap="none" normalizeH="0" baseline="0" dirty="0">
-                <a:ln>
-                  <a:noFill/>
-                </a:ln>
-                <a:effectLst/>
-                <a:latin typeface="JetBrains Mono"/>
-              </a:rPr>
-              <a:t>() {</a:t>
-            </a:r>
-            <a:br>
-              <a:rPr kumimoji="0" lang="ru-RU" altLang="ru-RU" sz="1050" b="0" i="0" u="none" strike="noStrike" cap="none" normalizeH="0" baseline="0" dirty="0">
-                <a:ln>
-                  <a:noFill/>
-                </a:ln>
-                <a:effectLst/>
-                <a:latin typeface="JetBrains Mono"/>
-              </a:rPr>
-            </a:br>
-            <a:r>
-              <a:rPr kumimoji="0" lang="ru-RU" altLang="ru-RU" sz="1050" b="0" i="0" u="none" strike="noStrike" cap="none" normalizeH="0" baseline="0" dirty="0">
-                <a:ln>
-                  <a:noFill/>
-                </a:ln>
-                <a:effectLst/>
-                <a:latin typeface="JetBrains Mono"/>
-              </a:rPr>
-              <a:t>    </a:t>
-            </a:r>
-            <a:r>
-              <a:rPr kumimoji="0" lang="ru-RU" altLang="ru-RU" sz="1050" b="0" i="1" u="none" strike="noStrike" cap="none" normalizeH="0" baseline="0" dirty="0" err="1">
-                <a:ln>
-                  <a:noFill/>
-                </a:ln>
-                <a:effectLst/>
-                <a:latin typeface="JetBrains Mono"/>
-              </a:rPr>
-              <a:t>m</a:t>
-            </a:r>
-            <a:r>
-              <a:rPr kumimoji="0" lang="ru-RU" altLang="ru-RU" sz="1050" b="0" i="0" u="none" strike="noStrike" cap="none" normalizeH="0" baseline="0" dirty="0" err="1">
-                <a:ln>
-                  <a:noFill/>
-                </a:ln>
-                <a:effectLst/>
-                <a:latin typeface="JetBrains Mono"/>
-              </a:rPr>
-              <a:t>.start</a:t>
-            </a:r>
-            <a:r>
-              <a:rPr kumimoji="0" lang="ru-RU" altLang="ru-RU" sz="1050" b="0" i="0" u="none" strike="noStrike" cap="none" normalizeH="0" baseline="0" dirty="0">
-                <a:ln>
-                  <a:noFill/>
-                </a:ln>
-                <a:effectLst/>
-                <a:latin typeface="JetBrains Mono"/>
-              </a:rPr>
-              <a:t>(</a:t>
-            </a:r>
-            <a:r>
-              <a:rPr kumimoji="0" lang="ru-RU" altLang="ru-RU" sz="1050" b="0" i="0" u="none" strike="noStrike" cap="none" normalizeH="0" baseline="0" dirty="0" err="1">
-                <a:ln>
-                  <a:noFill/>
-                </a:ln>
-                <a:effectLst/>
-                <a:latin typeface="JetBrains Mono"/>
-              </a:rPr>
-              <a:t>this</a:t>
-            </a:r>
-            <a:r>
-              <a:rPr kumimoji="0" lang="ru-RU" altLang="ru-RU" sz="1050" b="0" i="0" u="none" strike="noStrike" cap="none" normalizeH="0" baseline="0" dirty="0">
-                <a:ln>
-                  <a:noFill/>
-                </a:ln>
-                <a:effectLst/>
-                <a:latin typeface="JetBrains Mono"/>
-              </a:rPr>
-              <a:t>, </a:t>
-            </a:r>
-            <a:r>
-              <a:rPr kumimoji="0" lang="ru-RU" altLang="ru-RU" sz="1050" b="0" i="0" u="none" strike="noStrike" cap="none" normalizeH="0" baseline="0" dirty="0" err="1">
-                <a:ln>
-                  <a:noFill/>
-                </a:ln>
-                <a:effectLst/>
-                <a:latin typeface="JetBrains Mono"/>
-              </a:rPr>
-              <a:t>R.raw.</a:t>
-            </a:r>
-            <a:r>
-              <a:rPr kumimoji="0" lang="ru-RU" altLang="ru-RU" sz="1050" b="0" i="1" u="none" strike="noStrike" cap="none" normalizeH="0" baseline="0" dirty="0" err="1">
-                <a:ln>
-                  <a:noFill/>
-                </a:ln>
-                <a:effectLst/>
-                <a:latin typeface="JetBrains Mono"/>
-              </a:rPr>
-              <a:t>main</a:t>
-            </a:r>
-            <a:r>
-              <a:rPr kumimoji="0" lang="ru-RU" altLang="ru-RU" sz="1050" b="0" i="0" u="none" strike="noStrike" cap="none" normalizeH="0" baseline="0" dirty="0">
-                <a:ln>
-                  <a:noFill/>
-                </a:ln>
-                <a:effectLst/>
-                <a:latin typeface="JetBrains Mono"/>
-              </a:rPr>
-              <a:t>);</a:t>
-            </a:r>
-            <a:br>
-              <a:rPr kumimoji="0" lang="ru-RU" altLang="ru-RU" sz="1050" b="0" i="0" u="none" strike="noStrike" cap="none" normalizeH="0" baseline="0" dirty="0">
-                <a:ln>
-                  <a:noFill/>
-                </a:ln>
-                <a:effectLst/>
-                <a:latin typeface="JetBrains Mono"/>
-              </a:rPr>
-            </a:br>
-            <a:r>
-              <a:rPr kumimoji="0" lang="ru-RU" altLang="ru-RU" sz="1050" b="0" i="0" u="none" strike="noStrike" cap="none" normalizeH="0" baseline="0" dirty="0">
-                <a:ln>
-                  <a:noFill/>
-                </a:ln>
-                <a:effectLst/>
-                <a:latin typeface="JetBrains Mono"/>
-              </a:rPr>
-              <a:t>    </a:t>
-            </a:r>
-            <a:r>
-              <a:rPr kumimoji="0" lang="ru-RU" altLang="ru-RU" sz="1050" b="0" i="0" u="none" strike="noStrike" cap="none" normalizeH="0" baseline="0" dirty="0" err="1">
-                <a:ln>
-                  <a:noFill/>
-                </a:ln>
-                <a:effectLst/>
-                <a:latin typeface="JetBrains Mono"/>
-              </a:rPr>
-              <a:t>SharedPreferences</a:t>
-            </a:r>
-            <a:r>
-              <a:rPr kumimoji="0" lang="ru-RU" altLang="ru-RU" sz="1050" b="0" i="0" u="none" strike="noStrike" cap="none" normalizeH="0" baseline="0" dirty="0">
-                <a:ln>
-                  <a:noFill/>
-                </a:ln>
-                <a:effectLst/>
-                <a:latin typeface="JetBrains Mono"/>
-              </a:rPr>
-              <a:t> </a:t>
-            </a:r>
-            <a:r>
-              <a:rPr kumimoji="0" lang="ru-RU" altLang="ru-RU" sz="1050" b="0" i="0" u="none" strike="noStrike" cap="none" normalizeH="0" baseline="0" dirty="0" err="1">
-                <a:ln>
-                  <a:noFill/>
-                </a:ln>
-                <a:effectLst/>
-                <a:latin typeface="JetBrains Mono"/>
-              </a:rPr>
-              <a:t>sh</a:t>
-            </a:r>
-            <a:r>
-              <a:rPr kumimoji="0" lang="ru-RU" altLang="ru-RU" sz="1050" b="0" i="0" u="none" strike="noStrike" cap="none" normalizeH="0" baseline="0" dirty="0">
-                <a:ln>
-                  <a:noFill/>
-                </a:ln>
-                <a:effectLst/>
-                <a:latin typeface="JetBrains Mono"/>
-              </a:rPr>
-              <a:t> = </a:t>
-            </a:r>
-            <a:r>
-              <a:rPr kumimoji="0" lang="ru-RU" altLang="ru-RU" sz="1050" b="0" i="0" u="none" strike="noStrike" cap="none" normalizeH="0" baseline="0" dirty="0" err="1">
-                <a:ln>
-                  <a:noFill/>
-                </a:ln>
-                <a:effectLst/>
-                <a:latin typeface="JetBrains Mono"/>
-              </a:rPr>
-              <a:t>getPreferences</a:t>
-            </a:r>
-            <a:r>
-              <a:rPr kumimoji="0" lang="ru-RU" altLang="ru-RU" sz="1050" b="0" i="0" u="none" strike="noStrike" cap="none" normalizeH="0" baseline="0" dirty="0">
-                <a:ln>
-                  <a:noFill/>
-                </a:ln>
-                <a:effectLst/>
-                <a:latin typeface="JetBrains Mono"/>
-              </a:rPr>
-              <a:t>(</a:t>
-            </a:r>
-            <a:r>
-              <a:rPr kumimoji="0" lang="ru-RU" altLang="ru-RU" sz="1050" b="0" i="1" u="none" strike="noStrike" cap="none" normalizeH="0" baseline="0" dirty="0">
-                <a:ln>
-                  <a:noFill/>
-                </a:ln>
-                <a:effectLst/>
-                <a:latin typeface="JetBrains Mono"/>
-              </a:rPr>
-              <a:t>MODE_PRIVATE</a:t>
-            </a:r>
-            <a:r>
-              <a:rPr kumimoji="0" lang="ru-RU" altLang="ru-RU" sz="1050" b="0" i="0" u="none" strike="noStrike" cap="none" normalizeH="0" baseline="0" dirty="0">
-                <a:ln>
-                  <a:noFill/>
-                </a:ln>
-                <a:effectLst/>
-                <a:latin typeface="JetBrains Mono"/>
-              </a:rPr>
-              <a:t>);</a:t>
-            </a:r>
-            <a:br>
-              <a:rPr kumimoji="0" lang="ru-RU" altLang="ru-RU" sz="1050" b="0" i="0" u="none" strike="noStrike" cap="none" normalizeH="0" baseline="0" dirty="0">
-                <a:ln>
-                  <a:noFill/>
-                </a:ln>
-                <a:effectLst/>
-                <a:latin typeface="JetBrains Mono"/>
-              </a:rPr>
-            </a:br>
-            <a:r>
-              <a:rPr kumimoji="0" lang="ru-RU" altLang="ru-RU" sz="1050" b="0" i="0" u="none" strike="noStrike" cap="none" normalizeH="0" baseline="0" dirty="0">
-                <a:ln>
-                  <a:noFill/>
-                </a:ln>
-                <a:effectLst/>
-                <a:latin typeface="JetBrains Mono"/>
-              </a:rPr>
-              <a:t>    </a:t>
-            </a:r>
-            <a:r>
-              <a:rPr kumimoji="0" lang="ru-RU" altLang="ru-RU" sz="1050" b="0" i="1" u="none" strike="noStrike" cap="none" normalizeH="0" baseline="0" dirty="0" err="1">
-                <a:ln>
-                  <a:noFill/>
-                </a:ln>
-                <a:effectLst/>
-                <a:latin typeface="JetBrains Mono"/>
-              </a:rPr>
-              <a:t>player</a:t>
-            </a:r>
-            <a:r>
-              <a:rPr kumimoji="0" lang="ru-RU" altLang="ru-RU" sz="1050" b="0" i="1" u="none" strike="noStrike" cap="none" normalizeH="0" baseline="0" dirty="0">
-                <a:ln>
-                  <a:noFill/>
-                </a:ln>
-                <a:effectLst/>
-                <a:latin typeface="JetBrains Mono"/>
-              </a:rPr>
-              <a:t> </a:t>
-            </a:r>
-            <a:r>
-              <a:rPr kumimoji="0" lang="ru-RU" altLang="ru-RU" sz="1050" b="0" i="0" u="none" strike="noStrike" cap="none" normalizeH="0" baseline="0" dirty="0">
-                <a:ln>
-                  <a:noFill/>
-                </a:ln>
-                <a:effectLst/>
-                <a:latin typeface="JetBrains Mono"/>
-              </a:rPr>
-              <a:t>= </a:t>
-            </a:r>
-            <a:r>
-              <a:rPr kumimoji="0" lang="ru-RU" altLang="ru-RU" sz="1050" b="0" i="0" u="none" strike="noStrike" cap="none" normalizeH="0" baseline="0" dirty="0" err="1">
-                <a:ln>
-                  <a:noFill/>
-                </a:ln>
-                <a:effectLst/>
-                <a:latin typeface="JetBrains Mono"/>
-              </a:rPr>
-              <a:t>new</a:t>
-            </a:r>
-            <a:r>
-              <a:rPr kumimoji="0" lang="ru-RU" altLang="ru-RU" sz="1050" b="0" i="0" u="none" strike="noStrike" cap="none" normalizeH="0" baseline="0" dirty="0">
-                <a:ln>
-                  <a:noFill/>
-                </a:ln>
-                <a:effectLst/>
-                <a:latin typeface="JetBrains Mono"/>
-              </a:rPr>
-              <a:t> </a:t>
-            </a:r>
-            <a:r>
-              <a:rPr kumimoji="0" lang="ru-RU" altLang="ru-RU" sz="1050" b="0" i="0" u="none" strike="noStrike" cap="none" normalizeH="0" baseline="0" dirty="0" err="1">
-                <a:ln>
-                  <a:noFill/>
-                </a:ln>
-                <a:effectLst/>
-                <a:latin typeface="JetBrains Mono"/>
-              </a:rPr>
-              <a:t>Gson</a:t>
-            </a:r>
-            <a:r>
-              <a:rPr kumimoji="0" lang="ru-RU" altLang="ru-RU" sz="1050" b="0" i="0" u="none" strike="noStrike" cap="none" normalizeH="0" baseline="0" dirty="0">
-                <a:ln>
-                  <a:noFill/>
-                </a:ln>
-                <a:effectLst/>
-                <a:latin typeface="JetBrains Mono"/>
-              </a:rPr>
-              <a:t>().</a:t>
-            </a:r>
-            <a:r>
-              <a:rPr kumimoji="0" lang="ru-RU" altLang="ru-RU" sz="1050" b="0" i="0" u="none" strike="noStrike" cap="none" normalizeH="0" baseline="0" dirty="0" err="1">
-                <a:ln>
-                  <a:noFill/>
-                </a:ln>
-                <a:effectLst/>
-                <a:latin typeface="JetBrains Mono"/>
-              </a:rPr>
-              <a:t>fromJson</a:t>
-            </a:r>
-            <a:r>
-              <a:rPr kumimoji="0" lang="ru-RU" altLang="ru-RU" sz="1050" b="0" i="0" u="none" strike="noStrike" cap="none" normalizeH="0" baseline="0" dirty="0">
-                <a:ln>
-                  <a:noFill/>
-                </a:ln>
-                <a:effectLst/>
-                <a:latin typeface="JetBrains Mono"/>
-              </a:rPr>
-              <a:t>(</a:t>
-            </a:r>
-            <a:r>
-              <a:rPr kumimoji="0" lang="ru-RU" altLang="ru-RU" sz="1050" b="0" i="0" u="none" strike="noStrike" cap="none" normalizeH="0" baseline="0" dirty="0" err="1">
-                <a:ln>
-                  <a:noFill/>
-                </a:ln>
-                <a:effectLst/>
-                <a:latin typeface="JetBrains Mono"/>
-              </a:rPr>
-              <a:t>sh.getString</a:t>
-            </a:r>
-            <a:r>
-              <a:rPr kumimoji="0" lang="ru-RU" altLang="ru-RU" sz="1050" b="0" i="0" u="none" strike="noStrike" cap="none" normalizeH="0" baseline="0" dirty="0">
-                <a:ln>
-                  <a:noFill/>
-                </a:ln>
-                <a:effectLst/>
-                <a:latin typeface="JetBrains Mono"/>
-              </a:rPr>
-              <a:t>("Player", </a:t>
-            </a:r>
-            <a:r>
-              <a:rPr kumimoji="0" lang="ru-RU" altLang="ru-RU" sz="1050" b="0" i="0" u="none" strike="noStrike" cap="none" normalizeH="0" baseline="0" dirty="0" err="1">
-                <a:ln>
-                  <a:noFill/>
-                </a:ln>
-                <a:effectLst/>
-                <a:latin typeface="JetBrains Mono"/>
-              </a:rPr>
-              <a:t>new</a:t>
-            </a:r>
-            <a:r>
-              <a:rPr kumimoji="0" lang="ru-RU" altLang="ru-RU" sz="1050" b="0" i="0" u="none" strike="noStrike" cap="none" normalizeH="0" baseline="0" dirty="0">
-                <a:ln>
-                  <a:noFill/>
-                </a:ln>
-                <a:effectLst/>
-                <a:latin typeface="JetBrains Mono"/>
-              </a:rPr>
-              <a:t> </a:t>
-            </a:r>
-            <a:r>
-              <a:rPr kumimoji="0" lang="ru-RU" altLang="ru-RU" sz="1050" b="0" i="0" u="none" strike="noStrike" cap="none" normalizeH="0" baseline="0" dirty="0" err="1">
-                <a:ln>
-                  <a:noFill/>
-                </a:ln>
-                <a:effectLst/>
-                <a:latin typeface="JetBrains Mono"/>
-              </a:rPr>
-              <a:t>Gson</a:t>
-            </a:r>
-            <a:r>
-              <a:rPr kumimoji="0" lang="ru-RU" altLang="ru-RU" sz="1050" b="0" i="0" u="none" strike="noStrike" cap="none" normalizeH="0" baseline="0" dirty="0">
-                <a:ln>
-                  <a:noFill/>
-                </a:ln>
-                <a:effectLst/>
-                <a:latin typeface="JetBrains Mono"/>
-              </a:rPr>
-              <a:t>().</a:t>
-            </a:r>
-            <a:r>
-              <a:rPr kumimoji="0" lang="ru-RU" altLang="ru-RU" sz="1050" b="0" i="0" u="none" strike="noStrike" cap="none" normalizeH="0" baseline="0" dirty="0" err="1">
-                <a:ln>
-                  <a:noFill/>
-                </a:ln>
-                <a:effectLst/>
-                <a:latin typeface="JetBrains Mono"/>
-              </a:rPr>
-              <a:t>toJson</a:t>
-            </a:r>
-            <a:r>
-              <a:rPr kumimoji="0" lang="ru-RU" altLang="ru-RU" sz="1050" b="0" i="0" u="none" strike="noStrike" cap="none" normalizeH="0" baseline="0" dirty="0">
-                <a:ln>
-                  <a:noFill/>
-                </a:ln>
-                <a:effectLst/>
-                <a:latin typeface="JetBrains Mono"/>
-              </a:rPr>
-              <a:t>(</a:t>
-            </a:r>
-            <a:r>
-              <a:rPr kumimoji="0" lang="ru-RU" altLang="ru-RU" sz="1050" b="0" i="0" u="none" strike="noStrike" cap="none" normalizeH="0" baseline="0" dirty="0" err="1">
-                <a:ln>
-                  <a:noFill/>
-                </a:ln>
-                <a:effectLst/>
-                <a:latin typeface="JetBrains Mono"/>
-              </a:rPr>
-              <a:t>new</a:t>
-            </a:r>
-            <a:r>
-              <a:rPr kumimoji="0" lang="ru-RU" altLang="ru-RU" sz="1050" b="0" i="0" u="none" strike="noStrike" cap="none" normalizeH="0" baseline="0" dirty="0">
-                <a:ln>
-                  <a:noFill/>
-                </a:ln>
-                <a:effectLst/>
-                <a:latin typeface="JetBrains Mono"/>
-              </a:rPr>
-              <a:t> Player(2, 2))), </a:t>
-            </a:r>
-            <a:r>
-              <a:rPr kumimoji="0" lang="ru-RU" altLang="ru-RU" sz="1050" b="0" i="0" u="none" strike="noStrike" cap="none" normalizeH="0" baseline="0" dirty="0" err="1">
-                <a:ln>
-                  <a:noFill/>
-                </a:ln>
-                <a:effectLst/>
-                <a:latin typeface="JetBrains Mono"/>
-              </a:rPr>
-              <a:t>Player.class</a:t>
-            </a:r>
-            <a:r>
-              <a:rPr kumimoji="0" lang="ru-RU" altLang="ru-RU" sz="1050" b="0" i="0" u="none" strike="noStrike" cap="none" normalizeH="0" baseline="0" dirty="0">
-                <a:ln>
-                  <a:noFill/>
-                </a:ln>
-                <a:effectLst/>
-                <a:latin typeface="JetBrains Mono"/>
-              </a:rPr>
-              <a:t>);</a:t>
-            </a:r>
-            <a:br>
-              <a:rPr kumimoji="0" lang="ru-RU" altLang="ru-RU" sz="1050" b="0" i="0" u="none" strike="noStrike" cap="none" normalizeH="0" baseline="0" dirty="0">
-                <a:ln>
-                  <a:noFill/>
-                </a:ln>
-                <a:effectLst/>
-                <a:latin typeface="JetBrains Mono"/>
-              </a:rPr>
-            </a:br>
-            <a:r>
-              <a:rPr kumimoji="0" lang="ru-RU" altLang="ru-RU" sz="1050" b="0" i="0" u="none" strike="noStrike" cap="none" normalizeH="0" baseline="0" dirty="0">
-                <a:ln>
-                  <a:noFill/>
-                </a:ln>
-                <a:effectLst/>
-                <a:latin typeface="JetBrains Mono"/>
-              </a:rPr>
-              <a:t>    </a:t>
-            </a:r>
-            <a:r>
-              <a:rPr kumimoji="0" lang="ru-RU" altLang="ru-RU" sz="1050" b="0" i="0" u="none" strike="noStrike" cap="none" normalizeH="0" baseline="0" dirty="0" err="1">
-                <a:ln>
-                  <a:noFill/>
-                </a:ln>
-                <a:effectLst/>
-                <a:latin typeface="JetBrains Mono"/>
-              </a:rPr>
-              <a:t>Log.</a:t>
-            </a:r>
-            <a:r>
-              <a:rPr kumimoji="0" lang="ru-RU" altLang="ru-RU" sz="1050" b="0" i="1" u="none" strike="noStrike" cap="none" normalizeH="0" baseline="0" dirty="0" err="1">
-                <a:ln>
-                  <a:noFill/>
-                </a:ln>
-                <a:effectLst/>
-                <a:latin typeface="JetBrains Mono"/>
-              </a:rPr>
-              <a:t>d</a:t>
-            </a:r>
-            <a:r>
-              <a:rPr kumimoji="0" lang="ru-RU" altLang="ru-RU" sz="1050" b="0" i="0" u="none" strike="noStrike" cap="none" normalizeH="0" baseline="0" dirty="0">
-                <a:ln>
-                  <a:noFill/>
-                </a:ln>
-                <a:effectLst/>
-                <a:latin typeface="JetBrains Mono"/>
-              </a:rPr>
-              <a:t>("</a:t>
-            </a:r>
-            <a:r>
-              <a:rPr kumimoji="0" lang="ru-RU" altLang="ru-RU" sz="1050" b="0" i="0" u="none" strike="noStrike" cap="none" normalizeH="0" baseline="0" dirty="0" err="1">
-                <a:ln>
-                  <a:noFill/>
-                </a:ln>
-                <a:effectLst/>
-                <a:latin typeface="JetBrains Mono"/>
-              </a:rPr>
-              <a:t>KKRe</a:t>
-            </a:r>
-            <a:r>
-              <a:rPr kumimoji="0" lang="ru-RU" altLang="ru-RU" sz="1050" b="0" i="0" u="none" strike="noStrike" cap="none" normalizeH="0" baseline="0" dirty="0">
-                <a:ln>
-                  <a:noFill/>
-                </a:ln>
-                <a:effectLst/>
-                <a:latin typeface="JetBrains Mono"/>
-              </a:rPr>
-              <a:t>", </a:t>
-            </a:r>
-            <a:r>
-              <a:rPr kumimoji="0" lang="ru-RU" altLang="ru-RU" sz="1050" b="0" i="1" u="none" strike="noStrike" cap="none" normalizeH="0" baseline="0" dirty="0" err="1">
-                <a:ln>
-                  <a:noFill/>
-                </a:ln>
-                <a:effectLst/>
-                <a:latin typeface="JetBrains Mono"/>
-              </a:rPr>
-              <a:t>player</a:t>
-            </a:r>
-            <a:r>
-              <a:rPr kumimoji="0" lang="ru-RU" altLang="ru-RU" sz="1050" b="0" i="0" u="none" strike="noStrike" cap="none" normalizeH="0" baseline="0" dirty="0" err="1">
-                <a:ln>
-                  <a:noFill/>
-                </a:ln>
-                <a:effectLst/>
-                <a:latin typeface="JetBrains Mono"/>
-              </a:rPr>
-              <a:t>.toString</a:t>
-            </a:r>
-            <a:r>
-              <a:rPr kumimoji="0" lang="ru-RU" altLang="ru-RU" sz="1050" b="0" i="0" u="none" strike="noStrike" cap="none" normalizeH="0" baseline="0" dirty="0">
-                <a:ln>
-                  <a:noFill/>
-                </a:ln>
-                <a:effectLst/>
-                <a:latin typeface="JetBrains Mono"/>
-              </a:rPr>
-              <a:t>());</a:t>
-            </a:r>
-            <a:br>
-              <a:rPr kumimoji="0" lang="ru-RU" altLang="ru-RU" sz="1050" b="0" i="0" u="none" strike="noStrike" cap="none" normalizeH="0" baseline="0" dirty="0">
-                <a:ln>
-                  <a:noFill/>
-                </a:ln>
-                <a:effectLst/>
-                <a:latin typeface="JetBrains Mono"/>
-              </a:rPr>
-            </a:br>
-            <a:r>
-              <a:rPr kumimoji="0" lang="ru-RU" altLang="ru-RU" sz="1050" b="0" i="0" u="none" strike="noStrike" cap="none" normalizeH="0" baseline="0" dirty="0">
-                <a:ln>
-                  <a:noFill/>
-                </a:ln>
-                <a:effectLst/>
-                <a:latin typeface="JetBrains Mono"/>
-              </a:rPr>
-              <a:t>    </a:t>
-            </a:r>
-            <a:r>
-              <a:rPr kumimoji="0" lang="ru-RU" altLang="ru-RU" sz="1050" b="0" i="0" u="none" strike="noStrike" cap="none" normalizeH="0" baseline="0" dirty="0" err="1">
-                <a:ln>
-                  <a:noFill/>
-                </a:ln>
-                <a:effectLst/>
-                <a:latin typeface="JetBrains Mono"/>
-              </a:rPr>
-              <a:t>super.onRestart</a:t>
-            </a:r>
-            <a:r>
-              <a:rPr kumimoji="0" lang="ru-RU" altLang="ru-RU" sz="1050" b="0" i="0" u="none" strike="noStrike" cap="none" normalizeH="0" baseline="0" dirty="0">
-                <a:ln>
-                  <a:noFill/>
-                </a:ln>
-                <a:effectLst/>
-                <a:latin typeface="JetBrains Mono"/>
-              </a:rPr>
-              <a:t>();</a:t>
-            </a:r>
-            <a:br>
-              <a:rPr kumimoji="0" lang="ru-RU" altLang="ru-RU" sz="1050" b="0" i="0" u="none" strike="noStrike" cap="none" normalizeH="0" baseline="0" dirty="0">
-                <a:ln>
-                  <a:noFill/>
-                </a:ln>
-                <a:effectLst/>
-                <a:latin typeface="JetBrains Mono"/>
-              </a:rPr>
-            </a:br>
-            <a:r>
-              <a:rPr kumimoji="0" lang="ru-RU" altLang="ru-RU" sz="1050" b="0" i="0" u="none" strike="noStrike" cap="none" normalizeH="0" baseline="0" dirty="0">
-                <a:ln>
-                  <a:noFill/>
-                </a:ln>
-                <a:effectLst/>
-                <a:latin typeface="JetBrains Mono"/>
-              </a:rPr>
-              <a:t>}</a:t>
-            </a:r>
-            <a:endParaRPr kumimoji="0" lang="ru-RU" altLang="ru-RU" sz="2000" b="0" i="0" u="none" strike="noStrike" cap="none" normalizeH="0" baseline="0" dirty="0">
-              <a:ln>
-                <a:noFill/>
-              </a:ln>
+              <a:solidFill>
+                <a:schemeClr val="tx1"/>
+              </a:solidFill>
               <a:effectLst/>
               <a:latin typeface="Arial" panose="020B0604020202020204" pitchFamily="34" charset="0"/>
             </a:endParaRPr>
@@ -3953,10 +4438,10 @@
       </p:sp>
       <p:sp>
         <p:nvSpPr>
-          <p:cNvPr id="8" name="Rectangle 3">
+          <p:cNvPr id="9" name="Rectangle 3">
             <a:extLst>
               <a:ext uri="{FF2B5EF4-FFF2-40B4-BE49-F238E27FC236}">
-                <a16:creationId xmlns:a16="http://schemas.microsoft.com/office/drawing/2014/main" id="{3C1ACDE7-A44C-402E-9900-4E6013EE875E}"/>
+                <a16:creationId xmlns:a16="http://schemas.microsoft.com/office/drawing/2014/main" id="{44106545-E1F5-447D-B83A-C09F29776207}"/>
               </a:ext>
             </a:extLst>
           </p:cNvPr>
@@ -3967,17 +4452,40 @@
         </p:nvSpPr>
         <p:spPr bwMode="auto">
           <a:xfrm>
-            <a:off x="4038600" y="1259723"/>
-            <a:ext cx="5181600" cy="3939540"/>
+            <a:off x="13905" y="1428750"/>
+            <a:ext cx="3429000" cy="2092881"/>
           </a:xfrm>
           <a:prstGeom prst="rect">
             <a:avLst/>
           </a:prstGeom>
-          <a:noFill/>
+          <a:solidFill>
+            <a:srgbClr val="2B2B2B"/>
+          </a:solidFill>
           <a:ln>
             <a:noFill/>
           </a:ln>
           <a:effectLst/>
+          <a:extLst>
+            <a:ext uri="{91240B29-F687-4F45-9708-019B960494DF}">
+              <a14:hiddenLine xmlns:a14="http://schemas.microsoft.com/office/drawing/2010/main" w="9525">
+                <a:solidFill>
+                  <a:schemeClr val="tx1"/>
+                </a:solidFill>
+                <a:miter lim="800000"/>
+                <a:headEnd/>
+                <a:tailEnd/>
+              </a14:hiddenLine>
+            </a:ext>
+            <a:ext uri="{AF507438-7753-43E0-B8FC-AC1667EBCBE1}">
+              <a14:hiddenEffects xmlns:a14="http://schemas.microsoft.com/office/drawing/2010/main">
+                <a:effectLst>
+                  <a:outerShdw dist="35921" dir="2700000" algn="ctr" rotWithShape="0">
+                    <a:schemeClr val="bg2"/>
+                  </a:outerShdw>
+                </a:effectLst>
+              </a14:hiddenEffects>
+            </a:ext>
+          </a:extLst>
         </p:spPr>
         <p:txBody>
           <a:bodyPr vert="horz" wrap="square" lIns="91440" tIns="45720" rIns="91440" bIns="45720" numCol="1" anchor="ctr" anchorCtr="0" compatLnSpc="1">
@@ -4005,20 +4513,51 @@
               <a:tabLst/>
             </a:pPr>
             <a:r>
+              <a:rPr kumimoji="0" lang="ru-RU" altLang="ru-RU" sz="1000" b="0" i="0" u="none" strike="noStrike" cap="none" normalizeH="0" baseline="0" dirty="0">
+                <a:ln>
+                  <a:noFill/>
+                </a:ln>
+                <a:solidFill>
+                  <a:srgbClr val="BBB529"/>
+                </a:solidFill>
+                <a:effectLst/>
+                <a:latin typeface="JetBrains Mono"/>
+              </a:rPr>
+              <a:t>@Override</a:t>
+            </a:r>
+            <a:br>
+              <a:rPr kumimoji="0" lang="ru-RU" altLang="ru-RU" sz="1000" b="0" i="0" u="none" strike="noStrike" cap="none" normalizeH="0" baseline="0" dirty="0">
+                <a:ln>
+                  <a:noFill/>
+                </a:ln>
+                <a:solidFill>
+                  <a:srgbClr val="BBB529"/>
+                </a:solidFill>
+                <a:effectLst/>
+                <a:latin typeface="JetBrains Mono"/>
+              </a:rPr>
+            </a:br>
+            <a:r>
               <a:rPr kumimoji="0" lang="ru-RU" altLang="ru-RU" sz="1000" b="0" i="0" u="none" strike="noStrike" cap="none" normalizeH="0" baseline="0" dirty="0" err="1">
                 <a:ln>
                   <a:noFill/>
                 </a:ln>
-                <a:effectLst/>
-                <a:latin typeface="JetBrains Mono"/>
-              </a:rPr>
-              <a:t>public</a:t>
-            </a:r>
-            <a:r>
-              <a:rPr kumimoji="0" lang="ru-RU" altLang="ru-RU" sz="1000" b="0" i="0" u="none" strike="noStrike" cap="none" normalizeH="0" baseline="0" dirty="0">
-                <a:ln>
-                  <a:noFill/>
-                </a:ln>
+                <a:solidFill>
+                  <a:srgbClr val="CC7832"/>
+                </a:solidFill>
+                <a:effectLst/>
+                <a:latin typeface="JetBrains Mono"/>
+              </a:rPr>
+              <a:t>protected</a:t>
+            </a:r>
+            <a:r>
+              <a:rPr kumimoji="0" lang="ru-RU" altLang="ru-RU" sz="1000" b="0" i="0" u="none" strike="noStrike" cap="none" normalizeH="0" baseline="0" dirty="0">
+                <a:ln>
+                  <a:noFill/>
+                </a:ln>
+                <a:solidFill>
+                  <a:srgbClr val="CC7832"/>
+                </a:solidFill>
                 <a:effectLst/>
                 <a:latin typeface="JetBrains Mono"/>
               </a:rPr>
@@ -4029,26 +4568,61 @@
                 <a:ln>
                   <a:noFill/>
                 </a:ln>
-                <a:effectLst/>
-                <a:latin typeface="JetBrains Mono"/>
-              </a:rPr>
-              <a:t>class</a:t>
-            </a:r>
-            <a:r>
-              <a:rPr kumimoji="0" lang="ru-RU" altLang="ru-RU" sz="1000" b="0" i="0" u="none" strike="noStrike" cap="none" normalizeH="0" baseline="0" dirty="0">
-                <a:ln>
-                  <a:noFill/>
-                </a:ln>
-                <a:effectLst/>
-                <a:latin typeface="JetBrains Mono"/>
-              </a:rPr>
-              <a:t> Music {</a:t>
+                <a:solidFill>
+                  <a:srgbClr val="CC7832"/>
+                </a:solidFill>
+                <a:effectLst/>
+                <a:latin typeface="JetBrains Mono"/>
+              </a:rPr>
+              <a:t>void</a:t>
+            </a:r>
+            <a:r>
+              <a:rPr kumimoji="0" lang="ru-RU" altLang="ru-RU" sz="1000" b="0" i="0" u="none" strike="noStrike" cap="none" normalizeH="0" baseline="0" dirty="0">
+                <a:ln>
+                  <a:noFill/>
+                </a:ln>
+                <a:solidFill>
+                  <a:srgbClr val="CC7832"/>
+                </a:solidFill>
+                <a:effectLst/>
+                <a:latin typeface="JetBrains Mono"/>
+              </a:rPr>
+              <a:t> </a:t>
+            </a:r>
+            <a:r>
+              <a:rPr kumimoji="0" lang="ru-RU" altLang="ru-RU" sz="1000" b="0" i="0" u="none" strike="noStrike" cap="none" normalizeH="0" baseline="0" dirty="0" err="1">
+                <a:ln>
+                  <a:noFill/>
+                </a:ln>
+                <a:solidFill>
+                  <a:srgbClr val="FFC66D"/>
+                </a:solidFill>
+                <a:effectLst/>
+                <a:latin typeface="JetBrains Mono"/>
+              </a:rPr>
+              <a:t>onDestroy</a:t>
+            </a:r>
+            <a:r>
+              <a:rPr kumimoji="0" lang="ru-RU" altLang="ru-RU" sz="1000" b="0" i="0" u="none" strike="noStrike" cap="none" normalizeH="0" baseline="0" dirty="0">
+                <a:ln>
+                  <a:noFill/>
+                </a:ln>
+                <a:solidFill>
+                  <a:srgbClr val="A9B7C6"/>
+                </a:solidFill>
+                <a:effectLst/>
+                <a:latin typeface="JetBrains Mono"/>
+              </a:rPr>
+              <a:t>() {</a:t>
             </a:r>
             <a:br>
               <a:rPr kumimoji="0" lang="ru-RU" altLang="ru-RU" sz="1000" b="0" i="0" u="none" strike="noStrike" cap="none" normalizeH="0" baseline="0" dirty="0">
                 <a:ln>
                   <a:noFill/>
                 </a:ln>
+                <a:solidFill>
+                  <a:srgbClr val="A9B7C6"/>
+                </a:solidFill>
                 <a:effectLst/>
                 <a:latin typeface="JetBrains Mono"/>
               </a:rPr>
@@ -4058,26 +4632,112 @@
                 <a:ln>
                   <a:noFill/>
                 </a:ln>
+                <a:solidFill>
+                  <a:srgbClr val="A9B7C6"/>
+                </a:solidFill>
                 <a:effectLst/>
                 <a:latin typeface="JetBrains Mono"/>
               </a:rPr>
               <a:t>    </a:t>
             </a:r>
             <a:r>
+              <a:rPr kumimoji="0" lang="ru-RU" altLang="ru-RU" sz="1000" b="0" i="1" u="none" strike="noStrike" cap="none" normalizeH="0" baseline="0" dirty="0" err="1">
+                <a:ln>
+                  <a:noFill/>
+                </a:ln>
+                <a:solidFill>
+                  <a:srgbClr val="9876AA"/>
+                </a:solidFill>
+                <a:effectLst/>
+                <a:latin typeface="JetBrains Mono"/>
+              </a:rPr>
+              <a:t>m</a:t>
+            </a:r>
+            <a:r>
               <a:rPr kumimoji="0" lang="ru-RU" altLang="ru-RU" sz="1000" b="0" i="0" u="none" strike="noStrike" cap="none" normalizeH="0" baseline="0" dirty="0" err="1">
                 <a:ln>
                   <a:noFill/>
                 </a:ln>
-                <a:effectLst/>
-                <a:latin typeface="JetBrains Mono"/>
-              </a:rPr>
-              <a:t>private</a:t>
-            </a:r>
-            <a:r>
-              <a:rPr kumimoji="0" lang="ru-RU" altLang="ru-RU" sz="1000" b="0" i="0" u="none" strike="noStrike" cap="none" normalizeH="0" baseline="0" dirty="0">
-                <a:ln>
-                  <a:noFill/>
-                </a:ln>
+                <a:solidFill>
+                  <a:srgbClr val="A9B7C6"/>
+                </a:solidFill>
+                <a:effectLst/>
+                <a:latin typeface="JetBrains Mono"/>
+              </a:rPr>
+              <a:t>.stop</a:t>
+            </a:r>
+            <a:r>
+              <a:rPr kumimoji="0" lang="ru-RU" altLang="ru-RU" sz="1000" b="0" i="0" u="none" strike="noStrike" cap="none" normalizeH="0" baseline="0" dirty="0">
+                <a:ln>
+                  <a:noFill/>
+                </a:ln>
+                <a:solidFill>
+                  <a:srgbClr val="A9B7C6"/>
+                </a:solidFill>
+                <a:effectLst/>
+                <a:latin typeface="JetBrains Mono"/>
+              </a:rPr>
+              <a:t>()</a:t>
+            </a:r>
+            <a:r>
+              <a:rPr kumimoji="0" lang="ru-RU" altLang="ru-RU" sz="1000" b="0" i="0" u="none" strike="noStrike" cap="none" normalizeH="0" baseline="0" dirty="0">
+                <a:ln>
+                  <a:noFill/>
+                </a:ln>
+                <a:solidFill>
+                  <a:srgbClr val="CC7832"/>
+                </a:solidFill>
+                <a:effectLst/>
+                <a:latin typeface="JetBrains Mono"/>
+              </a:rPr>
+              <a:t>;</a:t>
+            </a:r>
+            <a:br>
+              <a:rPr kumimoji="0" lang="ru-RU" altLang="ru-RU" sz="1000" b="0" i="0" u="none" strike="noStrike" cap="none" normalizeH="0" baseline="0" dirty="0">
+                <a:ln>
+                  <a:noFill/>
+                </a:ln>
+                <a:solidFill>
+                  <a:srgbClr val="CC7832"/>
+                </a:solidFill>
+                <a:effectLst/>
+                <a:latin typeface="JetBrains Mono"/>
+              </a:rPr>
+            </a:br>
+            <a:r>
+              <a:rPr kumimoji="0" lang="ru-RU" altLang="ru-RU" sz="1000" b="0" i="0" u="none" strike="noStrike" cap="none" normalizeH="0" baseline="0" dirty="0">
+                <a:ln>
+                  <a:noFill/>
+                </a:ln>
+                <a:solidFill>
+                  <a:srgbClr val="CC7832"/>
+                </a:solidFill>
+                <a:effectLst/>
+                <a:latin typeface="JetBrains Mono"/>
+              </a:rPr>
+              <a:t>    </a:t>
+            </a:r>
+            <a:r>
+              <a:rPr kumimoji="0" lang="ru-RU" altLang="ru-RU" sz="1000" b="0" i="0" u="none" strike="noStrike" cap="none" normalizeH="0" baseline="0" dirty="0" err="1">
+                <a:ln>
+                  <a:noFill/>
+                </a:ln>
+                <a:solidFill>
+                  <a:srgbClr val="A9B7C6"/>
+                </a:solidFill>
+                <a:effectLst/>
+                <a:latin typeface="JetBrains Mono"/>
+              </a:rPr>
+              <a:t>SharedPreferences</a:t>
+            </a:r>
+            <a:r>
+              <a:rPr kumimoji="0" lang="ru-RU" altLang="ru-RU" sz="1000" b="0" i="0" u="none" strike="noStrike" cap="none" normalizeH="0" baseline="0" dirty="0">
+                <a:ln>
+                  <a:noFill/>
+                </a:ln>
+                <a:solidFill>
+                  <a:srgbClr val="A9B7C6"/>
+                </a:solidFill>
                 <a:effectLst/>
                 <a:latin typeface="JetBrains Mono"/>
               </a:rPr>
@@ -4088,16 +4748,138 @@
                 <a:ln>
                   <a:noFill/>
                 </a:ln>
-                <a:effectLst/>
-                <a:latin typeface="JetBrains Mono"/>
-              </a:rPr>
-              <a:t>MediaPlayer</a:t>
-            </a:r>
-            <a:r>
-              <a:rPr kumimoji="0" lang="ru-RU" altLang="ru-RU" sz="1000" b="0" i="0" u="none" strike="noStrike" cap="none" normalizeH="0" baseline="0" dirty="0">
-                <a:ln>
-                  <a:noFill/>
-                </a:ln>
+                <a:solidFill>
+                  <a:srgbClr val="A9B7C6"/>
+                </a:solidFill>
+                <a:effectLst/>
+                <a:latin typeface="JetBrains Mono"/>
+              </a:rPr>
+              <a:t>sh</a:t>
+            </a:r>
+            <a:r>
+              <a:rPr kumimoji="0" lang="ru-RU" altLang="ru-RU" sz="1000" b="0" i="0" u="none" strike="noStrike" cap="none" normalizeH="0" baseline="0" dirty="0">
+                <a:ln>
+                  <a:noFill/>
+                </a:ln>
+                <a:solidFill>
+                  <a:srgbClr val="A9B7C6"/>
+                </a:solidFill>
+                <a:effectLst/>
+                <a:latin typeface="JetBrains Mono"/>
+              </a:rPr>
+              <a:t> = </a:t>
+            </a:r>
+            <a:r>
+              <a:rPr kumimoji="0" lang="ru-RU" altLang="ru-RU" sz="1000" b="0" i="0" u="none" strike="noStrike" cap="none" normalizeH="0" baseline="0" dirty="0" err="1">
+                <a:ln>
+                  <a:noFill/>
+                </a:ln>
+                <a:solidFill>
+                  <a:srgbClr val="A9B7C6"/>
+                </a:solidFill>
+                <a:effectLst/>
+                <a:latin typeface="JetBrains Mono"/>
+              </a:rPr>
+              <a:t>getPreferences</a:t>
+            </a:r>
+            <a:r>
+              <a:rPr kumimoji="0" lang="ru-RU" altLang="ru-RU" sz="1000" b="0" i="0" u="none" strike="noStrike" cap="none" normalizeH="0" baseline="0" dirty="0">
+                <a:ln>
+                  <a:noFill/>
+                </a:ln>
+                <a:solidFill>
+                  <a:srgbClr val="A9B7C6"/>
+                </a:solidFill>
+                <a:effectLst/>
+                <a:latin typeface="JetBrains Mono"/>
+              </a:rPr>
+              <a:t>(</a:t>
+            </a:r>
+            <a:r>
+              <a:rPr kumimoji="0" lang="ru-RU" altLang="ru-RU" sz="1000" b="0" i="1" u="none" strike="noStrike" cap="none" normalizeH="0" baseline="0" dirty="0">
+                <a:ln>
+                  <a:noFill/>
+                </a:ln>
+                <a:solidFill>
+                  <a:srgbClr val="9876AA"/>
+                </a:solidFill>
+                <a:effectLst/>
+                <a:latin typeface="JetBrains Mono"/>
+              </a:rPr>
+              <a:t>MODE_PRIVATE</a:t>
+            </a:r>
+            <a:r>
+              <a:rPr kumimoji="0" lang="ru-RU" altLang="ru-RU" sz="1000" b="0" i="0" u="none" strike="noStrike" cap="none" normalizeH="0" baseline="0" dirty="0">
+                <a:ln>
+                  <a:noFill/>
+                </a:ln>
+                <a:solidFill>
+                  <a:srgbClr val="A9B7C6"/>
+                </a:solidFill>
+                <a:effectLst/>
+                <a:latin typeface="JetBrains Mono"/>
+              </a:rPr>
+              <a:t>)</a:t>
+            </a:r>
+            <a:r>
+              <a:rPr kumimoji="0" lang="ru-RU" altLang="ru-RU" sz="1000" b="0" i="0" u="none" strike="noStrike" cap="none" normalizeH="0" baseline="0" dirty="0">
+                <a:ln>
+                  <a:noFill/>
+                </a:ln>
+                <a:solidFill>
+                  <a:srgbClr val="CC7832"/>
+                </a:solidFill>
+                <a:effectLst/>
+                <a:latin typeface="JetBrains Mono"/>
+              </a:rPr>
+              <a:t>;</a:t>
+            </a:r>
+            <a:br>
+              <a:rPr kumimoji="0" lang="ru-RU" altLang="ru-RU" sz="1000" b="0" i="0" u="none" strike="noStrike" cap="none" normalizeH="0" baseline="0" dirty="0">
+                <a:ln>
+                  <a:noFill/>
+                </a:ln>
+                <a:solidFill>
+                  <a:srgbClr val="CC7832"/>
+                </a:solidFill>
+                <a:effectLst/>
+                <a:latin typeface="JetBrains Mono"/>
+              </a:rPr>
+            </a:br>
+            <a:r>
+              <a:rPr kumimoji="0" lang="ru-RU" altLang="ru-RU" sz="1000" b="0" i="0" u="none" strike="noStrike" cap="none" normalizeH="0" baseline="0" dirty="0">
+                <a:ln>
+                  <a:noFill/>
+                </a:ln>
+                <a:solidFill>
+                  <a:srgbClr val="CC7832"/>
+                </a:solidFill>
+                <a:effectLst/>
+                <a:latin typeface="JetBrains Mono"/>
+              </a:rPr>
+              <a:t>    </a:t>
+            </a:r>
+            <a:r>
+              <a:rPr kumimoji="0" lang="ru-RU" altLang="ru-RU" sz="1000" b="0" i="0" u="none" strike="noStrike" cap="none" normalizeH="0" baseline="0" dirty="0" err="1">
+                <a:ln>
+                  <a:noFill/>
+                </a:ln>
+                <a:solidFill>
+                  <a:srgbClr val="A9B7C6"/>
+                </a:solidFill>
+                <a:effectLst/>
+                <a:latin typeface="JetBrains Mono"/>
+              </a:rPr>
+              <a:t>SharedPreferences.Editor</a:t>
+            </a:r>
+            <a:r>
+              <a:rPr kumimoji="0" lang="ru-RU" altLang="ru-RU" sz="1000" b="0" i="0" u="none" strike="noStrike" cap="none" normalizeH="0" baseline="0" dirty="0">
+                <a:ln>
+                  <a:noFill/>
+                </a:ln>
+                <a:solidFill>
+                  <a:srgbClr val="A9B7C6"/>
+                </a:solidFill>
                 <a:effectLst/>
                 <a:latin typeface="JetBrains Mono"/>
               </a:rPr>
@@ -4108,16 +4890,61 @@
                 <a:ln>
                   <a:noFill/>
                 </a:ln>
-                <a:effectLst/>
-                <a:latin typeface="JetBrains Mono"/>
-              </a:rPr>
-              <a:t>mPlayer</a:t>
-            </a:r>
-            <a:r>
-              <a:rPr kumimoji="0" lang="ru-RU" altLang="ru-RU" sz="1000" b="0" i="0" u="none" strike="noStrike" cap="none" normalizeH="0" baseline="0" dirty="0">
-                <a:ln>
-                  <a:noFill/>
-                </a:ln>
+                <a:solidFill>
+                  <a:srgbClr val="A9B7C6"/>
+                </a:solidFill>
+                <a:effectLst/>
+                <a:latin typeface="JetBrains Mono"/>
+              </a:rPr>
+              <a:t>ed</a:t>
+            </a:r>
+            <a:r>
+              <a:rPr kumimoji="0" lang="ru-RU" altLang="ru-RU" sz="1000" b="0" i="0" u="none" strike="noStrike" cap="none" normalizeH="0" baseline="0" dirty="0">
+                <a:ln>
+                  <a:noFill/>
+                </a:ln>
+                <a:solidFill>
+                  <a:srgbClr val="A9B7C6"/>
+                </a:solidFill>
+                <a:effectLst/>
+                <a:latin typeface="JetBrains Mono"/>
+              </a:rPr>
+              <a:t> = </a:t>
+            </a:r>
+            <a:r>
+              <a:rPr kumimoji="0" lang="ru-RU" altLang="ru-RU" sz="1000" b="0" i="0" u="none" strike="noStrike" cap="none" normalizeH="0" baseline="0" dirty="0" err="1">
+                <a:ln>
+                  <a:noFill/>
+                </a:ln>
+                <a:solidFill>
+                  <a:srgbClr val="A9B7C6"/>
+                </a:solidFill>
+                <a:effectLst/>
+                <a:latin typeface="JetBrains Mono"/>
+              </a:rPr>
+              <a:t>sh.edit</a:t>
+            </a:r>
+            <a:r>
+              <a:rPr kumimoji="0" lang="ru-RU" altLang="ru-RU" sz="1000" b="0" i="0" u="none" strike="noStrike" cap="none" normalizeH="0" baseline="0" dirty="0">
+                <a:ln>
+                  <a:noFill/>
+                </a:ln>
+                <a:solidFill>
+                  <a:srgbClr val="A9B7C6"/>
+                </a:solidFill>
+                <a:effectLst/>
+                <a:latin typeface="JetBrains Mono"/>
+              </a:rPr>
+              <a:t>()</a:t>
+            </a:r>
+            <a:r>
+              <a:rPr kumimoji="0" lang="ru-RU" altLang="ru-RU" sz="1000" b="0" i="0" u="none" strike="noStrike" cap="none" normalizeH="0" baseline="0" dirty="0">
+                <a:ln>
+                  <a:noFill/>
+                </a:ln>
+                <a:solidFill>
+                  <a:srgbClr val="CC7832"/>
+                </a:solidFill>
                 <a:effectLst/>
                 <a:latin typeface="JetBrains Mono"/>
               </a:rPr>
@@ -4128,15 +4955,73 @@
                 <a:ln>
                   <a:noFill/>
                 </a:ln>
+                <a:solidFill>
+                  <a:srgbClr val="CC7832"/>
+                </a:solidFill>
                 <a:effectLst/>
                 <a:latin typeface="JetBrains Mono"/>
               </a:rPr>
             </a:br>
+            <a:r>
+              <a:rPr kumimoji="0" lang="ru-RU" altLang="ru-RU" sz="1000" b="0" i="0" u="none" strike="noStrike" cap="none" normalizeH="0" baseline="0" dirty="0">
+                <a:ln>
+                  <a:noFill/>
+                </a:ln>
+                <a:solidFill>
+                  <a:srgbClr val="CC7832"/>
+                </a:solidFill>
+                <a:effectLst/>
+                <a:latin typeface="JetBrains Mono"/>
+              </a:rPr>
+              <a:t>    </a:t>
+            </a:r>
+            <a:r>
+              <a:rPr kumimoji="0" lang="ru-RU" altLang="ru-RU" sz="1000" b="0" i="0" u="none" strike="noStrike" cap="none" normalizeH="0" baseline="0" dirty="0" err="1">
+                <a:ln>
+                  <a:noFill/>
+                </a:ln>
+                <a:solidFill>
+                  <a:srgbClr val="A9B7C6"/>
+                </a:solidFill>
+                <a:effectLst/>
+                <a:latin typeface="JetBrains Mono"/>
+              </a:rPr>
+              <a:t>ed.clear</a:t>
+            </a:r>
+            <a:r>
+              <a:rPr kumimoji="0" lang="ru-RU" altLang="ru-RU" sz="1000" b="0" i="0" u="none" strike="noStrike" cap="none" normalizeH="0" baseline="0" dirty="0">
+                <a:ln>
+                  <a:noFill/>
+                </a:ln>
+                <a:solidFill>
+                  <a:srgbClr val="A9B7C6"/>
+                </a:solidFill>
+                <a:effectLst/>
+                <a:latin typeface="JetBrains Mono"/>
+              </a:rPr>
+              <a:t>()</a:t>
+            </a:r>
+            <a:r>
+              <a:rPr kumimoji="0" lang="ru-RU" altLang="ru-RU" sz="1000" b="0" i="0" u="none" strike="noStrike" cap="none" normalizeH="0" baseline="0" dirty="0">
+                <a:ln>
+                  <a:noFill/>
+                </a:ln>
+                <a:solidFill>
+                  <a:srgbClr val="CC7832"/>
+                </a:solidFill>
+                <a:effectLst/>
+                <a:latin typeface="JetBrains Mono"/>
+              </a:rPr>
+              <a:t>;</a:t>
+            </a:r>
             <a:br>
               <a:rPr kumimoji="0" lang="ru-RU" altLang="ru-RU" sz="1000" b="0" i="0" u="none" strike="noStrike" cap="none" normalizeH="0" baseline="0" dirty="0">
                 <a:ln>
                   <a:noFill/>
                 </a:ln>
+                <a:solidFill>
+                  <a:srgbClr val="CC7832"/>
+                </a:solidFill>
                 <a:effectLst/>
                 <a:latin typeface="JetBrains Mono"/>
               </a:rPr>
@@ -4146,6 +5031,9 @@
                 <a:ln>
                   <a:noFill/>
                 </a:ln>
+                <a:solidFill>
+                  <a:srgbClr val="CC7832"/>
+                </a:solidFill>
                 <a:effectLst/>
                 <a:latin typeface="JetBrains Mono"/>
               </a:rPr>
@@ -4156,35 +5044,320 @@
                 <a:ln>
                   <a:noFill/>
                 </a:ln>
-                <a:effectLst/>
-                <a:latin typeface="JetBrains Mono"/>
-              </a:rPr>
-              <a:t>public</a:t>
-            </a:r>
-            <a:r>
-              <a:rPr kumimoji="0" lang="ru-RU" altLang="ru-RU" sz="1000" b="0" i="0" u="none" strike="noStrike" cap="none" normalizeH="0" baseline="0" dirty="0">
-                <a:ln>
-                  <a:noFill/>
-                </a:ln>
-                <a:effectLst/>
-                <a:latin typeface="JetBrains Mono"/>
-              </a:rPr>
-              <a:t> Music(){}</a:t>
+                <a:solidFill>
+                  <a:srgbClr val="A9B7C6"/>
+                </a:solidFill>
+                <a:effectLst/>
+                <a:latin typeface="JetBrains Mono"/>
+              </a:rPr>
+              <a:t>ed.putString</a:t>
+            </a:r>
+            <a:r>
+              <a:rPr kumimoji="0" lang="ru-RU" altLang="ru-RU" sz="1000" b="0" i="0" u="none" strike="noStrike" cap="none" normalizeH="0" baseline="0" dirty="0">
+                <a:ln>
+                  <a:noFill/>
+                </a:ln>
+                <a:solidFill>
+                  <a:srgbClr val="A9B7C6"/>
+                </a:solidFill>
+                <a:effectLst/>
+                <a:latin typeface="JetBrains Mono"/>
+              </a:rPr>
+              <a:t>(</a:t>
+            </a:r>
+            <a:r>
+              <a:rPr kumimoji="0" lang="ru-RU" altLang="ru-RU" sz="1000" b="0" i="0" u="none" strike="noStrike" cap="none" normalizeH="0" baseline="0" dirty="0">
+                <a:ln>
+                  <a:noFill/>
+                </a:ln>
+                <a:solidFill>
+                  <a:srgbClr val="6A8759"/>
+                </a:solidFill>
+                <a:effectLst/>
+                <a:latin typeface="JetBrains Mono"/>
+              </a:rPr>
+              <a:t>"Player"</a:t>
+            </a:r>
+            <a:r>
+              <a:rPr kumimoji="0" lang="ru-RU" altLang="ru-RU" sz="1000" b="0" i="0" u="none" strike="noStrike" cap="none" normalizeH="0" baseline="0" dirty="0">
+                <a:ln>
+                  <a:noFill/>
+                </a:ln>
+                <a:solidFill>
+                  <a:srgbClr val="CC7832"/>
+                </a:solidFill>
+                <a:effectLst/>
+                <a:latin typeface="JetBrains Mono"/>
+              </a:rPr>
+              <a:t>, </a:t>
+            </a:r>
+            <a:r>
+              <a:rPr kumimoji="0" lang="ru-RU" altLang="ru-RU" sz="1000" b="0" i="0" u="none" strike="noStrike" cap="none" normalizeH="0" baseline="0" dirty="0" err="1">
+                <a:ln>
+                  <a:noFill/>
+                </a:ln>
+                <a:solidFill>
+                  <a:srgbClr val="CC7832"/>
+                </a:solidFill>
+                <a:effectLst/>
+                <a:latin typeface="JetBrains Mono"/>
+              </a:rPr>
+              <a:t>new</a:t>
+            </a:r>
+            <a:r>
+              <a:rPr kumimoji="0" lang="ru-RU" altLang="ru-RU" sz="1000" b="0" i="0" u="none" strike="noStrike" cap="none" normalizeH="0" baseline="0" dirty="0">
+                <a:ln>
+                  <a:noFill/>
+                </a:ln>
+                <a:solidFill>
+                  <a:srgbClr val="CC7832"/>
+                </a:solidFill>
+                <a:effectLst/>
+                <a:latin typeface="JetBrains Mono"/>
+              </a:rPr>
+              <a:t> </a:t>
+            </a:r>
+            <a:r>
+              <a:rPr kumimoji="0" lang="ru-RU" altLang="ru-RU" sz="1000" b="0" i="0" u="none" strike="noStrike" cap="none" normalizeH="0" baseline="0" dirty="0" err="1">
+                <a:ln>
+                  <a:noFill/>
+                </a:ln>
+                <a:solidFill>
+                  <a:srgbClr val="A9B7C6"/>
+                </a:solidFill>
+                <a:effectLst/>
+                <a:latin typeface="JetBrains Mono"/>
+              </a:rPr>
+              <a:t>Gson</a:t>
+            </a:r>
+            <a:r>
+              <a:rPr kumimoji="0" lang="ru-RU" altLang="ru-RU" sz="1000" b="0" i="0" u="none" strike="noStrike" cap="none" normalizeH="0" baseline="0" dirty="0">
+                <a:ln>
+                  <a:noFill/>
+                </a:ln>
+                <a:solidFill>
+                  <a:srgbClr val="A9B7C6"/>
+                </a:solidFill>
+                <a:effectLst/>
+                <a:latin typeface="JetBrains Mono"/>
+              </a:rPr>
+              <a:t>().</a:t>
+            </a:r>
+            <a:r>
+              <a:rPr kumimoji="0" lang="ru-RU" altLang="ru-RU" sz="1000" b="0" i="0" u="none" strike="noStrike" cap="none" normalizeH="0" baseline="0" dirty="0" err="1">
+                <a:ln>
+                  <a:noFill/>
+                </a:ln>
+                <a:solidFill>
+                  <a:srgbClr val="A9B7C6"/>
+                </a:solidFill>
+                <a:effectLst/>
+                <a:latin typeface="JetBrains Mono"/>
+              </a:rPr>
+              <a:t>toJson</a:t>
+            </a:r>
+            <a:r>
+              <a:rPr kumimoji="0" lang="ru-RU" altLang="ru-RU" sz="1000" b="0" i="0" u="none" strike="noStrike" cap="none" normalizeH="0" baseline="0" dirty="0">
+                <a:ln>
+                  <a:noFill/>
+                </a:ln>
+                <a:solidFill>
+                  <a:srgbClr val="A9B7C6"/>
+                </a:solidFill>
+                <a:effectLst/>
+                <a:latin typeface="JetBrains Mono"/>
+              </a:rPr>
+              <a:t>(</a:t>
+            </a:r>
+            <a:r>
+              <a:rPr kumimoji="0" lang="ru-RU" altLang="ru-RU" sz="1000" b="0" i="1" u="none" strike="noStrike" cap="none" normalizeH="0" baseline="0" dirty="0" err="1">
+                <a:ln>
+                  <a:noFill/>
+                </a:ln>
+                <a:solidFill>
+                  <a:srgbClr val="9876AA"/>
+                </a:solidFill>
+                <a:effectLst/>
+                <a:latin typeface="JetBrains Mono"/>
+              </a:rPr>
+              <a:t>player</a:t>
+            </a:r>
+            <a:r>
+              <a:rPr kumimoji="0" lang="ru-RU" altLang="ru-RU" sz="1000" b="0" i="0" u="none" strike="noStrike" cap="none" normalizeH="0" baseline="0" dirty="0">
+                <a:ln>
+                  <a:noFill/>
+                </a:ln>
+                <a:solidFill>
+                  <a:srgbClr val="A9B7C6"/>
+                </a:solidFill>
+                <a:effectLst/>
+                <a:latin typeface="JetBrains Mono"/>
+              </a:rPr>
+              <a:t>))</a:t>
+            </a:r>
+            <a:r>
+              <a:rPr kumimoji="0" lang="ru-RU" altLang="ru-RU" sz="1000" b="0" i="0" u="none" strike="noStrike" cap="none" normalizeH="0" baseline="0" dirty="0">
+                <a:ln>
+                  <a:noFill/>
+                </a:ln>
+                <a:solidFill>
+                  <a:srgbClr val="CC7832"/>
+                </a:solidFill>
+                <a:effectLst/>
+                <a:latin typeface="JetBrains Mono"/>
+              </a:rPr>
+              <a:t>;</a:t>
             </a:r>
             <a:br>
               <a:rPr kumimoji="0" lang="ru-RU" altLang="ru-RU" sz="1000" b="0" i="0" u="none" strike="noStrike" cap="none" normalizeH="0" baseline="0" dirty="0">
                 <a:ln>
                   <a:noFill/>
                 </a:ln>
+                <a:solidFill>
+                  <a:srgbClr val="CC7832"/>
+                </a:solidFill>
                 <a:effectLst/>
                 <a:latin typeface="JetBrains Mono"/>
               </a:rPr>
             </a:br>
+            <a:r>
+              <a:rPr kumimoji="0" lang="ru-RU" altLang="ru-RU" sz="1000" b="0" i="0" u="none" strike="noStrike" cap="none" normalizeH="0" baseline="0" dirty="0">
+                <a:ln>
+                  <a:noFill/>
+                </a:ln>
+                <a:solidFill>
+                  <a:srgbClr val="CC7832"/>
+                </a:solidFill>
+                <a:effectLst/>
+                <a:latin typeface="JetBrains Mono"/>
+              </a:rPr>
+              <a:t>    </a:t>
+            </a:r>
+            <a:r>
+              <a:rPr kumimoji="0" lang="ru-RU" altLang="ru-RU" sz="1000" b="0" i="0" u="none" strike="noStrike" cap="none" normalizeH="0" baseline="0" dirty="0" err="1">
+                <a:ln>
+                  <a:noFill/>
+                </a:ln>
+                <a:solidFill>
+                  <a:srgbClr val="A9B7C6"/>
+                </a:solidFill>
+                <a:effectLst/>
+                <a:latin typeface="JetBrains Mono"/>
+              </a:rPr>
+              <a:t>ed.putBoolean</a:t>
+            </a:r>
+            <a:r>
+              <a:rPr kumimoji="0" lang="ru-RU" altLang="ru-RU" sz="1000" b="0" i="0" u="none" strike="noStrike" cap="none" normalizeH="0" baseline="0" dirty="0">
+                <a:ln>
+                  <a:noFill/>
+                </a:ln>
+                <a:solidFill>
+                  <a:srgbClr val="A9B7C6"/>
+                </a:solidFill>
+                <a:effectLst/>
+                <a:latin typeface="JetBrains Mono"/>
+              </a:rPr>
+              <a:t>(</a:t>
+            </a:r>
+            <a:r>
+              <a:rPr kumimoji="0" lang="ru-RU" altLang="ru-RU" sz="1000" b="0" i="0" u="none" strike="noStrike" cap="none" normalizeH="0" baseline="0" dirty="0">
+                <a:ln>
+                  <a:noFill/>
+                </a:ln>
+                <a:solidFill>
+                  <a:srgbClr val="6A8759"/>
+                </a:solidFill>
+                <a:effectLst/>
+                <a:latin typeface="JetBrains Mono"/>
+              </a:rPr>
+              <a:t>"</a:t>
+            </a:r>
+            <a:r>
+              <a:rPr kumimoji="0" lang="ru-RU" altLang="ru-RU" sz="1000" b="0" i="0" u="none" strike="noStrike" cap="none" normalizeH="0" baseline="0" dirty="0" err="1">
+                <a:ln>
+                  <a:noFill/>
+                </a:ln>
+                <a:solidFill>
+                  <a:srgbClr val="6A8759"/>
+                </a:solidFill>
+                <a:effectLst/>
+                <a:latin typeface="JetBrains Mono"/>
+              </a:rPr>
+              <a:t>Tutorial</a:t>
+            </a:r>
+            <a:r>
+              <a:rPr kumimoji="0" lang="ru-RU" altLang="ru-RU" sz="1000" b="0" i="0" u="none" strike="noStrike" cap="none" normalizeH="0" baseline="0" dirty="0">
+                <a:ln>
+                  <a:noFill/>
+                </a:ln>
+                <a:solidFill>
+                  <a:srgbClr val="6A8759"/>
+                </a:solidFill>
+                <a:effectLst/>
+                <a:latin typeface="JetBrains Mono"/>
+              </a:rPr>
+              <a:t>"</a:t>
+            </a:r>
+            <a:r>
+              <a:rPr kumimoji="0" lang="ru-RU" altLang="ru-RU" sz="1000" b="0" i="0" u="none" strike="noStrike" cap="none" normalizeH="0" baseline="0" dirty="0">
+                <a:ln>
+                  <a:noFill/>
+                </a:ln>
+                <a:solidFill>
+                  <a:srgbClr val="CC7832"/>
+                </a:solidFill>
+                <a:effectLst/>
+                <a:latin typeface="JetBrains Mono"/>
+              </a:rPr>
+              <a:t>, </a:t>
+            </a:r>
+            <a:r>
+              <a:rPr kumimoji="0" lang="ru-RU" altLang="ru-RU" sz="1000" b="0" i="1" u="none" strike="noStrike" cap="none" normalizeH="0" baseline="0" dirty="0" err="1">
+                <a:ln>
+                  <a:noFill/>
+                </a:ln>
+                <a:solidFill>
+                  <a:srgbClr val="9876AA"/>
+                </a:solidFill>
+                <a:effectLst/>
+                <a:latin typeface="JetBrains Mono"/>
+              </a:rPr>
+              <a:t>show_tutorial</a:t>
+            </a:r>
+            <a:r>
+              <a:rPr kumimoji="0" lang="ru-RU" altLang="ru-RU" sz="1000" b="0" i="0" u="none" strike="noStrike" cap="none" normalizeH="0" baseline="0" dirty="0">
+                <a:ln>
+                  <a:noFill/>
+                </a:ln>
+                <a:solidFill>
+                  <a:srgbClr val="A9B7C6"/>
+                </a:solidFill>
+                <a:effectLst/>
+                <a:latin typeface="JetBrains Mono"/>
+              </a:rPr>
+              <a:t>)</a:t>
+            </a:r>
+            <a:r>
+              <a:rPr kumimoji="0" lang="ru-RU" altLang="ru-RU" sz="1000" b="0" i="0" u="none" strike="noStrike" cap="none" normalizeH="0" baseline="0" dirty="0">
+                <a:ln>
+                  <a:noFill/>
+                </a:ln>
+                <a:solidFill>
+                  <a:srgbClr val="CC7832"/>
+                </a:solidFill>
+                <a:effectLst/>
+                <a:latin typeface="JetBrains Mono"/>
+              </a:rPr>
+              <a:t>;</a:t>
+            </a:r>
             <a:br>
               <a:rPr kumimoji="0" lang="ru-RU" altLang="ru-RU" sz="1000" b="0" i="0" u="none" strike="noStrike" cap="none" normalizeH="0" baseline="0" dirty="0">
                 <a:ln>
                   <a:noFill/>
                 </a:ln>
+                <a:solidFill>
+                  <a:srgbClr val="CC7832"/>
+                </a:solidFill>
                 <a:effectLst/>
                 <a:latin typeface="JetBrains Mono"/>
               </a:rPr>
@@ -4194,6 +5367,9 @@
                 <a:ln>
                   <a:noFill/>
                 </a:ln>
+                <a:solidFill>
+                  <a:srgbClr val="CC7832"/>
+                </a:solidFill>
                 <a:effectLst/>
                 <a:latin typeface="JetBrains Mono"/>
               </a:rPr>
@@ -4204,16 +5380,100 @@
                 <a:ln>
                   <a:noFill/>
                 </a:ln>
-                <a:effectLst/>
-                <a:latin typeface="JetBrains Mono"/>
-              </a:rPr>
-              <a:t>public</a:t>
-            </a:r>
-            <a:r>
-              <a:rPr kumimoji="0" lang="ru-RU" altLang="ru-RU" sz="1000" b="0" i="0" u="none" strike="noStrike" cap="none" normalizeH="0" baseline="0" dirty="0">
-                <a:ln>
-                  <a:noFill/>
-                </a:ln>
+                <a:solidFill>
+                  <a:srgbClr val="A9B7C6"/>
+                </a:solidFill>
+                <a:effectLst/>
+                <a:latin typeface="JetBrains Mono"/>
+              </a:rPr>
+              <a:t>ed.putString</a:t>
+            </a:r>
+            <a:r>
+              <a:rPr kumimoji="0" lang="ru-RU" altLang="ru-RU" sz="1000" b="0" i="0" u="none" strike="noStrike" cap="none" normalizeH="0" baseline="0" dirty="0">
+                <a:ln>
+                  <a:noFill/>
+                </a:ln>
+                <a:solidFill>
+                  <a:srgbClr val="A9B7C6"/>
+                </a:solidFill>
+                <a:effectLst/>
+                <a:latin typeface="JetBrains Mono"/>
+              </a:rPr>
+              <a:t>(</a:t>
+            </a:r>
+            <a:r>
+              <a:rPr kumimoji="0" lang="ru-RU" altLang="ru-RU" sz="1000" b="0" i="0" u="none" strike="noStrike" cap="none" normalizeH="0" baseline="0" dirty="0">
+                <a:ln>
+                  <a:noFill/>
+                </a:ln>
+                <a:solidFill>
+                  <a:srgbClr val="6A8759"/>
+                </a:solidFill>
+                <a:effectLst/>
+                <a:latin typeface="JetBrains Mono"/>
+              </a:rPr>
+              <a:t>"</a:t>
+            </a:r>
+            <a:r>
+              <a:rPr kumimoji="0" lang="ru-RU" altLang="ru-RU" sz="1000" b="0" i="0" u="none" strike="noStrike" cap="none" normalizeH="0" baseline="0" dirty="0" err="1">
+                <a:ln>
+                  <a:noFill/>
+                </a:ln>
+                <a:solidFill>
+                  <a:srgbClr val="6A8759"/>
+                </a:solidFill>
+                <a:effectLst/>
+                <a:latin typeface="JetBrains Mono"/>
+              </a:rPr>
+              <a:t>Researches</a:t>
+            </a:r>
+            <a:r>
+              <a:rPr kumimoji="0" lang="ru-RU" altLang="ru-RU" sz="1000" b="0" i="0" u="none" strike="noStrike" cap="none" normalizeH="0" baseline="0" dirty="0">
+                <a:ln>
+                  <a:noFill/>
+                </a:ln>
+                <a:solidFill>
+                  <a:srgbClr val="6A8759"/>
+                </a:solidFill>
+                <a:effectLst/>
+                <a:latin typeface="JetBrains Mono"/>
+              </a:rPr>
+              <a:t>"</a:t>
+            </a:r>
+            <a:r>
+              <a:rPr kumimoji="0" lang="ru-RU" altLang="ru-RU" sz="1000" b="0" i="0" u="none" strike="noStrike" cap="none" normalizeH="0" baseline="0" dirty="0">
+                <a:ln>
+                  <a:noFill/>
+                </a:ln>
+                <a:solidFill>
+                  <a:srgbClr val="CC7832"/>
+                </a:solidFill>
+                <a:effectLst/>
+                <a:latin typeface="JetBrains Mono"/>
+              </a:rPr>
+              <a:t>,</a:t>
+            </a:r>
+            <a:r>
+              <a:rPr kumimoji="0" lang="ru-RU" altLang="ru-RU" sz="1000" b="0" i="0" u="none" strike="noStrike" cap="none" normalizeH="0" baseline="0" dirty="0" err="1">
+                <a:ln>
+                  <a:noFill/>
+                </a:ln>
+                <a:solidFill>
+                  <a:srgbClr val="CC7832"/>
+                </a:solidFill>
+                <a:effectLst/>
+                <a:latin typeface="JetBrains Mono"/>
+              </a:rPr>
+              <a:t>new</a:t>
+            </a:r>
+            <a:r>
+              <a:rPr kumimoji="0" lang="ru-RU" altLang="ru-RU" sz="1000" b="0" i="0" u="none" strike="noStrike" cap="none" normalizeH="0" baseline="0" dirty="0">
+                <a:ln>
+                  <a:noFill/>
+                </a:ln>
+                <a:solidFill>
+                  <a:srgbClr val="CC7832"/>
+                </a:solidFill>
                 <a:effectLst/>
                 <a:latin typeface="JetBrains Mono"/>
               </a:rPr>
@@ -4224,46 +5484,100 @@
                 <a:ln>
                   <a:noFill/>
                 </a:ln>
-                <a:effectLst/>
-                <a:latin typeface="JetBrains Mono"/>
-              </a:rPr>
-              <a:t>void</a:t>
-            </a:r>
-            <a:r>
-              <a:rPr kumimoji="0" lang="ru-RU" altLang="ru-RU" sz="1000" b="0" i="0" u="none" strike="noStrike" cap="none" normalizeH="0" baseline="0" dirty="0">
-                <a:ln>
-                  <a:noFill/>
-                </a:ln>
-                <a:effectLst/>
-                <a:latin typeface="JetBrains Mono"/>
-              </a:rPr>
-              <a:t> </a:t>
+                <a:solidFill>
+                  <a:srgbClr val="A9B7C6"/>
+                </a:solidFill>
+                <a:effectLst/>
+                <a:latin typeface="JetBrains Mono"/>
+              </a:rPr>
+              <a:t>Gson</a:t>
+            </a:r>
+            <a:r>
+              <a:rPr kumimoji="0" lang="ru-RU" altLang="ru-RU" sz="1000" b="0" i="0" u="none" strike="noStrike" cap="none" normalizeH="0" baseline="0" dirty="0">
+                <a:ln>
+                  <a:noFill/>
+                </a:ln>
+                <a:solidFill>
+                  <a:srgbClr val="A9B7C6"/>
+                </a:solidFill>
+                <a:effectLst/>
+                <a:latin typeface="JetBrains Mono"/>
+              </a:rPr>
+              <a:t>().</a:t>
             </a:r>
             <a:r>
               <a:rPr kumimoji="0" lang="ru-RU" altLang="ru-RU" sz="1000" b="0" i="0" u="none" strike="noStrike" cap="none" normalizeH="0" baseline="0" dirty="0" err="1">
                 <a:ln>
                   <a:noFill/>
                 </a:ln>
-                <a:effectLst/>
-                <a:latin typeface="JetBrains Mono"/>
-              </a:rPr>
-              <a:t>stop</a:t>
-            </a:r>
-            <a:r>
-              <a:rPr kumimoji="0" lang="ru-RU" altLang="ru-RU" sz="1000" b="0" i="0" u="none" strike="noStrike" cap="none" normalizeH="0" baseline="0" dirty="0">
-                <a:ln>
-                  <a:noFill/>
-                </a:ln>
-                <a:effectLst/>
-                <a:latin typeface="JetBrains Mono"/>
-              </a:rPr>
-              <a:t>() {</a:t>
+                <a:solidFill>
+                  <a:srgbClr val="A9B7C6"/>
+                </a:solidFill>
+                <a:effectLst/>
+                <a:latin typeface="JetBrains Mono"/>
+              </a:rPr>
+              <a:t>toJson</a:t>
+            </a:r>
+            <a:r>
+              <a:rPr kumimoji="0" lang="ru-RU" altLang="ru-RU" sz="1000" b="0" i="0" u="none" strike="noStrike" cap="none" normalizeH="0" baseline="0" dirty="0">
+                <a:ln>
+                  <a:noFill/>
+                </a:ln>
+                <a:solidFill>
+                  <a:srgbClr val="A9B7C6"/>
+                </a:solidFill>
+                <a:effectLst/>
+                <a:latin typeface="JetBrains Mono"/>
+              </a:rPr>
+              <a:t>(</a:t>
+            </a:r>
+            <a:r>
+              <a:rPr kumimoji="0" lang="ru-RU" altLang="ru-RU" sz="1000" b="0" i="1" u="none" strike="noStrike" cap="none" normalizeH="0" baseline="0" dirty="0">
+                <a:ln>
+                  <a:noFill/>
+                </a:ln>
+                <a:solidFill>
+                  <a:srgbClr val="9876AA"/>
+                </a:solidFill>
+                <a:effectLst/>
+                <a:latin typeface="JetBrains Mono"/>
+              </a:rPr>
+              <a:t>researches1</a:t>
+            </a:r>
+            <a:r>
+              <a:rPr kumimoji="0" lang="ru-RU" altLang="ru-RU" sz="1000" b="0" i="0" u="none" strike="noStrike" cap="none" normalizeH="0" baseline="0" dirty="0">
+                <a:ln>
+                  <a:noFill/>
+                </a:ln>
+                <a:solidFill>
+                  <a:srgbClr val="A9B7C6"/>
+                </a:solidFill>
+                <a:effectLst/>
+                <a:latin typeface="JetBrains Mono"/>
+              </a:rPr>
+              <a:t>))</a:t>
+            </a:r>
+            <a:r>
+              <a:rPr kumimoji="0" lang="ru-RU" altLang="ru-RU" sz="1000" b="0" i="0" u="none" strike="noStrike" cap="none" normalizeH="0" baseline="0" dirty="0">
+                <a:ln>
+                  <a:noFill/>
+                </a:ln>
+                <a:solidFill>
+                  <a:srgbClr val="CC7832"/>
+                </a:solidFill>
+                <a:effectLst/>
+                <a:latin typeface="JetBrains Mono"/>
+              </a:rPr>
+              <a:t>;</a:t>
             </a:r>
             <a:br>
               <a:rPr kumimoji="0" lang="ru-RU" altLang="ru-RU" sz="1000" b="0" i="0" u="none" strike="noStrike" cap="none" normalizeH="0" baseline="0" dirty="0">
                 <a:ln>
                   <a:noFill/>
                 </a:ln>
+                <a:solidFill>
+                  <a:srgbClr val="CC7832"/>
+                </a:solidFill>
                 <a:effectLst/>
                 <a:latin typeface="JetBrains Mono"/>
               </a:rPr>
@@ -4273,76 +5587,203 @@
                 <a:ln>
                   <a:noFill/>
                 </a:ln>
-                <a:effectLst/>
-                <a:latin typeface="JetBrains Mono"/>
-              </a:rPr>
-              <a:t>        </a:t>
+                <a:solidFill>
+                  <a:srgbClr val="CC7832"/>
+                </a:solidFill>
+                <a:effectLst/>
+                <a:latin typeface="JetBrains Mono"/>
+              </a:rPr>
+              <a:t>    </a:t>
             </a:r>
             <a:r>
               <a:rPr kumimoji="0" lang="ru-RU" altLang="ru-RU" sz="1000" b="0" i="0" u="none" strike="noStrike" cap="none" normalizeH="0" baseline="0" dirty="0" err="1">
                 <a:ln>
                   <a:noFill/>
                 </a:ln>
-                <a:effectLst/>
-                <a:latin typeface="JetBrains Mono"/>
-              </a:rPr>
-              <a:t>if</a:t>
-            </a:r>
-            <a:r>
-              <a:rPr kumimoji="0" lang="ru-RU" altLang="ru-RU" sz="1000" b="0" i="0" u="none" strike="noStrike" cap="none" normalizeH="0" baseline="0" dirty="0">
-                <a:ln>
-                  <a:noFill/>
-                </a:ln>
-                <a:effectLst/>
-                <a:latin typeface="JetBrains Mono"/>
-              </a:rPr>
-              <a:t> (</a:t>
+                <a:solidFill>
+                  <a:srgbClr val="A9B7C6"/>
+                </a:solidFill>
+                <a:effectLst/>
+                <a:latin typeface="JetBrains Mono"/>
+              </a:rPr>
+              <a:t>ed.apply</a:t>
+            </a:r>
+            <a:r>
+              <a:rPr kumimoji="0" lang="ru-RU" altLang="ru-RU" sz="1000" b="0" i="0" u="none" strike="noStrike" cap="none" normalizeH="0" baseline="0" dirty="0">
+                <a:ln>
+                  <a:noFill/>
+                </a:ln>
+                <a:solidFill>
+                  <a:srgbClr val="A9B7C6"/>
+                </a:solidFill>
+                <a:effectLst/>
+                <a:latin typeface="JetBrains Mono"/>
+              </a:rPr>
+              <a:t>()</a:t>
+            </a:r>
+            <a:r>
+              <a:rPr kumimoji="0" lang="ru-RU" altLang="ru-RU" sz="1000" b="0" i="0" u="none" strike="noStrike" cap="none" normalizeH="0" baseline="0" dirty="0">
+                <a:ln>
+                  <a:noFill/>
+                </a:ln>
+                <a:solidFill>
+                  <a:srgbClr val="CC7832"/>
+                </a:solidFill>
+                <a:effectLst/>
+                <a:latin typeface="JetBrains Mono"/>
+              </a:rPr>
+              <a:t>;</a:t>
+            </a:r>
+            <a:br>
+              <a:rPr kumimoji="0" lang="ru-RU" altLang="ru-RU" sz="1000" b="0" i="0" u="none" strike="noStrike" cap="none" normalizeH="0" baseline="0" dirty="0">
+                <a:ln>
+                  <a:noFill/>
+                </a:ln>
+                <a:solidFill>
+                  <a:srgbClr val="CC7832"/>
+                </a:solidFill>
+                <a:effectLst/>
+                <a:latin typeface="JetBrains Mono"/>
+              </a:rPr>
+            </a:br>
+            <a:r>
+              <a:rPr kumimoji="0" lang="ru-RU" altLang="ru-RU" sz="1000" b="0" i="0" u="none" strike="noStrike" cap="none" normalizeH="0" baseline="0" dirty="0">
+                <a:ln>
+                  <a:noFill/>
+                </a:ln>
+                <a:solidFill>
+                  <a:srgbClr val="CC7832"/>
+                </a:solidFill>
+                <a:effectLst/>
+                <a:latin typeface="JetBrains Mono"/>
+              </a:rPr>
+              <a:t>    </a:t>
             </a:r>
             <a:r>
               <a:rPr kumimoji="0" lang="ru-RU" altLang="ru-RU" sz="1000" b="0" i="0" u="none" strike="noStrike" cap="none" normalizeH="0" baseline="0" dirty="0" err="1">
                 <a:ln>
                   <a:noFill/>
                 </a:ln>
-                <a:effectLst/>
-                <a:latin typeface="JetBrains Mono"/>
-              </a:rPr>
-              <a:t>mPlayer</a:t>
-            </a:r>
-            <a:r>
-              <a:rPr kumimoji="0" lang="ru-RU" altLang="ru-RU" sz="1000" b="0" i="0" u="none" strike="noStrike" cap="none" normalizeH="0" baseline="0" dirty="0">
-                <a:ln>
-                  <a:noFill/>
-                </a:ln>
-                <a:effectLst/>
-                <a:latin typeface="JetBrains Mono"/>
-              </a:rPr>
-              <a:t> != </a:t>
+                <a:solidFill>
+                  <a:srgbClr val="A9B7C6"/>
+                </a:solidFill>
+                <a:effectLst/>
+                <a:latin typeface="JetBrains Mono"/>
+              </a:rPr>
+              <a:t>Log.</a:t>
+            </a:r>
+            <a:r>
+              <a:rPr kumimoji="0" lang="ru-RU" altLang="ru-RU" sz="1000" b="0" i="1" u="none" strike="noStrike" cap="none" normalizeH="0" baseline="0" dirty="0" err="1">
+                <a:ln>
+                  <a:noFill/>
+                </a:ln>
+                <a:solidFill>
+                  <a:srgbClr val="A9B7C6"/>
+                </a:solidFill>
+                <a:effectLst/>
+                <a:latin typeface="JetBrains Mono"/>
+              </a:rPr>
+              <a:t>d</a:t>
+            </a:r>
+            <a:r>
+              <a:rPr kumimoji="0" lang="ru-RU" altLang="ru-RU" sz="1000" b="0" i="0" u="none" strike="noStrike" cap="none" normalizeH="0" baseline="0" dirty="0">
+                <a:ln>
+                  <a:noFill/>
+                </a:ln>
+                <a:solidFill>
+                  <a:srgbClr val="A9B7C6"/>
+                </a:solidFill>
+                <a:effectLst/>
+                <a:latin typeface="JetBrains Mono"/>
+              </a:rPr>
+              <a:t>(</a:t>
+            </a:r>
+            <a:r>
+              <a:rPr kumimoji="0" lang="ru-RU" altLang="ru-RU" sz="1000" b="0" i="0" u="none" strike="noStrike" cap="none" normalizeH="0" baseline="0" dirty="0">
+                <a:ln>
+                  <a:noFill/>
+                </a:ln>
+                <a:solidFill>
+                  <a:srgbClr val="6A8759"/>
+                </a:solidFill>
+                <a:effectLst/>
+                <a:latin typeface="JetBrains Mono"/>
+              </a:rPr>
+              <a:t>"KKD"</a:t>
+            </a:r>
+            <a:r>
+              <a:rPr kumimoji="0" lang="ru-RU" altLang="ru-RU" sz="1000" b="0" i="0" u="none" strike="noStrike" cap="none" normalizeH="0" baseline="0" dirty="0">
+                <a:ln>
+                  <a:noFill/>
+                </a:ln>
+                <a:solidFill>
+                  <a:srgbClr val="CC7832"/>
+                </a:solidFill>
+                <a:effectLst/>
+                <a:latin typeface="JetBrains Mono"/>
+              </a:rPr>
+              <a:t>, </a:t>
+            </a:r>
+            <a:r>
+              <a:rPr kumimoji="0" lang="ru-RU" altLang="ru-RU" sz="1000" b="0" i="1" u="none" strike="noStrike" cap="none" normalizeH="0" baseline="0" dirty="0" err="1">
+                <a:ln>
+                  <a:noFill/>
+                </a:ln>
+                <a:solidFill>
+                  <a:srgbClr val="9876AA"/>
+                </a:solidFill>
+                <a:effectLst/>
+                <a:latin typeface="JetBrains Mono"/>
+              </a:rPr>
+              <a:t>player</a:t>
             </a:r>
             <a:r>
               <a:rPr kumimoji="0" lang="ru-RU" altLang="ru-RU" sz="1000" b="0" i="0" u="none" strike="noStrike" cap="none" normalizeH="0" baseline="0" dirty="0" err="1">
                 <a:ln>
                   <a:noFill/>
                 </a:ln>
-                <a:effectLst/>
-                <a:latin typeface="JetBrains Mono"/>
-              </a:rPr>
-              <a:t>null</a:t>
-            </a:r>
-            <a:r>
-              <a:rPr kumimoji="0" lang="ru-RU" altLang="ru-RU" sz="1000" b="0" i="0" u="none" strike="noStrike" cap="none" normalizeH="0" baseline="0" dirty="0">
-                <a:ln>
-                  <a:noFill/>
-                </a:ln>
-                <a:effectLst/>
-                <a:latin typeface="JetBrains Mono"/>
-              </a:rPr>
-              <a:t>) {</a:t>
+                <a:solidFill>
+                  <a:srgbClr val="A9B7C6"/>
+                </a:solidFill>
+                <a:effectLst/>
+                <a:latin typeface="JetBrains Mono"/>
+              </a:rPr>
+              <a:t>.toString</a:t>
+            </a:r>
+            <a:r>
+              <a:rPr kumimoji="0" lang="ru-RU" altLang="ru-RU" sz="1000" b="0" i="0" u="none" strike="noStrike" cap="none" normalizeH="0" baseline="0" dirty="0">
+                <a:ln>
+                  <a:noFill/>
+                </a:ln>
+                <a:solidFill>
+                  <a:srgbClr val="A9B7C6"/>
+                </a:solidFill>
+                <a:effectLst/>
+                <a:latin typeface="JetBrains Mono"/>
+              </a:rPr>
+              <a:t>())</a:t>
+            </a:r>
+            <a:r>
+              <a:rPr kumimoji="0" lang="ru-RU" altLang="ru-RU" sz="1000" b="0" i="0" u="none" strike="noStrike" cap="none" normalizeH="0" baseline="0" dirty="0">
+                <a:ln>
+                  <a:noFill/>
+                </a:ln>
+                <a:solidFill>
+                  <a:srgbClr val="CC7832"/>
+                </a:solidFill>
+                <a:effectLst/>
+                <a:latin typeface="JetBrains Mono"/>
+              </a:rPr>
+              <a:t>;</a:t>
             </a:r>
             <a:br>
               <a:rPr kumimoji="0" lang="ru-RU" altLang="ru-RU" sz="1000" b="0" i="0" u="none" strike="noStrike" cap="none" normalizeH="0" baseline="0" dirty="0">
                 <a:ln>
                   <a:noFill/>
                 </a:ln>
+                <a:solidFill>
+                  <a:srgbClr val="CC7832"/>
+                </a:solidFill>
                 <a:effectLst/>
                 <a:latin typeface="JetBrains Mono"/>
               </a:rPr>
@@ -4352,36 +5793,74 @@
                 <a:ln>
                   <a:noFill/>
                 </a:ln>
-                <a:effectLst/>
-                <a:latin typeface="JetBrains Mono"/>
-              </a:rPr>
-              <a:t>            </a:t>
+                <a:solidFill>
+                  <a:srgbClr val="CC7832"/>
+                </a:solidFill>
+                <a:effectLst/>
+                <a:latin typeface="JetBrains Mono"/>
+              </a:rPr>
+              <a:t>    </a:t>
             </a:r>
             <a:r>
               <a:rPr kumimoji="0" lang="ru-RU" altLang="ru-RU" sz="1000" b="0" i="0" u="none" strike="noStrike" cap="none" normalizeH="0" baseline="0" dirty="0" err="1">
                 <a:ln>
                   <a:noFill/>
                 </a:ln>
-                <a:effectLst/>
-                <a:latin typeface="JetBrains Mono"/>
-              </a:rPr>
-              <a:t>mPlayer.release</a:t>
-            </a:r>
-            <a:r>
-              <a:rPr kumimoji="0" lang="ru-RU" altLang="ru-RU" sz="1000" b="0" i="0" u="none" strike="noStrike" cap="none" normalizeH="0" baseline="0" dirty="0">
-                <a:ln>
-                  <a:noFill/>
-                </a:ln>
-                <a:effectLst/>
-                <a:latin typeface="JetBrains Mono"/>
-              </a:rPr>
-              <a:t>();</a:t>
+                <a:solidFill>
+                  <a:srgbClr val="CC7832"/>
+                </a:solidFill>
+                <a:effectLst/>
+                <a:latin typeface="JetBrains Mono"/>
+              </a:rPr>
+              <a:t>super</a:t>
+            </a:r>
+            <a:r>
+              <a:rPr kumimoji="0" lang="ru-RU" altLang="ru-RU" sz="1000" b="0" i="0" u="none" strike="noStrike" cap="none" normalizeH="0" baseline="0" dirty="0" err="1">
+                <a:ln>
+                  <a:noFill/>
+                </a:ln>
+                <a:solidFill>
+                  <a:srgbClr val="A9B7C6"/>
+                </a:solidFill>
+                <a:effectLst/>
+                <a:latin typeface="JetBrains Mono"/>
+              </a:rPr>
+              <a:t>.onDestroy</a:t>
+            </a:r>
+            <a:r>
+              <a:rPr kumimoji="0" lang="ru-RU" altLang="ru-RU" sz="1000" b="0" i="0" u="none" strike="noStrike" cap="none" normalizeH="0" baseline="0" dirty="0">
+                <a:ln>
+                  <a:noFill/>
+                </a:ln>
+                <a:solidFill>
+                  <a:srgbClr val="A9B7C6"/>
+                </a:solidFill>
+                <a:effectLst/>
+                <a:latin typeface="JetBrains Mono"/>
+              </a:rPr>
+              <a:t>()</a:t>
+            </a:r>
+            <a:r>
+              <a:rPr kumimoji="0" lang="ru-RU" altLang="ru-RU" sz="1000" b="0" i="0" u="none" strike="noStrike" cap="none" normalizeH="0" baseline="0" dirty="0">
+                <a:ln>
+                  <a:noFill/>
+                </a:ln>
+                <a:solidFill>
+                  <a:srgbClr val="CC7832"/>
+                </a:solidFill>
+                <a:effectLst/>
+                <a:latin typeface="JetBrains Mono"/>
+              </a:rPr>
+              <a:t>;</a:t>
             </a:r>
             <a:br>
               <a:rPr kumimoji="0" lang="ru-RU" altLang="ru-RU" sz="1000" b="0" i="0" u="none" strike="noStrike" cap="none" normalizeH="0" baseline="0" dirty="0">
                 <a:ln>
                   <a:noFill/>
                 </a:ln>
+                <a:solidFill>
+                  <a:srgbClr val="CC7832"/>
+                </a:solidFill>
                 <a:effectLst/>
                 <a:latin typeface="JetBrains Mono"/>
               </a:rPr>
@@ -4391,751 +5870,9 @@
                 <a:ln>
                   <a:noFill/>
                 </a:ln>
-                <a:effectLst/>
-                <a:latin typeface="JetBrains Mono"/>
-              </a:rPr>
-              <a:t>            </a:t>
-            </a:r>
-            <a:r>
-              <a:rPr kumimoji="0" lang="ru-RU" altLang="ru-RU" sz="1000" b="0" i="0" u="none" strike="noStrike" cap="none" normalizeH="0" baseline="0" dirty="0" err="1">
-                <a:ln>
-                  <a:noFill/>
-                </a:ln>
-                <a:effectLst/>
-                <a:latin typeface="JetBrains Mono"/>
-              </a:rPr>
-              <a:t>mPlayer</a:t>
-            </a:r>
-            <a:r>
-              <a:rPr kumimoji="0" lang="ru-RU" altLang="ru-RU" sz="1000" b="0" i="0" u="none" strike="noStrike" cap="none" normalizeH="0" baseline="0" dirty="0">
-                <a:ln>
-                  <a:noFill/>
-                </a:ln>
-                <a:effectLst/>
-                <a:latin typeface="JetBrains Mono"/>
-              </a:rPr>
-              <a:t> = </a:t>
-            </a:r>
-            <a:r>
-              <a:rPr kumimoji="0" lang="ru-RU" altLang="ru-RU" sz="1000" b="0" i="0" u="none" strike="noStrike" cap="none" normalizeH="0" baseline="0" dirty="0" err="1">
-                <a:ln>
-                  <a:noFill/>
-                </a:ln>
-                <a:effectLst/>
-                <a:latin typeface="JetBrains Mono"/>
-              </a:rPr>
-              <a:t>null</a:t>
-            </a:r>
-            <a:r>
-              <a:rPr kumimoji="0" lang="ru-RU" altLang="ru-RU" sz="1000" b="0" i="0" u="none" strike="noStrike" cap="none" normalizeH="0" baseline="0" dirty="0">
-                <a:ln>
-                  <a:noFill/>
-                </a:ln>
-                <a:effectLst/>
-                <a:latin typeface="JetBrains Mono"/>
-              </a:rPr>
-              <a:t>;</a:t>
-            </a:r>
-            <a:br>
-              <a:rPr kumimoji="0" lang="ru-RU" altLang="ru-RU" sz="1000" b="0" i="0" u="none" strike="noStrike" cap="none" normalizeH="0" baseline="0" dirty="0">
-                <a:ln>
-                  <a:noFill/>
-                </a:ln>
-                <a:effectLst/>
-                <a:latin typeface="JetBrains Mono"/>
-              </a:rPr>
-            </a:br>
-            <a:r>
-              <a:rPr kumimoji="0" lang="ru-RU" altLang="ru-RU" sz="1000" b="0" i="0" u="none" strike="noStrike" cap="none" normalizeH="0" baseline="0" dirty="0">
-                <a:ln>
-                  <a:noFill/>
-                </a:ln>
-                <a:effectLst/>
-                <a:latin typeface="JetBrains Mono"/>
-              </a:rPr>
-              <a:t>        }</a:t>
-            </a:r>
-            <a:br>
-              <a:rPr kumimoji="0" lang="ru-RU" altLang="ru-RU" sz="1000" b="0" i="0" u="none" strike="noStrike" cap="none" normalizeH="0" baseline="0" dirty="0">
-                <a:ln>
-                  <a:noFill/>
-                </a:ln>
-                <a:effectLst/>
-                <a:latin typeface="JetBrains Mono"/>
-              </a:rPr>
-            </a:br>
-            <a:r>
-              <a:rPr kumimoji="0" lang="ru-RU" altLang="ru-RU" sz="1000" b="0" i="0" u="none" strike="noStrike" cap="none" normalizeH="0" baseline="0" dirty="0">
-                <a:ln>
-                  <a:noFill/>
-                </a:ln>
-                <a:effectLst/>
-                <a:latin typeface="JetBrains Mono"/>
-              </a:rPr>
-              <a:t>    }</a:t>
-            </a:r>
-            <a:br>
-              <a:rPr kumimoji="0" lang="ru-RU" altLang="ru-RU" sz="1000" b="0" i="0" u="none" strike="noStrike" cap="none" normalizeH="0" baseline="0" dirty="0">
-                <a:ln>
-                  <a:noFill/>
-                </a:ln>
-                <a:effectLst/>
-                <a:latin typeface="JetBrains Mono"/>
-              </a:rPr>
-            </a:br>
-            <a:br>
-              <a:rPr kumimoji="0" lang="ru-RU" altLang="ru-RU" sz="1000" b="0" i="0" u="none" strike="noStrike" cap="none" normalizeH="0" baseline="0" dirty="0">
-                <a:ln>
-                  <a:noFill/>
-                </a:ln>
-                <a:effectLst/>
-                <a:latin typeface="JetBrains Mono"/>
-              </a:rPr>
-            </a:br>
-            <a:r>
-              <a:rPr kumimoji="0" lang="ru-RU" altLang="ru-RU" sz="1000" b="0" i="0" u="none" strike="noStrike" cap="none" normalizeH="0" baseline="0" dirty="0">
-                <a:ln>
-                  <a:noFill/>
-                </a:ln>
-                <a:effectLst/>
-                <a:latin typeface="JetBrains Mono"/>
-              </a:rPr>
-              <a:t>    </a:t>
-            </a:r>
-            <a:r>
-              <a:rPr kumimoji="0" lang="ru-RU" altLang="ru-RU" sz="1000" b="0" i="0" u="none" strike="noStrike" cap="none" normalizeH="0" baseline="0" dirty="0" err="1">
-                <a:ln>
-                  <a:noFill/>
-                </a:ln>
-                <a:effectLst/>
-                <a:latin typeface="JetBrains Mono"/>
-              </a:rPr>
-              <a:t>public</a:t>
-            </a:r>
-            <a:r>
-              <a:rPr kumimoji="0" lang="ru-RU" altLang="ru-RU" sz="1000" b="0" i="0" u="none" strike="noStrike" cap="none" normalizeH="0" baseline="0" dirty="0">
-                <a:ln>
-                  <a:noFill/>
-                </a:ln>
-                <a:effectLst/>
-                <a:latin typeface="JetBrains Mono"/>
-              </a:rPr>
-              <a:t> </a:t>
-            </a:r>
-            <a:r>
-              <a:rPr kumimoji="0" lang="ru-RU" altLang="ru-RU" sz="1000" b="0" i="0" u="none" strike="noStrike" cap="none" normalizeH="0" baseline="0" dirty="0" err="1">
-                <a:ln>
-                  <a:noFill/>
-                </a:ln>
-                <a:effectLst/>
-                <a:latin typeface="JetBrains Mono"/>
-              </a:rPr>
-              <a:t>void</a:t>
-            </a:r>
-            <a:r>
-              <a:rPr kumimoji="0" lang="ru-RU" altLang="ru-RU" sz="1000" b="0" i="0" u="none" strike="noStrike" cap="none" normalizeH="0" baseline="0" dirty="0">
-                <a:ln>
-                  <a:noFill/>
-                </a:ln>
-                <a:effectLst/>
-                <a:latin typeface="JetBrains Mono"/>
-              </a:rPr>
-              <a:t> </a:t>
-            </a:r>
-            <a:r>
-              <a:rPr kumimoji="0" lang="ru-RU" altLang="ru-RU" sz="1000" b="0" i="0" u="none" strike="noStrike" cap="none" normalizeH="0" baseline="0" dirty="0" err="1">
-                <a:ln>
-                  <a:noFill/>
-                </a:ln>
-                <a:effectLst/>
-                <a:latin typeface="JetBrains Mono"/>
-              </a:rPr>
-              <a:t>start</a:t>
-            </a:r>
-            <a:r>
-              <a:rPr kumimoji="0" lang="ru-RU" altLang="ru-RU" sz="1000" b="0" i="0" u="none" strike="noStrike" cap="none" normalizeH="0" baseline="0" dirty="0">
-                <a:ln>
-                  <a:noFill/>
-                </a:ln>
-                <a:effectLst/>
-                <a:latin typeface="JetBrains Mono"/>
-              </a:rPr>
-              <a:t>(</a:t>
-            </a:r>
-            <a:r>
-              <a:rPr kumimoji="0" lang="ru-RU" altLang="ru-RU" sz="1000" b="0" i="0" u="none" strike="noStrike" cap="none" normalizeH="0" baseline="0" dirty="0" err="1">
-                <a:ln>
-                  <a:noFill/>
-                </a:ln>
-                <a:effectLst/>
-                <a:latin typeface="JetBrains Mono"/>
-              </a:rPr>
-              <a:t>Context</a:t>
-            </a:r>
-            <a:r>
-              <a:rPr kumimoji="0" lang="ru-RU" altLang="ru-RU" sz="1000" b="0" i="0" u="none" strike="noStrike" cap="none" normalizeH="0" baseline="0" dirty="0">
-                <a:ln>
-                  <a:noFill/>
-                </a:ln>
-                <a:effectLst/>
-                <a:latin typeface="JetBrains Mono"/>
-              </a:rPr>
-              <a:t> c, </a:t>
-            </a:r>
-            <a:r>
-              <a:rPr kumimoji="0" lang="ru-RU" altLang="ru-RU" sz="1000" b="0" i="0" u="none" strike="noStrike" cap="none" normalizeH="0" baseline="0" dirty="0" err="1">
-                <a:ln>
-                  <a:noFill/>
-                </a:ln>
-                <a:effectLst/>
-                <a:latin typeface="JetBrains Mono"/>
-              </a:rPr>
-              <a:t>int</a:t>
-            </a:r>
-            <a:r>
-              <a:rPr kumimoji="0" lang="ru-RU" altLang="ru-RU" sz="1000" b="0" i="0" u="none" strike="noStrike" cap="none" normalizeH="0" baseline="0" dirty="0">
-                <a:ln>
-                  <a:noFill/>
-                </a:ln>
-                <a:effectLst/>
-                <a:latin typeface="JetBrains Mono"/>
-              </a:rPr>
-              <a:t> </a:t>
-            </a:r>
-            <a:r>
-              <a:rPr kumimoji="0" lang="ru-RU" altLang="ru-RU" sz="1000" b="0" i="0" u="none" strike="noStrike" cap="none" normalizeH="0" baseline="0" dirty="0" err="1">
-                <a:ln>
-                  <a:noFill/>
-                </a:ln>
-                <a:effectLst/>
-                <a:latin typeface="JetBrains Mono"/>
-              </a:rPr>
-              <a:t>track</a:t>
-            </a:r>
-            <a:r>
-              <a:rPr kumimoji="0" lang="ru-RU" altLang="ru-RU" sz="1000" b="0" i="0" u="none" strike="noStrike" cap="none" normalizeH="0" baseline="0" dirty="0">
-                <a:ln>
-                  <a:noFill/>
-                </a:ln>
-                <a:effectLst/>
-                <a:latin typeface="JetBrains Mono"/>
-              </a:rPr>
-              <a:t>) {</a:t>
-            </a:r>
-            <a:br>
-              <a:rPr kumimoji="0" lang="ru-RU" altLang="ru-RU" sz="1000" b="0" i="0" u="none" strike="noStrike" cap="none" normalizeH="0" baseline="0" dirty="0">
-                <a:ln>
-                  <a:noFill/>
-                </a:ln>
-                <a:effectLst/>
-                <a:latin typeface="JetBrains Mono"/>
-              </a:rPr>
-            </a:br>
-            <a:r>
-              <a:rPr kumimoji="0" lang="ru-RU" altLang="ru-RU" sz="1000" b="0" i="0" u="none" strike="noStrike" cap="none" normalizeH="0" baseline="0" dirty="0">
-                <a:ln>
-                  <a:noFill/>
-                </a:ln>
-                <a:effectLst/>
-                <a:latin typeface="JetBrains Mono"/>
-              </a:rPr>
-              <a:t>        </a:t>
-            </a:r>
-            <a:r>
-              <a:rPr kumimoji="0" lang="ru-RU" altLang="ru-RU" sz="1000" b="0" i="0" u="none" strike="noStrike" cap="none" normalizeH="0" baseline="0" dirty="0" err="1">
-                <a:ln>
-                  <a:noFill/>
-                </a:ln>
-                <a:effectLst/>
-                <a:latin typeface="JetBrains Mono"/>
-              </a:rPr>
-              <a:t>stop</a:t>
-            </a:r>
-            <a:r>
-              <a:rPr kumimoji="0" lang="ru-RU" altLang="ru-RU" sz="1000" b="0" i="0" u="none" strike="noStrike" cap="none" normalizeH="0" baseline="0" dirty="0">
-                <a:ln>
-                  <a:noFill/>
-                </a:ln>
-                <a:effectLst/>
-                <a:latin typeface="JetBrains Mono"/>
-              </a:rPr>
-              <a:t>();</a:t>
-            </a:r>
-            <a:br>
-              <a:rPr kumimoji="0" lang="ru-RU" altLang="ru-RU" sz="1000" b="0" i="0" u="none" strike="noStrike" cap="none" normalizeH="0" baseline="0" dirty="0">
-                <a:ln>
-                  <a:noFill/>
-                </a:ln>
-                <a:effectLst/>
-                <a:latin typeface="JetBrains Mono"/>
-              </a:rPr>
-            </a:br>
-            <a:r>
-              <a:rPr kumimoji="0" lang="ru-RU" altLang="ru-RU" sz="1000" b="0" i="0" u="none" strike="noStrike" cap="none" normalizeH="0" baseline="0" dirty="0">
-                <a:ln>
-                  <a:noFill/>
-                </a:ln>
-                <a:effectLst/>
-                <a:latin typeface="JetBrains Mono"/>
-              </a:rPr>
-              <a:t>        </a:t>
-            </a:r>
-            <a:r>
-              <a:rPr kumimoji="0" lang="ru-RU" altLang="ru-RU" sz="1000" b="0" i="0" u="none" strike="noStrike" cap="none" normalizeH="0" baseline="0" dirty="0" err="1">
-                <a:ln>
-                  <a:noFill/>
-                </a:ln>
-                <a:effectLst/>
-                <a:latin typeface="JetBrains Mono"/>
-              </a:rPr>
-              <a:t>mPlayer</a:t>
-            </a:r>
-            <a:r>
-              <a:rPr kumimoji="0" lang="ru-RU" altLang="ru-RU" sz="1000" b="0" i="0" u="none" strike="noStrike" cap="none" normalizeH="0" baseline="0" dirty="0">
-                <a:ln>
-                  <a:noFill/>
-                </a:ln>
-                <a:effectLst/>
-                <a:latin typeface="JetBrains Mono"/>
-              </a:rPr>
-              <a:t> = </a:t>
-            </a:r>
-            <a:r>
-              <a:rPr kumimoji="0" lang="ru-RU" altLang="ru-RU" sz="1000" b="0" i="0" u="none" strike="noStrike" cap="none" normalizeH="0" baseline="0" dirty="0" err="1">
-                <a:ln>
-                  <a:noFill/>
-                </a:ln>
-                <a:effectLst/>
-                <a:latin typeface="JetBrains Mono"/>
-              </a:rPr>
-              <a:t>android.media.MediaPlayer.</a:t>
-            </a:r>
-            <a:r>
-              <a:rPr kumimoji="0" lang="ru-RU" altLang="ru-RU" sz="1000" b="0" i="1" u="none" strike="noStrike" cap="none" normalizeH="0" baseline="0" dirty="0" err="1">
-                <a:ln>
-                  <a:noFill/>
-                </a:ln>
-                <a:effectLst/>
-                <a:latin typeface="JetBrains Mono"/>
-              </a:rPr>
-              <a:t>create</a:t>
-            </a:r>
-            <a:r>
-              <a:rPr kumimoji="0" lang="ru-RU" altLang="ru-RU" sz="1000" b="0" i="0" u="none" strike="noStrike" cap="none" normalizeH="0" baseline="0" dirty="0">
-                <a:ln>
-                  <a:noFill/>
-                </a:ln>
-                <a:effectLst/>
-                <a:latin typeface="JetBrains Mono"/>
-              </a:rPr>
-              <a:t>(c, </a:t>
-            </a:r>
-            <a:r>
-              <a:rPr kumimoji="0" lang="ru-RU" altLang="ru-RU" sz="1000" b="0" i="0" u="none" strike="noStrike" cap="none" normalizeH="0" baseline="0" dirty="0" err="1">
-                <a:ln>
-                  <a:noFill/>
-                </a:ln>
-                <a:effectLst/>
-                <a:latin typeface="JetBrains Mono"/>
-              </a:rPr>
-              <a:t>track</a:t>
-            </a:r>
-            <a:r>
-              <a:rPr kumimoji="0" lang="ru-RU" altLang="ru-RU" sz="1000" b="0" i="0" u="none" strike="noStrike" cap="none" normalizeH="0" baseline="0" dirty="0">
-                <a:ln>
-                  <a:noFill/>
-                </a:ln>
-                <a:effectLst/>
-                <a:latin typeface="JetBrains Mono"/>
-              </a:rPr>
-              <a:t>);</a:t>
-            </a:r>
-            <a:br>
-              <a:rPr kumimoji="0" lang="ru-RU" altLang="ru-RU" sz="1000" b="0" i="0" u="none" strike="noStrike" cap="none" normalizeH="0" baseline="0" dirty="0">
-                <a:ln>
-                  <a:noFill/>
-                </a:ln>
-                <a:effectLst/>
-                <a:latin typeface="JetBrains Mono"/>
-              </a:rPr>
-            </a:br>
-            <a:r>
-              <a:rPr kumimoji="0" lang="ru-RU" altLang="ru-RU" sz="1000" b="0" i="0" u="none" strike="noStrike" cap="none" normalizeH="0" baseline="0" dirty="0">
-                <a:ln>
-                  <a:noFill/>
-                </a:ln>
-                <a:effectLst/>
-                <a:latin typeface="JetBrains Mono"/>
-              </a:rPr>
-              <a:t>        </a:t>
-            </a:r>
-            <a:r>
-              <a:rPr kumimoji="0" lang="ru-RU" altLang="ru-RU" sz="1000" b="0" i="0" u="none" strike="noStrike" cap="none" normalizeH="0" baseline="0" dirty="0" err="1">
-                <a:ln>
-                  <a:noFill/>
-                </a:ln>
-                <a:effectLst/>
-                <a:latin typeface="JetBrains Mono"/>
-              </a:rPr>
-              <a:t>mPlayer.setOnCompletionListener</a:t>
-            </a:r>
-            <a:r>
-              <a:rPr kumimoji="0" lang="ru-RU" altLang="ru-RU" sz="1000" b="0" i="0" u="none" strike="noStrike" cap="none" normalizeH="0" baseline="0" dirty="0">
-                <a:ln>
-                  <a:noFill/>
-                </a:ln>
-                <a:effectLst/>
-                <a:latin typeface="JetBrains Mono"/>
-              </a:rPr>
-              <a:t>(</a:t>
-            </a:r>
-            <a:r>
-              <a:rPr kumimoji="0" lang="ru-RU" altLang="ru-RU" sz="1000" b="0" i="0" u="none" strike="noStrike" cap="none" normalizeH="0" baseline="0" dirty="0" err="1">
-                <a:ln>
-                  <a:noFill/>
-                </a:ln>
-                <a:effectLst/>
-                <a:latin typeface="JetBrains Mono"/>
-              </a:rPr>
-              <a:t>new</a:t>
-            </a:r>
-            <a:r>
-              <a:rPr kumimoji="0" lang="ru-RU" altLang="ru-RU" sz="1000" b="0" i="0" u="none" strike="noStrike" cap="none" normalizeH="0" baseline="0" dirty="0">
-                <a:ln>
-                  <a:noFill/>
-                </a:ln>
-                <a:effectLst/>
-                <a:latin typeface="JetBrains Mono"/>
-              </a:rPr>
-              <a:t> </a:t>
-            </a:r>
-            <a:r>
-              <a:rPr kumimoji="0" lang="ru-RU" altLang="ru-RU" sz="1000" b="0" i="0" u="none" strike="noStrike" cap="none" normalizeH="0" baseline="0" dirty="0" err="1">
-                <a:ln>
-                  <a:noFill/>
-                </a:ln>
-                <a:effectLst/>
-                <a:latin typeface="JetBrains Mono"/>
-              </a:rPr>
-              <a:t>android.media.MediaPlayer.OnCompletionListener</a:t>
-            </a:r>
-            <a:r>
-              <a:rPr kumimoji="0" lang="ru-RU" altLang="ru-RU" sz="1000" b="0" i="0" u="none" strike="noStrike" cap="none" normalizeH="0" baseline="0" dirty="0">
-                <a:ln>
-                  <a:noFill/>
-                </a:ln>
-                <a:effectLst/>
-                <a:latin typeface="JetBrains Mono"/>
-              </a:rPr>
-              <a:t>() {</a:t>
-            </a:r>
-            <a:br>
-              <a:rPr kumimoji="0" lang="ru-RU" altLang="ru-RU" sz="1000" b="0" i="0" u="none" strike="noStrike" cap="none" normalizeH="0" baseline="0" dirty="0">
-                <a:ln>
-                  <a:noFill/>
-                </a:ln>
-                <a:effectLst/>
-                <a:latin typeface="JetBrains Mono"/>
-              </a:rPr>
-            </a:br>
-            <a:r>
-              <a:rPr kumimoji="0" lang="ru-RU" altLang="ru-RU" sz="1000" b="0" i="0" u="none" strike="noStrike" cap="none" normalizeH="0" baseline="0" dirty="0">
-                <a:ln>
-                  <a:noFill/>
-                </a:ln>
-                <a:effectLst/>
-                <a:latin typeface="JetBrains Mono"/>
-              </a:rPr>
-              <a:t>            @Override</a:t>
-            </a:r>
-            <a:br>
-              <a:rPr kumimoji="0" lang="ru-RU" altLang="ru-RU" sz="1000" b="0" i="0" u="none" strike="noStrike" cap="none" normalizeH="0" baseline="0" dirty="0">
-                <a:ln>
-                  <a:noFill/>
-                </a:ln>
-                <a:effectLst/>
-                <a:latin typeface="JetBrains Mono"/>
-              </a:rPr>
-            </a:br>
-            <a:r>
-              <a:rPr kumimoji="0" lang="ru-RU" altLang="ru-RU" sz="1000" b="0" i="0" u="none" strike="noStrike" cap="none" normalizeH="0" baseline="0" dirty="0">
-                <a:ln>
-                  <a:noFill/>
-                </a:ln>
-                <a:effectLst/>
-                <a:latin typeface="JetBrains Mono"/>
-              </a:rPr>
-              <a:t>            </a:t>
-            </a:r>
-            <a:r>
-              <a:rPr kumimoji="0" lang="ru-RU" altLang="ru-RU" sz="1000" b="0" i="0" u="none" strike="noStrike" cap="none" normalizeH="0" baseline="0" dirty="0" err="1">
-                <a:ln>
-                  <a:noFill/>
-                </a:ln>
-                <a:effectLst/>
-                <a:latin typeface="JetBrains Mono"/>
-              </a:rPr>
-              <a:t>public</a:t>
-            </a:r>
-            <a:r>
-              <a:rPr kumimoji="0" lang="ru-RU" altLang="ru-RU" sz="1000" b="0" i="0" u="none" strike="noStrike" cap="none" normalizeH="0" baseline="0" dirty="0">
-                <a:ln>
-                  <a:noFill/>
-                </a:ln>
-                <a:effectLst/>
-                <a:latin typeface="JetBrains Mono"/>
-              </a:rPr>
-              <a:t> </a:t>
-            </a:r>
-            <a:r>
-              <a:rPr kumimoji="0" lang="ru-RU" altLang="ru-RU" sz="1000" b="0" i="0" u="none" strike="noStrike" cap="none" normalizeH="0" baseline="0" dirty="0" err="1">
-                <a:ln>
-                  <a:noFill/>
-                </a:ln>
-                <a:effectLst/>
-                <a:latin typeface="JetBrains Mono"/>
-              </a:rPr>
-              <a:t>void</a:t>
-            </a:r>
-            <a:r>
-              <a:rPr kumimoji="0" lang="ru-RU" altLang="ru-RU" sz="1000" b="0" i="0" u="none" strike="noStrike" cap="none" normalizeH="0" baseline="0" dirty="0">
-                <a:ln>
-                  <a:noFill/>
-                </a:ln>
-                <a:effectLst/>
-                <a:latin typeface="JetBrains Mono"/>
-              </a:rPr>
-              <a:t> </a:t>
-            </a:r>
-            <a:r>
-              <a:rPr kumimoji="0" lang="ru-RU" altLang="ru-RU" sz="1000" b="0" i="0" u="none" strike="noStrike" cap="none" normalizeH="0" baseline="0" dirty="0" err="1">
-                <a:ln>
-                  <a:noFill/>
-                </a:ln>
-                <a:effectLst/>
-                <a:latin typeface="JetBrains Mono"/>
-              </a:rPr>
-              <a:t>onCompletion</a:t>
-            </a:r>
-            <a:r>
-              <a:rPr kumimoji="0" lang="ru-RU" altLang="ru-RU" sz="1000" b="0" i="0" u="none" strike="noStrike" cap="none" normalizeH="0" baseline="0" dirty="0">
-                <a:ln>
-                  <a:noFill/>
-                </a:ln>
-                <a:effectLst/>
-                <a:latin typeface="JetBrains Mono"/>
-              </a:rPr>
-              <a:t>(</a:t>
-            </a:r>
-            <a:r>
-              <a:rPr kumimoji="0" lang="ru-RU" altLang="ru-RU" sz="1000" b="0" i="0" u="none" strike="noStrike" cap="none" normalizeH="0" baseline="0" dirty="0" err="1">
-                <a:ln>
-                  <a:noFill/>
-                </a:ln>
-                <a:effectLst/>
-                <a:latin typeface="JetBrains Mono"/>
-              </a:rPr>
-              <a:t>android.media.MediaPlayer</a:t>
-            </a:r>
-            <a:r>
-              <a:rPr kumimoji="0" lang="ru-RU" altLang="ru-RU" sz="1000" b="0" i="0" u="none" strike="noStrike" cap="none" normalizeH="0" baseline="0" dirty="0">
-                <a:ln>
-                  <a:noFill/>
-                </a:ln>
-                <a:effectLst/>
-                <a:latin typeface="JetBrains Mono"/>
-              </a:rPr>
-              <a:t> </a:t>
-            </a:r>
-            <a:r>
-              <a:rPr kumimoji="0" lang="ru-RU" altLang="ru-RU" sz="1000" b="0" i="0" u="none" strike="noStrike" cap="none" normalizeH="0" baseline="0" dirty="0" err="1">
-                <a:ln>
-                  <a:noFill/>
-                </a:ln>
-                <a:effectLst/>
-                <a:latin typeface="JetBrains Mono"/>
-              </a:rPr>
-              <a:t>mp</a:t>
-            </a:r>
-            <a:r>
-              <a:rPr kumimoji="0" lang="ru-RU" altLang="ru-RU" sz="1000" b="0" i="0" u="none" strike="noStrike" cap="none" normalizeH="0" baseline="0" dirty="0">
-                <a:ln>
-                  <a:noFill/>
-                </a:ln>
-                <a:effectLst/>
-                <a:latin typeface="JetBrains Mono"/>
-              </a:rPr>
-              <a:t>) {</a:t>
-            </a:r>
-            <a:br>
-              <a:rPr kumimoji="0" lang="ru-RU" altLang="ru-RU" sz="1000" b="0" i="0" u="none" strike="noStrike" cap="none" normalizeH="0" baseline="0" dirty="0">
-                <a:ln>
-                  <a:noFill/>
-                </a:ln>
-                <a:effectLst/>
-                <a:latin typeface="JetBrains Mono"/>
-              </a:rPr>
-            </a:br>
-            <a:r>
-              <a:rPr kumimoji="0" lang="ru-RU" altLang="ru-RU" sz="1000" b="0" i="0" u="none" strike="noStrike" cap="none" normalizeH="0" baseline="0" dirty="0">
-                <a:ln>
-                  <a:noFill/>
-                </a:ln>
-                <a:effectLst/>
-                <a:latin typeface="JetBrains Mono"/>
-              </a:rPr>
-              <a:t>                </a:t>
-            </a:r>
-            <a:r>
-              <a:rPr kumimoji="0" lang="ru-RU" altLang="ru-RU" sz="1000" b="0" i="0" u="none" strike="noStrike" cap="none" normalizeH="0" baseline="0" dirty="0" err="1">
-                <a:ln>
-                  <a:noFill/>
-                </a:ln>
-                <a:effectLst/>
-                <a:latin typeface="JetBrains Mono"/>
-              </a:rPr>
-              <a:t>start</a:t>
-            </a:r>
-            <a:r>
-              <a:rPr kumimoji="0" lang="ru-RU" altLang="ru-RU" sz="1000" b="0" i="0" u="none" strike="noStrike" cap="none" normalizeH="0" baseline="0" dirty="0">
-                <a:ln>
-                  <a:noFill/>
-                </a:ln>
-                <a:effectLst/>
-                <a:latin typeface="JetBrains Mono"/>
-              </a:rPr>
-              <a:t>(c, </a:t>
-            </a:r>
-            <a:r>
-              <a:rPr kumimoji="0" lang="ru-RU" altLang="ru-RU" sz="1000" b="0" i="0" u="none" strike="noStrike" cap="none" normalizeH="0" baseline="0" dirty="0" err="1">
-                <a:ln>
-                  <a:noFill/>
-                </a:ln>
-                <a:effectLst/>
-                <a:latin typeface="JetBrains Mono"/>
-              </a:rPr>
-              <a:t>track</a:t>
-            </a:r>
-            <a:r>
-              <a:rPr kumimoji="0" lang="ru-RU" altLang="ru-RU" sz="1000" b="0" i="0" u="none" strike="noStrike" cap="none" normalizeH="0" baseline="0" dirty="0">
-                <a:ln>
-                  <a:noFill/>
-                </a:ln>
-                <a:effectLst/>
-                <a:latin typeface="JetBrains Mono"/>
-              </a:rPr>
-              <a:t>);</a:t>
-            </a:r>
-            <a:br>
-              <a:rPr kumimoji="0" lang="ru-RU" altLang="ru-RU" sz="1000" b="0" i="0" u="none" strike="noStrike" cap="none" normalizeH="0" baseline="0" dirty="0">
-                <a:ln>
-                  <a:noFill/>
-                </a:ln>
-                <a:effectLst/>
-                <a:latin typeface="JetBrains Mono"/>
-              </a:rPr>
-            </a:br>
-            <a:r>
-              <a:rPr kumimoji="0" lang="ru-RU" altLang="ru-RU" sz="1000" b="0" i="0" u="none" strike="noStrike" cap="none" normalizeH="0" baseline="0" dirty="0">
-                <a:ln>
-                  <a:noFill/>
-                </a:ln>
-                <a:effectLst/>
-                <a:latin typeface="JetBrains Mono"/>
-              </a:rPr>
-              <a:t>            }</a:t>
-            </a:r>
-            <a:br>
-              <a:rPr kumimoji="0" lang="ru-RU" altLang="ru-RU" sz="1000" b="0" i="0" u="none" strike="noStrike" cap="none" normalizeH="0" baseline="0" dirty="0">
-                <a:ln>
-                  <a:noFill/>
-                </a:ln>
-                <a:effectLst/>
-                <a:latin typeface="JetBrains Mono"/>
-              </a:rPr>
-            </a:br>
-            <a:r>
-              <a:rPr kumimoji="0" lang="ru-RU" altLang="ru-RU" sz="1000" b="0" i="0" u="none" strike="noStrike" cap="none" normalizeH="0" baseline="0" dirty="0">
-                <a:ln>
-                  <a:noFill/>
-                </a:ln>
-                <a:effectLst/>
-                <a:latin typeface="JetBrains Mono"/>
-              </a:rPr>
-              <a:t>        });</a:t>
-            </a:r>
-            <a:br>
-              <a:rPr kumimoji="0" lang="ru-RU" altLang="ru-RU" sz="1000" b="0" i="0" u="none" strike="noStrike" cap="none" normalizeH="0" baseline="0" dirty="0">
-                <a:ln>
-                  <a:noFill/>
-                </a:ln>
-                <a:effectLst/>
-                <a:latin typeface="JetBrains Mono"/>
-              </a:rPr>
-            </a:br>
-            <a:r>
-              <a:rPr kumimoji="0" lang="ru-RU" altLang="ru-RU" sz="1000" b="0" i="0" u="none" strike="noStrike" cap="none" normalizeH="0" baseline="0" dirty="0">
-                <a:ln>
-                  <a:noFill/>
-                </a:ln>
-                <a:effectLst/>
-                <a:latin typeface="JetBrains Mono"/>
-              </a:rPr>
-              <a:t>        </a:t>
-            </a:r>
-            <a:r>
-              <a:rPr kumimoji="0" lang="ru-RU" altLang="ru-RU" sz="1000" b="0" i="0" u="none" strike="noStrike" cap="none" normalizeH="0" baseline="0" dirty="0" err="1">
-                <a:ln>
-                  <a:noFill/>
-                </a:ln>
-                <a:effectLst/>
-                <a:latin typeface="JetBrains Mono"/>
-              </a:rPr>
-              <a:t>mPlayer.start</a:t>
-            </a:r>
-            <a:r>
-              <a:rPr kumimoji="0" lang="ru-RU" altLang="ru-RU" sz="1000" b="0" i="0" u="none" strike="noStrike" cap="none" normalizeH="0" baseline="0" dirty="0">
-                <a:ln>
-                  <a:noFill/>
-                </a:ln>
-                <a:effectLst/>
-                <a:latin typeface="JetBrains Mono"/>
-              </a:rPr>
-              <a:t>();</a:t>
-            </a:r>
-            <a:br>
-              <a:rPr kumimoji="0" lang="ru-RU" altLang="ru-RU" sz="1000" b="0" i="0" u="none" strike="noStrike" cap="none" normalizeH="0" baseline="0" dirty="0">
-                <a:ln>
-                  <a:noFill/>
-                </a:ln>
-                <a:effectLst/>
-                <a:latin typeface="JetBrains Mono"/>
-              </a:rPr>
-            </a:br>
-            <a:r>
-              <a:rPr kumimoji="0" lang="ru-RU" altLang="ru-RU" sz="1000" b="0" i="0" u="none" strike="noStrike" cap="none" normalizeH="0" baseline="0" dirty="0">
-                <a:ln>
-                  <a:noFill/>
-                </a:ln>
-                <a:effectLst/>
-                <a:latin typeface="JetBrains Mono"/>
-              </a:rPr>
-              <a:t>    }</a:t>
-            </a:r>
-            <a:br>
-              <a:rPr kumimoji="0" lang="ru-RU" altLang="ru-RU" sz="1000" b="0" i="0" u="none" strike="noStrike" cap="none" normalizeH="0" baseline="0" dirty="0">
-                <a:ln>
-                  <a:noFill/>
-                </a:ln>
-                <a:effectLst/>
-                <a:latin typeface="JetBrains Mono"/>
-              </a:rPr>
-            </a:br>
-            <a:r>
-              <a:rPr kumimoji="0" lang="ru-RU" altLang="ru-RU" sz="1000" b="0" i="0" u="none" strike="noStrike" cap="none" normalizeH="0" baseline="0" dirty="0">
-                <a:ln>
-                  <a:noFill/>
-                </a:ln>
+                <a:solidFill>
+                  <a:srgbClr val="A9B7C6"/>
+                </a:solidFill>
                 <a:effectLst/>
                 <a:latin typeface="JetBrains Mono"/>
               </a:rPr>
@@ -5145,6 +5882,9 @@
               <a:ln>
                 <a:noFill/>
               </a:ln>
+              <a:solidFill>
+                <a:schemeClr val="tx1"/>
+              </a:solidFill>
               <a:effectLst/>
               <a:latin typeface="Arial" panose="020B0604020202020204" pitchFamily="34" charset="0"/>
             </a:endParaRPr>

--- a/Путь к вершине.pptx
+++ b/Путь к вершине.pptx
@@ -270,7 +270,7 @@
           <a:p>
             <a:fld id="{1D8BD707-D9CF-40AE-B4C6-C98DA3205C09}" type="datetimeFigureOut">
               <a:rPr lang="en-US"/>
-              <a:t>5/31/2021</a:t>
+              <a:t>6/1/2021</a:t>
             </a:fld>
             <a:endParaRPr lang="en-US"/>
           </a:p>
@@ -445,7 +445,7 @@
           <a:p>
             <a:fld id="{1D8BD707-D9CF-40AE-B4C6-C98DA3205C09}" type="datetimeFigureOut">
               <a:rPr lang="en-US"/>
-              <a:t>5/31/2021</a:t>
+              <a:t>6/1/2021</a:t>
             </a:fld>
             <a:endParaRPr lang="en-US"/>
           </a:p>
@@ -659,7 +659,7 @@
           <a:p>
             <a:fld id="{1D8BD707-D9CF-40AE-B4C6-C98DA3205C09}" type="datetimeFigureOut">
               <a:rPr lang="en-US"/>
-              <a:t>5/31/2021</a:t>
+              <a:t>6/1/2021</a:t>
             </a:fld>
             <a:endParaRPr lang="en-US"/>
           </a:p>
@@ -807,7 +807,7 @@
           <a:p>
             <a:fld id="{1D8BD707-D9CF-40AE-B4C6-C98DA3205C09}" type="datetimeFigureOut">
               <a:rPr lang="en-US"/>
-              <a:t>5/31/2021</a:t>
+              <a:t>6/1/2021</a:t>
             </a:fld>
             <a:endParaRPr lang="en-US"/>
           </a:p>
@@ -926,7 +926,7 @@
           <a:p>
             <a:fld id="{1D8BD707-D9CF-40AE-B4C6-C98DA3205C09}" type="datetimeFigureOut">
               <a:rPr lang="en-US"/>
-              <a:t>5/31/2021</a:t>
+              <a:t>6/1/2021</a:t>
             </a:fld>
             <a:endParaRPr lang="en-US"/>
           </a:p>
@@ -1171,7 +1171,7 @@
           <a:p>
             <a:fld id="{1D8BD707-D9CF-40AE-B4C6-C98DA3205C09}" type="datetimeFigureOut">
               <a:rPr lang="en-US"/>
-              <a:t>5/31/2021</a:t>
+              <a:t>6/1/2021</a:t>
             </a:fld>
             <a:endParaRPr lang="en-US"/>
           </a:p>
@@ -1934,7 +1934,7 @@
         </p:nvSpPr>
         <p:spPr>
           <a:xfrm>
-            <a:off x="0" y="1730770"/>
+            <a:off x="136002" y="1679405"/>
             <a:ext cx="8594906" cy="430887"/>
           </a:xfrm>
         </p:spPr>
@@ -1967,7 +1967,7 @@
         </p:nvSpPr>
         <p:spPr>
           <a:xfrm>
-            <a:off x="13855" y="2343150"/>
+            <a:off x="136002" y="2190750"/>
             <a:ext cx="8839200" cy="1107996"/>
           </a:xfrm>
         </p:spPr>
@@ -2032,7 +2032,7 @@
         </p:nvSpPr>
         <p:spPr>
           <a:xfrm>
-            <a:off x="-19493" y="879186"/>
+            <a:off x="136002" y="840077"/>
             <a:ext cx="2209800" cy="430887"/>
           </a:xfrm>
           <a:prstGeom prst="rect">
@@ -2077,7 +2077,7 @@
         </p:nvSpPr>
         <p:spPr>
           <a:xfrm>
-            <a:off x="-76200" y="1310073"/>
+            <a:off x="136002" y="1283182"/>
             <a:ext cx="3276600" cy="369332"/>
           </a:xfrm>
           <a:prstGeom prst="rect">
@@ -2184,78 +2184,6 @@
       </p:sp>
       <p:pic>
         <p:nvPicPr>
-          <p:cNvPr id="15" name="Рисунок 14">
-            <a:extLst>
-              <a:ext uri="{FF2B5EF4-FFF2-40B4-BE49-F238E27FC236}">
-                <a16:creationId xmlns:a16="http://schemas.microsoft.com/office/drawing/2014/main" id="{EDE133A1-B9CD-4867-89D9-7BAF40F05540}"/>
-              </a:ext>
-            </a:extLst>
-          </p:cNvPr>
-          <p:cNvPicPr>
-            <a:picLocks noChangeAspect="1"/>
-          </p:cNvPicPr>
-          <p:nvPr/>
-        </p:nvPicPr>
-        <p:blipFill>
-          <a:blip r:embed="rId2" cstate="print">
-            <a:extLst>
-              <a:ext uri="{28A0092B-C50C-407E-A947-70E740481C1C}">
-                <a14:useLocalDpi xmlns:a14="http://schemas.microsoft.com/office/drawing/2010/main" val="0"/>
-              </a:ext>
-            </a:extLst>
-          </a:blip>
-          <a:stretch>
-            <a:fillRect/>
-          </a:stretch>
-        </p:blipFill>
-        <p:spPr>
-          <a:xfrm>
-            <a:off x="27709" y="1517395"/>
-            <a:ext cx="9144000" cy="927997"/>
-          </a:xfrm>
-          <a:prstGeom prst="rect">
-            <a:avLst/>
-          </a:prstGeom>
-        </p:spPr>
-      </p:pic>
-      <p:pic>
-        <p:nvPicPr>
-          <p:cNvPr id="17" name="Рисунок 16">
-            <a:extLst>
-              <a:ext uri="{FF2B5EF4-FFF2-40B4-BE49-F238E27FC236}">
-                <a16:creationId xmlns:a16="http://schemas.microsoft.com/office/drawing/2014/main" id="{575E3D7D-2D1D-4BB9-8927-BDB33F74B149}"/>
-              </a:ext>
-            </a:extLst>
-          </p:cNvPr>
-          <p:cNvPicPr>
-            <a:picLocks noChangeAspect="1"/>
-          </p:cNvPicPr>
-          <p:nvPr/>
-        </p:nvPicPr>
-        <p:blipFill>
-          <a:blip r:embed="rId3" cstate="print">
-            <a:extLst>
-              <a:ext uri="{28A0092B-C50C-407E-A947-70E740481C1C}">
-                <a14:useLocalDpi xmlns:a14="http://schemas.microsoft.com/office/drawing/2010/main" val="0"/>
-              </a:ext>
-            </a:extLst>
-          </a:blip>
-          <a:stretch>
-            <a:fillRect/>
-          </a:stretch>
-        </p:blipFill>
-        <p:spPr>
-          <a:xfrm>
-            <a:off x="13854" y="2445392"/>
-            <a:ext cx="9144000" cy="778669"/>
-          </a:xfrm>
-          <a:prstGeom prst="rect">
-            <a:avLst/>
-          </a:prstGeom>
-        </p:spPr>
-      </p:pic>
-      <p:pic>
-        <p:nvPicPr>
           <p:cNvPr id="5" name="Picture 2" descr="CodingWithMitch.com">
             <a:extLst>
               <a:ext uri="{FF2B5EF4-FFF2-40B4-BE49-F238E27FC236}">
@@ -2269,7 +2197,7 @@
           <p:nvPr/>
         </p:nvPicPr>
         <p:blipFill>
-          <a:blip r:embed="rId4" cstate="print">
+          <a:blip r:embed="rId2" cstate="print">
             <a:extLst>
               <a:ext uri="{28A0092B-C50C-407E-A947-70E740481C1C}">
                 <a14:useLocalDpi xmlns:a14="http://schemas.microsoft.com/office/drawing/2010/main" val="0"/>
@@ -2283,7 +2211,7 @@
         </p:blipFill>
         <p:spPr bwMode="auto">
           <a:xfrm>
-            <a:off x="34636" y="4416425"/>
+            <a:off x="2352588" y="917955"/>
             <a:ext cx="1219200" cy="685800"/>
           </a:xfrm>
           <a:prstGeom prst="rect">
@@ -2316,7 +2244,7 @@
           <p:nvPr/>
         </p:nvPicPr>
         <p:blipFill>
-          <a:blip r:embed="rId5">
+          <a:blip r:embed="rId3">
             <a:extLst>
               <a:ext uri="{28A0092B-C50C-407E-A947-70E740481C1C}">
                 <a14:useLocalDpi xmlns:a14="http://schemas.microsoft.com/office/drawing/2010/main" val="0"/>
@@ -2330,8 +2258,8 @@
         </p:blipFill>
         <p:spPr bwMode="auto">
           <a:xfrm>
-            <a:off x="5334000" y="3373389"/>
-            <a:ext cx="1779814" cy="1779814"/>
+            <a:off x="7550727" y="33199"/>
+            <a:ext cx="1600200" cy="1600200"/>
           </a:xfrm>
           <a:prstGeom prst="rect">
             <a:avLst/>
@@ -2350,15 +2278,87 @@
       </p:pic>
       <p:pic>
         <p:nvPicPr>
-          <p:cNvPr id="7" name="Picture 6">
+          <p:cNvPr id="9" name="Рисунок 8">
             <a:extLst>
               <a:ext uri="{FF2B5EF4-FFF2-40B4-BE49-F238E27FC236}">
-                <a16:creationId xmlns:a16="http://schemas.microsoft.com/office/drawing/2014/main" id="{5A3658B4-B4E6-4EBC-848E-CE46478AC165}"/>
+                <a16:creationId xmlns:a16="http://schemas.microsoft.com/office/drawing/2014/main" id="{0F295CC3-5694-4026-A05A-5A4DAC8EA0D6}"/>
               </a:ext>
             </a:extLst>
           </p:cNvPr>
           <p:cNvPicPr>
-            <a:picLocks noChangeAspect="1" noChangeArrowheads="1"/>
+            <a:picLocks noChangeAspect="1"/>
+          </p:cNvPicPr>
+          <p:nvPr/>
+        </p:nvPicPr>
+        <p:blipFill>
+          <a:blip r:embed="rId4">
+            <a:extLst>
+              <a:ext uri="{28A0092B-C50C-407E-A947-70E740481C1C}">
+                <a14:useLocalDpi xmlns:a14="http://schemas.microsoft.com/office/drawing/2010/main" val="0"/>
+              </a:ext>
+            </a:extLst>
+          </a:blip>
+          <a:stretch>
+            <a:fillRect/>
+          </a:stretch>
+        </p:blipFill>
+        <p:spPr>
+          <a:xfrm>
+            <a:off x="4343400" y="234090"/>
+            <a:ext cx="1257300" cy="1257300"/>
+          </a:xfrm>
+          <a:prstGeom prst="rect">
+            <a:avLst/>
+          </a:prstGeom>
+        </p:spPr>
+      </p:pic>
+      <p:pic>
+        <p:nvPicPr>
+          <p:cNvPr id="13" name="Рисунок 12">
+            <a:extLst>
+              <a:ext uri="{FF2B5EF4-FFF2-40B4-BE49-F238E27FC236}">
+                <a16:creationId xmlns:a16="http://schemas.microsoft.com/office/drawing/2014/main" id="{89303800-6115-4148-B72E-4869EEC1C1F6}"/>
+              </a:ext>
+            </a:extLst>
+          </p:cNvPr>
+          <p:cNvPicPr>
+            <a:picLocks noChangeAspect="1"/>
+          </p:cNvPicPr>
+          <p:nvPr/>
+        </p:nvPicPr>
+        <p:blipFill>
+          <a:blip r:embed="rId5">
+            <a:extLst>
+              <a:ext uri="{28A0092B-C50C-407E-A947-70E740481C1C}">
+                <a14:useLocalDpi xmlns:a14="http://schemas.microsoft.com/office/drawing/2010/main" val="0"/>
+              </a:ext>
+            </a:extLst>
+          </a:blip>
+          <a:stretch>
+            <a:fillRect/>
+          </a:stretch>
+        </p:blipFill>
+        <p:spPr>
+          <a:xfrm>
+            <a:off x="0" y="1633399"/>
+            <a:ext cx="9144000" cy="1992707"/>
+          </a:xfrm>
+          <a:prstGeom prst="rect">
+            <a:avLst/>
+          </a:prstGeom>
+        </p:spPr>
+      </p:pic>
+      <p:pic>
+        <p:nvPicPr>
+          <p:cNvPr id="16" name="Рисунок 15">
+            <a:extLst>
+              <a:ext uri="{FF2B5EF4-FFF2-40B4-BE49-F238E27FC236}">
+                <a16:creationId xmlns:a16="http://schemas.microsoft.com/office/drawing/2014/main" id="{08D9B1B1-785B-4884-B208-BCEBE85EDF01}"/>
+              </a:ext>
+            </a:extLst>
+          </p:cNvPr>
+          <p:cNvPicPr>
+            <a:picLocks noChangeAspect="1"/>
           </p:cNvPicPr>
           <p:nvPr/>
         </p:nvPicPr>
@@ -2370,29 +2370,18 @@
               </a:ext>
             </a:extLst>
           </a:blip>
-          <a:srcRect/>
           <a:stretch>
             <a:fillRect/>
           </a:stretch>
         </p:blipFill>
-        <p:spPr bwMode="auto">
+        <p:spPr>
           <a:xfrm>
-            <a:off x="2200967" y="4093459"/>
-            <a:ext cx="1779814" cy="934402"/>
+            <a:off x="6927" y="3583440"/>
+            <a:ext cx="9144000" cy="1560060"/>
           </a:xfrm>
           <a:prstGeom prst="rect">
             <a:avLst/>
           </a:prstGeom>
-          <a:noFill/>
-          <a:extLst>
-            <a:ext uri="{909E8E84-426E-40DD-AFC4-6F175D3DCCD1}">
-              <a14:hiddenFill xmlns:a14="http://schemas.microsoft.com/office/drawing/2010/main">
-                <a:solidFill>
-                  <a:srgbClr val="FFFFFF"/>
-                </a:solidFill>
-              </a14:hiddenFill>
-            </a:ext>
-          </a:extLst>
         </p:spPr>
       </p:pic>
     </p:spTree>
@@ -7700,7 +7689,7 @@
         </p:nvSpPr>
         <p:spPr bwMode="auto">
           <a:xfrm>
-            <a:off x="152400" y="1434186"/>
+            <a:off x="152400" y="1581150"/>
             <a:ext cx="4038600" cy="1169551"/>
           </a:xfrm>
           <a:prstGeom prst="rect">
@@ -7761,7 +7750,7 @@
               <a:tabLst/>
             </a:pPr>
             <a:r>
-              <a:rPr kumimoji="0" lang="ru-RU" altLang="ru-RU" sz="1000" b="0" i="0" u="none" strike="noStrike" cap="none" normalizeH="0" baseline="0">
+              <a:rPr kumimoji="0" lang="ru-RU" altLang="ru-RU" sz="1000" b="0" i="0" u="none" strike="noStrike" cap="none" normalizeH="0" baseline="0" dirty="0">
                 <a:ln>
                   <a:noFill/>
                 </a:ln>
@@ -7774,7 +7763,7 @@
               <a:t>@RequestMapping(</a:t>
             </a:r>
             <a:r>
-              <a:rPr kumimoji="0" lang="ru-RU" altLang="ru-RU" sz="1000" b="1" i="0" u="none" strike="noStrike" cap="none" normalizeH="0" baseline="0">
+              <a:rPr kumimoji="0" lang="ru-RU" altLang="ru-RU" sz="1000" b="1" i="0" u="none" strike="noStrike" cap="none" normalizeH="0" baseline="0" dirty="0">
                 <a:ln>
                   <a:noFill/>
                 </a:ln>
@@ -7787,7 +7776,7 @@
               <a:t>"/put_message"</a:t>
             </a:r>
             <a:r>
-              <a:rPr kumimoji="0" lang="ru-RU" altLang="ru-RU" sz="1000" b="0" i="0" u="none" strike="noStrike" cap="none" normalizeH="0" baseline="0">
+              <a:rPr kumimoji="0" lang="ru-RU" altLang="ru-RU" sz="1000" b="0" i="0" u="none" strike="noStrike" cap="none" normalizeH="0" baseline="0" dirty="0">
                 <a:ln>
                   <a:noFill/>
                 </a:ln>
@@ -7800,7 +7789,7 @@
               <a:t>)</a:t>
             </a:r>
             <a:br>
-              <a:rPr kumimoji="0" lang="ru-RU" altLang="ru-RU" sz="1000" b="0" i="0" u="none" strike="noStrike" cap="none" normalizeH="0" baseline="0">
+              <a:rPr kumimoji="0" lang="ru-RU" altLang="ru-RU" sz="1000" b="0" i="0" u="none" strike="noStrike" cap="none" normalizeH="0" baseline="0" dirty="0">
                 <a:ln>
                   <a:noFill/>
                 </a:ln>
@@ -7812,7 +7801,7 @@
               </a:rPr>
             </a:br>
             <a:r>
-              <a:rPr kumimoji="0" lang="ru-RU" altLang="ru-RU" sz="1000" b="1" i="0" u="none" strike="noStrike" cap="none" normalizeH="0" baseline="0">
+              <a:rPr kumimoji="0" lang="ru-RU" altLang="ru-RU" sz="1000" b="1" i="0" u="none" strike="noStrike" cap="none" normalizeH="0" baseline="0" dirty="0" err="1">
                 <a:ln>
                   <a:noFill/>
                 </a:ln>
@@ -7822,23 +7811,75 @@
                 <a:effectLst/>
                 <a:latin typeface="JetBrains Mono"/>
               </a:rPr>
-              <a:t>public </a:t>
-            </a:r>
-            <a:r>
-              <a:rPr kumimoji="0" lang="ru-RU" altLang="ru-RU" sz="1000" b="0" i="0" u="none" strike="noStrike" cap="none" normalizeH="0" baseline="0">
-                <a:ln>
-                  <a:noFill/>
-                </a:ln>
-                <a:solidFill>
-                  <a:srgbClr val="000000"/>
-                </a:solidFill>
-                <a:effectLst/>
-                <a:latin typeface="JetBrains Mono"/>
-              </a:rPr>
-              <a:t>String put_message(@RequestParam(</a:t>
-            </a:r>
-            <a:r>
-              <a:rPr kumimoji="0" lang="ru-RU" altLang="ru-RU" sz="1000" b="1" i="0" u="none" strike="noStrike" cap="none" normalizeH="0" baseline="0">
+              <a:t>public</a:t>
+            </a:r>
+            <a:r>
+              <a:rPr kumimoji="0" lang="ru-RU" altLang="ru-RU" sz="1000" b="1" i="0" u="none" strike="noStrike" cap="none" normalizeH="0" baseline="0" dirty="0">
+                <a:ln>
+                  <a:noFill/>
+                </a:ln>
+                <a:solidFill>
+                  <a:srgbClr val="000080"/>
+                </a:solidFill>
+                <a:effectLst/>
+                <a:latin typeface="JetBrains Mono"/>
+              </a:rPr>
+              <a:t> </a:t>
+            </a:r>
+            <a:r>
+              <a:rPr kumimoji="0" lang="ru-RU" altLang="ru-RU" sz="1000" b="0" i="0" u="none" strike="noStrike" cap="none" normalizeH="0" baseline="0" dirty="0" err="1">
+                <a:ln>
+                  <a:noFill/>
+                </a:ln>
+                <a:solidFill>
+                  <a:srgbClr val="000000"/>
+                </a:solidFill>
+                <a:effectLst/>
+                <a:latin typeface="JetBrains Mono"/>
+              </a:rPr>
+              <a:t>String</a:t>
+            </a:r>
+            <a:r>
+              <a:rPr kumimoji="0" lang="ru-RU" altLang="ru-RU" sz="1000" b="0" i="0" u="none" strike="noStrike" cap="none" normalizeH="0" baseline="0" dirty="0">
+                <a:ln>
+                  <a:noFill/>
+                </a:ln>
+                <a:solidFill>
+                  <a:srgbClr val="000000"/>
+                </a:solidFill>
+                <a:effectLst/>
+                <a:latin typeface="JetBrains Mono"/>
+              </a:rPr>
+              <a:t> </a:t>
+            </a:r>
+            <a:r>
+              <a:rPr kumimoji="0" lang="ru-RU" altLang="ru-RU" sz="1000" b="0" i="0" u="none" strike="noStrike" cap="none" normalizeH="0" baseline="0" dirty="0" err="1">
+                <a:ln>
+                  <a:noFill/>
+                </a:ln>
+                <a:solidFill>
+                  <a:srgbClr val="000000"/>
+                </a:solidFill>
+                <a:effectLst/>
+                <a:latin typeface="JetBrains Mono"/>
+              </a:rPr>
+              <a:t>put_message</a:t>
+            </a:r>
+            <a:r>
+              <a:rPr kumimoji="0" lang="ru-RU" altLang="ru-RU" sz="1000" b="0" i="0" u="none" strike="noStrike" cap="none" normalizeH="0" baseline="0" dirty="0">
+                <a:ln>
+                  <a:noFill/>
+                </a:ln>
+                <a:solidFill>
+                  <a:srgbClr val="000000"/>
+                </a:solidFill>
+                <a:effectLst/>
+                <a:latin typeface="JetBrains Mono"/>
+              </a:rPr>
+              <a:t>(@RequestParam(</a:t>
+            </a:r>
+            <a:r>
+              <a:rPr kumimoji="0" lang="ru-RU" altLang="ru-RU" sz="1000" b="1" i="0" u="none" strike="noStrike" cap="none" normalizeH="0" baseline="0" dirty="0">
                 <a:ln>
                   <a:noFill/>
                 </a:ln>
@@ -7851,20 +7892,72 @@
               <a:t>"message"</a:t>
             </a:r>
             <a:r>
-              <a:rPr kumimoji="0" lang="ru-RU" altLang="ru-RU" sz="1000" b="0" i="0" u="none" strike="noStrike" cap="none" normalizeH="0" baseline="0">
-                <a:ln>
-                  <a:noFill/>
-                </a:ln>
-                <a:solidFill>
-                  <a:srgbClr val="000000"/>
-                </a:solidFill>
-                <a:effectLst/>
-                <a:latin typeface="JetBrains Mono"/>
-              </a:rPr>
-              <a:t>) String message) {</a:t>
+              <a:rPr kumimoji="0" lang="ru-RU" altLang="ru-RU" sz="1000" b="0" i="0" u="none" strike="noStrike" cap="none" normalizeH="0" baseline="0" dirty="0">
+                <a:ln>
+                  <a:noFill/>
+                </a:ln>
+                <a:solidFill>
+                  <a:srgbClr val="000000"/>
+                </a:solidFill>
+                <a:effectLst/>
+                <a:latin typeface="JetBrains Mono"/>
+              </a:rPr>
+              <a:t>) </a:t>
+            </a:r>
+            <a:r>
+              <a:rPr kumimoji="0" lang="ru-RU" altLang="ru-RU" sz="1000" b="0" i="0" u="none" strike="noStrike" cap="none" normalizeH="0" baseline="0" dirty="0" err="1">
+                <a:ln>
+                  <a:noFill/>
+                </a:ln>
+                <a:solidFill>
+                  <a:srgbClr val="000000"/>
+                </a:solidFill>
+                <a:effectLst/>
+                <a:latin typeface="JetBrains Mono"/>
+              </a:rPr>
+              <a:t>String</a:t>
+            </a:r>
+            <a:r>
+              <a:rPr kumimoji="0" lang="ru-RU" altLang="ru-RU" sz="1000" b="0" i="0" u="none" strike="noStrike" cap="none" normalizeH="0" baseline="0" dirty="0">
+                <a:ln>
+                  <a:noFill/>
+                </a:ln>
+                <a:solidFill>
+                  <a:srgbClr val="000000"/>
+                </a:solidFill>
+                <a:effectLst/>
+                <a:latin typeface="JetBrains Mono"/>
+              </a:rPr>
+              <a:t> </a:t>
+            </a:r>
+            <a:r>
+              <a:rPr kumimoji="0" lang="ru-RU" altLang="ru-RU" sz="1000" b="0" i="0" u="none" strike="noStrike" cap="none" normalizeH="0" baseline="0" dirty="0" err="1">
+                <a:ln>
+                  <a:noFill/>
+                </a:ln>
+                <a:solidFill>
+                  <a:srgbClr val="000000"/>
+                </a:solidFill>
+                <a:effectLst/>
+                <a:latin typeface="JetBrains Mono"/>
+              </a:rPr>
+              <a:t>message</a:t>
+            </a:r>
+            <a:r>
+              <a:rPr kumimoji="0" lang="ru-RU" altLang="ru-RU" sz="1000" b="0" i="0" u="none" strike="noStrike" cap="none" normalizeH="0" baseline="0" dirty="0">
+                <a:ln>
+                  <a:noFill/>
+                </a:ln>
+                <a:solidFill>
+                  <a:srgbClr val="000000"/>
+                </a:solidFill>
+                <a:effectLst/>
+                <a:latin typeface="JetBrains Mono"/>
+              </a:rPr>
+              <a:t>) {</a:t>
             </a:r>
             <a:br>
-              <a:rPr kumimoji="0" lang="ru-RU" altLang="ru-RU" sz="1000" b="0" i="0" u="none" strike="noStrike" cap="none" normalizeH="0" baseline="0">
+              <a:rPr kumimoji="0" lang="ru-RU" altLang="ru-RU" sz="1000" b="0" i="0" u="none" strike="noStrike" cap="none" normalizeH="0" baseline="0" dirty="0">
                 <a:ln>
                   <a:noFill/>
                 </a:ln>
@@ -7876,20 +7969,72 @@
               </a:rPr>
             </a:br>
             <a:r>
-              <a:rPr kumimoji="0" lang="ru-RU" altLang="ru-RU" sz="1000" b="0" i="0" u="none" strike="noStrike" cap="none" normalizeH="0" baseline="0">
-                <a:ln>
-                  <a:noFill/>
-                </a:ln>
-                <a:solidFill>
-                  <a:srgbClr val="000000"/>
-                </a:solidFill>
-                <a:effectLst/>
-                <a:latin typeface="JetBrains Mono"/>
-              </a:rPr>
-              <a:t>    messages.add(message);</a:t>
+              <a:rPr kumimoji="0" lang="ru-RU" altLang="ru-RU" sz="1000" b="0" i="0" u="none" strike="noStrike" cap="none" normalizeH="0" baseline="0" dirty="0">
+                <a:ln>
+                  <a:noFill/>
+                </a:ln>
+                <a:solidFill>
+                  <a:srgbClr val="000000"/>
+                </a:solidFill>
+                <a:effectLst/>
+                <a:latin typeface="JetBrains Mono"/>
+              </a:rPr>
+              <a:t>    </a:t>
+            </a:r>
+            <a:r>
+              <a:rPr kumimoji="0" lang="ru-RU" altLang="ru-RU" sz="1000" b="0" i="0" u="none" strike="noStrike" cap="none" normalizeH="0" baseline="0" dirty="0" err="1">
+                <a:ln>
+                  <a:noFill/>
+                </a:ln>
+                <a:solidFill>
+                  <a:srgbClr val="000000"/>
+                </a:solidFill>
+                <a:effectLst/>
+                <a:latin typeface="JetBrains Mono"/>
+              </a:rPr>
+              <a:t>messages.add</a:t>
+            </a:r>
+            <a:r>
+              <a:rPr kumimoji="0" lang="ru-RU" altLang="ru-RU" sz="1000" b="0" i="0" u="none" strike="noStrike" cap="none" normalizeH="0" baseline="0" dirty="0">
+                <a:ln>
+                  <a:noFill/>
+                </a:ln>
+                <a:solidFill>
+                  <a:srgbClr val="000000"/>
+                </a:solidFill>
+                <a:effectLst/>
+                <a:latin typeface="JetBrains Mono"/>
+              </a:rPr>
+              <a:t>(</a:t>
+            </a:r>
+            <a:r>
+              <a:rPr kumimoji="0" lang="ru-RU" altLang="ru-RU" sz="1000" b="0" i="0" u="none" strike="noStrike" cap="none" normalizeH="0" baseline="0" dirty="0" err="1">
+                <a:ln>
+                  <a:noFill/>
+                </a:ln>
+                <a:solidFill>
+                  <a:srgbClr val="000000"/>
+                </a:solidFill>
+                <a:effectLst/>
+                <a:latin typeface="JetBrains Mono"/>
+              </a:rPr>
+              <a:t>message</a:t>
+            </a:r>
+            <a:r>
+              <a:rPr kumimoji="0" lang="ru-RU" altLang="ru-RU" sz="1000" b="0" i="0" u="none" strike="noStrike" cap="none" normalizeH="0" baseline="0" dirty="0">
+                <a:ln>
+                  <a:noFill/>
+                </a:ln>
+                <a:solidFill>
+                  <a:srgbClr val="000000"/>
+                </a:solidFill>
+                <a:effectLst/>
+                <a:latin typeface="JetBrains Mono"/>
+              </a:rPr>
+              <a:t>);</a:t>
             </a:r>
             <a:br>
-              <a:rPr kumimoji="0" lang="ru-RU" altLang="ru-RU" sz="1000" b="0" i="0" u="none" strike="noStrike" cap="none" normalizeH="0" baseline="0">
+              <a:rPr kumimoji="0" lang="ru-RU" altLang="ru-RU" sz="1000" b="0" i="0" u="none" strike="noStrike" cap="none" normalizeH="0" baseline="0" dirty="0">
                 <a:ln>
                   <a:noFill/>
                 </a:ln>
@@ -7901,7 +8046,7 @@
               </a:rPr>
             </a:br>
             <a:r>
-              <a:rPr kumimoji="0" lang="ru-RU" altLang="ru-RU" sz="1000" b="0" i="0" u="none" strike="noStrike" cap="none" normalizeH="0" baseline="0">
+              <a:rPr kumimoji="0" lang="ru-RU" altLang="ru-RU" sz="1000" b="0" i="0" u="none" strike="noStrike" cap="none" normalizeH="0" baseline="0" dirty="0">
                 <a:ln>
                   <a:noFill/>
                 </a:ln>
@@ -7914,7 +8059,7 @@
               <a:t>    </a:t>
             </a:r>
             <a:r>
-              <a:rPr kumimoji="0" lang="ru-RU" altLang="ru-RU" sz="1000" b="1" i="0" u="none" strike="noStrike" cap="none" normalizeH="0" baseline="0">
+              <a:rPr kumimoji="0" lang="ru-RU" altLang="ru-RU" sz="1000" b="1" i="0" u="none" strike="noStrike" cap="none" normalizeH="0" baseline="0" dirty="0" err="1">
                 <a:ln>
                   <a:noFill/>
                 </a:ln>
@@ -7924,10 +8069,23 @@
                 <a:effectLst/>
                 <a:latin typeface="JetBrains Mono"/>
               </a:rPr>
-              <a:t>for </a:t>
-            </a:r>
-            <a:r>
-              <a:rPr kumimoji="0" lang="ru-RU" altLang="ru-RU" sz="1000" b="0" i="0" u="none" strike="noStrike" cap="none" normalizeH="0" baseline="0">
+              <a:t>for</a:t>
+            </a:r>
+            <a:r>
+              <a:rPr kumimoji="0" lang="ru-RU" altLang="ru-RU" sz="1000" b="1" i="0" u="none" strike="noStrike" cap="none" normalizeH="0" baseline="0" dirty="0">
+                <a:ln>
+                  <a:noFill/>
+                </a:ln>
+                <a:solidFill>
+                  <a:srgbClr val="000080"/>
+                </a:solidFill>
+                <a:effectLst/>
+                <a:latin typeface="JetBrains Mono"/>
+              </a:rPr>
+              <a:t> </a:t>
+            </a:r>
+            <a:r>
+              <a:rPr kumimoji="0" lang="ru-RU" altLang="ru-RU" sz="1000" b="0" i="0" u="none" strike="noStrike" cap="none" normalizeH="0" baseline="0" dirty="0">
                 <a:ln>
                   <a:noFill/>
                 </a:ln>
@@ -7940,7 +8098,7 @@
               <a:t>(</a:t>
             </a:r>
             <a:r>
-              <a:rPr kumimoji="0" lang="ru-RU" altLang="ru-RU" sz="1000" b="1" i="0" u="none" strike="noStrike" cap="none" normalizeH="0" baseline="0">
+              <a:rPr kumimoji="0" lang="ru-RU" altLang="ru-RU" sz="1000" b="1" i="0" u="none" strike="noStrike" cap="none" normalizeH="0" baseline="0" dirty="0" err="1">
                 <a:ln>
                   <a:noFill/>
                 </a:ln>
@@ -7950,10 +8108,23 @@
                 <a:effectLst/>
                 <a:latin typeface="JetBrains Mono"/>
               </a:rPr>
-              <a:t>int </a:t>
-            </a:r>
-            <a:r>
-              <a:rPr kumimoji="0" lang="ru-RU" altLang="ru-RU" sz="1000" b="0" i="0" u="none" strike="noStrike" cap="none" normalizeH="0" baseline="0">
+              <a:t>int</a:t>
+            </a:r>
+            <a:r>
+              <a:rPr kumimoji="0" lang="ru-RU" altLang="ru-RU" sz="1000" b="1" i="0" u="none" strike="noStrike" cap="none" normalizeH="0" baseline="0" dirty="0">
+                <a:ln>
+                  <a:noFill/>
+                </a:ln>
+                <a:solidFill>
+                  <a:srgbClr val="000080"/>
+                </a:solidFill>
+                <a:effectLst/>
+                <a:latin typeface="JetBrains Mono"/>
+              </a:rPr>
+              <a:t> </a:t>
+            </a:r>
+            <a:r>
+              <a:rPr kumimoji="0" lang="ru-RU" altLang="ru-RU" sz="1000" b="0" i="0" u="none" strike="noStrike" cap="none" normalizeH="0" baseline="0" dirty="0">
                 <a:ln>
                   <a:noFill/>
                 </a:ln>
@@ -7966,7 +8137,7 @@
               <a:t>i = </a:t>
             </a:r>
             <a:r>
-              <a:rPr kumimoji="0" lang="ru-RU" altLang="ru-RU" sz="1000" b="0" i="0" u="none" strike="noStrike" cap="none" normalizeH="0" baseline="0">
+              <a:rPr kumimoji="0" lang="ru-RU" altLang="ru-RU" sz="1000" b="0" i="0" u="none" strike="noStrike" cap="none" normalizeH="0" baseline="0" dirty="0">
                 <a:ln>
                   <a:noFill/>
                 </a:ln>
@@ -7979,20 +8150,46 @@
               <a:t>0</a:t>
             </a:r>
             <a:r>
-              <a:rPr kumimoji="0" lang="ru-RU" altLang="ru-RU" sz="1000" b="0" i="0" u="none" strike="noStrike" cap="none" normalizeH="0" baseline="0">
-                <a:ln>
-                  <a:noFill/>
-                </a:ln>
-                <a:solidFill>
-                  <a:srgbClr val="000000"/>
-                </a:solidFill>
-                <a:effectLst/>
-                <a:latin typeface="JetBrains Mono"/>
-              </a:rPr>
-              <a:t>; i &lt; users.size(); i++)</a:t>
+              <a:rPr kumimoji="0" lang="ru-RU" altLang="ru-RU" sz="1000" b="0" i="0" u="none" strike="noStrike" cap="none" normalizeH="0" baseline="0" dirty="0">
+                <a:ln>
+                  <a:noFill/>
+                </a:ln>
+                <a:solidFill>
+                  <a:srgbClr val="000000"/>
+                </a:solidFill>
+                <a:effectLst/>
+                <a:latin typeface="JetBrains Mono"/>
+              </a:rPr>
+              <a:t>; i &lt; </a:t>
+            </a:r>
+            <a:r>
+              <a:rPr kumimoji="0" lang="ru-RU" altLang="ru-RU" sz="1000" b="0" i="0" u="none" strike="noStrike" cap="none" normalizeH="0" baseline="0" dirty="0" err="1">
+                <a:ln>
+                  <a:noFill/>
+                </a:ln>
+                <a:solidFill>
+                  <a:srgbClr val="000000"/>
+                </a:solidFill>
+                <a:effectLst/>
+                <a:latin typeface="JetBrains Mono"/>
+              </a:rPr>
+              <a:t>users.size</a:t>
+            </a:r>
+            <a:r>
+              <a:rPr kumimoji="0" lang="ru-RU" altLang="ru-RU" sz="1000" b="0" i="0" u="none" strike="noStrike" cap="none" normalizeH="0" baseline="0" dirty="0">
+                <a:ln>
+                  <a:noFill/>
+                </a:ln>
+                <a:solidFill>
+                  <a:srgbClr val="000000"/>
+                </a:solidFill>
+                <a:effectLst/>
+                <a:latin typeface="JetBrains Mono"/>
+              </a:rPr>
+              <a:t>(); i++)</a:t>
             </a:r>
             <a:br>
-              <a:rPr kumimoji="0" lang="ru-RU" altLang="ru-RU" sz="1000" b="0" i="0" u="none" strike="noStrike" cap="none" normalizeH="0" baseline="0">
+              <a:rPr kumimoji="0" lang="ru-RU" altLang="ru-RU" sz="1000" b="0" i="0" u="none" strike="noStrike" cap="none" normalizeH="0" baseline="0" dirty="0">
                 <a:ln>
                   <a:noFill/>
                 </a:ln>
@@ -8004,20 +8201,72 @@
               </a:rPr>
             </a:br>
             <a:r>
-              <a:rPr kumimoji="0" lang="ru-RU" altLang="ru-RU" sz="1000" b="0" i="0" u="none" strike="noStrike" cap="none" normalizeH="0" baseline="0">
-                <a:ln>
-                  <a:noFill/>
-                </a:ln>
-                <a:solidFill>
-                  <a:srgbClr val="000000"/>
-                </a:solidFill>
-                <a:effectLst/>
-                <a:latin typeface="JetBrains Mono"/>
-              </a:rPr>
-              <a:t>        users.get(i).setNew_message(</a:t>
-            </a:r>
-            <a:r>
-              <a:rPr kumimoji="0" lang="ru-RU" altLang="ru-RU" sz="1000" b="1" i="0" u="none" strike="noStrike" cap="none" normalizeH="0" baseline="0">
+              <a:rPr kumimoji="0" lang="ru-RU" altLang="ru-RU" sz="1000" b="0" i="0" u="none" strike="noStrike" cap="none" normalizeH="0" baseline="0" dirty="0">
+                <a:ln>
+                  <a:noFill/>
+                </a:ln>
+                <a:solidFill>
+                  <a:srgbClr val="000000"/>
+                </a:solidFill>
+                <a:effectLst/>
+                <a:latin typeface="JetBrains Mono"/>
+              </a:rPr>
+              <a:t>        </a:t>
+            </a:r>
+            <a:r>
+              <a:rPr kumimoji="0" lang="ru-RU" altLang="ru-RU" sz="1000" b="0" i="0" u="none" strike="noStrike" cap="none" normalizeH="0" baseline="0" dirty="0" err="1">
+                <a:ln>
+                  <a:noFill/>
+                </a:ln>
+                <a:solidFill>
+                  <a:srgbClr val="000000"/>
+                </a:solidFill>
+                <a:effectLst/>
+                <a:latin typeface="JetBrains Mono"/>
+              </a:rPr>
+              <a:t>users.get</a:t>
+            </a:r>
+            <a:r>
+              <a:rPr kumimoji="0" lang="ru-RU" altLang="ru-RU" sz="1000" b="0" i="0" u="none" strike="noStrike" cap="none" normalizeH="0" baseline="0" dirty="0">
+                <a:ln>
+                  <a:noFill/>
+                </a:ln>
+                <a:solidFill>
+                  <a:srgbClr val="000000"/>
+                </a:solidFill>
+                <a:effectLst/>
+                <a:latin typeface="JetBrains Mono"/>
+              </a:rPr>
+              <a:t>(i).</a:t>
+            </a:r>
+            <a:r>
+              <a:rPr kumimoji="0" lang="ru-RU" altLang="ru-RU" sz="1000" b="0" i="0" u="none" strike="noStrike" cap="none" normalizeH="0" baseline="0" dirty="0" err="1">
+                <a:ln>
+                  <a:noFill/>
+                </a:ln>
+                <a:solidFill>
+                  <a:srgbClr val="000000"/>
+                </a:solidFill>
+                <a:effectLst/>
+                <a:latin typeface="JetBrains Mono"/>
+              </a:rPr>
+              <a:t>setNew_message</a:t>
+            </a:r>
+            <a:r>
+              <a:rPr kumimoji="0" lang="ru-RU" altLang="ru-RU" sz="1000" b="0" i="0" u="none" strike="noStrike" cap="none" normalizeH="0" baseline="0" dirty="0">
+                <a:ln>
+                  <a:noFill/>
+                </a:ln>
+                <a:solidFill>
+                  <a:srgbClr val="000000"/>
+                </a:solidFill>
+                <a:effectLst/>
+                <a:latin typeface="JetBrains Mono"/>
+              </a:rPr>
+              <a:t>(</a:t>
+            </a:r>
+            <a:r>
+              <a:rPr kumimoji="0" lang="ru-RU" altLang="ru-RU" sz="1000" b="1" i="0" u="none" strike="noStrike" cap="none" normalizeH="0" baseline="0" dirty="0" err="1">
                 <a:ln>
                   <a:noFill/>
                 </a:ln>
@@ -8030,7 +8279,7 @@
               <a:t>true</a:t>
             </a:r>
             <a:r>
-              <a:rPr kumimoji="0" lang="ru-RU" altLang="ru-RU" sz="1000" b="0" i="0" u="none" strike="noStrike" cap="none" normalizeH="0" baseline="0">
+              <a:rPr kumimoji="0" lang="ru-RU" altLang="ru-RU" sz="1000" b="0" i="0" u="none" strike="noStrike" cap="none" normalizeH="0" baseline="0" dirty="0">
                 <a:ln>
                   <a:noFill/>
                 </a:ln>
@@ -8043,7 +8292,7 @@
               <a:t>);</a:t>
             </a:r>
             <a:br>
-              <a:rPr kumimoji="0" lang="ru-RU" altLang="ru-RU" sz="1000" b="0" i="0" u="none" strike="noStrike" cap="none" normalizeH="0" baseline="0">
+              <a:rPr kumimoji="0" lang="ru-RU" altLang="ru-RU" sz="1000" b="0" i="0" u="none" strike="noStrike" cap="none" normalizeH="0" baseline="0" dirty="0">
                 <a:ln>
                   <a:noFill/>
                 </a:ln>
@@ -8055,7 +8304,7 @@
               </a:rPr>
             </a:br>
             <a:r>
-              <a:rPr kumimoji="0" lang="ru-RU" altLang="ru-RU" sz="1000" b="0" i="0" u="none" strike="noStrike" cap="none" normalizeH="0" baseline="0">
+              <a:rPr kumimoji="0" lang="ru-RU" altLang="ru-RU" sz="1000" b="0" i="0" u="none" strike="noStrike" cap="none" normalizeH="0" baseline="0" dirty="0">
                 <a:ln>
                   <a:noFill/>
                 </a:ln>
@@ -8068,7 +8317,7 @@
               <a:t>    </a:t>
             </a:r>
             <a:r>
-              <a:rPr kumimoji="0" lang="ru-RU" altLang="ru-RU" sz="1000" b="1" i="0" u="none" strike="noStrike" cap="none" normalizeH="0" baseline="0">
+              <a:rPr kumimoji="0" lang="ru-RU" altLang="ru-RU" sz="1000" b="1" i="0" u="none" strike="noStrike" cap="none" normalizeH="0" baseline="0" dirty="0" err="1">
                 <a:ln>
                   <a:noFill/>
                 </a:ln>
@@ -8078,23 +8327,127 @@
                 <a:effectLst/>
                 <a:latin typeface="JetBrains Mono"/>
               </a:rPr>
-              <a:t>return new </a:t>
-            </a:r>
-            <a:r>
-              <a:rPr kumimoji="0" lang="ru-RU" altLang="ru-RU" sz="1000" b="0" i="0" u="none" strike="noStrike" cap="none" normalizeH="0" baseline="0">
-                <a:ln>
-                  <a:noFill/>
-                </a:ln>
-                <a:solidFill>
-                  <a:srgbClr val="000000"/>
-                </a:solidFill>
-                <a:effectLst/>
-                <a:latin typeface="JetBrains Mono"/>
-              </a:rPr>
-              <a:t>Gson().toJson(message);</a:t>
+              <a:t>return</a:t>
+            </a:r>
+            <a:r>
+              <a:rPr kumimoji="0" lang="ru-RU" altLang="ru-RU" sz="1000" b="1" i="0" u="none" strike="noStrike" cap="none" normalizeH="0" baseline="0" dirty="0">
+                <a:ln>
+                  <a:noFill/>
+                </a:ln>
+                <a:solidFill>
+                  <a:srgbClr val="000080"/>
+                </a:solidFill>
+                <a:effectLst/>
+                <a:latin typeface="JetBrains Mono"/>
+              </a:rPr>
+              <a:t> </a:t>
+            </a:r>
+            <a:r>
+              <a:rPr kumimoji="0" lang="ru-RU" altLang="ru-RU" sz="1000" b="1" i="0" u="none" strike="noStrike" cap="none" normalizeH="0" baseline="0" dirty="0" err="1">
+                <a:ln>
+                  <a:noFill/>
+                </a:ln>
+                <a:solidFill>
+                  <a:srgbClr val="000080"/>
+                </a:solidFill>
+                <a:effectLst/>
+                <a:latin typeface="JetBrains Mono"/>
+              </a:rPr>
+              <a:t>new</a:t>
+            </a:r>
+            <a:r>
+              <a:rPr kumimoji="0" lang="ru-RU" altLang="ru-RU" sz="1000" b="1" i="0" u="none" strike="noStrike" cap="none" normalizeH="0" baseline="0" dirty="0">
+                <a:ln>
+                  <a:noFill/>
+                </a:ln>
+                <a:solidFill>
+                  <a:srgbClr val="000080"/>
+                </a:solidFill>
+                <a:effectLst/>
+                <a:latin typeface="JetBrains Mono"/>
+              </a:rPr>
+              <a:t> </a:t>
+            </a:r>
+            <a:r>
+              <a:rPr kumimoji="0" lang="ru-RU" altLang="ru-RU" sz="1000" b="0" i="0" u="none" strike="noStrike" cap="none" normalizeH="0" baseline="0" dirty="0" err="1">
+                <a:ln>
+                  <a:noFill/>
+                </a:ln>
+                <a:solidFill>
+                  <a:srgbClr val="000000"/>
+                </a:solidFill>
+                <a:effectLst/>
+                <a:latin typeface="JetBrains Mono"/>
+              </a:rPr>
+              <a:t>Gson</a:t>
+            </a:r>
+            <a:r>
+              <a:rPr kumimoji="0" lang="ru-RU" altLang="ru-RU" sz="1000" b="0" i="0" u="none" strike="noStrike" cap="none" normalizeH="0" baseline="0" dirty="0">
+                <a:ln>
+                  <a:noFill/>
+                </a:ln>
+                <a:solidFill>
+                  <a:srgbClr val="000000"/>
+                </a:solidFill>
+                <a:effectLst/>
+                <a:latin typeface="JetBrains Mono"/>
+              </a:rPr>
+              <a:t>().</a:t>
+            </a:r>
+            <a:r>
+              <a:rPr kumimoji="0" lang="ru-RU" altLang="ru-RU" sz="1000" b="0" i="0" u="none" strike="noStrike" cap="none" normalizeH="0" baseline="0" dirty="0" err="1">
+                <a:ln>
+                  <a:noFill/>
+                </a:ln>
+                <a:solidFill>
+                  <a:srgbClr val="000000"/>
+                </a:solidFill>
+                <a:effectLst/>
+                <a:latin typeface="JetBrains Mono"/>
+              </a:rPr>
+              <a:t>toJson</a:t>
+            </a:r>
+            <a:r>
+              <a:rPr kumimoji="0" lang="ru-RU" altLang="ru-RU" sz="1000" b="0" i="0" u="none" strike="noStrike" cap="none" normalizeH="0" baseline="0" dirty="0">
+                <a:ln>
+                  <a:noFill/>
+                </a:ln>
+                <a:solidFill>
+                  <a:srgbClr val="000000"/>
+                </a:solidFill>
+                <a:effectLst/>
+                <a:latin typeface="JetBrains Mono"/>
+              </a:rPr>
+              <a:t>(</a:t>
+            </a:r>
+            <a:r>
+              <a:rPr kumimoji="0" lang="ru-RU" altLang="ru-RU" sz="1000" b="0" i="0" u="none" strike="noStrike" cap="none" normalizeH="0" baseline="0" dirty="0" err="1">
+                <a:ln>
+                  <a:noFill/>
+                </a:ln>
+                <a:solidFill>
+                  <a:srgbClr val="000000"/>
+                </a:solidFill>
+                <a:effectLst/>
+                <a:latin typeface="JetBrains Mono"/>
+              </a:rPr>
+              <a:t>message</a:t>
+            </a:r>
+            <a:r>
+              <a:rPr kumimoji="0" lang="ru-RU" altLang="ru-RU" sz="1000" b="0" i="0" u="none" strike="noStrike" cap="none" normalizeH="0" baseline="0" dirty="0">
+                <a:ln>
+                  <a:noFill/>
+                </a:ln>
+                <a:solidFill>
+                  <a:srgbClr val="000000"/>
+                </a:solidFill>
+                <a:effectLst/>
+                <a:latin typeface="JetBrains Mono"/>
+              </a:rPr>
+              <a:t>);</a:t>
             </a:r>
             <a:br>
-              <a:rPr kumimoji="0" lang="ru-RU" altLang="ru-RU" sz="1000" b="0" i="0" u="none" strike="noStrike" cap="none" normalizeH="0" baseline="0">
+              <a:rPr kumimoji="0" lang="ru-RU" altLang="ru-RU" sz="1000" b="0" i="0" u="none" strike="noStrike" cap="none" normalizeH="0" baseline="0" dirty="0">
                 <a:ln>
                   <a:noFill/>
                 </a:ln>
@@ -8106,7 +8459,7 @@
               </a:rPr>
             </a:br>
             <a:r>
-              <a:rPr kumimoji="0" lang="ru-RU" altLang="ru-RU" sz="1000" b="0" i="0" u="none" strike="noStrike" cap="none" normalizeH="0" baseline="0">
+              <a:rPr kumimoji="0" lang="ru-RU" altLang="ru-RU" sz="1000" b="0" i="0" u="none" strike="noStrike" cap="none" normalizeH="0" baseline="0" dirty="0">
                 <a:ln>
                   <a:noFill/>
                 </a:ln>
@@ -8118,7 +8471,7 @@
               </a:rPr>
               <a:t>}</a:t>
             </a:r>
-            <a:endParaRPr kumimoji="0" lang="ru-RU" altLang="ru-RU" sz="1800" b="0" i="0" u="none" strike="noStrike" cap="none" normalizeH="0" baseline="0">
+            <a:endParaRPr kumimoji="0" lang="ru-RU" altLang="ru-RU" sz="1800" b="0" i="0" u="none" strike="noStrike" cap="none" normalizeH="0" baseline="0" dirty="0">
               <a:ln>
                 <a:noFill/>
               </a:ln>
@@ -8147,7 +8500,7 @@
         </p:nvSpPr>
         <p:spPr bwMode="auto">
           <a:xfrm>
-            <a:off x="20782" y="2508985"/>
+            <a:off x="0" y="3034624"/>
             <a:ext cx="5867400" cy="1631216"/>
           </a:xfrm>
           <a:prstGeom prst="rect">

--- a/Путь к вершине.pptx
+++ b/Путь к вершине.pptx
@@ -2308,7 +2308,7 @@
         <p:spPr>
           <a:xfrm>
             <a:off x="136002" y="2190750"/>
-            <a:ext cx="8839200" cy="1107996"/>
+            <a:ext cx="4969398" cy="1107996"/>
           </a:xfrm>
         </p:spPr>
         <p:txBody>
@@ -5571,8 +5571,8 @@
         </p:nvSpPr>
         <p:spPr>
           <a:xfrm>
-            <a:off x="274546" y="1003299"/>
-            <a:ext cx="8594906" cy="430887"/>
+            <a:off x="6927" y="895350"/>
+            <a:ext cx="2133600" cy="430887"/>
           </a:xfrm>
         </p:spPr>
         <p:txBody>
@@ -5589,26 +5589,3241 @@
       </p:sp>
       <p:sp>
         <p:nvSpPr>
-          <p:cNvPr id="3" name="Текст 2">
+          <p:cNvPr id="6" name="Rectangle 3">
             <a:extLst>
               <a:ext uri="{FF2B5EF4-FFF2-40B4-BE49-F238E27FC236}">
-                <a16:creationId xmlns:a16="http://schemas.microsoft.com/office/drawing/2014/main" id="{92094FD3-148D-4881-8135-63208CD2C74F}"/>
+                <a16:creationId xmlns:a16="http://schemas.microsoft.com/office/drawing/2014/main" id="{C5C61FDD-A9E2-497E-BC6D-CFC4661D8FA1}"/>
               </a:ext>
             </a:extLst>
           </p:cNvPr>
           <p:cNvSpPr>
-            <a:spLocks noGrp="1"/>
+            <a:spLocks noChangeArrowheads="1"/>
           </p:cNvSpPr>
-          <p:nvPr>
-            <p:ph type="body" idx="1"/>
-          </p:nvPr>
+          <p:nvPr/>
         </p:nvSpPr>
-        <p:spPr/>
+        <p:spPr bwMode="auto">
+          <a:xfrm>
+            <a:off x="3544" y="1377630"/>
+            <a:ext cx="5943600" cy="938719"/>
+          </a:xfrm>
+          <a:prstGeom prst="rect">
+            <a:avLst/>
+          </a:prstGeom>
+          <a:solidFill>
+            <a:srgbClr val="FFFFFF"/>
+          </a:solidFill>
+          <a:ln>
+            <a:noFill/>
+          </a:ln>
+          <a:effectLst/>
+          <a:extLst>
+            <a:ext uri="{91240B29-F687-4F45-9708-019B960494DF}">
+              <a14:hiddenLine xmlns:a14="http://schemas.microsoft.com/office/drawing/2010/main" w="9525">
+                <a:solidFill>
+                  <a:schemeClr val="tx1"/>
+                </a:solidFill>
+                <a:miter lim="800000"/>
+                <a:headEnd/>
+                <a:tailEnd/>
+              </a14:hiddenLine>
+            </a:ext>
+            <a:ext uri="{AF507438-7753-43E0-B8FC-AC1667EBCBE1}">
+              <a14:hiddenEffects xmlns:a14="http://schemas.microsoft.com/office/drawing/2010/main">
+                <a:effectLst>
+                  <a:outerShdw dist="35921" dir="2700000" algn="ctr" rotWithShape="0">
+                    <a:schemeClr val="bg2"/>
+                  </a:outerShdw>
+                </a:effectLst>
+              </a14:hiddenEffects>
+            </a:ext>
+          </a:extLst>
+        </p:spPr>
         <p:txBody>
-          <a:bodyPr/>
+          <a:bodyPr vert="horz" wrap="square" lIns="91440" tIns="45720" rIns="91440" bIns="45720" numCol="1" anchor="ctr" anchorCtr="0" compatLnSpc="1">
+            <a:prstTxWarp prst="textNoShape">
+              <a:avLst/>
+            </a:prstTxWarp>
+            <a:spAutoFit/>
+          </a:bodyPr>
           <a:lstStyle/>
           <a:p>
-            <a:endParaRPr lang="ru-RU" dirty="0"/>
+            <a:pPr marL="0" marR="0" lvl="0" indent="0" algn="l" defTabSz="914400" rtl="0" eaLnBrk="0" fontAlgn="base" latinLnBrk="0" hangingPunct="0">
+              <a:lnSpc>
+                <a:spcPct val="100000"/>
+              </a:lnSpc>
+              <a:spcBef>
+                <a:spcPct val="0"/>
+              </a:spcBef>
+              <a:spcAft>
+                <a:spcPct val="0"/>
+              </a:spcAft>
+              <a:buClrTx/>
+              <a:buSzTx/>
+              <a:buFontTx/>
+              <a:buNone/>
+              <a:tabLst/>
+            </a:pPr>
+            <a:r>
+              <a:rPr kumimoji="0" lang="ru-RU" altLang="ru-RU" sz="1100" b="1" i="0" u="none" strike="noStrike" cap="none" normalizeH="0" baseline="0" dirty="0" err="1">
+                <a:ln>
+                  <a:noFill/>
+                </a:ln>
+                <a:solidFill>
+                  <a:srgbClr val="000080"/>
+                </a:solidFill>
+                <a:effectLst/>
+                <a:latin typeface="JetBrains Mono"/>
+              </a:rPr>
+              <a:t>int</a:t>
+            </a:r>
+            <a:r>
+              <a:rPr kumimoji="0" lang="ru-RU" altLang="ru-RU" sz="1100" b="1" i="0" u="none" strike="noStrike" cap="none" normalizeH="0" baseline="0" dirty="0">
+                <a:ln>
+                  <a:noFill/>
+                </a:ln>
+                <a:solidFill>
+                  <a:srgbClr val="000080"/>
+                </a:solidFill>
+                <a:effectLst/>
+                <a:latin typeface="JetBrains Mono"/>
+              </a:rPr>
+              <a:t> </a:t>
+            </a:r>
+            <a:r>
+              <a:rPr kumimoji="0" lang="ru-RU" altLang="ru-RU" sz="1100" b="0" i="0" u="none" strike="noStrike" cap="none" normalizeH="0" baseline="0" dirty="0">
+                <a:ln>
+                  <a:noFill/>
+                </a:ln>
+                <a:solidFill>
+                  <a:srgbClr val="000000"/>
+                </a:solidFill>
+                <a:effectLst/>
+                <a:latin typeface="JetBrains Mono"/>
+              </a:rPr>
+              <a:t>a=</a:t>
+            </a:r>
+            <a:r>
+              <a:rPr kumimoji="0" lang="ru-RU" altLang="ru-RU" sz="1100" b="1" i="0" u="none" strike="noStrike" cap="none" normalizeH="0" baseline="0" dirty="0" err="1">
+                <a:ln>
+                  <a:noFill/>
+                </a:ln>
+                <a:solidFill>
+                  <a:srgbClr val="000080"/>
+                </a:solidFill>
+                <a:effectLst/>
+                <a:latin typeface="JetBrains Mono"/>
+              </a:rPr>
+              <a:t>new</a:t>
+            </a:r>
+            <a:r>
+              <a:rPr kumimoji="0" lang="ru-RU" altLang="ru-RU" sz="1100" b="1" i="0" u="none" strike="noStrike" cap="none" normalizeH="0" baseline="0" dirty="0">
+                <a:ln>
+                  <a:noFill/>
+                </a:ln>
+                <a:solidFill>
+                  <a:srgbClr val="000080"/>
+                </a:solidFill>
+                <a:effectLst/>
+                <a:latin typeface="JetBrains Mono"/>
+              </a:rPr>
+              <a:t> </a:t>
+            </a:r>
+            <a:r>
+              <a:rPr kumimoji="0" lang="ru-RU" altLang="ru-RU" sz="1100" b="0" i="0" u="none" strike="noStrike" cap="none" normalizeH="0" baseline="0" dirty="0" err="1">
+                <a:ln>
+                  <a:noFill/>
+                </a:ln>
+                <a:solidFill>
+                  <a:srgbClr val="000000"/>
+                </a:solidFill>
+                <a:effectLst/>
+                <a:latin typeface="JetBrains Mono"/>
+              </a:rPr>
+              <a:t>Random</a:t>
+            </a:r>
+            <a:r>
+              <a:rPr kumimoji="0" lang="ru-RU" altLang="ru-RU" sz="1100" b="0" i="0" u="none" strike="noStrike" cap="none" normalizeH="0" baseline="0" dirty="0">
+                <a:ln>
+                  <a:noFill/>
+                </a:ln>
+                <a:solidFill>
+                  <a:srgbClr val="000000"/>
+                </a:solidFill>
+                <a:effectLst/>
+                <a:latin typeface="JetBrains Mono"/>
+              </a:rPr>
+              <a:t>().</a:t>
+            </a:r>
+            <a:r>
+              <a:rPr kumimoji="0" lang="ru-RU" altLang="ru-RU" sz="1100" b="0" i="0" u="none" strike="noStrike" cap="none" normalizeH="0" baseline="0" dirty="0" err="1">
+                <a:ln>
+                  <a:noFill/>
+                </a:ln>
+                <a:solidFill>
+                  <a:srgbClr val="000000"/>
+                </a:solidFill>
+                <a:effectLst/>
+                <a:latin typeface="JetBrains Mono"/>
+              </a:rPr>
+              <a:t>nextInt</a:t>
+            </a:r>
+            <a:r>
+              <a:rPr kumimoji="0" lang="ru-RU" altLang="ru-RU" sz="1100" b="0" i="0" u="none" strike="noStrike" cap="none" normalizeH="0" baseline="0" dirty="0">
+                <a:ln>
+                  <a:noFill/>
+                </a:ln>
+                <a:solidFill>
+                  <a:srgbClr val="000000"/>
+                </a:solidFill>
+                <a:effectLst/>
+                <a:latin typeface="JetBrains Mono"/>
+              </a:rPr>
+              <a:t>(</a:t>
+            </a:r>
+            <a:r>
+              <a:rPr kumimoji="0" lang="ru-RU" altLang="ru-RU" sz="1100" b="0" i="0" u="none" strike="noStrike" cap="none" normalizeH="0" baseline="0" dirty="0">
+                <a:ln>
+                  <a:noFill/>
+                </a:ln>
+                <a:solidFill>
+                  <a:srgbClr val="0000FF"/>
+                </a:solidFill>
+                <a:effectLst/>
+                <a:latin typeface="JetBrains Mono"/>
+              </a:rPr>
+              <a:t>100</a:t>
+            </a:r>
+            <a:r>
+              <a:rPr kumimoji="0" lang="ru-RU" altLang="ru-RU" sz="1100" b="0" i="0" u="none" strike="noStrike" cap="none" normalizeH="0" baseline="0" dirty="0">
+                <a:ln>
+                  <a:noFill/>
+                </a:ln>
+                <a:solidFill>
+                  <a:srgbClr val="000000"/>
+                </a:solidFill>
+                <a:effectLst/>
+                <a:latin typeface="JetBrains Mono"/>
+              </a:rPr>
+              <a:t>);</a:t>
+            </a:r>
+            <a:br>
+              <a:rPr kumimoji="0" lang="ru-RU" altLang="ru-RU" sz="1100" b="0" i="0" u="none" strike="noStrike" cap="none" normalizeH="0" baseline="0" dirty="0">
+                <a:ln>
+                  <a:noFill/>
+                </a:ln>
+                <a:solidFill>
+                  <a:srgbClr val="000000"/>
+                </a:solidFill>
+                <a:effectLst/>
+                <a:latin typeface="JetBrains Mono"/>
+              </a:rPr>
+            </a:br>
+            <a:r>
+              <a:rPr kumimoji="0" lang="ru-RU" altLang="ru-RU" sz="1100" b="1" i="0" u="none" strike="noStrike" cap="none" normalizeH="0" baseline="0" dirty="0" err="1">
+                <a:ln>
+                  <a:noFill/>
+                </a:ln>
+                <a:solidFill>
+                  <a:srgbClr val="000080"/>
+                </a:solidFill>
+                <a:effectLst/>
+                <a:latin typeface="JetBrains Mono"/>
+              </a:rPr>
+              <a:t>if</a:t>
+            </a:r>
+            <a:r>
+              <a:rPr kumimoji="0" lang="ru-RU" altLang="ru-RU" sz="1100" b="1" i="0" u="none" strike="noStrike" cap="none" normalizeH="0" baseline="0" dirty="0">
+                <a:ln>
+                  <a:noFill/>
+                </a:ln>
+                <a:solidFill>
+                  <a:srgbClr val="000080"/>
+                </a:solidFill>
+                <a:effectLst/>
+                <a:latin typeface="JetBrains Mono"/>
+              </a:rPr>
+              <a:t> </a:t>
+            </a:r>
+            <a:r>
+              <a:rPr kumimoji="0" lang="ru-RU" altLang="ru-RU" sz="1100" b="0" i="0" u="none" strike="noStrike" cap="none" normalizeH="0" baseline="0" dirty="0">
+                <a:ln>
+                  <a:noFill/>
+                </a:ln>
+                <a:solidFill>
+                  <a:srgbClr val="000000"/>
+                </a:solidFill>
+                <a:effectLst/>
+                <a:latin typeface="JetBrains Mono"/>
+              </a:rPr>
+              <a:t>(a&lt;</a:t>
+            </a:r>
+            <a:r>
+              <a:rPr kumimoji="0" lang="ru-RU" altLang="ru-RU" sz="1100" b="0" i="0" u="none" strike="noStrike" cap="none" normalizeH="0" baseline="0" dirty="0" err="1">
+                <a:ln>
+                  <a:noFill/>
+                </a:ln>
+                <a:solidFill>
+                  <a:srgbClr val="000000"/>
+                </a:solidFill>
+                <a:effectLst/>
+                <a:latin typeface="JetBrains Mono"/>
+              </a:rPr>
+              <a:t>MainActivity.</a:t>
+            </a:r>
+            <a:r>
+              <a:rPr kumimoji="0" lang="ru-RU" altLang="ru-RU" sz="1100" b="0" i="1" u="none" strike="noStrike" cap="none" normalizeH="0" baseline="0" dirty="0" err="1">
+                <a:ln>
+                  <a:noFill/>
+                </a:ln>
+                <a:solidFill>
+                  <a:srgbClr val="660E7A"/>
+                </a:solidFill>
+                <a:effectLst/>
+                <a:latin typeface="JetBrains Mono"/>
+              </a:rPr>
+              <a:t>chances_of_fight</a:t>
+            </a:r>
+            <a:r>
+              <a:rPr kumimoji="0" lang="ru-RU" altLang="ru-RU" sz="1100" b="0" i="0" u="none" strike="noStrike" cap="none" normalizeH="0" baseline="0" dirty="0" err="1">
+                <a:ln>
+                  <a:noFill/>
+                </a:ln>
+                <a:solidFill>
+                  <a:srgbClr val="000000"/>
+                </a:solidFill>
+                <a:effectLst/>
+                <a:latin typeface="JetBrains Mono"/>
+              </a:rPr>
+              <a:t>.get</a:t>
+            </a:r>
+            <a:r>
+              <a:rPr kumimoji="0" lang="ru-RU" altLang="ru-RU" sz="1100" b="0" i="0" u="none" strike="noStrike" cap="none" normalizeH="0" baseline="0" dirty="0">
+                <a:ln>
+                  <a:noFill/>
+                </a:ln>
+                <a:solidFill>
+                  <a:srgbClr val="000000"/>
+                </a:solidFill>
+                <a:effectLst/>
+                <a:latin typeface="JetBrains Mono"/>
+              </a:rPr>
+              <a:t>(</a:t>
+            </a:r>
+            <a:r>
+              <a:rPr kumimoji="0" lang="ru-RU" altLang="ru-RU" sz="1100" b="0" i="0" u="none" strike="noStrike" cap="none" normalizeH="0" baseline="0" dirty="0" err="1">
+                <a:ln>
+                  <a:noFill/>
+                </a:ln>
+                <a:solidFill>
+                  <a:srgbClr val="000000"/>
+                </a:solidFill>
+                <a:effectLst/>
+                <a:latin typeface="JetBrains Mono"/>
+              </a:rPr>
+              <a:t>MainActivity.</a:t>
+            </a:r>
+            <a:r>
+              <a:rPr kumimoji="0" lang="ru-RU" altLang="ru-RU" sz="1100" b="0" i="1" u="none" strike="noStrike" cap="none" normalizeH="0" baseline="0" dirty="0" err="1">
+                <a:ln>
+                  <a:noFill/>
+                </a:ln>
+                <a:solidFill>
+                  <a:srgbClr val="660E7A"/>
+                </a:solidFill>
+                <a:effectLst/>
+                <a:latin typeface="JetBrains Mono"/>
+              </a:rPr>
+              <a:t>map</a:t>
+            </a:r>
+            <a:r>
+              <a:rPr kumimoji="0" lang="ru-RU" altLang="ru-RU" sz="1100" b="0" i="0" u="none" strike="noStrike" cap="none" normalizeH="0" baseline="0" dirty="0">
+                <a:ln>
+                  <a:noFill/>
+                </a:ln>
+                <a:solidFill>
+                  <a:srgbClr val="000000"/>
+                </a:solidFill>
+                <a:effectLst/>
+                <a:latin typeface="JetBrains Mono"/>
+              </a:rPr>
+              <a:t>[</a:t>
+            </a:r>
+            <a:r>
+              <a:rPr kumimoji="0" lang="ru-RU" altLang="ru-RU" sz="1100" b="0" i="0" u="none" strike="noStrike" cap="none" normalizeH="0" baseline="0" dirty="0" err="1">
+                <a:ln>
+                  <a:noFill/>
+                </a:ln>
+                <a:solidFill>
+                  <a:srgbClr val="000000"/>
+                </a:solidFill>
+                <a:effectLst/>
+                <a:latin typeface="JetBrains Mono"/>
+              </a:rPr>
+              <a:t>coords.</a:t>
+            </a:r>
+            <a:r>
+              <a:rPr kumimoji="0" lang="ru-RU" altLang="ru-RU" sz="1100" b="1" i="0" u="none" strike="noStrike" cap="none" normalizeH="0" baseline="0" dirty="0" err="1">
+                <a:ln>
+                  <a:noFill/>
+                </a:ln>
+                <a:solidFill>
+                  <a:srgbClr val="660E7A"/>
+                </a:solidFill>
+                <a:effectLst/>
+                <a:latin typeface="JetBrains Mono"/>
+              </a:rPr>
+              <a:t>first</a:t>
+            </a:r>
+            <a:r>
+              <a:rPr kumimoji="0" lang="ru-RU" altLang="ru-RU" sz="1100" b="0" i="0" u="none" strike="noStrike" cap="none" normalizeH="0" baseline="0" dirty="0">
+                <a:ln>
+                  <a:noFill/>
+                </a:ln>
+                <a:solidFill>
+                  <a:srgbClr val="000000"/>
+                </a:solidFill>
+                <a:effectLst/>
+                <a:latin typeface="JetBrains Mono"/>
+              </a:rPr>
+              <a:t>][</a:t>
+            </a:r>
+            <a:r>
+              <a:rPr kumimoji="0" lang="ru-RU" altLang="ru-RU" sz="1100" b="0" i="0" u="none" strike="noStrike" cap="none" normalizeH="0" baseline="0" dirty="0" err="1">
+                <a:ln>
+                  <a:noFill/>
+                </a:ln>
+                <a:solidFill>
+                  <a:srgbClr val="000000"/>
+                </a:solidFill>
+                <a:effectLst/>
+                <a:latin typeface="JetBrains Mono"/>
+              </a:rPr>
+              <a:t>coords.</a:t>
+            </a:r>
+            <a:r>
+              <a:rPr kumimoji="0" lang="ru-RU" altLang="ru-RU" sz="1100" b="1" i="0" u="none" strike="noStrike" cap="none" normalizeH="0" baseline="0" dirty="0" err="1">
+                <a:ln>
+                  <a:noFill/>
+                </a:ln>
+                <a:solidFill>
+                  <a:srgbClr val="660E7A"/>
+                </a:solidFill>
+                <a:effectLst/>
+                <a:latin typeface="JetBrains Mono"/>
+              </a:rPr>
+              <a:t>second</a:t>
+            </a:r>
+            <a:r>
+              <a:rPr kumimoji="0" lang="ru-RU" altLang="ru-RU" sz="1100" b="0" i="0" u="none" strike="noStrike" cap="none" normalizeH="0" baseline="0" dirty="0">
+                <a:ln>
+                  <a:noFill/>
+                </a:ln>
+                <a:solidFill>
+                  <a:srgbClr val="000000"/>
+                </a:solidFill>
+                <a:effectLst/>
+                <a:latin typeface="JetBrains Mono"/>
+              </a:rPr>
+              <a:t>].</a:t>
+            </a:r>
+            <a:r>
+              <a:rPr kumimoji="0" lang="ru-RU" altLang="ru-RU" sz="1100" b="0" i="0" u="none" strike="noStrike" cap="none" normalizeH="0" baseline="0" dirty="0" err="1">
+                <a:ln>
+                  <a:noFill/>
+                </a:ln>
+                <a:solidFill>
+                  <a:srgbClr val="000000"/>
+                </a:solidFill>
+                <a:effectLst/>
+                <a:latin typeface="JetBrains Mono"/>
+              </a:rPr>
+              <a:t>getType</a:t>
+            </a:r>
+            <a:r>
+              <a:rPr kumimoji="0" lang="ru-RU" altLang="ru-RU" sz="1100" b="0" i="0" u="none" strike="noStrike" cap="none" normalizeH="0" baseline="0" dirty="0">
+                <a:ln>
+                  <a:noFill/>
+                </a:ln>
+                <a:solidFill>
+                  <a:srgbClr val="000000"/>
+                </a:solidFill>
+                <a:effectLst/>
+                <a:latin typeface="JetBrains Mono"/>
+              </a:rPr>
+              <a:t>())) {</a:t>
+            </a:r>
+            <a:br>
+              <a:rPr kumimoji="0" lang="ru-RU" altLang="ru-RU" sz="1100" b="0" i="0" u="none" strike="noStrike" cap="none" normalizeH="0" baseline="0" dirty="0">
+                <a:ln>
+                  <a:noFill/>
+                </a:ln>
+                <a:solidFill>
+                  <a:srgbClr val="000000"/>
+                </a:solidFill>
+                <a:effectLst/>
+                <a:latin typeface="JetBrains Mono"/>
+              </a:rPr>
+            </a:br>
+            <a:r>
+              <a:rPr kumimoji="0" lang="ru-RU" altLang="ru-RU" sz="1100" b="0" i="0" u="none" strike="noStrike" cap="none" normalizeH="0" baseline="0" dirty="0">
+                <a:ln>
+                  <a:noFill/>
+                </a:ln>
+                <a:solidFill>
+                  <a:srgbClr val="000000"/>
+                </a:solidFill>
+                <a:effectLst/>
+                <a:latin typeface="JetBrains Mono"/>
+              </a:rPr>
+              <a:t>    </a:t>
+            </a:r>
+            <a:r>
+              <a:rPr kumimoji="0" lang="ru-RU" altLang="ru-RU" sz="1100" b="0" i="0" u="none" strike="noStrike" cap="none" normalizeH="0" baseline="0" dirty="0" err="1">
+                <a:ln>
+                  <a:noFill/>
+                </a:ln>
+                <a:solidFill>
+                  <a:srgbClr val="000000"/>
+                </a:solidFill>
+                <a:effectLst/>
+                <a:latin typeface="JetBrains Mono"/>
+              </a:rPr>
+              <a:t>fragmentTransaction.add</a:t>
+            </a:r>
+            <a:r>
+              <a:rPr kumimoji="0" lang="ru-RU" altLang="ru-RU" sz="1100" b="0" i="0" u="none" strike="noStrike" cap="none" normalizeH="0" baseline="0" dirty="0">
+                <a:ln>
+                  <a:noFill/>
+                </a:ln>
+                <a:solidFill>
+                  <a:srgbClr val="000000"/>
+                </a:solidFill>
+                <a:effectLst/>
+                <a:latin typeface="JetBrains Mono"/>
+              </a:rPr>
+              <a:t>(</a:t>
+            </a:r>
+            <a:r>
+              <a:rPr kumimoji="0" lang="ru-RU" altLang="ru-RU" sz="1100" b="0" i="0" u="none" strike="noStrike" cap="none" normalizeH="0" baseline="0" dirty="0" err="1">
+                <a:ln>
+                  <a:noFill/>
+                </a:ln>
+                <a:solidFill>
+                  <a:srgbClr val="000000"/>
+                </a:solidFill>
+                <a:effectLst/>
+                <a:latin typeface="JetBrains Mono"/>
+              </a:rPr>
+              <a:t>R.id.</a:t>
+            </a:r>
+            <a:r>
+              <a:rPr kumimoji="0" lang="ru-RU" altLang="ru-RU" sz="1100" b="1" i="1" u="none" strike="noStrike" cap="none" normalizeH="0" baseline="0" dirty="0" err="1">
+                <a:ln>
+                  <a:noFill/>
+                </a:ln>
+                <a:solidFill>
+                  <a:srgbClr val="660E7A"/>
+                </a:solidFill>
+                <a:effectLst/>
+                <a:latin typeface="JetBrains Mono"/>
+              </a:rPr>
+              <a:t>fight</a:t>
+            </a:r>
+            <a:r>
+              <a:rPr kumimoji="0" lang="ru-RU" altLang="ru-RU" sz="1100" b="0" i="0" u="none" strike="noStrike" cap="none" normalizeH="0" baseline="0" dirty="0">
+                <a:ln>
+                  <a:noFill/>
+                </a:ln>
+                <a:solidFill>
+                  <a:srgbClr val="000000"/>
+                </a:solidFill>
+                <a:effectLst/>
+                <a:latin typeface="JetBrains Mono"/>
+              </a:rPr>
+              <a:t>, </a:t>
+            </a:r>
+            <a:r>
+              <a:rPr kumimoji="0" lang="ru-RU" altLang="ru-RU" sz="1100" b="1" i="0" u="none" strike="noStrike" cap="none" normalizeH="0" baseline="0" dirty="0" err="1">
+                <a:ln>
+                  <a:noFill/>
+                </a:ln>
+                <a:solidFill>
+                  <a:srgbClr val="000080"/>
+                </a:solidFill>
+                <a:effectLst/>
+                <a:latin typeface="JetBrains Mono"/>
+              </a:rPr>
+              <a:t>new</a:t>
+            </a:r>
+            <a:r>
+              <a:rPr kumimoji="0" lang="ru-RU" altLang="ru-RU" sz="1100" b="1" i="0" u="none" strike="noStrike" cap="none" normalizeH="0" baseline="0" dirty="0">
+                <a:ln>
+                  <a:noFill/>
+                </a:ln>
+                <a:solidFill>
+                  <a:srgbClr val="000080"/>
+                </a:solidFill>
+                <a:effectLst/>
+                <a:latin typeface="JetBrains Mono"/>
+              </a:rPr>
+              <a:t> </a:t>
+            </a:r>
+            <a:r>
+              <a:rPr kumimoji="0" lang="ru-RU" altLang="ru-RU" sz="1100" b="0" i="0" u="none" strike="noStrike" cap="none" normalizeH="0" baseline="0" dirty="0" err="1">
+                <a:ln>
+                  <a:noFill/>
+                </a:ln>
+                <a:solidFill>
+                  <a:srgbClr val="000000"/>
+                </a:solidFill>
+                <a:effectLst/>
+                <a:latin typeface="JetBrains Mono"/>
+              </a:rPr>
+              <a:t>FightFragment</a:t>
+            </a:r>
+            <a:r>
+              <a:rPr kumimoji="0" lang="ru-RU" altLang="ru-RU" sz="1100" b="0" i="0" u="none" strike="noStrike" cap="none" normalizeH="0" baseline="0" dirty="0">
+                <a:ln>
+                  <a:noFill/>
+                </a:ln>
+                <a:solidFill>
+                  <a:srgbClr val="000000"/>
+                </a:solidFill>
+                <a:effectLst/>
+                <a:latin typeface="JetBrains Mono"/>
+              </a:rPr>
+              <a:t>());</a:t>
+            </a:r>
+            <a:br>
+              <a:rPr kumimoji="0" lang="ru-RU" altLang="ru-RU" sz="1100" b="0" i="0" u="none" strike="noStrike" cap="none" normalizeH="0" baseline="0" dirty="0">
+                <a:ln>
+                  <a:noFill/>
+                </a:ln>
+                <a:solidFill>
+                  <a:srgbClr val="000000"/>
+                </a:solidFill>
+                <a:effectLst/>
+                <a:latin typeface="JetBrains Mono"/>
+              </a:rPr>
+            </a:br>
+            <a:r>
+              <a:rPr kumimoji="0" lang="ru-RU" altLang="ru-RU" sz="1100" b="0" i="0" u="none" strike="noStrike" cap="none" normalizeH="0" baseline="0" dirty="0">
+                <a:ln>
+                  <a:noFill/>
+                </a:ln>
+                <a:solidFill>
+                  <a:srgbClr val="000000"/>
+                </a:solidFill>
+                <a:effectLst/>
+                <a:latin typeface="JetBrains Mono"/>
+              </a:rPr>
+              <a:t>    </a:t>
+            </a:r>
+            <a:r>
+              <a:rPr kumimoji="0" lang="ru-RU" altLang="ru-RU" sz="1100" b="0" i="0" u="none" strike="noStrike" cap="none" normalizeH="0" baseline="0" dirty="0" err="1">
+                <a:ln>
+                  <a:noFill/>
+                </a:ln>
+                <a:solidFill>
+                  <a:srgbClr val="000000"/>
+                </a:solidFill>
+                <a:effectLst/>
+                <a:latin typeface="JetBrains Mono"/>
+              </a:rPr>
+              <a:t>fragmentTransaction.commit</a:t>
+            </a:r>
+            <a:r>
+              <a:rPr kumimoji="0" lang="ru-RU" altLang="ru-RU" sz="1100" b="0" i="0" u="none" strike="noStrike" cap="none" normalizeH="0" baseline="0" dirty="0">
+                <a:ln>
+                  <a:noFill/>
+                </a:ln>
+                <a:solidFill>
+                  <a:srgbClr val="000000"/>
+                </a:solidFill>
+                <a:effectLst/>
+                <a:latin typeface="JetBrains Mono"/>
+              </a:rPr>
+              <a:t>();</a:t>
+            </a:r>
+            <a:br>
+              <a:rPr kumimoji="0" lang="ru-RU" altLang="ru-RU" sz="1100" b="0" i="0" u="none" strike="noStrike" cap="none" normalizeH="0" baseline="0" dirty="0">
+                <a:ln>
+                  <a:noFill/>
+                </a:ln>
+                <a:solidFill>
+                  <a:srgbClr val="000000"/>
+                </a:solidFill>
+                <a:effectLst/>
+                <a:latin typeface="JetBrains Mono"/>
+              </a:rPr>
+            </a:br>
+            <a:r>
+              <a:rPr kumimoji="0" lang="ru-RU" altLang="ru-RU" sz="1100" b="0" i="0" u="none" strike="noStrike" cap="none" normalizeH="0" baseline="0" dirty="0">
+                <a:ln>
+                  <a:noFill/>
+                </a:ln>
+                <a:solidFill>
+                  <a:srgbClr val="000000"/>
+                </a:solidFill>
+                <a:effectLst/>
+                <a:latin typeface="JetBrains Mono"/>
+              </a:rPr>
+              <a:t>}</a:t>
+            </a:r>
+            <a:endParaRPr kumimoji="0" lang="ru-RU" altLang="ru-RU" sz="2400" b="0" i="0" u="none" strike="noStrike" cap="none" normalizeH="0" baseline="0" dirty="0">
+              <a:ln>
+                <a:noFill/>
+              </a:ln>
+              <a:solidFill>
+                <a:schemeClr val="tx1"/>
+              </a:solidFill>
+              <a:effectLst/>
+              <a:latin typeface="Arial" panose="020B0604020202020204" pitchFamily="34" charset="0"/>
+            </a:endParaRPr>
+          </a:p>
+        </p:txBody>
+      </p:sp>
+      <p:sp>
+        <p:nvSpPr>
+          <p:cNvPr id="7" name="Rectangle 4">
+            <a:extLst>
+              <a:ext uri="{FF2B5EF4-FFF2-40B4-BE49-F238E27FC236}">
+                <a16:creationId xmlns:a16="http://schemas.microsoft.com/office/drawing/2014/main" id="{71AB72CF-4B04-437B-8C97-BD508916D473}"/>
+              </a:ext>
+            </a:extLst>
+          </p:cNvPr>
+          <p:cNvSpPr>
+            <a:spLocks noChangeArrowheads="1"/>
+          </p:cNvSpPr>
+          <p:nvPr/>
+        </p:nvSpPr>
+        <p:spPr bwMode="auto">
+          <a:xfrm>
+            <a:off x="3544" y="2316349"/>
+            <a:ext cx="5943600" cy="2800767"/>
+          </a:xfrm>
+          <a:prstGeom prst="rect">
+            <a:avLst/>
+          </a:prstGeom>
+          <a:solidFill>
+            <a:srgbClr val="FFFFFF"/>
+          </a:solidFill>
+          <a:ln>
+            <a:noFill/>
+          </a:ln>
+          <a:effectLst/>
+          <a:extLst>
+            <a:ext uri="{91240B29-F687-4F45-9708-019B960494DF}">
+              <a14:hiddenLine xmlns:a14="http://schemas.microsoft.com/office/drawing/2010/main" w="9525">
+                <a:solidFill>
+                  <a:schemeClr val="tx1"/>
+                </a:solidFill>
+                <a:miter lim="800000"/>
+                <a:headEnd/>
+                <a:tailEnd/>
+              </a14:hiddenLine>
+            </a:ext>
+            <a:ext uri="{AF507438-7753-43E0-B8FC-AC1667EBCBE1}">
+              <a14:hiddenEffects xmlns:a14="http://schemas.microsoft.com/office/drawing/2010/main">
+                <a:effectLst>
+                  <a:outerShdw dist="35921" dir="2700000" algn="ctr" rotWithShape="0">
+                    <a:schemeClr val="bg2"/>
+                  </a:outerShdw>
+                </a:effectLst>
+              </a14:hiddenEffects>
+            </a:ext>
+          </a:extLst>
+        </p:spPr>
+        <p:txBody>
+          <a:bodyPr vert="horz" wrap="square" lIns="91440" tIns="45720" rIns="91440" bIns="45720" numCol="1" anchor="ctr" anchorCtr="0" compatLnSpc="1">
+            <a:prstTxWarp prst="textNoShape">
+              <a:avLst/>
+            </a:prstTxWarp>
+            <a:spAutoFit/>
+          </a:bodyPr>
+          <a:lstStyle/>
+          <a:p>
+            <a:pPr marL="0" marR="0" lvl="0" indent="0" algn="l" defTabSz="914400" rtl="0" eaLnBrk="0" fontAlgn="base" latinLnBrk="0" hangingPunct="0">
+              <a:lnSpc>
+                <a:spcPct val="100000"/>
+              </a:lnSpc>
+              <a:spcBef>
+                <a:spcPct val="0"/>
+              </a:spcBef>
+              <a:spcAft>
+                <a:spcPct val="0"/>
+              </a:spcAft>
+              <a:buClrTx/>
+              <a:buSzTx/>
+              <a:buFontTx/>
+              <a:buNone/>
+              <a:tabLst/>
+            </a:pPr>
+            <a:r>
+              <a:rPr kumimoji="0" lang="ru-RU" altLang="ru-RU" sz="1100" b="0" i="0" u="none" strike="noStrike" cap="none" normalizeH="0" baseline="0" dirty="0">
+                <a:ln>
+                  <a:noFill/>
+                </a:ln>
+                <a:solidFill>
+                  <a:srgbClr val="080808"/>
+                </a:solidFill>
+                <a:effectLst/>
+                <a:latin typeface="JetBrains Mono"/>
+              </a:rPr>
+              <a:t>a=</a:t>
+            </a:r>
+            <a:r>
+              <a:rPr kumimoji="0" lang="ru-RU" altLang="ru-RU" sz="1100" b="0" i="0" u="none" strike="noStrike" cap="none" normalizeH="0" baseline="0" dirty="0" err="1">
+                <a:ln>
+                  <a:noFill/>
+                </a:ln>
+                <a:solidFill>
+                  <a:srgbClr val="0033B3"/>
+                </a:solidFill>
+                <a:effectLst/>
+                <a:latin typeface="JetBrains Mono"/>
+              </a:rPr>
+              <a:t>new</a:t>
+            </a:r>
+            <a:r>
+              <a:rPr kumimoji="0" lang="ru-RU" altLang="ru-RU" sz="1100" b="0" i="0" u="none" strike="noStrike" cap="none" normalizeH="0" baseline="0" dirty="0">
+                <a:ln>
+                  <a:noFill/>
+                </a:ln>
+                <a:solidFill>
+                  <a:srgbClr val="0033B3"/>
+                </a:solidFill>
+                <a:effectLst/>
+                <a:latin typeface="JetBrains Mono"/>
+              </a:rPr>
+              <a:t> </a:t>
+            </a:r>
+            <a:r>
+              <a:rPr kumimoji="0" lang="ru-RU" altLang="ru-RU" sz="1100" b="0" i="0" u="none" strike="noStrike" cap="none" normalizeH="0" baseline="0" dirty="0" err="1">
+                <a:ln>
+                  <a:noFill/>
+                </a:ln>
+                <a:solidFill>
+                  <a:srgbClr val="080808"/>
+                </a:solidFill>
+                <a:effectLst/>
+                <a:latin typeface="JetBrains Mono"/>
+              </a:rPr>
+              <a:t>Random</a:t>
+            </a:r>
+            <a:r>
+              <a:rPr kumimoji="0" lang="ru-RU" altLang="ru-RU" sz="1100" b="0" i="0" u="none" strike="noStrike" cap="none" normalizeH="0" baseline="0" dirty="0">
+                <a:ln>
+                  <a:noFill/>
+                </a:ln>
+                <a:solidFill>
+                  <a:srgbClr val="080808"/>
+                </a:solidFill>
+                <a:effectLst/>
+                <a:latin typeface="JetBrains Mono"/>
+              </a:rPr>
+              <a:t>().</a:t>
+            </a:r>
+            <a:r>
+              <a:rPr kumimoji="0" lang="ru-RU" altLang="ru-RU" sz="1100" b="0" i="0" u="none" strike="noStrike" cap="none" normalizeH="0" baseline="0" dirty="0" err="1">
+                <a:ln>
+                  <a:noFill/>
+                </a:ln>
+                <a:solidFill>
+                  <a:srgbClr val="080808"/>
+                </a:solidFill>
+                <a:effectLst/>
+                <a:latin typeface="JetBrains Mono"/>
+              </a:rPr>
+              <a:t>nextInt</a:t>
+            </a:r>
+            <a:r>
+              <a:rPr kumimoji="0" lang="ru-RU" altLang="ru-RU" sz="1100" b="0" i="0" u="none" strike="noStrike" cap="none" normalizeH="0" baseline="0" dirty="0">
+                <a:ln>
+                  <a:noFill/>
+                </a:ln>
+                <a:solidFill>
+                  <a:srgbClr val="080808"/>
+                </a:solidFill>
+                <a:effectLst/>
+                <a:latin typeface="JetBrains Mono"/>
+              </a:rPr>
+              <a:t>(</a:t>
+            </a:r>
+            <a:r>
+              <a:rPr kumimoji="0" lang="ru-RU" altLang="ru-RU" sz="1100" b="0" i="0" u="none" strike="noStrike" cap="none" normalizeH="0" baseline="0" dirty="0">
+                <a:ln>
+                  <a:noFill/>
+                </a:ln>
+                <a:solidFill>
+                  <a:srgbClr val="1750EB"/>
+                </a:solidFill>
+                <a:effectLst/>
+                <a:latin typeface="JetBrains Mono"/>
+              </a:rPr>
+              <a:t>100</a:t>
+            </a:r>
+            <a:r>
+              <a:rPr kumimoji="0" lang="ru-RU" altLang="ru-RU" sz="1100" b="0" i="0" u="none" strike="noStrike" cap="none" normalizeH="0" baseline="0" dirty="0">
+                <a:ln>
+                  <a:noFill/>
+                </a:ln>
+                <a:solidFill>
+                  <a:srgbClr val="080808"/>
+                </a:solidFill>
+                <a:effectLst/>
+                <a:latin typeface="JetBrains Mono"/>
+              </a:rPr>
+              <a:t>);</a:t>
+            </a:r>
+            <a:br>
+              <a:rPr kumimoji="0" lang="ru-RU" altLang="ru-RU" sz="1100" b="0" i="0" u="none" strike="noStrike" cap="none" normalizeH="0" baseline="0" dirty="0">
+                <a:ln>
+                  <a:noFill/>
+                </a:ln>
+                <a:solidFill>
+                  <a:srgbClr val="080808"/>
+                </a:solidFill>
+                <a:effectLst/>
+                <a:latin typeface="JetBrains Mono"/>
+              </a:rPr>
+            </a:br>
+            <a:r>
+              <a:rPr kumimoji="0" lang="ru-RU" altLang="ru-RU" sz="1100" b="0" i="0" u="none" strike="noStrike" cap="none" normalizeH="0" baseline="0" dirty="0" err="1">
+                <a:ln>
+                  <a:noFill/>
+                </a:ln>
+                <a:solidFill>
+                  <a:srgbClr val="0033B3"/>
+                </a:solidFill>
+                <a:effectLst/>
+                <a:latin typeface="JetBrains Mono"/>
+              </a:rPr>
+              <a:t>switch</a:t>
+            </a:r>
+            <a:r>
+              <a:rPr kumimoji="0" lang="ru-RU" altLang="ru-RU" sz="1100" b="0" i="0" u="none" strike="noStrike" cap="none" normalizeH="0" baseline="0" dirty="0">
+                <a:ln>
+                  <a:noFill/>
+                </a:ln>
+                <a:solidFill>
+                  <a:srgbClr val="0033B3"/>
+                </a:solidFill>
+                <a:effectLst/>
+                <a:latin typeface="JetBrains Mono"/>
+              </a:rPr>
+              <a:t> </a:t>
+            </a:r>
+            <a:r>
+              <a:rPr kumimoji="0" lang="ru-RU" altLang="ru-RU" sz="1100" b="0" i="0" u="none" strike="noStrike" cap="none" normalizeH="0" baseline="0" dirty="0">
+                <a:ln>
+                  <a:noFill/>
+                </a:ln>
+                <a:solidFill>
+                  <a:srgbClr val="080808"/>
+                </a:solidFill>
+                <a:effectLst/>
+                <a:latin typeface="JetBrains Mono"/>
+              </a:rPr>
+              <a:t>(</a:t>
+            </a:r>
+            <a:r>
+              <a:rPr kumimoji="0" lang="ru-RU" altLang="ru-RU" sz="1100" b="0" i="0" u="none" strike="noStrike" cap="none" normalizeH="0" baseline="0" dirty="0" err="1">
+                <a:ln>
+                  <a:noFill/>
+                </a:ln>
+                <a:solidFill>
+                  <a:srgbClr val="000000"/>
+                </a:solidFill>
+                <a:effectLst/>
+                <a:latin typeface="JetBrains Mono"/>
+              </a:rPr>
+              <a:t>MainActivity</a:t>
+            </a:r>
+            <a:r>
+              <a:rPr kumimoji="0" lang="ru-RU" altLang="ru-RU" sz="1100" b="0" i="0" u="none" strike="noStrike" cap="none" normalizeH="0" baseline="0" dirty="0" err="1">
+                <a:ln>
+                  <a:noFill/>
+                </a:ln>
+                <a:solidFill>
+                  <a:srgbClr val="080808"/>
+                </a:solidFill>
+                <a:effectLst/>
+                <a:latin typeface="JetBrains Mono"/>
+              </a:rPr>
+              <a:t>.</a:t>
+            </a:r>
+            <a:r>
+              <a:rPr kumimoji="0" lang="ru-RU" altLang="ru-RU" sz="1100" b="0" i="1" u="none" strike="noStrike" cap="none" normalizeH="0" baseline="0" dirty="0" err="1">
+                <a:ln>
+                  <a:noFill/>
+                </a:ln>
+                <a:solidFill>
+                  <a:srgbClr val="871094"/>
+                </a:solidFill>
+                <a:effectLst/>
+                <a:latin typeface="JetBrains Mono"/>
+              </a:rPr>
+              <a:t>map</a:t>
+            </a:r>
+            <a:r>
+              <a:rPr kumimoji="0" lang="ru-RU" altLang="ru-RU" sz="1100" b="0" i="0" u="none" strike="noStrike" cap="none" normalizeH="0" baseline="0" dirty="0">
+                <a:ln>
+                  <a:noFill/>
+                </a:ln>
+                <a:solidFill>
+                  <a:srgbClr val="080808"/>
+                </a:solidFill>
+                <a:effectLst/>
+                <a:latin typeface="JetBrains Mono"/>
+              </a:rPr>
+              <a:t>[</a:t>
+            </a:r>
+            <a:r>
+              <a:rPr kumimoji="0" lang="ru-RU" altLang="ru-RU" sz="1100" b="0" i="0" u="none" strike="noStrike" cap="none" normalizeH="0" baseline="0" dirty="0" err="1">
+                <a:ln>
+                  <a:noFill/>
+                </a:ln>
+                <a:solidFill>
+                  <a:srgbClr val="000000"/>
+                </a:solidFill>
+                <a:effectLst/>
+                <a:latin typeface="JetBrains Mono"/>
+              </a:rPr>
+              <a:t>coords</a:t>
+            </a:r>
+            <a:r>
+              <a:rPr kumimoji="0" lang="ru-RU" altLang="ru-RU" sz="1100" b="0" i="0" u="none" strike="noStrike" cap="none" normalizeH="0" baseline="0" dirty="0" err="1">
+                <a:ln>
+                  <a:noFill/>
+                </a:ln>
+                <a:solidFill>
+                  <a:srgbClr val="080808"/>
+                </a:solidFill>
+                <a:effectLst/>
+                <a:latin typeface="JetBrains Mono"/>
+              </a:rPr>
+              <a:t>.</a:t>
+            </a:r>
+            <a:r>
+              <a:rPr kumimoji="0" lang="ru-RU" altLang="ru-RU" sz="1100" b="0" i="0" u="none" strike="noStrike" cap="none" normalizeH="0" baseline="0" dirty="0" err="1">
+                <a:ln>
+                  <a:noFill/>
+                </a:ln>
+                <a:solidFill>
+                  <a:srgbClr val="871094"/>
+                </a:solidFill>
+                <a:effectLst/>
+                <a:latin typeface="JetBrains Mono"/>
+              </a:rPr>
+              <a:t>first</a:t>
+            </a:r>
+            <a:r>
+              <a:rPr kumimoji="0" lang="ru-RU" altLang="ru-RU" sz="1100" b="0" i="0" u="none" strike="noStrike" cap="none" normalizeH="0" baseline="0" dirty="0">
+                <a:ln>
+                  <a:noFill/>
+                </a:ln>
+                <a:solidFill>
+                  <a:srgbClr val="080808"/>
+                </a:solidFill>
+                <a:effectLst/>
+                <a:latin typeface="JetBrains Mono"/>
+              </a:rPr>
+              <a:t>][</a:t>
+            </a:r>
+            <a:r>
+              <a:rPr kumimoji="0" lang="ru-RU" altLang="ru-RU" sz="1100" b="0" i="0" u="none" strike="noStrike" cap="none" normalizeH="0" baseline="0" dirty="0" err="1">
+                <a:ln>
+                  <a:noFill/>
+                </a:ln>
+                <a:solidFill>
+                  <a:srgbClr val="000000"/>
+                </a:solidFill>
+                <a:effectLst/>
+                <a:latin typeface="JetBrains Mono"/>
+              </a:rPr>
+              <a:t>coords</a:t>
+            </a:r>
+            <a:r>
+              <a:rPr kumimoji="0" lang="ru-RU" altLang="ru-RU" sz="1100" b="0" i="0" u="none" strike="noStrike" cap="none" normalizeH="0" baseline="0" dirty="0" err="1">
+                <a:ln>
+                  <a:noFill/>
+                </a:ln>
+                <a:solidFill>
+                  <a:srgbClr val="080808"/>
+                </a:solidFill>
+                <a:effectLst/>
+                <a:latin typeface="JetBrains Mono"/>
+              </a:rPr>
+              <a:t>.</a:t>
+            </a:r>
+            <a:r>
+              <a:rPr kumimoji="0" lang="ru-RU" altLang="ru-RU" sz="1100" b="0" i="0" u="none" strike="noStrike" cap="none" normalizeH="0" baseline="0" dirty="0" err="1">
+                <a:ln>
+                  <a:noFill/>
+                </a:ln>
+                <a:solidFill>
+                  <a:srgbClr val="871094"/>
+                </a:solidFill>
+                <a:effectLst/>
+                <a:latin typeface="JetBrains Mono"/>
+              </a:rPr>
+              <a:t>second</a:t>
+            </a:r>
+            <a:r>
+              <a:rPr kumimoji="0" lang="ru-RU" altLang="ru-RU" sz="1100" b="0" i="0" u="none" strike="noStrike" cap="none" normalizeH="0" baseline="0" dirty="0">
+                <a:ln>
+                  <a:noFill/>
+                </a:ln>
+                <a:solidFill>
+                  <a:srgbClr val="080808"/>
+                </a:solidFill>
+                <a:effectLst/>
+                <a:latin typeface="JetBrains Mono"/>
+              </a:rPr>
+              <a:t>].</a:t>
+            </a:r>
+            <a:r>
+              <a:rPr kumimoji="0" lang="ru-RU" altLang="ru-RU" sz="1100" b="0" i="0" u="none" strike="noStrike" cap="none" normalizeH="0" baseline="0" dirty="0" err="1">
+                <a:ln>
+                  <a:noFill/>
+                </a:ln>
+                <a:solidFill>
+                  <a:srgbClr val="080808"/>
+                </a:solidFill>
+                <a:effectLst/>
+                <a:latin typeface="JetBrains Mono"/>
+              </a:rPr>
+              <a:t>getType</a:t>
+            </a:r>
+            <a:r>
+              <a:rPr kumimoji="0" lang="ru-RU" altLang="ru-RU" sz="1100" b="0" i="0" u="none" strike="noStrike" cap="none" normalizeH="0" baseline="0" dirty="0">
+                <a:ln>
+                  <a:noFill/>
+                </a:ln>
+                <a:solidFill>
+                  <a:srgbClr val="080808"/>
+                </a:solidFill>
+                <a:effectLst/>
+                <a:latin typeface="JetBrains Mono"/>
+              </a:rPr>
+              <a:t>()){</a:t>
+            </a:r>
+            <a:br>
+              <a:rPr kumimoji="0" lang="ru-RU" altLang="ru-RU" sz="1100" b="0" i="0" u="none" strike="noStrike" cap="none" normalizeH="0" baseline="0" dirty="0">
+                <a:ln>
+                  <a:noFill/>
+                </a:ln>
+                <a:solidFill>
+                  <a:srgbClr val="080808"/>
+                </a:solidFill>
+                <a:effectLst/>
+                <a:latin typeface="JetBrains Mono"/>
+              </a:rPr>
+            </a:br>
+            <a:r>
+              <a:rPr kumimoji="0" lang="ru-RU" altLang="ru-RU" sz="1100" b="0" i="0" u="none" strike="noStrike" cap="none" normalizeH="0" baseline="0" dirty="0">
+                <a:ln>
+                  <a:noFill/>
+                </a:ln>
+                <a:solidFill>
+                  <a:srgbClr val="080808"/>
+                </a:solidFill>
+                <a:effectLst/>
+                <a:latin typeface="JetBrains Mono"/>
+              </a:rPr>
+              <a:t>    </a:t>
+            </a:r>
+            <a:r>
+              <a:rPr kumimoji="0" lang="ru-RU" altLang="ru-RU" sz="1100" b="0" i="0" u="none" strike="noStrike" cap="none" normalizeH="0" baseline="0" dirty="0" err="1">
+                <a:ln>
+                  <a:noFill/>
+                </a:ln>
+                <a:solidFill>
+                  <a:srgbClr val="0033B3"/>
+                </a:solidFill>
+                <a:effectLst/>
+                <a:latin typeface="JetBrains Mono"/>
+              </a:rPr>
+              <a:t>case</a:t>
+            </a:r>
+            <a:r>
+              <a:rPr kumimoji="0" lang="ru-RU" altLang="ru-RU" sz="1100" b="0" i="0" u="none" strike="noStrike" cap="none" normalizeH="0" baseline="0" dirty="0">
+                <a:ln>
+                  <a:noFill/>
+                </a:ln>
+                <a:solidFill>
+                  <a:srgbClr val="0033B3"/>
+                </a:solidFill>
+                <a:effectLst/>
+                <a:latin typeface="JetBrains Mono"/>
+              </a:rPr>
+              <a:t> </a:t>
+            </a:r>
+            <a:r>
+              <a:rPr kumimoji="0" lang="ru-RU" altLang="ru-RU" sz="1100" b="0" i="0" u="none" strike="noStrike" cap="none" normalizeH="0" baseline="0" dirty="0">
+                <a:ln>
+                  <a:noFill/>
+                </a:ln>
+                <a:solidFill>
+                  <a:srgbClr val="1750EB"/>
+                </a:solidFill>
+                <a:effectLst/>
+                <a:latin typeface="JetBrains Mono"/>
+              </a:rPr>
+              <a:t>1</a:t>
+            </a:r>
+            <a:r>
+              <a:rPr kumimoji="0" lang="ru-RU" altLang="ru-RU" sz="1100" b="0" i="0" u="none" strike="noStrike" cap="none" normalizeH="0" baseline="0" dirty="0">
+                <a:ln>
+                  <a:noFill/>
+                </a:ln>
+                <a:solidFill>
+                  <a:srgbClr val="080808"/>
+                </a:solidFill>
+                <a:effectLst/>
+                <a:latin typeface="JetBrains Mono"/>
+              </a:rPr>
+              <a:t>:{</a:t>
+            </a:r>
+            <a:br>
+              <a:rPr kumimoji="0" lang="ru-RU" altLang="ru-RU" sz="1100" b="0" i="0" u="none" strike="noStrike" cap="none" normalizeH="0" baseline="0" dirty="0">
+                <a:ln>
+                  <a:noFill/>
+                </a:ln>
+                <a:solidFill>
+                  <a:srgbClr val="080808"/>
+                </a:solidFill>
+                <a:effectLst/>
+                <a:latin typeface="JetBrains Mono"/>
+              </a:rPr>
+            </a:br>
+            <a:r>
+              <a:rPr kumimoji="0" lang="ru-RU" altLang="ru-RU" sz="1100" b="0" i="0" u="none" strike="noStrike" cap="none" normalizeH="0" baseline="0" dirty="0">
+                <a:ln>
+                  <a:noFill/>
+                </a:ln>
+                <a:solidFill>
+                  <a:srgbClr val="080808"/>
+                </a:solidFill>
+                <a:effectLst/>
+                <a:latin typeface="JetBrains Mono"/>
+              </a:rPr>
+              <a:t>        </a:t>
+            </a:r>
+            <a:r>
+              <a:rPr kumimoji="0" lang="ru-RU" altLang="ru-RU" sz="1100" b="0" i="0" u="none" strike="noStrike" cap="none" normalizeH="0" baseline="0" dirty="0" err="1">
+                <a:ln>
+                  <a:noFill/>
+                </a:ln>
+                <a:solidFill>
+                  <a:srgbClr val="0033B3"/>
+                </a:solidFill>
+                <a:effectLst/>
+                <a:latin typeface="JetBrains Mono"/>
+              </a:rPr>
+              <a:t>if</a:t>
+            </a:r>
+            <a:r>
+              <a:rPr kumimoji="0" lang="ru-RU" altLang="ru-RU" sz="1100" b="0" i="0" u="none" strike="noStrike" cap="none" normalizeH="0" baseline="0" dirty="0">
+                <a:ln>
+                  <a:noFill/>
+                </a:ln>
+                <a:solidFill>
+                  <a:srgbClr val="0033B3"/>
+                </a:solidFill>
+                <a:effectLst/>
+                <a:latin typeface="JetBrains Mono"/>
+              </a:rPr>
+              <a:t> </a:t>
+            </a:r>
+            <a:r>
+              <a:rPr kumimoji="0" lang="ru-RU" altLang="ru-RU" sz="1100" b="0" i="0" u="none" strike="noStrike" cap="none" normalizeH="0" baseline="0" dirty="0">
+                <a:ln>
+                  <a:noFill/>
+                </a:ln>
+                <a:solidFill>
+                  <a:srgbClr val="080808"/>
+                </a:solidFill>
+                <a:effectLst/>
+                <a:latin typeface="JetBrains Mono"/>
+              </a:rPr>
+              <a:t>(a&lt;</a:t>
+            </a:r>
+            <a:r>
+              <a:rPr kumimoji="0" lang="ru-RU" altLang="ru-RU" sz="1100" b="0" i="0" u="none" strike="noStrike" cap="none" normalizeH="0" baseline="0" dirty="0">
+                <a:ln>
+                  <a:noFill/>
+                </a:ln>
+                <a:solidFill>
+                  <a:srgbClr val="1750EB"/>
+                </a:solidFill>
+                <a:effectLst/>
+                <a:latin typeface="JetBrains Mono"/>
+              </a:rPr>
+              <a:t>30</a:t>
+            </a:r>
+            <a:r>
+              <a:rPr kumimoji="0" lang="ru-RU" altLang="ru-RU" sz="1100" b="0" i="0" u="none" strike="noStrike" cap="none" normalizeH="0" baseline="0" dirty="0">
+                <a:ln>
+                  <a:noFill/>
+                </a:ln>
+                <a:solidFill>
+                  <a:srgbClr val="080808"/>
+                </a:solidFill>
+                <a:effectLst/>
+                <a:latin typeface="JetBrains Mono"/>
+              </a:rPr>
+              <a:t>)</a:t>
+            </a:r>
+            <a:br>
+              <a:rPr kumimoji="0" lang="ru-RU" altLang="ru-RU" sz="1100" b="0" i="0" u="none" strike="noStrike" cap="none" normalizeH="0" baseline="0" dirty="0">
+                <a:ln>
+                  <a:noFill/>
+                </a:ln>
+                <a:solidFill>
+                  <a:srgbClr val="080808"/>
+                </a:solidFill>
+                <a:effectLst/>
+                <a:latin typeface="JetBrains Mono"/>
+              </a:rPr>
+            </a:br>
+            <a:r>
+              <a:rPr kumimoji="0" lang="ru-RU" altLang="ru-RU" sz="1100" b="0" i="0" u="none" strike="noStrike" cap="none" normalizeH="0" baseline="0" dirty="0">
+                <a:ln>
+                  <a:noFill/>
+                </a:ln>
+                <a:solidFill>
+                  <a:srgbClr val="080808"/>
+                </a:solidFill>
+                <a:effectLst/>
+                <a:latin typeface="JetBrains Mono"/>
+              </a:rPr>
+              <a:t>            </a:t>
+            </a:r>
+            <a:r>
+              <a:rPr kumimoji="0" lang="ru-RU" altLang="ru-RU" sz="1100" b="0" i="0" u="none" strike="noStrike" cap="none" normalizeH="0" baseline="0" dirty="0" err="1">
+                <a:ln>
+                  <a:noFill/>
+                </a:ln>
+                <a:solidFill>
+                  <a:srgbClr val="000000"/>
+                </a:solidFill>
+                <a:effectLst/>
+                <a:latin typeface="JetBrains Mono"/>
+              </a:rPr>
+              <a:t>MainActivity</a:t>
+            </a:r>
+            <a:r>
+              <a:rPr kumimoji="0" lang="ru-RU" altLang="ru-RU" sz="1100" b="0" i="0" u="none" strike="noStrike" cap="none" normalizeH="0" baseline="0" dirty="0" err="1">
+                <a:ln>
+                  <a:noFill/>
+                </a:ln>
+                <a:solidFill>
+                  <a:srgbClr val="080808"/>
+                </a:solidFill>
+                <a:effectLst/>
+                <a:latin typeface="JetBrains Mono"/>
+              </a:rPr>
+              <a:t>.</a:t>
+            </a:r>
+            <a:r>
+              <a:rPr kumimoji="0" lang="ru-RU" altLang="ru-RU" sz="1100" b="0" i="1" u="none" strike="noStrike" cap="none" normalizeH="0" baseline="0" dirty="0" err="1">
+                <a:ln>
+                  <a:noFill/>
+                </a:ln>
+                <a:solidFill>
+                  <a:srgbClr val="871094"/>
+                </a:solidFill>
+                <a:effectLst/>
+                <a:latin typeface="JetBrains Mono"/>
+              </a:rPr>
+              <a:t>player</a:t>
+            </a:r>
+            <a:r>
+              <a:rPr kumimoji="0" lang="ru-RU" altLang="ru-RU" sz="1100" b="0" i="0" u="none" strike="noStrike" cap="none" normalizeH="0" baseline="0" dirty="0" err="1">
+                <a:ln>
+                  <a:noFill/>
+                </a:ln>
+                <a:solidFill>
+                  <a:srgbClr val="080808"/>
+                </a:solidFill>
+                <a:effectLst/>
+                <a:latin typeface="JetBrains Mono"/>
+              </a:rPr>
+              <a:t>.setEnemy</a:t>
+            </a:r>
+            <a:r>
+              <a:rPr kumimoji="0" lang="ru-RU" altLang="ru-RU" sz="1100" b="0" i="0" u="none" strike="noStrike" cap="none" normalizeH="0" baseline="0" dirty="0">
+                <a:ln>
+                  <a:noFill/>
+                </a:ln>
+                <a:solidFill>
+                  <a:srgbClr val="080808"/>
+                </a:solidFill>
+                <a:effectLst/>
+                <a:latin typeface="JetBrains Mono"/>
+              </a:rPr>
+              <a:t>(</a:t>
+            </a:r>
+            <a:r>
+              <a:rPr kumimoji="0" lang="ru-RU" altLang="ru-RU" sz="1100" b="0" i="0" u="none" strike="noStrike" cap="none" normalizeH="0" baseline="0" dirty="0" err="1">
+                <a:ln>
+                  <a:noFill/>
+                </a:ln>
+                <a:solidFill>
+                  <a:srgbClr val="0033B3"/>
+                </a:solidFill>
+                <a:effectLst/>
+                <a:latin typeface="JetBrains Mono"/>
+              </a:rPr>
+              <a:t>new</a:t>
+            </a:r>
+            <a:r>
+              <a:rPr kumimoji="0" lang="ru-RU" altLang="ru-RU" sz="1100" b="0" i="0" u="none" strike="noStrike" cap="none" normalizeH="0" baseline="0" dirty="0">
+                <a:ln>
+                  <a:noFill/>
+                </a:ln>
+                <a:solidFill>
+                  <a:srgbClr val="0033B3"/>
+                </a:solidFill>
+                <a:effectLst/>
+                <a:latin typeface="JetBrains Mono"/>
+              </a:rPr>
+              <a:t> </a:t>
+            </a:r>
+            <a:r>
+              <a:rPr kumimoji="0" lang="ru-RU" altLang="ru-RU" sz="1100" b="0" i="0" u="none" strike="noStrike" cap="none" normalizeH="0" baseline="0" dirty="0" err="1">
+                <a:ln>
+                  <a:noFill/>
+                </a:ln>
+                <a:solidFill>
+                  <a:srgbClr val="080808"/>
+                </a:solidFill>
+                <a:effectLst/>
+                <a:latin typeface="JetBrains Mono"/>
+              </a:rPr>
+              <a:t>Enemy</a:t>
+            </a:r>
+            <a:r>
+              <a:rPr kumimoji="0" lang="ru-RU" altLang="ru-RU" sz="1100" b="0" i="0" u="none" strike="noStrike" cap="none" normalizeH="0" baseline="0" dirty="0">
+                <a:ln>
+                  <a:noFill/>
+                </a:ln>
+                <a:solidFill>
+                  <a:srgbClr val="080808"/>
+                </a:solidFill>
+                <a:effectLst/>
+                <a:latin typeface="JetBrains Mono"/>
+              </a:rPr>
+              <a:t>(</a:t>
+            </a:r>
+            <a:r>
+              <a:rPr kumimoji="0" lang="ru-RU" altLang="ru-RU" sz="1100" b="0" i="0" u="none" strike="noStrike" cap="none" normalizeH="0" baseline="0" dirty="0" err="1">
+                <a:ln>
+                  <a:noFill/>
+                </a:ln>
+                <a:solidFill>
+                  <a:srgbClr val="000000"/>
+                </a:solidFill>
+                <a:effectLst/>
+                <a:latin typeface="JetBrains Mono"/>
+              </a:rPr>
+              <a:t>MainActivity</a:t>
+            </a:r>
+            <a:r>
+              <a:rPr kumimoji="0" lang="ru-RU" altLang="ru-RU" sz="1100" b="0" i="0" u="none" strike="noStrike" cap="none" normalizeH="0" baseline="0" dirty="0" err="1">
+                <a:ln>
+                  <a:noFill/>
+                </a:ln>
+                <a:solidFill>
+                  <a:srgbClr val="080808"/>
+                </a:solidFill>
+                <a:effectLst/>
+                <a:latin typeface="JetBrains Mono"/>
+              </a:rPr>
+              <a:t>.</a:t>
+            </a:r>
+            <a:r>
+              <a:rPr kumimoji="0" lang="ru-RU" altLang="ru-RU" sz="1100" b="0" i="1" u="none" strike="noStrike" cap="none" normalizeH="0" baseline="0" dirty="0" err="1">
+                <a:ln>
+                  <a:noFill/>
+                </a:ln>
+                <a:solidFill>
+                  <a:srgbClr val="871094"/>
+                </a:solidFill>
+                <a:effectLst/>
+                <a:latin typeface="JetBrains Mono"/>
+              </a:rPr>
+              <a:t>chances_of_enemy</a:t>
+            </a:r>
+            <a:r>
+              <a:rPr kumimoji="0" lang="ru-RU" altLang="ru-RU" sz="1100" b="0" i="0" u="none" strike="noStrike" cap="none" normalizeH="0" baseline="0" dirty="0" err="1">
+                <a:ln>
+                  <a:noFill/>
+                </a:ln>
+                <a:solidFill>
+                  <a:srgbClr val="080808"/>
+                </a:solidFill>
+                <a:effectLst/>
+                <a:latin typeface="JetBrains Mono"/>
+              </a:rPr>
+              <a:t>.get</a:t>
+            </a:r>
+            <a:r>
+              <a:rPr kumimoji="0" lang="ru-RU" altLang="ru-RU" sz="1100" b="0" i="0" u="none" strike="noStrike" cap="none" normalizeH="0" baseline="0" dirty="0">
+                <a:ln>
+                  <a:noFill/>
+                </a:ln>
+                <a:solidFill>
+                  <a:srgbClr val="080808"/>
+                </a:solidFill>
+                <a:effectLst/>
+                <a:latin typeface="JetBrains Mono"/>
+              </a:rPr>
+              <a:t>(</a:t>
+            </a:r>
+            <a:r>
+              <a:rPr kumimoji="0" lang="ru-RU" altLang="ru-RU" sz="1100" b="0" i="0" u="none" strike="noStrike" cap="none" normalizeH="0" baseline="0" dirty="0">
+                <a:ln>
+                  <a:noFill/>
+                </a:ln>
+                <a:solidFill>
+                  <a:srgbClr val="1750EB"/>
+                </a:solidFill>
+                <a:effectLst/>
+                <a:latin typeface="JetBrains Mono"/>
+              </a:rPr>
+              <a:t>1</a:t>
+            </a:r>
+            <a:r>
+              <a:rPr kumimoji="0" lang="ru-RU" altLang="ru-RU" sz="1100" b="0" i="0" u="none" strike="noStrike" cap="none" normalizeH="0" baseline="0" dirty="0">
+                <a:ln>
+                  <a:noFill/>
+                </a:ln>
+                <a:solidFill>
+                  <a:srgbClr val="080808"/>
+                </a:solidFill>
+                <a:effectLst/>
+                <a:latin typeface="JetBrains Mono"/>
+              </a:rPr>
+              <a:t>).</a:t>
+            </a:r>
+            <a:r>
+              <a:rPr kumimoji="0" lang="ru-RU" altLang="ru-RU" sz="1100" b="0" i="0" u="none" strike="noStrike" cap="none" normalizeH="0" baseline="0" dirty="0" err="1">
+                <a:ln>
+                  <a:noFill/>
+                </a:ln>
+                <a:solidFill>
+                  <a:srgbClr val="080808"/>
+                </a:solidFill>
+                <a:effectLst/>
+                <a:latin typeface="JetBrains Mono"/>
+              </a:rPr>
+              <a:t>get</a:t>
+            </a:r>
+            <a:r>
+              <a:rPr kumimoji="0" lang="ru-RU" altLang="ru-RU" sz="1100" b="0" i="0" u="none" strike="noStrike" cap="none" normalizeH="0" baseline="0" dirty="0">
+                <a:ln>
+                  <a:noFill/>
+                </a:ln>
+                <a:solidFill>
+                  <a:srgbClr val="080808"/>
+                </a:solidFill>
+                <a:effectLst/>
+                <a:latin typeface="JetBrains Mono"/>
+              </a:rPr>
+              <a:t>(</a:t>
+            </a:r>
+            <a:r>
+              <a:rPr kumimoji="0" lang="ru-RU" altLang="ru-RU" sz="1100" b="0" i="0" u="none" strike="noStrike" cap="none" normalizeH="0" baseline="0" dirty="0">
+                <a:ln>
+                  <a:noFill/>
+                </a:ln>
+                <a:solidFill>
+                  <a:srgbClr val="1750EB"/>
+                </a:solidFill>
+                <a:effectLst/>
+                <a:latin typeface="JetBrains Mono"/>
+              </a:rPr>
+              <a:t>30</a:t>
+            </a:r>
+            <a:r>
+              <a:rPr kumimoji="0" lang="ru-RU" altLang="ru-RU" sz="1100" b="0" i="0" u="none" strike="noStrike" cap="none" normalizeH="0" baseline="0" dirty="0">
+                <a:ln>
+                  <a:noFill/>
+                </a:ln>
+                <a:solidFill>
+                  <a:srgbClr val="080808"/>
+                </a:solidFill>
+                <a:effectLst/>
+                <a:latin typeface="JetBrains Mono"/>
+              </a:rPr>
+              <a:t>)));</a:t>
+            </a:r>
+            <a:br>
+              <a:rPr kumimoji="0" lang="ru-RU" altLang="ru-RU" sz="1100" b="0" i="0" u="none" strike="noStrike" cap="none" normalizeH="0" baseline="0" dirty="0">
+                <a:ln>
+                  <a:noFill/>
+                </a:ln>
+                <a:solidFill>
+                  <a:srgbClr val="080808"/>
+                </a:solidFill>
+                <a:effectLst/>
+                <a:latin typeface="JetBrains Mono"/>
+              </a:rPr>
+            </a:br>
+            <a:r>
+              <a:rPr kumimoji="0" lang="ru-RU" altLang="ru-RU" sz="1100" b="0" i="0" u="none" strike="noStrike" cap="none" normalizeH="0" baseline="0" dirty="0">
+                <a:ln>
+                  <a:noFill/>
+                </a:ln>
+                <a:solidFill>
+                  <a:srgbClr val="080808"/>
+                </a:solidFill>
+                <a:effectLst/>
+                <a:latin typeface="JetBrains Mono"/>
+              </a:rPr>
+              <a:t>        </a:t>
+            </a:r>
+            <a:r>
+              <a:rPr kumimoji="0" lang="ru-RU" altLang="ru-RU" sz="1100" b="0" i="0" u="none" strike="noStrike" cap="none" normalizeH="0" baseline="0" dirty="0" err="1">
+                <a:ln>
+                  <a:noFill/>
+                </a:ln>
+                <a:solidFill>
+                  <a:srgbClr val="0033B3"/>
+                </a:solidFill>
+                <a:effectLst/>
+                <a:latin typeface="JetBrains Mono"/>
+              </a:rPr>
+              <a:t>else</a:t>
+            </a:r>
+            <a:r>
+              <a:rPr kumimoji="0" lang="ru-RU" altLang="ru-RU" sz="1100" b="0" i="0" u="none" strike="noStrike" cap="none" normalizeH="0" baseline="0" dirty="0">
+                <a:ln>
+                  <a:noFill/>
+                </a:ln>
+                <a:solidFill>
+                  <a:srgbClr val="0033B3"/>
+                </a:solidFill>
+                <a:effectLst/>
+                <a:latin typeface="JetBrains Mono"/>
+              </a:rPr>
+              <a:t> </a:t>
+            </a:r>
+            <a:r>
+              <a:rPr kumimoji="0" lang="ru-RU" altLang="ru-RU" sz="1100" b="0" i="0" u="none" strike="noStrike" cap="none" normalizeH="0" baseline="0" dirty="0" err="1">
+                <a:ln>
+                  <a:noFill/>
+                </a:ln>
+                <a:solidFill>
+                  <a:srgbClr val="000000"/>
+                </a:solidFill>
+                <a:effectLst/>
+                <a:latin typeface="JetBrains Mono"/>
+              </a:rPr>
+              <a:t>MainActivity</a:t>
+            </a:r>
+            <a:r>
+              <a:rPr kumimoji="0" lang="ru-RU" altLang="ru-RU" sz="1100" b="0" i="0" u="none" strike="noStrike" cap="none" normalizeH="0" baseline="0" dirty="0" err="1">
+                <a:ln>
+                  <a:noFill/>
+                </a:ln>
+                <a:solidFill>
+                  <a:srgbClr val="080808"/>
+                </a:solidFill>
+                <a:effectLst/>
+                <a:latin typeface="JetBrains Mono"/>
+              </a:rPr>
+              <a:t>.</a:t>
+            </a:r>
+            <a:r>
+              <a:rPr kumimoji="0" lang="ru-RU" altLang="ru-RU" sz="1100" b="0" i="1" u="none" strike="noStrike" cap="none" normalizeH="0" baseline="0" dirty="0" err="1">
+                <a:ln>
+                  <a:noFill/>
+                </a:ln>
+                <a:solidFill>
+                  <a:srgbClr val="871094"/>
+                </a:solidFill>
+                <a:effectLst/>
+                <a:latin typeface="JetBrains Mono"/>
+              </a:rPr>
+              <a:t>player</a:t>
+            </a:r>
+            <a:r>
+              <a:rPr kumimoji="0" lang="ru-RU" altLang="ru-RU" sz="1100" b="0" i="0" u="none" strike="noStrike" cap="none" normalizeH="0" baseline="0" dirty="0" err="1">
+                <a:ln>
+                  <a:noFill/>
+                </a:ln>
+                <a:solidFill>
+                  <a:srgbClr val="080808"/>
+                </a:solidFill>
+                <a:effectLst/>
+                <a:latin typeface="JetBrains Mono"/>
+              </a:rPr>
+              <a:t>.setEnemy</a:t>
+            </a:r>
+            <a:r>
+              <a:rPr kumimoji="0" lang="ru-RU" altLang="ru-RU" sz="1100" b="0" i="0" u="none" strike="noStrike" cap="none" normalizeH="0" baseline="0" dirty="0">
+                <a:ln>
+                  <a:noFill/>
+                </a:ln>
+                <a:solidFill>
+                  <a:srgbClr val="080808"/>
+                </a:solidFill>
+                <a:effectLst/>
+                <a:latin typeface="JetBrains Mono"/>
+              </a:rPr>
+              <a:t>(</a:t>
+            </a:r>
+            <a:r>
+              <a:rPr kumimoji="0" lang="ru-RU" altLang="ru-RU" sz="1100" b="0" i="0" u="none" strike="noStrike" cap="none" normalizeH="0" baseline="0" dirty="0" err="1">
+                <a:ln>
+                  <a:noFill/>
+                </a:ln>
+                <a:solidFill>
+                  <a:srgbClr val="0033B3"/>
+                </a:solidFill>
+                <a:effectLst/>
+                <a:latin typeface="JetBrains Mono"/>
+              </a:rPr>
+              <a:t>new</a:t>
+            </a:r>
+            <a:r>
+              <a:rPr kumimoji="0" lang="ru-RU" altLang="ru-RU" sz="1100" b="0" i="0" u="none" strike="noStrike" cap="none" normalizeH="0" baseline="0" dirty="0">
+                <a:ln>
+                  <a:noFill/>
+                </a:ln>
+                <a:solidFill>
+                  <a:srgbClr val="0033B3"/>
+                </a:solidFill>
+                <a:effectLst/>
+                <a:latin typeface="JetBrains Mono"/>
+              </a:rPr>
+              <a:t> </a:t>
+            </a:r>
+            <a:r>
+              <a:rPr kumimoji="0" lang="ru-RU" altLang="ru-RU" sz="1100" b="0" i="0" u="none" strike="noStrike" cap="none" normalizeH="0" baseline="0" dirty="0" err="1">
+                <a:ln>
+                  <a:noFill/>
+                </a:ln>
+                <a:solidFill>
+                  <a:srgbClr val="080808"/>
+                </a:solidFill>
+                <a:effectLst/>
+                <a:latin typeface="JetBrains Mono"/>
+              </a:rPr>
+              <a:t>Enemy</a:t>
+            </a:r>
+            <a:r>
+              <a:rPr kumimoji="0" lang="ru-RU" altLang="ru-RU" sz="1100" b="0" i="0" u="none" strike="noStrike" cap="none" normalizeH="0" baseline="0" dirty="0">
+                <a:ln>
+                  <a:noFill/>
+                </a:ln>
+                <a:solidFill>
+                  <a:srgbClr val="080808"/>
+                </a:solidFill>
+                <a:effectLst/>
+                <a:latin typeface="JetBrains Mono"/>
+              </a:rPr>
+              <a:t>(</a:t>
+            </a:r>
+            <a:r>
+              <a:rPr kumimoji="0" lang="ru-RU" altLang="ru-RU" sz="1100" b="0" i="0" u="none" strike="noStrike" cap="none" normalizeH="0" baseline="0" dirty="0" err="1">
+                <a:ln>
+                  <a:noFill/>
+                </a:ln>
+                <a:solidFill>
+                  <a:srgbClr val="000000"/>
+                </a:solidFill>
+                <a:effectLst/>
+                <a:latin typeface="JetBrains Mono"/>
+              </a:rPr>
+              <a:t>MainActivity</a:t>
+            </a:r>
+            <a:r>
+              <a:rPr kumimoji="0" lang="ru-RU" altLang="ru-RU" sz="1100" b="0" i="0" u="none" strike="noStrike" cap="none" normalizeH="0" baseline="0" dirty="0" err="1">
+                <a:ln>
+                  <a:noFill/>
+                </a:ln>
+                <a:solidFill>
+                  <a:srgbClr val="080808"/>
+                </a:solidFill>
+                <a:effectLst/>
+                <a:latin typeface="JetBrains Mono"/>
+              </a:rPr>
+              <a:t>.</a:t>
+            </a:r>
+            <a:r>
+              <a:rPr kumimoji="0" lang="ru-RU" altLang="ru-RU" sz="1100" b="0" i="1" u="none" strike="noStrike" cap="none" normalizeH="0" baseline="0" dirty="0" err="1">
+                <a:ln>
+                  <a:noFill/>
+                </a:ln>
+                <a:solidFill>
+                  <a:srgbClr val="871094"/>
+                </a:solidFill>
+                <a:effectLst/>
+                <a:latin typeface="JetBrains Mono"/>
+              </a:rPr>
+              <a:t>chances_of_enemy</a:t>
+            </a:r>
+            <a:r>
+              <a:rPr kumimoji="0" lang="ru-RU" altLang="ru-RU" sz="1100" b="0" i="0" u="none" strike="noStrike" cap="none" normalizeH="0" baseline="0" dirty="0" err="1">
+                <a:ln>
+                  <a:noFill/>
+                </a:ln>
+                <a:solidFill>
+                  <a:srgbClr val="080808"/>
+                </a:solidFill>
+                <a:effectLst/>
+                <a:latin typeface="JetBrains Mono"/>
+              </a:rPr>
+              <a:t>.get</a:t>
+            </a:r>
+            <a:r>
+              <a:rPr kumimoji="0" lang="ru-RU" altLang="ru-RU" sz="1100" b="0" i="0" u="none" strike="noStrike" cap="none" normalizeH="0" baseline="0" dirty="0">
+                <a:ln>
+                  <a:noFill/>
+                </a:ln>
+                <a:solidFill>
+                  <a:srgbClr val="080808"/>
+                </a:solidFill>
+                <a:effectLst/>
+                <a:latin typeface="JetBrains Mono"/>
+              </a:rPr>
+              <a:t>(</a:t>
+            </a:r>
+            <a:r>
+              <a:rPr kumimoji="0" lang="ru-RU" altLang="ru-RU" sz="1100" b="0" i="0" u="none" strike="noStrike" cap="none" normalizeH="0" baseline="0" dirty="0">
+                <a:ln>
+                  <a:noFill/>
+                </a:ln>
+                <a:solidFill>
+                  <a:srgbClr val="1750EB"/>
+                </a:solidFill>
+                <a:effectLst/>
+                <a:latin typeface="JetBrains Mono"/>
+              </a:rPr>
+              <a:t>1</a:t>
+            </a:r>
+            <a:r>
+              <a:rPr kumimoji="0" lang="ru-RU" altLang="ru-RU" sz="1100" b="0" i="0" u="none" strike="noStrike" cap="none" normalizeH="0" baseline="0" dirty="0">
+                <a:ln>
+                  <a:noFill/>
+                </a:ln>
+                <a:solidFill>
+                  <a:srgbClr val="080808"/>
+                </a:solidFill>
+                <a:effectLst/>
+                <a:latin typeface="JetBrains Mono"/>
+              </a:rPr>
+              <a:t>).</a:t>
+            </a:r>
+            <a:r>
+              <a:rPr kumimoji="0" lang="ru-RU" altLang="ru-RU" sz="1100" b="0" i="0" u="none" strike="noStrike" cap="none" normalizeH="0" baseline="0" dirty="0" err="1">
+                <a:ln>
+                  <a:noFill/>
+                </a:ln>
+                <a:solidFill>
+                  <a:srgbClr val="080808"/>
+                </a:solidFill>
+                <a:effectLst/>
+                <a:latin typeface="JetBrains Mono"/>
+              </a:rPr>
+              <a:t>get</a:t>
+            </a:r>
+            <a:r>
+              <a:rPr kumimoji="0" lang="ru-RU" altLang="ru-RU" sz="1100" b="0" i="0" u="none" strike="noStrike" cap="none" normalizeH="0" baseline="0" dirty="0">
+                <a:ln>
+                  <a:noFill/>
+                </a:ln>
+                <a:solidFill>
+                  <a:srgbClr val="080808"/>
+                </a:solidFill>
+                <a:effectLst/>
+                <a:latin typeface="JetBrains Mono"/>
+              </a:rPr>
+              <a:t>(</a:t>
+            </a:r>
+            <a:r>
+              <a:rPr kumimoji="0" lang="ru-RU" altLang="ru-RU" sz="1100" b="0" i="0" u="none" strike="noStrike" cap="none" normalizeH="0" baseline="0" dirty="0">
+                <a:ln>
+                  <a:noFill/>
+                </a:ln>
+                <a:solidFill>
+                  <a:srgbClr val="1750EB"/>
+                </a:solidFill>
+                <a:effectLst/>
+                <a:latin typeface="JetBrains Mono"/>
+              </a:rPr>
+              <a:t>70</a:t>
+            </a:r>
+            <a:r>
+              <a:rPr kumimoji="0" lang="ru-RU" altLang="ru-RU" sz="1100" b="0" i="0" u="none" strike="noStrike" cap="none" normalizeH="0" baseline="0" dirty="0">
+                <a:ln>
+                  <a:noFill/>
+                </a:ln>
+                <a:solidFill>
+                  <a:srgbClr val="080808"/>
+                </a:solidFill>
+                <a:effectLst/>
+                <a:latin typeface="JetBrains Mono"/>
+              </a:rPr>
+              <a:t>)));</a:t>
+            </a:r>
+            <a:br>
+              <a:rPr kumimoji="0" lang="ru-RU" altLang="ru-RU" sz="1100" b="0" i="0" u="none" strike="noStrike" cap="none" normalizeH="0" baseline="0" dirty="0">
+                <a:ln>
+                  <a:noFill/>
+                </a:ln>
+                <a:solidFill>
+                  <a:srgbClr val="080808"/>
+                </a:solidFill>
+                <a:effectLst/>
+                <a:latin typeface="JetBrains Mono"/>
+              </a:rPr>
+            </a:br>
+            <a:r>
+              <a:rPr kumimoji="0" lang="ru-RU" altLang="ru-RU" sz="1100" b="0" i="0" u="none" strike="noStrike" cap="none" normalizeH="0" baseline="0" dirty="0">
+                <a:ln>
+                  <a:noFill/>
+                </a:ln>
+                <a:solidFill>
+                  <a:srgbClr val="080808"/>
+                </a:solidFill>
+                <a:effectLst/>
+                <a:latin typeface="JetBrains Mono"/>
+              </a:rPr>
+              <a:t>        </a:t>
+            </a:r>
+            <a:r>
+              <a:rPr kumimoji="0" lang="ru-RU" altLang="ru-RU" sz="1100" b="0" i="0" u="none" strike="noStrike" cap="none" normalizeH="0" baseline="0" dirty="0" err="1">
+                <a:ln>
+                  <a:noFill/>
+                </a:ln>
+                <a:solidFill>
+                  <a:srgbClr val="0033B3"/>
+                </a:solidFill>
+                <a:effectLst/>
+                <a:latin typeface="JetBrains Mono"/>
+              </a:rPr>
+              <a:t>break</a:t>
+            </a:r>
+            <a:r>
+              <a:rPr kumimoji="0" lang="ru-RU" altLang="ru-RU" sz="1100" b="0" i="0" u="none" strike="noStrike" cap="none" normalizeH="0" baseline="0" dirty="0">
+                <a:ln>
+                  <a:noFill/>
+                </a:ln>
+                <a:solidFill>
+                  <a:srgbClr val="080808"/>
+                </a:solidFill>
+                <a:effectLst/>
+                <a:latin typeface="JetBrains Mono"/>
+              </a:rPr>
+              <a:t>;</a:t>
+            </a:r>
+            <a:br>
+              <a:rPr kumimoji="0" lang="ru-RU" altLang="ru-RU" sz="1100" b="0" i="0" u="none" strike="noStrike" cap="none" normalizeH="0" baseline="0" dirty="0">
+                <a:ln>
+                  <a:noFill/>
+                </a:ln>
+                <a:solidFill>
+                  <a:srgbClr val="080808"/>
+                </a:solidFill>
+                <a:effectLst/>
+                <a:latin typeface="JetBrains Mono"/>
+              </a:rPr>
+            </a:br>
+            <a:r>
+              <a:rPr kumimoji="0" lang="ru-RU" altLang="ru-RU" sz="1100" b="0" i="0" u="none" strike="noStrike" cap="none" normalizeH="0" baseline="0" dirty="0">
+                <a:ln>
+                  <a:noFill/>
+                </a:ln>
+                <a:solidFill>
+                  <a:srgbClr val="080808"/>
+                </a:solidFill>
+                <a:effectLst/>
+                <a:latin typeface="JetBrains Mono"/>
+              </a:rPr>
+              <a:t>    }</a:t>
+            </a:r>
+            <a:br>
+              <a:rPr kumimoji="0" lang="ru-RU" altLang="ru-RU" sz="1100" b="0" i="0" u="none" strike="noStrike" cap="none" normalizeH="0" baseline="0" dirty="0">
+                <a:ln>
+                  <a:noFill/>
+                </a:ln>
+                <a:solidFill>
+                  <a:srgbClr val="080808"/>
+                </a:solidFill>
+                <a:effectLst/>
+                <a:latin typeface="JetBrains Mono"/>
+              </a:rPr>
+            </a:br>
+            <a:r>
+              <a:rPr kumimoji="0" lang="ru-RU" altLang="ru-RU" sz="1100" b="0" i="0" u="none" strike="noStrike" cap="none" normalizeH="0" baseline="0" dirty="0">
+                <a:ln>
+                  <a:noFill/>
+                </a:ln>
+                <a:solidFill>
+                  <a:srgbClr val="080808"/>
+                </a:solidFill>
+                <a:effectLst/>
+                <a:latin typeface="JetBrains Mono"/>
+              </a:rPr>
+              <a:t>    </a:t>
+            </a:r>
+            <a:r>
+              <a:rPr kumimoji="0" lang="ru-RU" altLang="ru-RU" sz="1100" b="0" i="0" u="none" strike="noStrike" cap="none" normalizeH="0" baseline="0" dirty="0" err="1">
+                <a:ln>
+                  <a:noFill/>
+                </a:ln>
+                <a:solidFill>
+                  <a:srgbClr val="0033B3"/>
+                </a:solidFill>
+                <a:effectLst/>
+                <a:latin typeface="JetBrains Mono"/>
+              </a:rPr>
+              <a:t>case</a:t>
+            </a:r>
+            <a:r>
+              <a:rPr kumimoji="0" lang="ru-RU" altLang="ru-RU" sz="1100" b="0" i="0" u="none" strike="noStrike" cap="none" normalizeH="0" baseline="0" dirty="0">
+                <a:ln>
+                  <a:noFill/>
+                </a:ln>
+                <a:solidFill>
+                  <a:srgbClr val="0033B3"/>
+                </a:solidFill>
+                <a:effectLst/>
+                <a:latin typeface="JetBrains Mono"/>
+              </a:rPr>
+              <a:t> </a:t>
+            </a:r>
+            <a:r>
+              <a:rPr kumimoji="0" lang="ru-RU" altLang="ru-RU" sz="1100" b="0" i="0" u="none" strike="noStrike" cap="none" normalizeH="0" baseline="0" dirty="0">
+                <a:ln>
+                  <a:noFill/>
+                </a:ln>
+                <a:solidFill>
+                  <a:srgbClr val="1750EB"/>
+                </a:solidFill>
+                <a:effectLst/>
+                <a:latin typeface="JetBrains Mono"/>
+              </a:rPr>
+              <a:t>2</a:t>
+            </a:r>
+            <a:r>
+              <a:rPr kumimoji="0" lang="ru-RU" altLang="ru-RU" sz="1100" b="0" i="0" u="none" strike="noStrike" cap="none" normalizeH="0" baseline="0" dirty="0">
+                <a:ln>
+                  <a:noFill/>
+                </a:ln>
+                <a:solidFill>
+                  <a:srgbClr val="080808"/>
+                </a:solidFill>
+                <a:effectLst/>
+                <a:latin typeface="JetBrains Mono"/>
+              </a:rPr>
+              <a:t>:{</a:t>
+            </a:r>
+            <a:br>
+              <a:rPr kumimoji="0" lang="ru-RU" altLang="ru-RU" sz="1100" b="0" i="0" u="none" strike="noStrike" cap="none" normalizeH="0" baseline="0" dirty="0">
+                <a:ln>
+                  <a:noFill/>
+                </a:ln>
+                <a:solidFill>
+                  <a:srgbClr val="080808"/>
+                </a:solidFill>
+                <a:effectLst/>
+                <a:latin typeface="JetBrains Mono"/>
+              </a:rPr>
+            </a:br>
+            <a:r>
+              <a:rPr kumimoji="0" lang="ru-RU" altLang="ru-RU" sz="1100" b="0" i="0" u="none" strike="noStrike" cap="none" normalizeH="0" baseline="0" dirty="0">
+                <a:ln>
+                  <a:noFill/>
+                </a:ln>
+                <a:solidFill>
+                  <a:srgbClr val="080808"/>
+                </a:solidFill>
+                <a:effectLst/>
+                <a:latin typeface="JetBrains Mono"/>
+              </a:rPr>
+              <a:t>        </a:t>
+            </a:r>
+            <a:r>
+              <a:rPr kumimoji="0" lang="ru-RU" altLang="ru-RU" sz="1100" b="0" i="0" u="none" strike="noStrike" cap="none" normalizeH="0" baseline="0" dirty="0" err="1">
+                <a:ln>
+                  <a:noFill/>
+                </a:ln>
+                <a:solidFill>
+                  <a:srgbClr val="0033B3"/>
+                </a:solidFill>
+                <a:effectLst/>
+                <a:latin typeface="JetBrains Mono"/>
+              </a:rPr>
+              <a:t>if</a:t>
+            </a:r>
+            <a:r>
+              <a:rPr kumimoji="0" lang="ru-RU" altLang="ru-RU" sz="1100" b="0" i="0" u="none" strike="noStrike" cap="none" normalizeH="0" baseline="0" dirty="0">
+                <a:ln>
+                  <a:noFill/>
+                </a:ln>
+                <a:solidFill>
+                  <a:srgbClr val="0033B3"/>
+                </a:solidFill>
+                <a:effectLst/>
+                <a:latin typeface="JetBrains Mono"/>
+              </a:rPr>
+              <a:t> </a:t>
+            </a:r>
+            <a:r>
+              <a:rPr kumimoji="0" lang="ru-RU" altLang="ru-RU" sz="1100" b="0" i="0" u="none" strike="noStrike" cap="none" normalizeH="0" baseline="0" dirty="0">
+                <a:ln>
+                  <a:noFill/>
+                </a:ln>
+                <a:solidFill>
+                  <a:srgbClr val="080808"/>
+                </a:solidFill>
+                <a:effectLst/>
+                <a:latin typeface="JetBrains Mono"/>
+              </a:rPr>
+              <a:t>(a&lt;</a:t>
+            </a:r>
+            <a:r>
+              <a:rPr kumimoji="0" lang="ru-RU" altLang="ru-RU" sz="1100" b="0" i="0" u="none" strike="noStrike" cap="none" normalizeH="0" baseline="0" dirty="0">
+                <a:ln>
+                  <a:noFill/>
+                </a:ln>
+                <a:solidFill>
+                  <a:srgbClr val="1750EB"/>
+                </a:solidFill>
+                <a:effectLst/>
+                <a:latin typeface="JetBrains Mono"/>
+              </a:rPr>
+              <a:t>60</a:t>
+            </a:r>
+            <a:r>
+              <a:rPr kumimoji="0" lang="ru-RU" altLang="ru-RU" sz="1100" b="0" i="0" u="none" strike="noStrike" cap="none" normalizeH="0" baseline="0" dirty="0">
+                <a:ln>
+                  <a:noFill/>
+                </a:ln>
+                <a:solidFill>
+                  <a:srgbClr val="080808"/>
+                </a:solidFill>
+                <a:effectLst/>
+                <a:latin typeface="JetBrains Mono"/>
+              </a:rPr>
+              <a:t>)</a:t>
+            </a:r>
+            <a:br>
+              <a:rPr kumimoji="0" lang="ru-RU" altLang="ru-RU" sz="1100" b="0" i="0" u="none" strike="noStrike" cap="none" normalizeH="0" baseline="0" dirty="0">
+                <a:ln>
+                  <a:noFill/>
+                </a:ln>
+                <a:solidFill>
+                  <a:srgbClr val="080808"/>
+                </a:solidFill>
+                <a:effectLst/>
+                <a:latin typeface="JetBrains Mono"/>
+              </a:rPr>
+            </a:br>
+            <a:r>
+              <a:rPr kumimoji="0" lang="ru-RU" altLang="ru-RU" sz="1100" b="0" i="0" u="none" strike="noStrike" cap="none" normalizeH="0" baseline="0" dirty="0">
+                <a:ln>
+                  <a:noFill/>
+                </a:ln>
+                <a:solidFill>
+                  <a:srgbClr val="080808"/>
+                </a:solidFill>
+                <a:effectLst/>
+                <a:latin typeface="JetBrains Mono"/>
+              </a:rPr>
+              <a:t>            </a:t>
+            </a:r>
+            <a:r>
+              <a:rPr kumimoji="0" lang="ru-RU" altLang="ru-RU" sz="1100" b="0" i="0" u="none" strike="noStrike" cap="none" normalizeH="0" baseline="0" dirty="0" err="1">
+                <a:ln>
+                  <a:noFill/>
+                </a:ln>
+                <a:solidFill>
+                  <a:srgbClr val="000000"/>
+                </a:solidFill>
+                <a:effectLst/>
+                <a:latin typeface="JetBrains Mono"/>
+              </a:rPr>
+              <a:t>MainActivity</a:t>
+            </a:r>
+            <a:r>
+              <a:rPr kumimoji="0" lang="ru-RU" altLang="ru-RU" sz="1100" b="0" i="0" u="none" strike="noStrike" cap="none" normalizeH="0" baseline="0" dirty="0" err="1">
+                <a:ln>
+                  <a:noFill/>
+                </a:ln>
+                <a:solidFill>
+                  <a:srgbClr val="080808"/>
+                </a:solidFill>
+                <a:effectLst/>
+                <a:latin typeface="JetBrains Mono"/>
+              </a:rPr>
+              <a:t>.</a:t>
+            </a:r>
+            <a:r>
+              <a:rPr kumimoji="0" lang="ru-RU" altLang="ru-RU" sz="1100" b="0" i="1" u="none" strike="noStrike" cap="none" normalizeH="0" baseline="0" dirty="0" err="1">
+                <a:ln>
+                  <a:noFill/>
+                </a:ln>
+                <a:solidFill>
+                  <a:srgbClr val="871094"/>
+                </a:solidFill>
+                <a:effectLst/>
+                <a:latin typeface="JetBrains Mono"/>
+              </a:rPr>
+              <a:t>player</a:t>
+            </a:r>
+            <a:r>
+              <a:rPr kumimoji="0" lang="ru-RU" altLang="ru-RU" sz="1100" b="0" i="0" u="none" strike="noStrike" cap="none" normalizeH="0" baseline="0" dirty="0" err="1">
+                <a:ln>
+                  <a:noFill/>
+                </a:ln>
+                <a:solidFill>
+                  <a:srgbClr val="080808"/>
+                </a:solidFill>
+                <a:effectLst/>
+                <a:latin typeface="JetBrains Mono"/>
+              </a:rPr>
+              <a:t>.setEnemy</a:t>
+            </a:r>
+            <a:r>
+              <a:rPr kumimoji="0" lang="ru-RU" altLang="ru-RU" sz="1100" b="0" i="0" u="none" strike="noStrike" cap="none" normalizeH="0" baseline="0" dirty="0">
+                <a:ln>
+                  <a:noFill/>
+                </a:ln>
+                <a:solidFill>
+                  <a:srgbClr val="080808"/>
+                </a:solidFill>
+                <a:effectLst/>
+                <a:latin typeface="JetBrains Mono"/>
+              </a:rPr>
+              <a:t>(</a:t>
+            </a:r>
+            <a:r>
+              <a:rPr kumimoji="0" lang="ru-RU" altLang="ru-RU" sz="1100" b="0" i="0" u="none" strike="noStrike" cap="none" normalizeH="0" baseline="0" dirty="0" err="1">
+                <a:ln>
+                  <a:noFill/>
+                </a:ln>
+                <a:solidFill>
+                  <a:srgbClr val="0033B3"/>
+                </a:solidFill>
+                <a:effectLst/>
+                <a:latin typeface="JetBrains Mono"/>
+              </a:rPr>
+              <a:t>new</a:t>
+            </a:r>
+            <a:r>
+              <a:rPr kumimoji="0" lang="ru-RU" altLang="ru-RU" sz="1100" b="0" i="0" u="none" strike="noStrike" cap="none" normalizeH="0" baseline="0" dirty="0">
+                <a:ln>
+                  <a:noFill/>
+                </a:ln>
+                <a:solidFill>
+                  <a:srgbClr val="0033B3"/>
+                </a:solidFill>
+                <a:effectLst/>
+                <a:latin typeface="JetBrains Mono"/>
+              </a:rPr>
+              <a:t> </a:t>
+            </a:r>
+            <a:r>
+              <a:rPr kumimoji="0" lang="ru-RU" altLang="ru-RU" sz="1100" b="0" i="0" u="none" strike="noStrike" cap="none" normalizeH="0" baseline="0" dirty="0" err="1">
+                <a:ln>
+                  <a:noFill/>
+                </a:ln>
+                <a:solidFill>
+                  <a:srgbClr val="080808"/>
+                </a:solidFill>
+                <a:effectLst/>
+                <a:latin typeface="JetBrains Mono"/>
+              </a:rPr>
+              <a:t>Enemy</a:t>
+            </a:r>
+            <a:r>
+              <a:rPr kumimoji="0" lang="ru-RU" altLang="ru-RU" sz="1100" b="0" i="0" u="none" strike="noStrike" cap="none" normalizeH="0" baseline="0" dirty="0">
+                <a:ln>
+                  <a:noFill/>
+                </a:ln>
+                <a:solidFill>
+                  <a:srgbClr val="080808"/>
+                </a:solidFill>
+                <a:effectLst/>
+                <a:latin typeface="JetBrains Mono"/>
+              </a:rPr>
+              <a:t>(</a:t>
+            </a:r>
+            <a:r>
+              <a:rPr kumimoji="0" lang="ru-RU" altLang="ru-RU" sz="1100" b="0" i="0" u="none" strike="noStrike" cap="none" normalizeH="0" baseline="0" dirty="0" err="1">
+                <a:ln>
+                  <a:noFill/>
+                </a:ln>
+                <a:solidFill>
+                  <a:srgbClr val="000000"/>
+                </a:solidFill>
+                <a:effectLst/>
+                <a:latin typeface="JetBrains Mono"/>
+              </a:rPr>
+              <a:t>MainActivity</a:t>
+            </a:r>
+            <a:r>
+              <a:rPr kumimoji="0" lang="ru-RU" altLang="ru-RU" sz="1100" b="0" i="0" u="none" strike="noStrike" cap="none" normalizeH="0" baseline="0" dirty="0" err="1">
+                <a:ln>
+                  <a:noFill/>
+                </a:ln>
+                <a:solidFill>
+                  <a:srgbClr val="080808"/>
+                </a:solidFill>
+                <a:effectLst/>
+                <a:latin typeface="JetBrains Mono"/>
+              </a:rPr>
+              <a:t>.</a:t>
+            </a:r>
+            <a:r>
+              <a:rPr kumimoji="0" lang="ru-RU" altLang="ru-RU" sz="1100" b="0" i="1" u="none" strike="noStrike" cap="none" normalizeH="0" baseline="0" dirty="0" err="1">
+                <a:ln>
+                  <a:noFill/>
+                </a:ln>
+                <a:solidFill>
+                  <a:srgbClr val="871094"/>
+                </a:solidFill>
+                <a:effectLst/>
+                <a:latin typeface="JetBrains Mono"/>
+              </a:rPr>
+              <a:t>chances_of_enemy</a:t>
+            </a:r>
+            <a:r>
+              <a:rPr kumimoji="0" lang="ru-RU" altLang="ru-RU" sz="1100" b="0" i="0" u="none" strike="noStrike" cap="none" normalizeH="0" baseline="0" dirty="0" err="1">
+                <a:ln>
+                  <a:noFill/>
+                </a:ln>
+                <a:solidFill>
+                  <a:srgbClr val="080808"/>
+                </a:solidFill>
+                <a:effectLst/>
+                <a:latin typeface="JetBrains Mono"/>
+              </a:rPr>
+              <a:t>.get</a:t>
+            </a:r>
+            <a:r>
+              <a:rPr kumimoji="0" lang="ru-RU" altLang="ru-RU" sz="1100" b="0" i="0" u="none" strike="noStrike" cap="none" normalizeH="0" baseline="0" dirty="0">
+                <a:ln>
+                  <a:noFill/>
+                </a:ln>
+                <a:solidFill>
+                  <a:srgbClr val="080808"/>
+                </a:solidFill>
+                <a:effectLst/>
+                <a:latin typeface="JetBrains Mono"/>
+              </a:rPr>
+              <a:t>(</a:t>
+            </a:r>
+            <a:r>
+              <a:rPr kumimoji="0" lang="ru-RU" altLang="ru-RU" sz="1100" b="0" i="0" u="none" strike="noStrike" cap="none" normalizeH="0" baseline="0" dirty="0">
+                <a:ln>
+                  <a:noFill/>
+                </a:ln>
+                <a:solidFill>
+                  <a:srgbClr val="1750EB"/>
+                </a:solidFill>
+                <a:effectLst/>
+                <a:latin typeface="JetBrains Mono"/>
+              </a:rPr>
+              <a:t>2</a:t>
+            </a:r>
+            <a:r>
+              <a:rPr kumimoji="0" lang="ru-RU" altLang="ru-RU" sz="1100" b="0" i="0" u="none" strike="noStrike" cap="none" normalizeH="0" baseline="0" dirty="0">
+                <a:ln>
+                  <a:noFill/>
+                </a:ln>
+                <a:solidFill>
+                  <a:srgbClr val="080808"/>
+                </a:solidFill>
+                <a:effectLst/>
+                <a:latin typeface="JetBrains Mono"/>
+              </a:rPr>
+              <a:t>).</a:t>
+            </a:r>
+            <a:r>
+              <a:rPr kumimoji="0" lang="ru-RU" altLang="ru-RU" sz="1100" b="0" i="0" u="none" strike="noStrike" cap="none" normalizeH="0" baseline="0" dirty="0" err="1">
+                <a:ln>
+                  <a:noFill/>
+                </a:ln>
+                <a:solidFill>
+                  <a:srgbClr val="080808"/>
+                </a:solidFill>
+                <a:effectLst/>
+                <a:latin typeface="JetBrains Mono"/>
+              </a:rPr>
+              <a:t>get</a:t>
+            </a:r>
+            <a:r>
+              <a:rPr kumimoji="0" lang="ru-RU" altLang="ru-RU" sz="1100" b="0" i="0" u="none" strike="noStrike" cap="none" normalizeH="0" baseline="0" dirty="0">
+                <a:ln>
+                  <a:noFill/>
+                </a:ln>
+                <a:solidFill>
+                  <a:srgbClr val="080808"/>
+                </a:solidFill>
+                <a:effectLst/>
+                <a:latin typeface="JetBrains Mono"/>
+              </a:rPr>
+              <a:t>(</a:t>
+            </a:r>
+            <a:r>
+              <a:rPr kumimoji="0" lang="ru-RU" altLang="ru-RU" sz="1100" b="0" i="0" u="none" strike="noStrike" cap="none" normalizeH="0" baseline="0" dirty="0">
+                <a:ln>
+                  <a:noFill/>
+                </a:ln>
+                <a:solidFill>
+                  <a:srgbClr val="1750EB"/>
+                </a:solidFill>
+                <a:effectLst/>
+                <a:latin typeface="JetBrains Mono"/>
+              </a:rPr>
+              <a:t>60</a:t>
+            </a:r>
+            <a:r>
+              <a:rPr kumimoji="0" lang="ru-RU" altLang="ru-RU" sz="1100" b="0" i="0" u="none" strike="noStrike" cap="none" normalizeH="0" baseline="0" dirty="0">
+                <a:ln>
+                  <a:noFill/>
+                </a:ln>
+                <a:solidFill>
+                  <a:srgbClr val="080808"/>
+                </a:solidFill>
+                <a:effectLst/>
+                <a:latin typeface="JetBrains Mono"/>
+              </a:rPr>
+              <a:t>)));</a:t>
+            </a:r>
+            <a:br>
+              <a:rPr kumimoji="0" lang="ru-RU" altLang="ru-RU" sz="1100" b="0" i="0" u="none" strike="noStrike" cap="none" normalizeH="0" baseline="0" dirty="0">
+                <a:ln>
+                  <a:noFill/>
+                </a:ln>
+                <a:solidFill>
+                  <a:srgbClr val="080808"/>
+                </a:solidFill>
+                <a:effectLst/>
+                <a:latin typeface="JetBrains Mono"/>
+              </a:rPr>
+            </a:br>
+            <a:r>
+              <a:rPr kumimoji="0" lang="ru-RU" altLang="ru-RU" sz="1100" b="0" i="0" u="none" strike="noStrike" cap="none" normalizeH="0" baseline="0" dirty="0">
+                <a:ln>
+                  <a:noFill/>
+                </a:ln>
+                <a:solidFill>
+                  <a:srgbClr val="080808"/>
+                </a:solidFill>
+                <a:effectLst/>
+                <a:latin typeface="JetBrains Mono"/>
+              </a:rPr>
+              <a:t>        </a:t>
+            </a:r>
+            <a:r>
+              <a:rPr kumimoji="0" lang="ru-RU" altLang="ru-RU" sz="1100" b="0" i="0" u="none" strike="noStrike" cap="none" normalizeH="0" baseline="0" dirty="0" err="1">
+                <a:ln>
+                  <a:noFill/>
+                </a:ln>
+                <a:solidFill>
+                  <a:srgbClr val="0033B3"/>
+                </a:solidFill>
+                <a:effectLst/>
+                <a:latin typeface="JetBrains Mono"/>
+              </a:rPr>
+              <a:t>else</a:t>
+            </a:r>
+            <a:r>
+              <a:rPr kumimoji="0" lang="ru-RU" altLang="ru-RU" sz="1100" b="0" i="0" u="none" strike="noStrike" cap="none" normalizeH="0" baseline="0" dirty="0">
+                <a:ln>
+                  <a:noFill/>
+                </a:ln>
+                <a:solidFill>
+                  <a:srgbClr val="0033B3"/>
+                </a:solidFill>
+                <a:effectLst/>
+                <a:latin typeface="JetBrains Mono"/>
+              </a:rPr>
+              <a:t> </a:t>
+            </a:r>
+            <a:r>
+              <a:rPr kumimoji="0" lang="ru-RU" altLang="ru-RU" sz="1100" b="0" i="0" u="none" strike="noStrike" cap="none" normalizeH="0" baseline="0" dirty="0" err="1">
+                <a:ln>
+                  <a:noFill/>
+                </a:ln>
+                <a:solidFill>
+                  <a:srgbClr val="0033B3"/>
+                </a:solidFill>
+                <a:effectLst/>
+                <a:latin typeface="JetBrains Mono"/>
+              </a:rPr>
+              <a:t>if</a:t>
+            </a:r>
+            <a:r>
+              <a:rPr kumimoji="0" lang="ru-RU" altLang="ru-RU" sz="1100" b="0" i="0" u="none" strike="noStrike" cap="none" normalizeH="0" baseline="0" dirty="0">
+                <a:ln>
+                  <a:noFill/>
+                </a:ln>
+                <a:solidFill>
+                  <a:srgbClr val="0033B3"/>
+                </a:solidFill>
+                <a:effectLst/>
+                <a:latin typeface="JetBrains Mono"/>
+              </a:rPr>
+              <a:t> </a:t>
+            </a:r>
+            <a:r>
+              <a:rPr kumimoji="0" lang="ru-RU" altLang="ru-RU" sz="1100" b="0" i="0" u="none" strike="noStrike" cap="none" normalizeH="0" baseline="0" dirty="0">
+                <a:ln>
+                  <a:noFill/>
+                </a:ln>
+                <a:solidFill>
+                  <a:srgbClr val="080808"/>
+                </a:solidFill>
+                <a:effectLst/>
+                <a:latin typeface="JetBrains Mono"/>
+              </a:rPr>
+              <a:t>(a&lt;=</a:t>
+            </a:r>
+            <a:r>
+              <a:rPr kumimoji="0" lang="ru-RU" altLang="ru-RU" sz="1100" b="0" i="0" u="none" strike="noStrike" cap="none" normalizeH="0" baseline="0" dirty="0">
+                <a:ln>
+                  <a:noFill/>
+                </a:ln>
+                <a:solidFill>
+                  <a:srgbClr val="1750EB"/>
+                </a:solidFill>
+                <a:effectLst/>
+                <a:latin typeface="JetBrains Mono"/>
+              </a:rPr>
+              <a:t>95</a:t>
+            </a:r>
+            <a:r>
+              <a:rPr kumimoji="0" lang="ru-RU" altLang="ru-RU" sz="1100" b="0" i="0" u="none" strike="noStrike" cap="none" normalizeH="0" baseline="0" dirty="0">
+                <a:ln>
+                  <a:noFill/>
+                </a:ln>
+                <a:solidFill>
+                  <a:srgbClr val="080808"/>
+                </a:solidFill>
+                <a:effectLst/>
+                <a:latin typeface="JetBrains Mono"/>
+              </a:rPr>
+              <a:t>&amp;&amp;a&gt;=</a:t>
+            </a:r>
+            <a:r>
+              <a:rPr kumimoji="0" lang="ru-RU" altLang="ru-RU" sz="1100" b="0" i="0" u="none" strike="noStrike" cap="none" normalizeH="0" baseline="0" dirty="0">
+                <a:ln>
+                  <a:noFill/>
+                </a:ln>
+                <a:solidFill>
+                  <a:srgbClr val="1750EB"/>
+                </a:solidFill>
+                <a:effectLst/>
+                <a:latin typeface="JetBrains Mono"/>
+              </a:rPr>
+              <a:t>60</a:t>
+            </a:r>
+            <a:r>
+              <a:rPr kumimoji="0" lang="ru-RU" altLang="ru-RU" sz="1100" b="0" i="0" u="none" strike="noStrike" cap="none" normalizeH="0" baseline="0" dirty="0">
+                <a:ln>
+                  <a:noFill/>
+                </a:ln>
+                <a:solidFill>
+                  <a:srgbClr val="080808"/>
+                </a:solidFill>
+                <a:effectLst/>
+                <a:latin typeface="JetBrains Mono"/>
+              </a:rPr>
+              <a:t>)</a:t>
+            </a:r>
+            <a:br>
+              <a:rPr kumimoji="0" lang="ru-RU" altLang="ru-RU" sz="1100" b="0" i="0" u="none" strike="noStrike" cap="none" normalizeH="0" baseline="0" dirty="0">
+                <a:ln>
+                  <a:noFill/>
+                </a:ln>
+                <a:solidFill>
+                  <a:srgbClr val="080808"/>
+                </a:solidFill>
+                <a:effectLst/>
+                <a:latin typeface="JetBrains Mono"/>
+              </a:rPr>
+            </a:br>
+            <a:r>
+              <a:rPr kumimoji="0" lang="ru-RU" altLang="ru-RU" sz="1100" b="0" i="0" u="none" strike="noStrike" cap="none" normalizeH="0" baseline="0" dirty="0">
+                <a:ln>
+                  <a:noFill/>
+                </a:ln>
+                <a:solidFill>
+                  <a:srgbClr val="080808"/>
+                </a:solidFill>
+                <a:effectLst/>
+                <a:latin typeface="JetBrains Mono"/>
+              </a:rPr>
+              <a:t>            </a:t>
+            </a:r>
+            <a:r>
+              <a:rPr kumimoji="0" lang="ru-RU" altLang="ru-RU" sz="1100" b="0" i="0" u="none" strike="noStrike" cap="none" normalizeH="0" baseline="0" dirty="0" err="1">
+                <a:ln>
+                  <a:noFill/>
+                </a:ln>
+                <a:solidFill>
+                  <a:srgbClr val="000000"/>
+                </a:solidFill>
+                <a:effectLst/>
+                <a:latin typeface="JetBrains Mono"/>
+              </a:rPr>
+              <a:t>MainActivity</a:t>
+            </a:r>
+            <a:r>
+              <a:rPr kumimoji="0" lang="ru-RU" altLang="ru-RU" sz="1100" b="0" i="0" u="none" strike="noStrike" cap="none" normalizeH="0" baseline="0" dirty="0" err="1">
+                <a:ln>
+                  <a:noFill/>
+                </a:ln>
+                <a:solidFill>
+                  <a:srgbClr val="080808"/>
+                </a:solidFill>
+                <a:effectLst/>
+                <a:latin typeface="JetBrains Mono"/>
+              </a:rPr>
+              <a:t>.</a:t>
+            </a:r>
+            <a:r>
+              <a:rPr kumimoji="0" lang="ru-RU" altLang="ru-RU" sz="1100" b="0" i="1" u="none" strike="noStrike" cap="none" normalizeH="0" baseline="0" dirty="0" err="1">
+                <a:ln>
+                  <a:noFill/>
+                </a:ln>
+                <a:solidFill>
+                  <a:srgbClr val="871094"/>
+                </a:solidFill>
+                <a:effectLst/>
+                <a:latin typeface="JetBrains Mono"/>
+              </a:rPr>
+              <a:t>player</a:t>
+            </a:r>
+            <a:r>
+              <a:rPr kumimoji="0" lang="ru-RU" altLang="ru-RU" sz="1100" b="0" i="0" u="none" strike="noStrike" cap="none" normalizeH="0" baseline="0" dirty="0" err="1">
+                <a:ln>
+                  <a:noFill/>
+                </a:ln>
+                <a:solidFill>
+                  <a:srgbClr val="080808"/>
+                </a:solidFill>
+                <a:effectLst/>
+                <a:latin typeface="JetBrains Mono"/>
+              </a:rPr>
+              <a:t>.setEnemy</a:t>
+            </a:r>
+            <a:r>
+              <a:rPr kumimoji="0" lang="ru-RU" altLang="ru-RU" sz="1100" b="0" i="0" u="none" strike="noStrike" cap="none" normalizeH="0" baseline="0" dirty="0">
+                <a:ln>
+                  <a:noFill/>
+                </a:ln>
+                <a:solidFill>
+                  <a:srgbClr val="080808"/>
+                </a:solidFill>
+                <a:effectLst/>
+                <a:latin typeface="JetBrains Mono"/>
+              </a:rPr>
+              <a:t>(</a:t>
+            </a:r>
+            <a:r>
+              <a:rPr kumimoji="0" lang="ru-RU" altLang="ru-RU" sz="1100" b="0" i="0" u="none" strike="noStrike" cap="none" normalizeH="0" baseline="0" dirty="0" err="1">
+                <a:ln>
+                  <a:noFill/>
+                </a:ln>
+                <a:solidFill>
+                  <a:srgbClr val="0033B3"/>
+                </a:solidFill>
+                <a:effectLst/>
+                <a:latin typeface="JetBrains Mono"/>
+              </a:rPr>
+              <a:t>new</a:t>
+            </a:r>
+            <a:r>
+              <a:rPr kumimoji="0" lang="ru-RU" altLang="ru-RU" sz="1100" b="0" i="0" u="none" strike="noStrike" cap="none" normalizeH="0" baseline="0" dirty="0">
+                <a:ln>
+                  <a:noFill/>
+                </a:ln>
+                <a:solidFill>
+                  <a:srgbClr val="0033B3"/>
+                </a:solidFill>
+                <a:effectLst/>
+                <a:latin typeface="JetBrains Mono"/>
+              </a:rPr>
+              <a:t> </a:t>
+            </a:r>
+            <a:r>
+              <a:rPr kumimoji="0" lang="ru-RU" altLang="ru-RU" sz="1100" b="0" i="0" u="none" strike="noStrike" cap="none" normalizeH="0" baseline="0" dirty="0" err="1">
+                <a:ln>
+                  <a:noFill/>
+                </a:ln>
+                <a:solidFill>
+                  <a:srgbClr val="080808"/>
+                </a:solidFill>
+                <a:effectLst/>
+                <a:latin typeface="JetBrains Mono"/>
+              </a:rPr>
+              <a:t>Enemy</a:t>
+            </a:r>
+            <a:r>
+              <a:rPr kumimoji="0" lang="ru-RU" altLang="ru-RU" sz="1100" b="0" i="0" u="none" strike="noStrike" cap="none" normalizeH="0" baseline="0" dirty="0">
+                <a:ln>
+                  <a:noFill/>
+                </a:ln>
+                <a:solidFill>
+                  <a:srgbClr val="080808"/>
+                </a:solidFill>
+                <a:effectLst/>
+                <a:latin typeface="JetBrains Mono"/>
+              </a:rPr>
+              <a:t>(</a:t>
+            </a:r>
+            <a:r>
+              <a:rPr kumimoji="0" lang="ru-RU" altLang="ru-RU" sz="1100" b="0" i="0" u="none" strike="noStrike" cap="none" normalizeH="0" baseline="0" dirty="0" err="1">
+                <a:ln>
+                  <a:noFill/>
+                </a:ln>
+                <a:solidFill>
+                  <a:srgbClr val="000000"/>
+                </a:solidFill>
+                <a:effectLst/>
+                <a:latin typeface="JetBrains Mono"/>
+              </a:rPr>
+              <a:t>MainActivity</a:t>
+            </a:r>
+            <a:r>
+              <a:rPr kumimoji="0" lang="ru-RU" altLang="ru-RU" sz="1100" b="0" i="0" u="none" strike="noStrike" cap="none" normalizeH="0" baseline="0" dirty="0" err="1">
+                <a:ln>
+                  <a:noFill/>
+                </a:ln>
+                <a:solidFill>
+                  <a:srgbClr val="080808"/>
+                </a:solidFill>
+                <a:effectLst/>
+                <a:latin typeface="JetBrains Mono"/>
+              </a:rPr>
+              <a:t>.</a:t>
+            </a:r>
+            <a:r>
+              <a:rPr kumimoji="0" lang="ru-RU" altLang="ru-RU" sz="1100" b="0" i="1" u="none" strike="noStrike" cap="none" normalizeH="0" baseline="0" dirty="0" err="1">
+                <a:ln>
+                  <a:noFill/>
+                </a:ln>
+                <a:solidFill>
+                  <a:srgbClr val="871094"/>
+                </a:solidFill>
+                <a:effectLst/>
+                <a:latin typeface="JetBrains Mono"/>
+              </a:rPr>
+              <a:t>chances_of_enemy</a:t>
+            </a:r>
+            <a:r>
+              <a:rPr kumimoji="0" lang="ru-RU" altLang="ru-RU" sz="1100" b="0" i="0" u="none" strike="noStrike" cap="none" normalizeH="0" baseline="0" dirty="0" err="1">
+                <a:ln>
+                  <a:noFill/>
+                </a:ln>
+                <a:solidFill>
+                  <a:srgbClr val="080808"/>
+                </a:solidFill>
+                <a:effectLst/>
+                <a:latin typeface="JetBrains Mono"/>
+              </a:rPr>
+              <a:t>.get</a:t>
+            </a:r>
+            <a:r>
+              <a:rPr kumimoji="0" lang="ru-RU" altLang="ru-RU" sz="1100" b="0" i="0" u="none" strike="noStrike" cap="none" normalizeH="0" baseline="0" dirty="0">
+                <a:ln>
+                  <a:noFill/>
+                </a:ln>
+                <a:solidFill>
+                  <a:srgbClr val="080808"/>
+                </a:solidFill>
+                <a:effectLst/>
+                <a:latin typeface="JetBrains Mono"/>
+              </a:rPr>
+              <a:t>(</a:t>
+            </a:r>
+            <a:r>
+              <a:rPr kumimoji="0" lang="ru-RU" altLang="ru-RU" sz="1100" b="0" i="0" u="none" strike="noStrike" cap="none" normalizeH="0" baseline="0" dirty="0">
+                <a:ln>
+                  <a:noFill/>
+                </a:ln>
+                <a:solidFill>
+                  <a:srgbClr val="1750EB"/>
+                </a:solidFill>
+                <a:effectLst/>
+                <a:latin typeface="JetBrains Mono"/>
+              </a:rPr>
+              <a:t>2</a:t>
+            </a:r>
+            <a:r>
+              <a:rPr kumimoji="0" lang="ru-RU" altLang="ru-RU" sz="1100" b="0" i="0" u="none" strike="noStrike" cap="none" normalizeH="0" baseline="0" dirty="0">
+                <a:ln>
+                  <a:noFill/>
+                </a:ln>
+                <a:solidFill>
+                  <a:srgbClr val="080808"/>
+                </a:solidFill>
+                <a:effectLst/>
+                <a:latin typeface="JetBrains Mono"/>
+              </a:rPr>
+              <a:t>).</a:t>
+            </a:r>
+            <a:r>
+              <a:rPr kumimoji="0" lang="ru-RU" altLang="ru-RU" sz="1100" b="0" i="0" u="none" strike="noStrike" cap="none" normalizeH="0" baseline="0" dirty="0" err="1">
+                <a:ln>
+                  <a:noFill/>
+                </a:ln>
+                <a:solidFill>
+                  <a:srgbClr val="080808"/>
+                </a:solidFill>
+                <a:effectLst/>
+                <a:latin typeface="JetBrains Mono"/>
+              </a:rPr>
+              <a:t>get</a:t>
+            </a:r>
+            <a:r>
+              <a:rPr kumimoji="0" lang="ru-RU" altLang="ru-RU" sz="1100" b="0" i="0" u="none" strike="noStrike" cap="none" normalizeH="0" baseline="0" dirty="0">
+                <a:ln>
+                  <a:noFill/>
+                </a:ln>
+                <a:solidFill>
+                  <a:srgbClr val="080808"/>
+                </a:solidFill>
+                <a:effectLst/>
+                <a:latin typeface="JetBrains Mono"/>
+              </a:rPr>
+              <a:t>(</a:t>
+            </a:r>
+            <a:r>
+              <a:rPr kumimoji="0" lang="ru-RU" altLang="ru-RU" sz="1100" b="0" i="0" u="none" strike="noStrike" cap="none" normalizeH="0" baseline="0" dirty="0">
+                <a:ln>
+                  <a:noFill/>
+                </a:ln>
+                <a:solidFill>
+                  <a:srgbClr val="1750EB"/>
+                </a:solidFill>
+                <a:effectLst/>
+                <a:latin typeface="JetBrains Mono"/>
+              </a:rPr>
+              <a:t>35</a:t>
+            </a:r>
+            <a:r>
+              <a:rPr kumimoji="0" lang="ru-RU" altLang="ru-RU" sz="1100" b="0" i="0" u="none" strike="noStrike" cap="none" normalizeH="0" baseline="0" dirty="0">
+                <a:ln>
+                  <a:noFill/>
+                </a:ln>
+                <a:solidFill>
+                  <a:srgbClr val="080808"/>
+                </a:solidFill>
+                <a:effectLst/>
+                <a:latin typeface="JetBrains Mono"/>
+              </a:rPr>
+              <a:t>)));</a:t>
+            </a:r>
+            <a:br>
+              <a:rPr kumimoji="0" lang="ru-RU" altLang="ru-RU" sz="1100" b="0" i="0" u="none" strike="noStrike" cap="none" normalizeH="0" baseline="0" dirty="0">
+                <a:ln>
+                  <a:noFill/>
+                </a:ln>
+                <a:solidFill>
+                  <a:srgbClr val="080808"/>
+                </a:solidFill>
+                <a:effectLst/>
+                <a:latin typeface="JetBrains Mono"/>
+              </a:rPr>
+            </a:br>
+            <a:r>
+              <a:rPr kumimoji="0" lang="ru-RU" altLang="ru-RU" sz="1100" b="0" i="0" u="none" strike="noStrike" cap="none" normalizeH="0" baseline="0" dirty="0">
+                <a:ln>
+                  <a:noFill/>
+                </a:ln>
+                <a:solidFill>
+                  <a:srgbClr val="080808"/>
+                </a:solidFill>
+                <a:effectLst/>
+                <a:latin typeface="JetBrains Mono"/>
+              </a:rPr>
+              <a:t>        </a:t>
+            </a:r>
+            <a:r>
+              <a:rPr kumimoji="0" lang="ru-RU" altLang="ru-RU" sz="1100" b="0" i="0" u="none" strike="noStrike" cap="none" normalizeH="0" baseline="0" dirty="0" err="1">
+                <a:ln>
+                  <a:noFill/>
+                </a:ln>
+                <a:solidFill>
+                  <a:srgbClr val="0033B3"/>
+                </a:solidFill>
+                <a:effectLst/>
+                <a:latin typeface="JetBrains Mono"/>
+              </a:rPr>
+              <a:t>else</a:t>
+            </a:r>
+            <a:r>
+              <a:rPr kumimoji="0" lang="ru-RU" altLang="ru-RU" sz="1100" b="0" i="0" u="none" strike="noStrike" cap="none" normalizeH="0" baseline="0" dirty="0">
+                <a:ln>
+                  <a:noFill/>
+                </a:ln>
+                <a:solidFill>
+                  <a:srgbClr val="0033B3"/>
+                </a:solidFill>
+                <a:effectLst/>
+                <a:latin typeface="JetBrains Mono"/>
+              </a:rPr>
+              <a:t> </a:t>
+            </a:r>
+            <a:r>
+              <a:rPr kumimoji="0" lang="ru-RU" altLang="ru-RU" sz="1100" b="0" i="0" u="none" strike="noStrike" cap="none" normalizeH="0" baseline="0" dirty="0" err="1">
+                <a:ln>
+                  <a:noFill/>
+                </a:ln>
+                <a:solidFill>
+                  <a:srgbClr val="000000"/>
+                </a:solidFill>
+                <a:effectLst/>
+                <a:latin typeface="JetBrains Mono"/>
+              </a:rPr>
+              <a:t>MainActivity</a:t>
+            </a:r>
+            <a:r>
+              <a:rPr kumimoji="0" lang="ru-RU" altLang="ru-RU" sz="1100" b="0" i="0" u="none" strike="noStrike" cap="none" normalizeH="0" baseline="0" dirty="0" err="1">
+                <a:ln>
+                  <a:noFill/>
+                </a:ln>
+                <a:solidFill>
+                  <a:srgbClr val="080808"/>
+                </a:solidFill>
+                <a:effectLst/>
+                <a:latin typeface="JetBrains Mono"/>
+              </a:rPr>
+              <a:t>.</a:t>
+            </a:r>
+            <a:r>
+              <a:rPr kumimoji="0" lang="ru-RU" altLang="ru-RU" sz="1100" b="0" i="1" u="none" strike="noStrike" cap="none" normalizeH="0" baseline="0" dirty="0" err="1">
+                <a:ln>
+                  <a:noFill/>
+                </a:ln>
+                <a:solidFill>
+                  <a:srgbClr val="871094"/>
+                </a:solidFill>
+                <a:effectLst/>
+                <a:latin typeface="JetBrains Mono"/>
+              </a:rPr>
+              <a:t>player</a:t>
+            </a:r>
+            <a:r>
+              <a:rPr kumimoji="0" lang="ru-RU" altLang="ru-RU" sz="1100" b="0" i="0" u="none" strike="noStrike" cap="none" normalizeH="0" baseline="0" dirty="0" err="1">
+                <a:ln>
+                  <a:noFill/>
+                </a:ln>
+                <a:solidFill>
+                  <a:srgbClr val="080808"/>
+                </a:solidFill>
+                <a:effectLst/>
+                <a:latin typeface="JetBrains Mono"/>
+              </a:rPr>
+              <a:t>.setEnemy</a:t>
+            </a:r>
+            <a:r>
+              <a:rPr kumimoji="0" lang="ru-RU" altLang="ru-RU" sz="1100" b="0" i="0" u="none" strike="noStrike" cap="none" normalizeH="0" baseline="0" dirty="0">
+                <a:ln>
+                  <a:noFill/>
+                </a:ln>
+                <a:solidFill>
+                  <a:srgbClr val="080808"/>
+                </a:solidFill>
+                <a:effectLst/>
+                <a:latin typeface="JetBrains Mono"/>
+              </a:rPr>
+              <a:t>(</a:t>
+            </a:r>
+            <a:r>
+              <a:rPr kumimoji="0" lang="ru-RU" altLang="ru-RU" sz="1100" b="0" i="0" u="none" strike="noStrike" cap="none" normalizeH="0" baseline="0" dirty="0" err="1">
+                <a:ln>
+                  <a:noFill/>
+                </a:ln>
+                <a:solidFill>
+                  <a:srgbClr val="0033B3"/>
+                </a:solidFill>
+                <a:effectLst/>
+                <a:latin typeface="JetBrains Mono"/>
+              </a:rPr>
+              <a:t>new</a:t>
+            </a:r>
+            <a:r>
+              <a:rPr kumimoji="0" lang="ru-RU" altLang="ru-RU" sz="1100" b="0" i="0" u="none" strike="noStrike" cap="none" normalizeH="0" baseline="0" dirty="0">
+                <a:ln>
+                  <a:noFill/>
+                </a:ln>
+                <a:solidFill>
+                  <a:srgbClr val="0033B3"/>
+                </a:solidFill>
+                <a:effectLst/>
+                <a:latin typeface="JetBrains Mono"/>
+              </a:rPr>
+              <a:t> </a:t>
+            </a:r>
+            <a:r>
+              <a:rPr kumimoji="0" lang="ru-RU" altLang="ru-RU" sz="1100" b="0" i="0" u="none" strike="noStrike" cap="none" normalizeH="0" baseline="0" dirty="0" err="1">
+                <a:ln>
+                  <a:noFill/>
+                </a:ln>
+                <a:solidFill>
+                  <a:srgbClr val="080808"/>
+                </a:solidFill>
+                <a:effectLst/>
+                <a:latin typeface="JetBrains Mono"/>
+              </a:rPr>
+              <a:t>Enemy</a:t>
+            </a:r>
+            <a:r>
+              <a:rPr kumimoji="0" lang="ru-RU" altLang="ru-RU" sz="1100" b="0" i="0" u="none" strike="noStrike" cap="none" normalizeH="0" baseline="0" dirty="0">
+                <a:ln>
+                  <a:noFill/>
+                </a:ln>
+                <a:solidFill>
+                  <a:srgbClr val="080808"/>
+                </a:solidFill>
+                <a:effectLst/>
+                <a:latin typeface="JetBrains Mono"/>
+              </a:rPr>
+              <a:t>(</a:t>
+            </a:r>
+            <a:r>
+              <a:rPr kumimoji="0" lang="ru-RU" altLang="ru-RU" sz="1100" b="0" i="0" u="none" strike="noStrike" cap="none" normalizeH="0" baseline="0" dirty="0" err="1">
+                <a:ln>
+                  <a:noFill/>
+                </a:ln>
+                <a:solidFill>
+                  <a:srgbClr val="000000"/>
+                </a:solidFill>
+                <a:effectLst/>
+                <a:latin typeface="JetBrains Mono"/>
+              </a:rPr>
+              <a:t>MainActivity</a:t>
+            </a:r>
+            <a:r>
+              <a:rPr kumimoji="0" lang="ru-RU" altLang="ru-RU" sz="1100" b="0" i="0" u="none" strike="noStrike" cap="none" normalizeH="0" baseline="0" dirty="0" err="1">
+                <a:ln>
+                  <a:noFill/>
+                </a:ln>
+                <a:solidFill>
+                  <a:srgbClr val="080808"/>
+                </a:solidFill>
+                <a:effectLst/>
+                <a:latin typeface="JetBrains Mono"/>
+              </a:rPr>
+              <a:t>.</a:t>
+            </a:r>
+            <a:r>
+              <a:rPr kumimoji="0" lang="ru-RU" altLang="ru-RU" sz="1100" b="0" i="1" u="none" strike="noStrike" cap="none" normalizeH="0" baseline="0" dirty="0" err="1">
+                <a:ln>
+                  <a:noFill/>
+                </a:ln>
+                <a:solidFill>
+                  <a:srgbClr val="871094"/>
+                </a:solidFill>
+                <a:effectLst/>
+                <a:latin typeface="JetBrains Mono"/>
+              </a:rPr>
+              <a:t>chances_of_enemy</a:t>
+            </a:r>
+            <a:r>
+              <a:rPr kumimoji="0" lang="ru-RU" altLang="ru-RU" sz="1100" b="0" i="0" u="none" strike="noStrike" cap="none" normalizeH="0" baseline="0" dirty="0" err="1">
+                <a:ln>
+                  <a:noFill/>
+                </a:ln>
+                <a:solidFill>
+                  <a:srgbClr val="080808"/>
+                </a:solidFill>
+                <a:effectLst/>
+                <a:latin typeface="JetBrains Mono"/>
+              </a:rPr>
+              <a:t>.get</a:t>
+            </a:r>
+            <a:r>
+              <a:rPr kumimoji="0" lang="ru-RU" altLang="ru-RU" sz="1100" b="0" i="0" u="none" strike="noStrike" cap="none" normalizeH="0" baseline="0" dirty="0">
+                <a:ln>
+                  <a:noFill/>
+                </a:ln>
+                <a:solidFill>
+                  <a:srgbClr val="080808"/>
+                </a:solidFill>
+                <a:effectLst/>
+                <a:latin typeface="JetBrains Mono"/>
+              </a:rPr>
+              <a:t>(</a:t>
+            </a:r>
+            <a:r>
+              <a:rPr kumimoji="0" lang="ru-RU" altLang="ru-RU" sz="1100" b="0" i="0" u="none" strike="noStrike" cap="none" normalizeH="0" baseline="0" dirty="0">
+                <a:ln>
+                  <a:noFill/>
+                </a:ln>
+                <a:solidFill>
+                  <a:srgbClr val="1750EB"/>
+                </a:solidFill>
+                <a:effectLst/>
+                <a:latin typeface="JetBrains Mono"/>
+              </a:rPr>
+              <a:t>2</a:t>
+            </a:r>
+            <a:r>
+              <a:rPr kumimoji="0" lang="ru-RU" altLang="ru-RU" sz="1100" b="0" i="0" u="none" strike="noStrike" cap="none" normalizeH="0" baseline="0" dirty="0">
+                <a:ln>
+                  <a:noFill/>
+                </a:ln>
+                <a:solidFill>
+                  <a:srgbClr val="080808"/>
+                </a:solidFill>
+                <a:effectLst/>
+                <a:latin typeface="JetBrains Mono"/>
+              </a:rPr>
+              <a:t>).</a:t>
+            </a:r>
+            <a:r>
+              <a:rPr kumimoji="0" lang="ru-RU" altLang="ru-RU" sz="1100" b="0" i="0" u="none" strike="noStrike" cap="none" normalizeH="0" baseline="0" dirty="0" err="1">
+                <a:ln>
+                  <a:noFill/>
+                </a:ln>
+                <a:solidFill>
+                  <a:srgbClr val="080808"/>
+                </a:solidFill>
+                <a:effectLst/>
+                <a:latin typeface="JetBrains Mono"/>
+              </a:rPr>
+              <a:t>get</a:t>
+            </a:r>
+            <a:r>
+              <a:rPr kumimoji="0" lang="ru-RU" altLang="ru-RU" sz="1100" b="0" i="0" u="none" strike="noStrike" cap="none" normalizeH="0" baseline="0" dirty="0">
+                <a:ln>
+                  <a:noFill/>
+                </a:ln>
+                <a:solidFill>
+                  <a:srgbClr val="080808"/>
+                </a:solidFill>
+                <a:effectLst/>
+                <a:latin typeface="JetBrains Mono"/>
+              </a:rPr>
+              <a:t>(</a:t>
+            </a:r>
+            <a:r>
+              <a:rPr kumimoji="0" lang="ru-RU" altLang="ru-RU" sz="1100" b="0" i="0" u="none" strike="noStrike" cap="none" normalizeH="0" baseline="0" dirty="0">
+                <a:ln>
+                  <a:noFill/>
+                </a:ln>
+                <a:solidFill>
+                  <a:srgbClr val="1750EB"/>
+                </a:solidFill>
+                <a:effectLst/>
+                <a:latin typeface="JetBrains Mono"/>
+              </a:rPr>
+              <a:t>5</a:t>
+            </a:r>
+            <a:r>
+              <a:rPr kumimoji="0" lang="ru-RU" altLang="ru-RU" sz="1100" b="0" i="0" u="none" strike="noStrike" cap="none" normalizeH="0" baseline="0" dirty="0">
+                <a:ln>
+                  <a:noFill/>
+                </a:ln>
+                <a:solidFill>
+                  <a:srgbClr val="080808"/>
+                </a:solidFill>
+                <a:effectLst/>
+                <a:latin typeface="JetBrains Mono"/>
+              </a:rPr>
+              <a:t>)));</a:t>
+            </a:r>
+            <a:br>
+              <a:rPr kumimoji="0" lang="ru-RU" altLang="ru-RU" sz="1100" b="0" i="0" u="none" strike="noStrike" cap="none" normalizeH="0" baseline="0" dirty="0">
+                <a:ln>
+                  <a:noFill/>
+                </a:ln>
+                <a:solidFill>
+                  <a:srgbClr val="080808"/>
+                </a:solidFill>
+                <a:effectLst/>
+                <a:latin typeface="JetBrains Mono"/>
+              </a:rPr>
+            </a:br>
+            <a:r>
+              <a:rPr kumimoji="0" lang="ru-RU" altLang="ru-RU" sz="1100" b="0" i="0" u="none" strike="noStrike" cap="none" normalizeH="0" baseline="0" dirty="0">
+                <a:ln>
+                  <a:noFill/>
+                </a:ln>
+                <a:solidFill>
+                  <a:srgbClr val="080808"/>
+                </a:solidFill>
+                <a:effectLst/>
+                <a:latin typeface="JetBrains Mono"/>
+              </a:rPr>
+              <a:t>        </a:t>
+            </a:r>
+            <a:r>
+              <a:rPr kumimoji="0" lang="ru-RU" altLang="ru-RU" sz="1100" b="0" i="0" u="none" strike="noStrike" cap="none" normalizeH="0" baseline="0" dirty="0" err="1">
+                <a:ln>
+                  <a:noFill/>
+                </a:ln>
+                <a:solidFill>
+                  <a:srgbClr val="0033B3"/>
+                </a:solidFill>
+                <a:effectLst/>
+                <a:latin typeface="JetBrains Mono"/>
+              </a:rPr>
+              <a:t>break</a:t>
+            </a:r>
+            <a:r>
+              <a:rPr kumimoji="0" lang="ru-RU" altLang="ru-RU" sz="1100" b="0" i="0" u="none" strike="noStrike" cap="none" normalizeH="0" baseline="0" dirty="0">
+                <a:ln>
+                  <a:noFill/>
+                </a:ln>
+                <a:solidFill>
+                  <a:srgbClr val="080808"/>
+                </a:solidFill>
+                <a:effectLst/>
+                <a:latin typeface="JetBrains Mono"/>
+              </a:rPr>
+              <a:t>;</a:t>
+            </a:r>
+            <a:br>
+              <a:rPr kumimoji="0" lang="ru-RU" altLang="ru-RU" sz="1100" b="0" i="0" u="none" strike="noStrike" cap="none" normalizeH="0" baseline="0" dirty="0">
+                <a:ln>
+                  <a:noFill/>
+                </a:ln>
+                <a:solidFill>
+                  <a:srgbClr val="080808"/>
+                </a:solidFill>
+                <a:effectLst/>
+                <a:latin typeface="JetBrains Mono"/>
+              </a:rPr>
+            </a:br>
+            <a:r>
+              <a:rPr kumimoji="0" lang="ru-RU" altLang="ru-RU" sz="1100" b="0" i="0" u="none" strike="noStrike" cap="none" normalizeH="0" baseline="0" dirty="0">
+                <a:ln>
+                  <a:noFill/>
+                </a:ln>
+                <a:solidFill>
+                  <a:srgbClr val="080808"/>
+                </a:solidFill>
+                <a:effectLst/>
+                <a:latin typeface="JetBrains Mono"/>
+              </a:rPr>
+              <a:t>    }</a:t>
+            </a:r>
+            <a:endParaRPr kumimoji="0" lang="ru-RU" altLang="ru-RU" sz="2400" b="0" i="0" u="none" strike="noStrike" cap="none" normalizeH="0" baseline="0" dirty="0">
+              <a:ln>
+                <a:noFill/>
+              </a:ln>
+              <a:solidFill>
+                <a:schemeClr val="tx1"/>
+              </a:solidFill>
+              <a:effectLst/>
+              <a:latin typeface="Arial" panose="020B0604020202020204" pitchFamily="34" charset="0"/>
+            </a:endParaRPr>
           </a:p>
         </p:txBody>
       </p:sp>

--- a/Путь к вершине.pptx
+++ b/Путь к вершине.pptx
@@ -273,7 +273,7 @@
           <a:p>
             <a:fld id="{1D8BD707-D9CF-40AE-B4C6-C98DA3205C09}" type="datetimeFigureOut">
               <a:rPr lang="en-US"/>
-              <a:t>6/1/2021</a:t>
+              <a:t>6/2/2021</a:t>
             </a:fld>
             <a:endParaRPr lang="en-US"/>
           </a:p>
@@ -448,7 +448,7 @@
           <a:p>
             <a:fld id="{1D8BD707-D9CF-40AE-B4C6-C98DA3205C09}" type="datetimeFigureOut">
               <a:rPr lang="en-US"/>
-              <a:t>6/1/2021</a:t>
+              <a:t>6/2/2021</a:t>
             </a:fld>
             <a:endParaRPr lang="en-US"/>
           </a:p>
@@ -662,7 +662,7 @@
           <a:p>
             <a:fld id="{1D8BD707-D9CF-40AE-B4C6-C98DA3205C09}" type="datetimeFigureOut">
               <a:rPr lang="en-US"/>
-              <a:t>6/1/2021</a:t>
+              <a:t>6/2/2021</a:t>
             </a:fld>
             <a:endParaRPr lang="en-US"/>
           </a:p>
@@ -810,7 +810,7 @@
           <a:p>
             <a:fld id="{1D8BD707-D9CF-40AE-B4C6-C98DA3205C09}" type="datetimeFigureOut">
               <a:rPr lang="en-US"/>
-              <a:t>6/1/2021</a:t>
+              <a:t>6/2/2021</a:t>
             </a:fld>
             <a:endParaRPr lang="en-US"/>
           </a:p>
@@ -929,7 +929,7 @@
           <a:p>
             <a:fld id="{1D8BD707-D9CF-40AE-B4C6-C98DA3205C09}" type="datetimeFigureOut">
               <a:rPr lang="en-US"/>
-              <a:t>6/1/2021</a:t>
+              <a:t>6/2/2021</a:t>
             </a:fld>
             <a:endParaRPr lang="en-US"/>
           </a:p>
@@ -1174,7 +1174,7 @@
           <a:p>
             <a:fld id="{1D8BD707-D9CF-40AE-B4C6-C98DA3205C09}" type="datetimeFigureOut">
               <a:rPr lang="en-US"/>
-              <a:t>6/1/2021</a:t>
+              <a:t>6/2/2021</a:t>
             </a:fld>
             <a:endParaRPr lang="en-US"/>
           </a:p>
@@ -1971,10 +1971,10 @@
       </p:sp>
       <p:sp>
         <p:nvSpPr>
-          <p:cNvPr id="11" name="Заголовок 10">
+          <p:cNvPr id="4" name="Заголовок 3">
             <a:extLst>
               <a:ext uri="{FF2B5EF4-FFF2-40B4-BE49-F238E27FC236}">
-                <a16:creationId xmlns:a16="http://schemas.microsoft.com/office/drawing/2014/main" id="{EFF2F824-C948-4B5F-9B7D-B631DCC223A3}"/>
+                <a16:creationId xmlns:a16="http://schemas.microsoft.com/office/drawing/2014/main" id="{6024D36E-644F-48E3-AC2B-E5FFA79368D1}"/>
               </a:ext>
             </a:extLst>
           </p:cNvPr>
@@ -1985,20 +1985,12 @@
             <p:ph type="title"/>
           </p:nvPr>
         </p:nvSpPr>
-        <p:spPr>
-          <a:xfrm>
-            <a:off x="274546" y="1003299"/>
-            <a:ext cx="8594906" cy="430887"/>
-          </a:xfrm>
-        </p:spPr>
+        <p:spPr/>
         <p:txBody>
           <a:bodyPr/>
           <a:lstStyle/>
           <a:p>
-            <a:r>
-              <a:rPr lang="ru-RU" dirty="0"/>
-              <a:t>\видео презентация\</a:t>
-            </a:r>
+            <a:endParaRPr lang="ru-RU"/>
           </a:p>
         </p:txBody>
       </p:sp>
@@ -2451,6 +2443,42 @@
           </a:p>
         </p:txBody>
       </p:sp>
+      <p:pic>
+        <p:nvPicPr>
+          <p:cNvPr id="9" name="Рисунок 8">
+            <a:extLst>
+              <a:ext uri="{FF2B5EF4-FFF2-40B4-BE49-F238E27FC236}">
+                <a16:creationId xmlns:a16="http://schemas.microsoft.com/office/drawing/2014/main" id="{78726A19-4F76-4A49-A91A-69CD8487F3B9}"/>
+              </a:ext>
+            </a:extLst>
+          </p:cNvPr>
+          <p:cNvPicPr>
+            <a:picLocks noChangeAspect="1"/>
+          </p:cNvPicPr>
+          <p:nvPr/>
+        </p:nvPicPr>
+        <p:blipFill>
+          <a:blip r:embed="rId2" cstate="print">
+            <a:extLst>
+              <a:ext uri="{28A0092B-C50C-407E-A947-70E740481C1C}">
+                <a14:useLocalDpi xmlns:a14="http://schemas.microsoft.com/office/drawing/2010/main" val="0"/>
+              </a:ext>
+            </a:extLst>
+          </a:blip>
+          <a:stretch>
+            <a:fillRect/>
+          </a:stretch>
+        </p:blipFill>
+        <p:spPr>
+          <a:xfrm>
+            <a:off x="6836352" y="0"/>
+            <a:ext cx="2314575" cy="5143500"/>
+          </a:xfrm>
+          <a:prstGeom prst="rect">
+            <a:avLst/>
+          </a:prstGeom>
+        </p:spPr>
+      </p:pic>
     </p:spTree>
     <p:extLst>
       <p:ext uri="{BB962C8B-B14F-4D97-AF65-F5344CB8AC3E}">
@@ -8827,6 +8855,42 @@
           </a:p>
         </p:txBody>
       </p:sp>
+      <p:pic>
+        <p:nvPicPr>
+          <p:cNvPr id="8" name="Рисунок 7">
+            <a:extLst>
+              <a:ext uri="{FF2B5EF4-FFF2-40B4-BE49-F238E27FC236}">
+                <a16:creationId xmlns:a16="http://schemas.microsoft.com/office/drawing/2014/main" id="{353CEA66-21F9-47C0-B7AE-82F2B18D6C5A}"/>
+              </a:ext>
+            </a:extLst>
+          </p:cNvPr>
+          <p:cNvPicPr>
+            <a:picLocks noChangeAspect="1"/>
+          </p:cNvPicPr>
+          <p:nvPr/>
+        </p:nvPicPr>
+        <p:blipFill>
+          <a:blip r:embed="rId2" cstate="print">
+            <a:extLst>
+              <a:ext uri="{28A0092B-C50C-407E-A947-70E740481C1C}">
+                <a14:useLocalDpi xmlns:a14="http://schemas.microsoft.com/office/drawing/2010/main" val="0"/>
+              </a:ext>
+            </a:extLst>
+          </a:blip>
+          <a:stretch>
+            <a:fillRect/>
+          </a:stretch>
+        </p:blipFill>
+        <p:spPr>
+          <a:xfrm>
+            <a:off x="6822498" y="0"/>
+            <a:ext cx="2314575" cy="5143500"/>
+          </a:xfrm>
+          <a:prstGeom prst="rect">
+            <a:avLst/>
+          </a:prstGeom>
+        </p:spPr>
+      </p:pic>
     </p:spTree>
     <p:extLst>
       <p:ext uri="{BB962C8B-B14F-4D97-AF65-F5344CB8AC3E}">
@@ -13685,6 +13749,42 @@
           </a:p>
         </p:txBody>
       </p:sp>
+      <p:pic>
+        <p:nvPicPr>
+          <p:cNvPr id="4" name="Рисунок 3">
+            <a:extLst>
+              <a:ext uri="{FF2B5EF4-FFF2-40B4-BE49-F238E27FC236}">
+                <a16:creationId xmlns:a16="http://schemas.microsoft.com/office/drawing/2014/main" id="{3D5743C4-BBFB-4BBB-93C5-D727C92E2F17}"/>
+              </a:ext>
+            </a:extLst>
+          </p:cNvPr>
+          <p:cNvPicPr>
+            <a:picLocks noChangeAspect="1"/>
+          </p:cNvPicPr>
+          <p:nvPr/>
+        </p:nvPicPr>
+        <p:blipFill>
+          <a:blip r:embed="rId2" cstate="print">
+            <a:extLst>
+              <a:ext uri="{28A0092B-C50C-407E-A947-70E740481C1C}">
+                <a14:useLocalDpi xmlns:a14="http://schemas.microsoft.com/office/drawing/2010/main" val="0"/>
+              </a:ext>
+            </a:extLst>
+          </a:blip>
+          <a:stretch>
+            <a:fillRect/>
+          </a:stretch>
+        </p:blipFill>
+        <p:spPr>
+          <a:xfrm>
+            <a:off x="6829425" y="8659"/>
+            <a:ext cx="2314575" cy="5143500"/>
+          </a:xfrm>
+          <a:prstGeom prst="rect">
+            <a:avLst/>
+          </a:prstGeom>
+        </p:spPr>
+      </p:pic>
     </p:spTree>
     <p:extLst>
       <p:ext uri="{BB962C8B-B14F-4D97-AF65-F5344CB8AC3E}">
@@ -13766,7 +13866,7 @@
         </p:nvSpPr>
         <p:spPr>
           <a:xfrm>
-            <a:off x="152400" y="1886694"/>
+            <a:off x="152400" y="1827094"/>
             <a:ext cx="4419600" cy="830997"/>
           </a:xfrm>
         </p:spPr>
@@ -13807,53 +13907,6 @@
           </a:p>
         </p:txBody>
       </p:sp>
-      <p:pic>
-        <p:nvPicPr>
-          <p:cNvPr id="4098" name="Picture 2">
-            <a:extLst>
-              <a:ext uri="{FF2B5EF4-FFF2-40B4-BE49-F238E27FC236}">
-                <a16:creationId xmlns:a16="http://schemas.microsoft.com/office/drawing/2014/main" id="{4DBF3641-E549-4D07-95C7-3C954BE5D0DA}"/>
-              </a:ext>
-            </a:extLst>
-          </p:cNvPr>
-          <p:cNvPicPr>
-            <a:picLocks noChangeAspect="1" noChangeArrowheads="1"/>
-          </p:cNvPicPr>
-          <p:nvPr/>
-        </p:nvPicPr>
-        <p:blipFill>
-          <a:blip r:embed="rId2" cstate="print">
-            <a:extLst>
-              <a:ext uri="{28A0092B-C50C-407E-A947-70E740481C1C}">
-                <a14:useLocalDpi xmlns:a14="http://schemas.microsoft.com/office/drawing/2010/main" val="0"/>
-              </a:ext>
-            </a:extLst>
-          </a:blip>
-          <a:srcRect/>
-          <a:stretch>
-            <a:fillRect/>
-          </a:stretch>
-        </p:blipFill>
-        <p:spPr bwMode="auto">
-          <a:xfrm>
-            <a:off x="5486400" y="878416"/>
-            <a:ext cx="1919288" cy="4265084"/>
-          </a:xfrm>
-          <a:prstGeom prst="rect">
-            <a:avLst/>
-          </a:prstGeom>
-          <a:noFill/>
-          <a:extLst>
-            <a:ext uri="{909E8E84-426E-40DD-AFC4-6F175D3DCCD1}">
-              <a14:hiddenFill xmlns:a14="http://schemas.microsoft.com/office/drawing/2010/main">
-                <a:solidFill>
-                  <a:srgbClr val="FFFFFF"/>
-                </a:solidFill>
-              </a14:hiddenFill>
-            </a:ext>
-          </a:extLst>
-        </p:spPr>
-      </p:pic>
       <p:sp>
         <p:nvSpPr>
           <p:cNvPr id="8" name="Заголовок 1">
@@ -13870,8 +13923,8 @@
         </p:nvSpPr>
         <p:spPr>
           <a:xfrm>
-            <a:off x="274546" y="3010958"/>
-            <a:ext cx="8594906" cy="430887"/>
+            <a:off x="274546" y="2978263"/>
+            <a:ext cx="563654" cy="430887"/>
           </a:xfrm>
           <a:prstGeom prst="rect">
             <a:avLst/>
@@ -13901,6 +13954,127 @@
           </a:p>
         </p:txBody>
       </p:sp>
+      <p:sp>
+        <p:nvSpPr>
+          <p:cNvPr id="4" name="TextBox 3">
+            <a:extLst>
+              <a:ext uri="{FF2B5EF4-FFF2-40B4-BE49-F238E27FC236}">
+                <a16:creationId xmlns:a16="http://schemas.microsoft.com/office/drawing/2014/main" id="{4C2A3272-CEC3-4FE4-A651-75D5205268BC}"/>
+              </a:ext>
+            </a:extLst>
+          </p:cNvPr>
+          <p:cNvSpPr txBox="1"/>
+          <p:nvPr/>
+        </p:nvSpPr>
+        <p:spPr>
+          <a:xfrm>
+            <a:off x="152400" y="3638550"/>
+            <a:ext cx="3383055" cy="1200329"/>
+          </a:xfrm>
+          <a:prstGeom prst="rect">
+            <a:avLst/>
+          </a:prstGeom>
+          <a:noFill/>
+        </p:spPr>
+        <p:txBody>
+          <a:bodyPr wrap="square" rtlCol="0">
+            <a:spAutoFit/>
+          </a:bodyPr>
+          <a:lstStyle/>
+          <a:p>
+            <a:r>
+              <a:rPr lang="ru-RU" dirty="0"/>
+              <a:t>Сообщения хранятся на сервере в виде </a:t>
+            </a:r>
+            <a:r>
+              <a:rPr lang="en-US" dirty="0"/>
+              <a:t>json </a:t>
+            </a:r>
+            <a:r>
+              <a:rPr lang="ru-RU" dirty="0"/>
+              <a:t>объектов</a:t>
+            </a:r>
+          </a:p>
+          <a:p>
+            <a:r>
+              <a:rPr lang="ru-RU" dirty="0"/>
+              <a:t>Чат обновляется в режиме реального времени</a:t>
+            </a:r>
+          </a:p>
+        </p:txBody>
+      </p:sp>
+      <p:pic>
+        <p:nvPicPr>
+          <p:cNvPr id="6" name="Рисунок 5">
+            <a:extLst>
+              <a:ext uri="{FF2B5EF4-FFF2-40B4-BE49-F238E27FC236}">
+                <a16:creationId xmlns:a16="http://schemas.microsoft.com/office/drawing/2014/main" id="{E48DC129-0943-434F-8266-5AC05E15A724}"/>
+              </a:ext>
+            </a:extLst>
+          </p:cNvPr>
+          <p:cNvPicPr>
+            <a:picLocks noChangeAspect="1"/>
+          </p:cNvPicPr>
+          <p:nvPr/>
+        </p:nvPicPr>
+        <p:blipFill>
+          <a:blip r:embed="rId2" cstate="print">
+            <a:extLst>
+              <a:ext uri="{28A0092B-C50C-407E-A947-70E740481C1C}">
+                <a14:useLocalDpi xmlns:a14="http://schemas.microsoft.com/office/drawing/2010/main" val="0"/>
+              </a:ext>
+            </a:extLst>
+          </a:blip>
+          <a:stretch>
+            <a:fillRect/>
+          </a:stretch>
+        </p:blipFill>
+        <p:spPr>
+          <a:xfrm>
+            <a:off x="6829425" y="0"/>
+            <a:ext cx="2314575" cy="5143500"/>
+          </a:xfrm>
+          <a:prstGeom prst="rect">
+            <a:avLst/>
+          </a:prstGeom>
+        </p:spPr>
+      </p:pic>
+      <p:pic>
+        <p:nvPicPr>
+          <p:cNvPr id="11" name="Рисунок 10">
+            <a:extLst>
+              <a:ext uri="{FF2B5EF4-FFF2-40B4-BE49-F238E27FC236}">
+                <a16:creationId xmlns:a16="http://schemas.microsoft.com/office/drawing/2014/main" id="{4B80965E-D6DD-4621-88C4-30AF18404540}"/>
+              </a:ext>
+            </a:extLst>
+          </p:cNvPr>
+          <p:cNvPicPr>
+            <a:picLocks noChangeAspect="1"/>
+          </p:cNvPicPr>
+          <p:nvPr/>
+        </p:nvPicPr>
+        <p:blipFill>
+          <a:blip r:embed="rId3" cstate="print">
+            <a:extLst>
+              <a:ext uri="{28A0092B-C50C-407E-A947-70E740481C1C}">
+                <a14:useLocalDpi xmlns:a14="http://schemas.microsoft.com/office/drawing/2010/main" val="0"/>
+              </a:ext>
+            </a:extLst>
+          </a:blip>
+          <a:stretch>
+            <a:fillRect/>
+          </a:stretch>
+        </p:blipFill>
+        <p:spPr>
+          <a:xfrm>
+            <a:off x="4451259" y="0"/>
+            <a:ext cx="2314575" cy="5143500"/>
+          </a:xfrm>
+          <a:prstGeom prst="rect">
+            <a:avLst/>
+          </a:prstGeom>
+        </p:spPr>
+      </p:pic>
     </p:spTree>
     <p:extLst>
       <p:ext uri="{BB962C8B-B14F-4D97-AF65-F5344CB8AC3E}">

--- a/Путь к вершине.pptx
+++ b/Путь к вершине.pptx
@@ -13,11 +13,12 @@
     <p:sldId id="270" r:id="rId7"/>
     <p:sldId id="273" r:id="rId8"/>
     <p:sldId id="275" r:id="rId9"/>
-    <p:sldId id="267" r:id="rId10"/>
-    <p:sldId id="271" r:id="rId11"/>
-    <p:sldId id="272" r:id="rId12"/>
-    <p:sldId id="264" r:id="rId13"/>
-    <p:sldId id="269" r:id="rId14"/>
+    <p:sldId id="276" r:id="rId10"/>
+    <p:sldId id="267" r:id="rId11"/>
+    <p:sldId id="271" r:id="rId12"/>
+    <p:sldId id="272" r:id="rId13"/>
+    <p:sldId id="264" r:id="rId14"/>
+    <p:sldId id="269" r:id="rId15"/>
   </p:sldIdLst>
   <p:sldSz cx="9144000" cy="5143500" type="screen16x9"/>
   <p:notesSz cx="9144000" cy="5143500"/>
@@ -1901,6 +1902,266 @@
           <p:cNvPr id="2" name="Заголовок 1">
             <a:extLst>
               <a:ext uri="{FF2B5EF4-FFF2-40B4-BE49-F238E27FC236}">
+                <a16:creationId xmlns:a16="http://schemas.microsoft.com/office/drawing/2014/main" id="{01128847-121E-4AC9-960D-F22EF864B6F1}"/>
+              </a:ext>
+            </a:extLst>
+          </p:cNvPr>
+          <p:cNvSpPr>
+            <a:spLocks noGrp="1"/>
+          </p:cNvSpPr>
+          <p:nvPr>
+            <p:ph type="title"/>
+          </p:nvPr>
+        </p:nvSpPr>
+        <p:spPr>
+          <a:xfrm>
+            <a:off x="274546" y="1003299"/>
+            <a:ext cx="8594906" cy="430887"/>
+          </a:xfrm>
+        </p:spPr>
+        <p:txBody>
+          <a:bodyPr/>
+          <a:lstStyle/>
+          <a:p>
+            <a:r>
+              <a:rPr lang="ru-RU" dirty="0"/>
+              <a:t>Авторизация</a:t>
+            </a:r>
+          </a:p>
+        </p:txBody>
+      </p:sp>
+      <p:sp>
+        <p:nvSpPr>
+          <p:cNvPr id="3" name="Текст 2">
+            <a:extLst>
+              <a:ext uri="{FF2B5EF4-FFF2-40B4-BE49-F238E27FC236}">
+                <a16:creationId xmlns:a16="http://schemas.microsoft.com/office/drawing/2014/main" id="{9C23BAE9-D0E6-4EAE-BDB1-51C52D613253}"/>
+              </a:ext>
+            </a:extLst>
+          </p:cNvPr>
+          <p:cNvSpPr>
+            <a:spLocks noGrp="1"/>
+          </p:cNvSpPr>
+          <p:nvPr>
+            <p:ph type="body" idx="1"/>
+          </p:nvPr>
+        </p:nvSpPr>
+        <p:spPr>
+          <a:xfrm>
+            <a:off x="150654" y="1504950"/>
+            <a:ext cx="4192746" cy="553998"/>
+          </a:xfrm>
+        </p:spPr>
+        <p:txBody>
+          <a:bodyPr/>
+          <a:lstStyle/>
+          <a:p>
+            <a:r>
+              <a:rPr lang="ru-RU" dirty="0"/>
+              <a:t>Авторизация реализована через </a:t>
+            </a:r>
+            <a:r>
+              <a:rPr lang="en-US" dirty="0"/>
+              <a:t>Firebase Authentication</a:t>
+            </a:r>
+            <a:endParaRPr lang="ru-RU" dirty="0"/>
+          </a:p>
+        </p:txBody>
+      </p:sp>
+      <p:sp>
+        <p:nvSpPr>
+          <p:cNvPr id="8" name="Заголовок 1">
+            <a:extLst>
+              <a:ext uri="{FF2B5EF4-FFF2-40B4-BE49-F238E27FC236}">
+                <a16:creationId xmlns:a16="http://schemas.microsoft.com/office/drawing/2014/main" id="{7F3DFDA4-30E0-48C5-A3E6-B3F09D2B7831}"/>
+              </a:ext>
+            </a:extLst>
+          </p:cNvPr>
+          <p:cNvSpPr txBox="1">
+            <a:spLocks/>
+          </p:cNvSpPr>
+          <p:nvPr/>
+        </p:nvSpPr>
+        <p:spPr>
+          <a:xfrm>
+            <a:off x="255351" y="2417861"/>
+            <a:ext cx="563654" cy="430887"/>
+          </a:xfrm>
+          <a:prstGeom prst="rect">
+            <a:avLst/>
+          </a:prstGeom>
+        </p:spPr>
+        <p:txBody>
+          <a:bodyPr wrap="square" lIns="0" tIns="0" rIns="0" bIns="0">
+            <a:spAutoFit/>
+          </a:bodyPr>
+          <a:lstStyle>
+            <a:lvl1pPr>
+              <a:defRPr sz="2800" b="0" i="0">
+                <a:solidFill>
+                  <a:schemeClr val="tx2"/>
+                </a:solidFill>
+                <a:latin typeface="Calibri"/>
+                <a:ea typeface="+mj-ea"/>
+                <a:cs typeface="Calibri"/>
+              </a:defRPr>
+            </a:lvl1pPr>
+          </a:lstStyle>
+          <a:p>
+            <a:r>
+              <a:rPr lang="ru-RU" kern="0" dirty="0"/>
+              <a:t>Чат</a:t>
+            </a:r>
+          </a:p>
+        </p:txBody>
+      </p:sp>
+      <p:sp>
+        <p:nvSpPr>
+          <p:cNvPr id="4" name="TextBox 3">
+            <a:extLst>
+              <a:ext uri="{FF2B5EF4-FFF2-40B4-BE49-F238E27FC236}">
+                <a16:creationId xmlns:a16="http://schemas.microsoft.com/office/drawing/2014/main" id="{4C2A3272-CEC3-4FE4-A651-75D5205268BC}"/>
+              </a:ext>
+            </a:extLst>
+          </p:cNvPr>
+          <p:cNvSpPr txBox="1"/>
+          <p:nvPr/>
+        </p:nvSpPr>
+        <p:spPr>
+          <a:xfrm>
+            <a:off x="150654" y="2843658"/>
+            <a:ext cx="3383055" cy="646331"/>
+          </a:xfrm>
+          <a:prstGeom prst="rect">
+            <a:avLst/>
+          </a:prstGeom>
+          <a:noFill/>
+        </p:spPr>
+        <p:txBody>
+          <a:bodyPr wrap="square" rtlCol="0">
+            <a:spAutoFit/>
+          </a:bodyPr>
+          <a:lstStyle/>
+          <a:p>
+            <a:r>
+              <a:rPr lang="ru-RU" dirty="0"/>
+              <a:t>Сообщения хранятся в </a:t>
+            </a:r>
+            <a:r>
+              <a:rPr lang="en-US" dirty="0"/>
+              <a:t>Firebase Realtime Database</a:t>
+            </a:r>
+            <a:endParaRPr lang="ru-RU" dirty="0"/>
+          </a:p>
+        </p:txBody>
+      </p:sp>
+      <p:pic>
+        <p:nvPicPr>
+          <p:cNvPr id="11" name="Рисунок 10">
+            <a:extLst>
+              <a:ext uri="{FF2B5EF4-FFF2-40B4-BE49-F238E27FC236}">
+                <a16:creationId xmlns:a16="http://schemas.microsoft.com/office/drawing/2014/main" id="{4B80965E-D6DD-4621-88C4-30AF18404540}"/>
+              </a:ext>
+            </a:extLst>
+          </p:cNvPr>
+          <p:cNvPicPr>
+            <a:picLocks noChangeAspect="1"/>
+          </p:cNvPicPr>
+          <p:nvPr/>
+        </p:nvPicPr>
+        <p:blipFill>
+          <a:blip r:embed="rId2" cstate="print">
+            <a:extLst>
+              <a:ext uri="{28A0092B-C50C-407E-A947-70E740481C1C}">
+                <a14:useLocalDpi xmlns:a14="http://schemas.microsoft.com/office/drawing/2010/main" val="0"/>
+              </a:ext>
+            </a:extLst>
+          </a:blip>
+          <a:stretch>
+            <a:fillRect/>
+          </a:stretch>
+        </p:blipFill>
+        <p:spPr>
+          <a:xfrm>
+            <a:off x="4451259" y="0"/>
+            <a:ext cx="2314575" cy="5143500"/>
+          </a:xfrm>
+          <a:prstGeom prst="rect">
+            <a:avLst/>
+          </a:prstGeom>
+        </p:spPr>
+      </p:pic>
+      <p:pic>
+        <p:nvPicPr>
+          <p:cNvPr id="7" name="Рисунок 6">
+            <a:extLst>
+              <a:ext uri="{FF2B5EF4-FFF2-40B4-BE49-F238E27FC236}">
+                <a16:creationId xmlns:a16="http://schemas.microsoft.com/office/drawing/2014/main" id="{CF3E58E4-4EEB-454F-9CA8-AB798EBDA67F}"/>
+              </a:ext>
+            </a:extLst>
+          </p:cNvPr>
+          <p:cNvPicPr>
+            <a:picLocks noChangeAspect="1"/>
+          </p:cNvPicPr>
+          <p:nvPr/>
+        </p:nvPicPr>
+        <p:blipFill>
+          <a:blip r:embed="rId3" cstate="print">
+            <a:extLst>
+              <a:ext uri="{28A0092B-C50C-407E-A947-70E740481C1C}">
+                <a14:useLocalDpi xmlns:a14="http://schemas.microsoft.com/office/drawing/2010/main" val="0"/>
+              </a:ext>
+            </a:extLst>
+          </a:blip>
+          <a:stretch>
+            <a:fillRect/>
+          </a:stretch>
+        </p:blipFill>
+        <p:spPr>
+          <a:xfrm>
+            <a:off x="6774559" y="0"/>
+            <a:ext cx="2314575" cy="5143500"/>
+          </a:xfrm>
+          <a:prstGeom prst="rect">
+            <a:avLst/>
+          </a:prstGeom>
+        </p:spPr>
+      </p:pic>
+    </p:spTree>
+    <p:extLst>
+      <p:ext uri="{BB962C8B-B14F-4D97-AF65-F5344CB8AC3E}">
+        <p14:creationId xmlns:p14="http://schemas.microsoft.com/office/powerpoint/2010/main" val="1219835930"/>
+      </p:ext>
+    </p:extLst>
+  </p:cSld>
+  <p:clrMapOvr>
+    <a:masterClrMapping/>
+  </p:clrMapOvr>
+</p:sld>
+</file>
+
+<file path=ppt/slides/slide11.xml><?xml version="1.0" encoding="utf-8"?>
+<p:sld xmlns:a="http://schemas.openxmlformats.org/drawingml/2006/main" xmlns:r="http://schemas.openxmlformats.org/officeDocument/2006/relationships" xmlns:p="http://schemas.openxmlformats.org/presentationml/2006/main">
+  <p:cSld>
+    <p:spTree>
+      <p:nvGrpSpPr>
+        <p:cNvPr id="1" name=""/>
+        <p:cNvGrpSpPr/>
+        <p:nvPr/>
+      </p:nvGrpSpPr>
+      <p:grpSpPr>
+        <a:xfrm>
+          <a:off x="0" y="0"/>
+          <a:ext cx="0" cy="0"/>
+          <a:chOff x="0" y="0"/>
+          <a:chExt cx="0" cy="0"/>
+        </a:xfrm>
+      </p:grpSpPr>
+      <p:sp>
+        <p:nvSpPr>
+          <p:cNvPr id="2" name="Заголовок 1">
+            <a:extLst>
+              <a:ext uri="{FF2B5EF4-FFF2-40B4-BE49-F238E27FC236}">
                 <a16:creationId xmlns:a16="http://schemas.microsoft.com/office/drawing/2014/main" id="{A37387D9-8CEE-45B2-BD19-B4D5AD63ED7B}"/>
               </a:ext>
             </a:extLst>
@@ -1979,6 +2240,42 @@
           </a:p>
         </p:txBody>
       </p:sp>
+      <p:pic>
+        <p:nvPicPr>
+          <p:cNvPr id="7" name="Рисунок 6">
+            <a:extLst>
+              <a:ext uri="{FF2B5EF4-FFF2-40B4-BE49-F238E27FC236}">
+                <a16:creationId xmlns:a16="http://schemas.microsoft.com/office/drawing/2014/main" id="{ADB0514A-53A2-4835-B42C-F4011ADD0070}"/>
+              </a:ext>
+            </a:extLst>
+          </p:cNvPr>
+          <p:cNvPicPr>
+            <a:picLocks noChangeAspect="1"/>
+          </p:cNvPicPr>
+          <p:nvPr/>
+        </p:nvPicPr>
+        <p:blipFill>
+          <a:blip r:embed="rId2" cstate="print">
+            <a:extLst>
+              <a:ext uri="{28A0092B-C50C-407E-A947-70E740481C1C}">
+                <a14:useLocalDpi xmlns:a14="http://schemas.microsoft.com/office/drawing/2010/main" val="0"/>
+              </a:ext>
+            </a:extLst>
+          </a:blip>
+          <a:stretch>
+            <a:fillRect/>
+          </a:stretch>
+        </p:blipFill>
+        <p:spPr>
+          <a:xfrm>
+            <a:off x="5181600" y="30393"/>
+            <a:ext cx="2314575" cy="5143500"/>
+          </a:xfrm>
+          <a:prstGeom prst="rect">
+            <a:avLst/>
+          </a:prstGeom>
+        </p:spPr>
+      </p:pic>
     </p:spTree>
     <p:extLst>
       <p:ext uri="{BB962C8B-B14F-4D97-AF65-F5344CB8AC3E}">
@@ -1992,7 +2289,7 @@
 </p:sld>
 </file>
 
-<file path=ppt/slides/slide11.xml><?xml version="1.0" encoding="utf-8"?>
+<file path=ppt/slides/slide12.xml><?xml version="1.0" encoding="utf-8"?>
 <p:sld xmlns:a="http://schemas.openxmlformats.org/drawingml/2006/main" xmlns:r="http://schemas.openxmlformats.org/officeDocument/2006/relationships" xmlns:p="http://schemas.openxmlformats.org/presentationml/2006/main">
   <p:cSld>
     <p:spTree>
@@ -2082,6 +2379,42 @@
           </a:p>
         </p:txBody>
       </p:sp>
+      <p:pic>
+        <p:nvPicPr>
+          <p:cNvPr id="5" name="Рисунок 4">
+            <a:extLst>
+              <a:ext uri="{FF2B5EF4-FFF2-40B4-BE49-F238E27FC236}">
+                <a16:creationId xmlns:a16="http://schemas.microsoft.com/office/drawing/2014/main" id="{C003539C-E8F0-44FD-9068-F680664586D1}"/>
+              </a:ext>
+            </a:extLst>
+          </p:cNvPr>
+          <p:cNvPicPr>
+            <a:picLocks noChangeAspect="1"/>
+          </p:cNvPicPr>
+          <p:nvPr/>
+        </p:nvPicPr>
+        <p:blipFill>
+          <a:blip r:embed="rId2" cstate="print">
+            <a:extLst>
+              <a:ext uri="{28A0092B-C50C-407E-A947-70E740481C1C}">
+                <a14:useLocalDpi xmlns:a14="http://schemas.microsoft.com/office/drawing/2010/main" val="0"/>
+              </a:ext>
+            </a:extLst>
+          </a:blip>
+          <a:stretch>
+            <a:fillRect/>
+          </a:stretch>
+        </p:blipFill>
+        <p:spPr>
+          <a:xfrm>
+            <a:off x="5867400" y="0"/>
+            <a:ext cx="2314575" cy="5143500"/>
+          </a:xfrm>
+          <a:prstGeom prst="rect">
+            <a:avLst/>
+          </a:prstGeom>
+        </p:spPr>
+      </p:pic>
     </p:spTree>
     <p:extLst>
       <p:ext uri="{BB962C8B-B14F-4D97-AF65-F5344CB8AC3E}">
@@ -2095,7 +2428,7 @@
 </p:sld>
 </file>
 
-<file path=ppt/slides/slide12.xml><?xml version="1.0" encoding="utf-8"?>
+<file path=ppt/slides/slide13.xml><?xml version="1.0" encoding="utf-8"?>
 <p:sld xmlns:a="http://schemas.openxmlformats.org/drawingml/2006/main" xmlns:r="http://schemas.openxmlformats.org/officeDocument/2006/relationships" xmlns:p="http://schemas.openxmlformats.org/presentationml/2006/main">
   <p:cSld>
     <p:spTree>
@@ -2242,7 +2575,7 @@
 </p:sld>
 </file>
 
-<file path=ppt/slides/slide13.xml><?xml version="1.0" encoding="utf-8"?>
+<file path=ppt/slides/slide14.xml><?xml version="1.0" encoding="utf-8"?>
 <p:sld xmlns:a="http://schemas.openxmlformats.org/drawingml/2006/main" xmlns:r="http://schemas.openxmlformats.org/officeDocument/2006/relationships" xmlns:p="http://schemas.openxmlformats.org/presentationml/2006/main">
   <p:cSld>
     <p:spTree>
@@ -9165,6 +9498,78 @@
           </a:p>
         </p:txBody>
       </p:sp>
+      <p:pic>
+        <p:nvPicPr>
+          <p:cNvPr id="7" name="Рисунок 6">
+            <a:extLst>
+              <a:ext uri="{FF2B5EF4-FFF2-40B4-BE49-F238E27FC236}">
+                <a16:creationId xmlns:a16="http://schemas.microsoft.com/office/drawing/2014/main" id="{B458301C-2FFC-4645-AA51-404DE3B60702}"/>
+              </a:ext>
+            </a:extLst>
+          </p:cNvPr>
+          <p:cNvPicPr>
+            <a:picLocks noChangeAspect="1"/>
+          </p:cNvPicPr>
+          <p:nvPr/>
+        </p:nvPicPr>
+        <p:blipFill>
+          <a:blip r:embed="rId2" cstate="print">
+            <a:extLst>
+              <a:ext uri="{28A0092B-C50C-407E-A947-70E740481C1C}">
+                <a14:useLocalDpi xmlns:a14="http://schemas.microsoft.com/office/drawing/2010/main" val="0"/>
+              </a:ext>
+            </a:extLst>
+          </a:blip>
+          <a:stretch>
+            <a:fillRect/>
+          </a:stretch>
+        </p:blipFill>
+        <p:spPr>
+          <a:xfrm>
+            <a:off x="4319989" y="0"/>
+            <a:ext cx="2314575" cy="5143500"/>
+          </a:xfrm>
+          <a:prstGeom prst="rect">
+            <a:avLst/>
+          </a:prstGeom>
+        </p:spPr>
+      </p:pic>
+      <p:pic>
+        <p:nvPicPr>
+          <p:cNvPr id="11" name="Рисунок 10">
+            <a:extLst>
+              <a:ext uri="{FF2B5EF4-FFF2-40B4-BE49-F238E27FC236}">
+                <a16:creationId xmlns:a16="http://schemas.microsoft.com/office/drawing/2014/main" id="{538D506C-542D-405D-A7BA-C376BA2D858D}"/>
+              </a:ext>
+            </a:extLst>
+          </p:cNvPr>
+          <p:cNvPicPr>
+            <a:picLocks noChangeAspect="1"/>
+          </p:cNvPicPr>
+          <p:nvPr/>
+        </p:nvPicPr>
+        <p:blipFill>
+          <a:blip r:embed="rId3" cstate="print">
+            <a:extLst>
+              <a:ext uri="{28A0092B-C50C-407E-A947-70E740481C1C}">
+                <a14:useLocalDpi xmlns:a14="http://schemas.microsoft.com/office/drawing/2010/main" val="0"/>
+              </a:ext>
+            </a:extLst>
+          </a:blip>
+          <a:stretch>
+            <a:fillRect/>
+          </a:stretch>
+        </p:blipFill>
+        <p:spPr>
+          <a:xfrm>
+            <a:off x="6691815" y="0"/>
+            <a:ext cx="2314575" cy="5143500"/>
+          </a:xfrm>
+          <a:prstGeom prst="rect">
+            <a:avLst/>
+          </a:prstGeom>
+        </p:spPr>
+      </p:pic>
     </p:spTree>
     <p:extLst>
       <p:ext uri="{BB962C8B-B14F-4D97-AF65-F5344CB8AC3E}">
@@ -9213,7 +9618,7 @@
         </p:nvSpPr>
         <p:spPr>
           <a:xfrm>
-            <a:off x="274546" y="1003299"/>
+            <a:off x="185738" y="971550"/>
             <a:ext cx="8594906" cy="430887"/>
           </a:xfrm>
         </p:spPr>
@@ -9277,7 +9682,7 @@
         </p:nvSpPr>
         <p:spPr>
           <a:xfrm>
-            <a:off x="274546" y="2612947"/>
+            <a:off x="185738" y="2612947"/>
             <a:ext cx="8594906" cy="430887"/>
           </a:xfrm>
           <a:prstGeom prst="rect">
@@ -9411,6 +9816,78 @@
           </a:p>
         </p:txBody>
       </p:sp>
+      <p:pic>
+        <p:nvPicPr>
+          <p:cNvPr id="9" name="Рисунок 8">
+            <a:extLst>
+              <a:ext uri="{FF2B5EF4-FFF2-40B4-BE49-F238E27FC236}">
+                <a16:creationId xmlns:a16="http://schemas.microsoft.com/office/drawing/2014/main" id="{078A1B33-4FA2-4B5A-BD9F-CF87E4E9CD5C}"/>
+              </a:ext>
+            </a:extLst>
+          </p:cNvPr>
+          <p:cNvPicPr>
+            <a:picLocks noChangeAspect="1"/>
+          </p:cNvPicPr>
+          <p:nvPr/>
+        </p:nvPicPr>
+        <p:blipFill>
+          <a:blip r:embed="rId2" cstate="print">
+            <a:extLst>
+              <a:ext uri="{28A0092B-C50C-407E-A947-70E740481C1C}">
+                <a14:useLocalDpi xmlns:a14="http://schemas.microsoft.com/office/drawing/2010/main" val="0"/>
+              </a:ext>
+            </a:extLst>
+          </a:blip>
+          <a:stretch>
+            <a:fillRect/>
+          </a:stretch>
+        </p:blipFill>
+        <p:spPr>
+          <a:xfrm>
+            <a:off x="4419600" y="0"/>
+            <a:ext cx="2314575" cy="5143500"/>
+          </a:xfrm>
+          <a:prstGeom prst="rect">
+            <a:avLst/>
+          </a:prstGeom>
+        </p:spPr>
+      </p:pic>
+      <p:pic>
+        <p:nvPicPr>
+          <p:cNvPr id="13" name="Рисунок 12">
+            <a:extLst>
+              <a:ext uri="{FF2B5EF4-FFF2-40B4-BE49-F238E27FC236}">
+                <a16:creationId xmlns:a16="http://schemas.microsoft.com/office/drawing/2014/main" id="{2962548F-6675-4FC9-A5C3-C5A4E5D3DB15}"/>
+              </a:ext>
+            </a:extLst>
+          </p:cNvPr>
+          <p:cNvPicPr>
+            <a:picLocks noChangeAspect="1"/>
+          </p:cNvPicPr>
+          <p:nvPr/>
+        </p:nvPicPr>
+        <p:blipFill>
+          <a:blip r:embed="rId3" cstate="print">
+            <a:extLst>
+              <a:ext uri="{28A0092B-C50C-407E-A947-70E740481C1C}">
+                <a14:useLocalDpi xmlns:a14="http://schemas.microsoft.com/office/drawing/2010/main" val="0"/>
+              </a:ext>
+            </a:extLst>
+          </a:blip>
+          <a:stretch>
+            <a:fillRect/>
+          </a:stretch>
+        </p:blipFill>
+        <p:spPr>
+          <a:xfrm>
+            <a:off x="6797766" y="-2762"/>
+            <a:ext cx="2314575" cy="5143500"/>
+          </a:xfrm>
+          <a:prstGeom prst="rect">
+            <a:avLst/>
+          </a:prstGeom>
+        </p:spPr>
+      </p:pic>
     </p:spTree>
     <p:extLst>
       <p:ext uri="{BB962C8B-B14F-4D97-AF65-F5344CB8AC3E}">
@@ -9446,7 +9923,7 @@
           <p:cNvPr id="2" name="Заголовок 1">
             <a:extLst>
               <a:ext uri="{FF2B5EF4-FFF2-40B4-BE49-F238E27FC236}">
-                <a16:creationId xmlns:a16="http://schemas.microsoft.com/office/drawing/2014/main" id="{01128847-121E-4AC9-960D-F22EF864B6F1}"/>
+                <a16:creationId xmlns:a16="http://schemas.microsoft.com/office/drawing/2014/main" id="{A2297070-5D18-42F9-8C12-4BDF03CCD5EF}"/>
               </a:ext>
             </a:extLst>
           </p:cNvPr>
@@ -9469,7 +9946,7 @@
           <a:p>
             <a:r>
               <a:rPr lang="ru-RU" dirty="0"/>
-              <a:t>Авторизация</a:t>
+              <a:t>Структура БД</a:t>
             </a:r>
           </a:p>
         </p:txBody>
@@ -9479,7 +9956,7 @@
           <p:cNvPr id="3" name="Текст 2">
             <a:extLst>
               <a:ext uri="{FF2B5EF4-FFF2-40B4-BE49-F238E27FC236}">
-                <a16:creationId xmlns:a16="http://schemas.microsoft.com/office/drawing/2014/main" id="{9C23BAE9-D0E6-4EAE-BDB1-51C52D613253}"/>
+                <a16:creationId xmlns:a16="http://schemas.microsoft.com/office/drawing/2014/main" id="{07BEE665-57A1-4648-A414-C9DB6863D8F1}"/>
               </a:ext>
             </a:extLst>
           </p:cNvPr>
@@ -9490,121 +9967,21 @@
             <p:ph type="body" idx="1"/>
           </p:nvPr>
         </p:nvSpPr>
-        <p:spPr>
-          <a:xfrm>
-            <a:off x="150654" y="1504950"/>
-            <a:ext cx="4192746" cy="553998"/>
-          </a:xfrm>
-        </p:spPr>
+        <p:spPr/>
         <p:txBody>
           <a:bodyPr/>
           <a:lstStyle/>
           <a:p>
-            <a:r>
-              <a:rPr lang="ru-RU" dirty="0"/>
-              <a:t>Авторизация реализована через </a:t>
-            </a:r>
-            <a:r>
-              <a:rPr lang="en-US" dirty="0"/>
-              <a:t>Firebase Authentication</a:t>
-            </a:r>
-            <a:endParaRPr lang="ru-RU" dirty="0"/>
-          </a:p>
-        </p:txBody>
-      </p:sp>
-      <p:sp>
-        <p:nvSpPr>
-          <p:cNvPr id="8" name="Заголовок 1">
-            <a:extLst>
-              <a:ext uri="{FF2B5EF4-FFF2-40B4-BE49-F238E27FC236}">
-                <a16:creationId xmlns:a16="http://schemas.microsoft.com/office/drawing/2014/main" id="{7F3DFDA4-30E0-48C5-A3E6-B3F09D2B7831}"/>
-              </a:ext>
-            </a:extLst>
-          </p:cNvPr>
-          <p:cNvSpPr txBox="1">
-            <a:spLocks/>
-          </p:cNvSpPr>
-          <p:nvPr/>
-        </p:nvSpPr>
-        <p:spPr>
-          <a:xfrm>
-            <a:off x="255351" y="2417861"/>
-            <a:ext cx="563654" cy="430887"/>
-          </a:xfrm>
-          <a:prstGeom prst="rect">
-            <a:avLst/>
-          </a:prstGeom>
-        </p:spPr>
-        <p:txBody>
-          <a:bodyPr wrap="square" lIns="0" tIns="0" rIns="0" bIns="0">
-            <a:spAutoFit/>
-          </a:bodyPr>
-          <a:lstStyle>
-            <a:lvl1pPr>
-              <a:defRPr sz="2800" b="0" i="0">
-                <a:solidFill>
-                  <a:schemeClr val="tx2"/>
-                </a:solidFill>
-                <a:latin typeface="Calibri"/>
-                <a:ea typeface="+mj-ea"/>
-                <a:cs typeface="Calibri"/>
-              </a:defRPr>
-            </a:lvl1pPr>
-          </a:lstStyle>
-          <a:p>
-            <a:r>
-              <a:rPr lang="ru-RU" kern="0" dirty="0"/>
-              <a:t>Чат</a:t>
-            </a:r>
-          </a:p>
-        </p:txBody>
-      </p:sp>
-      <p:sp>
-        <p:nvSpPr>
-          <p:cNvPr id="4" name="TextBox 3">
-            <a:extLst>
-              <a:ext uri="{FF2B5EF4-FFF2-40B4-BE49-F238E27FC236}">
-                <a16:creationId xmlns:a16="http://schemas.microsoft.com/office/drawing/2014/main" id="{4C2A3272-CEC3-4FE4-A651-75D5205268BC}"/>
-              </a:ext>
-            </a:extLst>
-          </p:cNvPr>
-          <p:cNvSpPr txBox="1"/>
-          <p:nvPr/>
-        </p:nvSpPr>
-        <p:spPr>
-          <a:xfrm>
-            <a:off x="150654" y="2843658"/>
-            <a:ext cx="3383055" cy="646331"/>
-          </a:xfrm>
-          <a:prstGeom prst="rect">
-            <a:avLst/>
-          </a:prstGeom>
-          <a:noFill/>
-        </p:spPr>
-        <p:txBody>
-          <a:bodyPr wrap="square" rtlCol="0">
-            <a:spAutoFit/>
-          </a:bodyPr>
-          <a:lstStyle/>
-          <a:p>
-            <a:r>
-              <a:rPr lang="ru-RU" dirty="0"/>
-              <a:t>Сообщения хранятся в </a:t>
-            </a:r>
-            <a:r>
-              <a:rPr lang="en-US" dirty="0"/>
-              <a:t>Firebase Realtime Database</a:t>
-            </a:r>
             <a:endParaRPr lang="ru-RU" dirty="0"/>
           </a:p>
         </p:txBody>
       </p:sp>
       <p:pic>
         <p:nvPicPr>
-          <p:cNvPr id="6" name="Рисунок 5">
+          <p:cNvPr id="5" name="Рисунок 4">
             <a:extLst>
               <a:ext uri="{FF2B5EF4-FFF2-40B4-BE49-F238E27FC236}">
-                <a16:creationId xmlns:a16="http://schemas.microsoft.com/office/drawing/2014/main" id="{E48DC129-0943-434F-8266-5AC05E15A724}"/>
+                <a16:creationId xmlns:a16="http://schemas.microsoft.com/office/drawing/2014/main" id="{BC25BC20-4698-4155-8564-6B08C8C10E7E}"/>
               </a:ext>
             </a:extLst>
           </p:cNvPr>
@@ -9614,7 +9991,7 @@
           <p:nvPr/>
         </p:nvPicPr>
         <p:blipFill>
-          <a:blip r:embed="rId2" cstate="print">
+          <a:blip r:embed="rId2">
             <a:extLst>
               <a:ext uri="{28A0092B-C50C-407E-A947-70E740481C1C}">
                 <a14:useLocalDpi xmlns:a14="http://schemas.microsoft.com/office/drawing/2010/main" val="0"/>
@@ -9627,8 +10004,8 @@
         </p:blipFill>
         <p:spPr>
           <a:xfrm>
-            <a:off x="6829425" y="0"/>
-            <a:ext cx="2314575" cy="5143500"/>
+            <a:off x="4830566" y="29229"/>
+            <a:ext cx="4313432" cy="2623216"/>
           </a:xfrm>
           <a:prstGeom prst="rect">
             <a:avLst/>
@@ -9637,10 +10014,10 @@
       </p:pic>
       <p:pic>
         <p:nvPicPr>
-          <p:cNvPr id="11" name="Рисунок 10">
+          <p:cNvPr id="7" name="Рисунок 6">
             <a:extLst>
               <a:ext uri="{FF2B5EF4-FFF2-40B4-BE49-F238E27FC236}">
-                <a16:creationId xmlns:a16="http://schemas.microsoft.com/office/drawing/2014/main" id="{4B80965E-D6DD-4621-88C4-30AF18404540}"/>
+                <a16:creationId xmlns:a16="http://schemas.microsoft.com/office/drawing/2014/main" id="{D37447D1-C310-45B7-89B8-A1EA739D502D}"/>
               </a:ext>
             </a:extLst>
           </p:cNvPr>
@@ -9650,7 +10027,7 @@
           <p:nvPr/>
         </p:nvPicPr>
         <p:blipFill>
-          <a:blip r:embed="rId3" cstate="print">
+          <a:blip r:embed="rId3">
             <a:extLst>
               <a:ext uri="{28A0092B-C50C-407E-A947-70E740481C1C}">
                 <a14:useLocalDpi xmlns:a14="http://schemas.microsoft.com/office/drawing/2010/main" val="0"/>
@@ -9663,8 +10040,44 @@
         </p:blipFill>
         <p:spPr>
           <a:xfrm>
-            <a:off x="4451259" y="0"/>
-            <a:ext cx="2314575" cy="5143500"/>
+            <a:off x="4850343" y="2175653"/>
+            <a:ext cx="4264873" cy="2967847"/>
+          </a:xfrm>
+          <a:prstGeom prst="rect">
+            <a:avLst/>
+          </a:prstGeom>
+        </p:spPr>
+      </p:pic>
+      <p:pic>
+        <p:nvPicPr>
+          <p:cNvPr id="9" name="Рисунок 8">
+            <a:extLst>
+              <a:ext uri="{FF2B5EF4-FFF2-40B4-BE49-F238E27FC236}">
+                <a16:creationId xmlns:a16="http://schemas.microsoft.com/office/drawing/2014/main" id="{86DD5F33-0C34-4EC1-A375-35D4D088B9EB}"/>
+              </a:ext>
+            </a:extLst>
+          </p:cNvPr>
+          <p:cNvPicPr>
+            <a:picLocks noChangeAspect="1"/>
+          </p:cNvPicPr>
+          <p:nvPr/>
+        </p:nvPicPr>
+        <p:blipFill>
+          <a:blip r:embed="rId4">
+            <a:extLst>
+              <a:ext uri="{28A0092B-C50C-407E-A947-70E740481C1C}">
+                <a14:useLocalDpi xmlns:a14="http://schemas.microsoft.com/office/drawing/2010/main" val="0"/>
+              </a:ext>
+            </a:extLst>
+          </a:blip>
+          <a:stretch>
+            <a:fillRect/>
+          </a:stretch>
+        </p:blipFill>
+        <p:spPr>
+          <a:xfrm>
+            <a:off x="107183" y="1530001"/>
+            <a:ext cx="4599767" cy="3575964"/>
           </a:xfrm>
           <a:prstGeom prst="rect">
             <a:avLst/>
@@ -9674,7 +10087,7 @@
     </p:spTree>
     <p:extLst>
       <p:ext uri="{BB962C8B-B14F-4D97-AF65-F5344CB8AC3E}">
-        <p14:creationId xmlns:p14="http://schemas.microsoft.com/office/powerpoint/2010/main" val="1219835930"/>
+        <p14:creationId xmlns:p14="http://schemas.microsoft.com/office/powerpoint/2010/main" val="3488993198"/>
       </p:ext>
     </p:extLst>
   </p:cSld>
